--- a/finalPresentation/Part 3/Part3.pptx
+++ b/finalPresentation/Part 3/Part3.pptx
@@ -7,24 +7,34 @@
     <p:sldMasterId id="2147483681" r:id="rId3"/>
   </p:sldMasterIdLst>
   <p:notesMasterIdLst>
-    <p:notesMasterId r:id="rId19"/>
+    <p:notesMasterId r:id="rId29"/>
   </p:notesMasterIdLst>
   <p:sldIdLst>
-    <p:sldId id="268" r:id="rId4"/>
-    <p:sldId id="269" r:id="rId5"/>
-    <p:sldId id="270" r:id="rId6"/>
-    <p:sldId id="271" r:id="rId7"/>
-    <p:sldId id="272" r:id="rId8"/>
-    <p:sldId id="273" r:id="rId9"/>
-    <p:sldId id="274" r:id="rId10"/>
-    <p:sldId id="275" r:id="rId11"/>
-    <p:sldId id="276" r:id="rId12"/>
-    <p:sldId id="277" r:id="rId13"/>
-    <p:sldId id="278" r:id="rId14"/>
-    <p:sldId id="279" r:id="rId15"/>
-    <p:sldId id="280" r:id="rId16"/>
-    <p:sldId id="281" r:id="rId17"/>
-    <p:sldId id="282" r:id="rId18"/>
+    <p:sldId id="292" r:id="rId4"/>
+    <p:sldId id="268" r:id="rId5"/>
+    <p:sldId id="269" r:id="rId6"/>
+    <p:sldId id="270" r:id="rId7"/>
+    <p:sldId id="271" r:id="rId8"/>
+    <p:sldId id="283" r:id="rId9"/>
+    <p:sldId id="284" r:id="rId10"/>
+    <p:sldId id="285" r:id="rId11"/>
+    <p:sldId id="286" r:id="rId12"/>
+    <p:sldId id="272" r:id="rId13"/>
+    <p:sldId id="273" r:id="rId14"/>
+    <p:sldId id="274" r:id="rId15"/>
+    <p:sldId id="275" r:id="rId16"/>
+    <p:sldId id="276" r:id="rId17"/>
+    <p:sldId id="277" r:id="rId18"/>
+    <p:sldId id="278" r:id="rId19"/>
+    <p:sldId id="279" r:id="rId20"/>
+    <p:sldId id="280" r:id="rId21"/>
+    <p:sldId id="281" r:id="rId22"/>
+    <p:sldId id="282" r:id="rId23"/>
+    <p:sldId id="287" r:id="rId24"/>
+    <p:sldId id="288" r:id="rId25"/>
+    <p:sldId id="289" r:id="rId26"/>
+    <p:sldId id="290" r:id="rId27"/>
+    <p:sldId id="291" r:id="rId28"/>
   </p:sldIdLst>
   <p:sldSz cx="9144000" cy="6858000" type="screen4x3"/>
   <p:notesSz cx="9906000" cy="6794500"/>
@@ -605,7 +615,7 @@
           <a:p>
             <a:fld id="{E73CFAA4-C87D-1545-9F8E-F35BF2220A99}" type="slidenum">
               <a:rPr lang="it-IT" smtClean="0"/>
-              <a:t>1</a:t>
+              <a:t>2</a:t>
             </a:fld>
             <a:endParaRPr lang="it-IT"/>
           </a:p>
@@ -615,6 +625,562 @@
     <p:extLst>
       <p:ext uri="{BB962C8B-B14F-4D97-AF65-F5344CB8AC3E}">
         <p14:creationId xmlns:p14="http://schemas.microsoft.com/office/powerpoint/2010/main" val="2759415330"/>
+      </p:ext>
+    </p:extLst>
+  </p:cSld>
+  <p:clrMapOvr>
+    <a:masterClrMapping/>
+  </p:clrMapOvr>
+</p:notes>
+</file>
+
+<file path=ppt/notesSlides/notesSlide2.xml><?xml version="1.0" encoding="utf-8"?>
+<p:notes xmlns:a="http://schemas.openxmlformats.org/drawingml/2006/main" xmlns:r="http://schemas.openxmlformats.org/officeDocument/2006/relationships" xmlns:p="http://schemas.openxmlformats.org/presentationml/2006/main">
+  <p:cSld>
+    <p:spTree>
+      <p:nvGrpSpPr>
+        <p:cNvPr id="1" name=""/>
+        <p:cNvGrpSpPr/>
+        <p:nvPr/>
+      </p:nvGrpSpPr>
+      <p:grpSpPr>
+        <a:xfrm>
+          <a:off x="0" y="0"/>
+          <a:ext cx="0" cy="0"/>
+          <a:chOff x="0" y="0"/>
+          <a:chExt cx="0" cy="0"/>
+        </a:xfrm>
+      </p:grpSpPr>
+      <p:sp>
+        <p:nvSpPr>
+          <p:cNvPr id="2" name="Slide Image Placeholder 1"/>
+          <p:cNvSpPr>
+            <a:spLocks noGrp="1" noRot="1" noChangeAspect="1"/>
+          </p:cNvSpPr>
+          <p:nvPr>
+            <p:ph type="sldImg"/>
+          </p:nvPr>
+        </p:nvSpPr>
+        <p:spPr/>
+      </p:sp>
+      <p:sp>
+        <p:nvSpPr>
+          <p:cNvPr id="3" name="Notes Placeholder 2"/>
+          <p:cNvSpPr>
+            <a:spLocks noGrp="1"/>
+          </p:cNvSpPr>
+          <p:nvPr>
+            <p:ph type="body" idx="1"/>
+          </p:nvPr>
+        </p:nvSpPr>
+        <p:spPr/>
+        <p:txBody>
+          <a:bodyPr/>
+          <a:lstStyle/>
+          <a:p>
+            <a:r>
+              <a:rPr lang="it-IT" dirty="0"/>
+              <a:t>How do we weight Q and R?</a:t>
+            </a:r>
+          </a:p>
+          <a:p>
+            <a:r>
+              <a:rPr lang="it-IT" dirty="0"/>
+              <a:t>Why didnt we include an</a:t>
+            </a:r>
+            <a:r>
+              <a:rPr lang="it-IT" baseline="0" dirty="0"/>
+              <a:t> integral action.</a:t>
+            </a:r>
+            <a:endParaRPr lang="it-IT" dirty="0"/>
+          </a:p>
+        </p:txBody>
+      </p:sp>
+      <p:sp>
+        <p:nvSpPr>
+          <p:cNvPr id="4" name="Slide Number Placeholder 3"/>
+          <p:cNvSpPr>
+            <a:spLocks noGrp="1"/>
+          </p:cNvSpPr>
+          <p:nvPr>
+            <p:ph type="sldNum" sz="quarter" idx="10"/>
+          </p:nvPr>
+        </p:nvSpPr>
+        <p:spPr/>
+        <p:txBody>
+          <a:bodyPr/>
+          <a:lstStyle/>
+          <a:p>
+            <a:fld id="{E73CFAA4-C87D-1545-9F8E-F35BF2220A99}" type="slidenum">
+              <a:rPr lang="it-IT" smtClean="0"/>
+              <a:t>6</a:t>
+            </a:fld>
+            <a:endParaRPr lang="it-IT"/>
+          </a:p>
+        </p:txBody>
+      </p:sp>
+    </p:spTree>
+    <p:extLst>
+      <p:ext uri="{BB962C8B-B14F-4D97-AF65-F5344CB8AC3E}">
+        <p14:creationId xmlns:p14="http://schemas.microsoft.com/office/powerpoint/2010/main" val="2716622868"/>
+      </p:ext>
+    </p:extLst>
+  </p:cSld>
+  <p:clrMapOvr>
+    <a:masterClrMapping/>
+  </p:clrMapOvr>
+</p:notes>
+</file>
+
+<file path=ppt/notesSlides/notesSlide3.xml><?xml version="1.0" encoding="utf-8"?>
+<p:notes xmlns:a="http://schemas.openxmlformats.org/drawingml/2006/main" xmlns:r="http://schemas.openxmlformats.org/officeDocument/2006/relationships" xmlns:p="http://schemas.openxmlformats.org/presentationml/2006/main">
+  <p:cSld>
+    <p:spTree>
+      <p:nvGrpSpPr>
+        <p:cNvPr id="1" name=""/>
+        <p:cNvGrpSpPr/>
+        <p:nvPr/>
+      </p:nvGrpSpPr>
+      <p:grpSpPr>
+        <a:xfrm>
+          <a:off x="0" y="0"/>
+          <a:ext cx="0" cy="0"/>
+          <a:chOff x="0" y="0"/>
+          <a:chExt cx="0" cy="0"/>
+        </a:xfrm>
+      </p:grpSpPr>
+      <p:sp>
+        <p:nvSpPr>
+          <p:cNvPr id="2" name="Slide Image Placeholder 1"/>
+          <p:cNvSpPr>
+            <a:spLocks noGrp="1" noRot="1" noChangeAspect="1"/>
+          </p:cNvSpPr>
+          <p:nvPr>
+            <p:ph type="sldImg"/>
+          </p:nvPr>
+        </p:nvSpPr>
+        <p:spPr/>
+      </p:sp>
+      <p:sp>
+        <p:nvSpPr>
+          <p:cNvPr id="3" name="Notes Placeholder 2"/>
+          <p:cNvSpPr>
+            <a:spLocks noGrp="1"/>
+          </p:cNvSpPr>
+          <p:nvPr>
+            <p:ph type="body" idx="1"/>
+          </p:nvPr>
+        </p:nvSpPr>
+        <p:spPr/>
+        <p:txBody>
+          <a:bodyPr/>
+          <a:lstStyle/>
+          <a:p>
+            <a:endParaRPr lang="it-IT" dirty="0"/>
+          </a:p>
+        </p:txBody>
+      </p:sp>
+      <p:sp>
+        <p:nvSpPr>
+          <p:cNvPr id="4" name="Slide Number Placeholder 3"/>
+          <p:cNvSpPr>
+            <a:spLocks noGrp="1"/>
+          </p:cNvSpPr>
+          <p:nvPr>
+            <p:ph type="sldNum" sz="quarter" idx="10"/>
+          </p:nvPr>
+        </p:nvSpPr>
+        <p:spPr/>
+        <p:txBody>
+          <a:bodyPr/>
+          <a:lstStyle/>
+          <a:p>
+            <a:fld id="{E73CFAA4-C87D-1545-9F8E-F35BF2220A99}" type="slidenum">
+              <a:rPr lang="it-IT" smtClean="0"/>
+              <a:t>7</a:t>
+            </a:fld>
+            <a:endParaRPr lang="it-IT"/>
+          </a:p>
+        </p:txBody>
+      </p:sp>
+    </p:spTree>
+    <p:extLst>
+      <p:ext uri="{BB962C8B-B14F-4D97-AF65-F5344CB8AC3E}">
+        <p14:creationId xmlns:p14="http://schemas.microsoft.com/office/powerpoint/2010/main" val="1875527903"/>
+      </p:ext>
+    </p:extLst>
+  </p:cSld>
+  <p:clrMapOvr>
+    <a:masterClrMapping/>
+  </p:clrMapOvr>
+</p:notes>
+</file>
+
+<file path=ppt/notesSlides/notesSlide4.xml><?xml version="1.0" encoding="utf-8"?>
+<p:notes xmlns:a="http://schemas.openxmlformats.org/drawingml/2006/main" xmlns:r="http://schemas.openxmlformats.org/officeDocument/2006/relationships" xmlns:p="http://schemas.openxmlformats.org/presentationml/2006/main">
+  <p:cSld>
+    <p:spTree>
+      <p:nvGrpSpPr>
+        <p:cNvPr id="1" name=""/>
+        <p:cNvGrpSpPr/>
+        <p:nvPr/>
+      </p:nvGrpSpPr>
+      <p:grpSpPr>
+        <a:xfrm>
+          <a:off x="0" y="0"/>
+          <a:ext cx="0" cy="0"/>
+          <a:chOff x="0" y="0"/>
+          <a:chExt cx="0" cy="0"/>
+        </a:xfrm>
+      </p:grpSpPr>
+      <p:sp>
+        <p:nvSpPr>
+          <p:cNvPr id="2" name="Slide Image Placeholder 1"/>
+          <p:cNvSpPr>
+            <a:spLocks noGrp="1" noRot="1" noChangeAspect="1"/>
+          </p:cNvSpPr>
+          <p:nvPr>
+            <p:ph type="sldImg"/>
+          </p:nvPr>
+        </p:nvSpPr>
+        <p:spPr/>
+      </p:sp>
+      <p:sp>
+        <p:nvSpPr>
+          <p:cNvPr id="3" name="Notes Placeholder 2"/>
+          <p:cNvSpPr>
+            <a:spLocks noGrp="1"/>
+          </p:cNvSpPr>
+          <p:nvPr>
+            <p:ph type="body" idx="1"/>
+          </p:nvPr>
+        </p:nvSpPr>
+        <p:spPr/>
+        <p:txBody>
+          <a:bodyPr/>
+          <a:lstStyle/>
+          <a:p>
+            <a:endParaRPr lang="it-IT" dirty="0"/>
+          </a:p>
+        </p:txBody>
+      </p:sp>
+      <p:sp>
+        <p:nvSpPr>
+          <p:cNvPr id="4" name="Slide Number Placeholder 3"/>
+          <p:cNvSpPr>
+            <a:spLocks noGrp="1"/>
+          </p:cNvSpPr>
+          <p:nvPr>
+            <p:ph type="sldNum" sz="quarter" idx="10"/>
+          </p:nvPr>
+        </p:nvSpPr>
+        <p:spPr/>
+        <p:txBody>
+          <a:bodyPr/>
+          <a:lstStyle/>
+          <a:p>
+            <a:fld id="{E73CFAA4-C87D-1545-9F8E-F35BF2220A99}" type="slidenum">
+              <a:rPr lang="it-IT" smtClean="0"/>
+              <a:t>8</a:t>
+            </a:fld>
+            <a:endParaRPr lang="it-IT"/>
+          </a:p>
+        </p:txBody>
+      </p:sp>
+    </p:spTree>
+    <p:extLst>
+      <p:ext uri="{BB962C8B-B14F-4D97-AF65-F5344CB8AC3E}">
+        <p14:creationId xmlns:p14="http://schemas.microsoft.com/office/powerpoint/2010/main" val="281961019"/>
+      </p:ext>
+    </p:extLst>
+  </p:cSld>
+  <p:clrMapOvr>
+    <a:masterClrMapping/>
+  </p:clrMapOvr>
+</p:notes>
+</file>
+
+<file path=ppt/notesSlides/notesSlide5.xml><?xml version="1.0" encoding="utf-8"?>
+<p:notes xmlns:a="http://schemas.openxmlformats.org/drawingml/2006/main" xmlns:r="http://schemas.openxmlformats.org/officeDocument/2006/relationships" xmlns:p="http://schemas.openxmlformats.org/presentationml/2006/main">
+  <p:cSld>
+    <p:spTree>
+      <p:nvGrpSpPr>
+        <p:cNvPr id="1" name=""/>
+        <p:cNvGrpSpPr/>
+        <p:nvPr/>
+      </p:nvGrpSpPr>
+      <p:grpSpPr>
+        <a:xfrm>
+          <a:off x="0" y="0"/>
+          <a:ext cx="0" cy="0"/>
+          <a:chOff x="0" y="0"/>
+          <a:chExt cx="0" cy="0"/>
+        </a:xfrm>
+      </p:grpSpPr>
+      <p:sp>
+        <p:nvSpPr>
+          <p:cNvPr id="2" name="Slide Image Placeholder 1"/>
+          <p:cNvSpPr>
+            <a:spLocks noGrp="1" noRot="1" noChangeAspect="1"/>
+          </p:cNvSpPr>
+          <p:nvPr>
+            <p:ph type="sldImg"/>
+          </p:nvPr>
+        </p:nvSpPr>
+        <p:spPr/>
+      </p:sp>
+      <p:sp>
+        <p:nvSpPr>
+          <p:cNvPr id="3" name="Notes Placeholder 2"/>
+          <p:cNvSpPr>
+            <a:spLocks noGrp="1"/>
+          </p:cNvSpPr>
+          <p:nvPr>
+            <p:ph type="body" idx="1"/>
+          </p:nvPr>
+        </p:nvSpPr>
+        <p:spPr/>
+        <p:txBody>
+          <a:bodyPr/>
+          <a:lstStyle/>
+          <a:p>
+            <a:endParaRPr lang="it-IT" dirty="0"/>
+          </a:p>
+        </p:txBody>
+      </p:sp>
+      <p:sp>
+        <p:nvSpPr>
+          <p:cNvPr id="4" name="Slide Number Placeholder 3"/>
+          <p:cNvSpPr>
+            <a:spLocks noGrp="1"/>
+          </p:cNvSpPr>
+          <p:nvPr>
+            <p:ph type="sldNum" sz="quarter" idx="10"/>
+          </p:nvPr>
+        </p:nvSpPr>
+        <p:spPr/>
+        <p:txBody>
+          <a:bodyPr/>
+          <a:lstStyle/>
+          <a:p>
+            <a:fld id="{E73CFAA4-C87D-1545-9F8E-F35BF2220A99}" type="slidenum">
+              <a:rPr lang="it-IT" smtClean="0"/>
+              <a:t>9</a:t>
+            </a:fld>
+            <a:endParaRPr lang="it-IT"/>
+          </a:p>
+        </p:txBody>
+      </p:sp>
+    </p:spTree>
+    <p:extLst>
+      <p:ext uri="{BB962C8B-B14F-4D97-AF65-F5344CB8AC3E}">
+        <p14:creationId xmlns:p14="http://schemas.microsoft.com/office/powerpoint/2010/main" val="542432669"/>
+      </p:ext>
+    </p:extLst>
+  </p:cSld>
+  <p:clrMapOvr>
+    <a:masterClrMapping/>
+  </p:clrMapOvr>
+</p:notes>
+</file>
+
+<file path=ppt/notesSlides/notesSlide6.xml><?xml version="1.0" encoding="utf-8"?>
+<p:notes xmlns:a="http://schemas.openxmlformats.org/drawingml/2006/main" xmlns:r="http://schemas.openxmlformats.org/officeDocument/2006/relationships" xmlns:p="http://schemas.openxmlformats.org/presentationml/2006/main">
+  <p:cSld>
+    <p:spTree>
+      <p:nvGrpSpPr>
+        <p:cNvPr id="1" name=""/>
+        <p:cNvGrpSpPr/>
+        <p:nvPr/>
+      </p:nvGrpSpPr>
+      <p:grpSpPr>
+        <a:xfrm>
+          <a:off x="0" y="0"/>
+          <a:ext cx="0" cy="0"/>
+          <a:chOff x="0" y="0"/>
+          <a:chExt cx="0" cy="0"/>
+        </a:xfrm>
+      </p:grpSpPr>
+      <p:sp>
+        <p:nvSpPr>
+          <p:cNvPr id="2" name="Slide Image Placeholder 1"/>
+          <p:cNvSpPr>
+            <a:spLocks noGrp="1" noRot="1" noChangeAspect="1"/>
+          </p:cNvSpPr>
+          <p:nvPr>
+            <p:ph type="sldImg"/>
+          </p:nvPr>
+        </p:nvSpPr>
+        <p:spPr/>
+      </p:sp>
+      <p:sp>
+        <p:nvSpPr>
+          <p:cNvPr id="3" name="Notes Placeholder 2"/>
+          <p:cNvSpPr>
+            <a:spLocks noGrp="1"/>
+          </p:cNvSpPr>
+          <p:nvPr>
+            <p:ph type="body" idx="1"/>
+          </p:nvPr>
+        </p:nvSpPr>
+        <p:spPr/>
+        <p:txBody>
+          <a:bodyPr/>
+          <a:lstStyle/>
+          <a:p>
+            <a:r>
+              <a:rPr lang="it-IT" dirty="0"/>
+              <a:t>Discrete time because it works better.</a:t>
+            </a:r>
+          </a:p>
+          <a:p>
+            <a:r>
+              <a:rPr lang="it-IT" dirty="0"/>
+              <a:t>There is no implementation of EKF</a:t>
+            </a:r>
+            <a:r>
+              <a:rPr lang="it-IT" baseline="0" dirty="0"/>
+              <a:t> on matlab.</a:t>
+            </a:r>
+            <a:endParaRPr lang="it-IT" dirty="0"/>
+          </a:p>
+        </p:txBody>
+      </p:sp>
+      <p:sp>
+        <p:nvSpPr>
+          <p:cNvPr id="4" name="Slide Number Placeholder 3"/>
+          <p:cNvSpPr>
+            <a:spLocks noGrp="1"/>
+          </p:cNvSpPr>
+          <p:nvPr>
+            <p:ph type="sldNum" sz="quarter" idx="10"/>
+          </p:nvPr>
+        </p:nvSpPr>
+        <p:spPr/>
+        <p:txBody>
+          <a:bodyPr/>
+          <a:lstStyle/>
+          <a:p>
+            <a:fld id="{E73CFAA4-C87D-1545-9F8E-F35BF2220A99}" type="slidenum">
+              <a:rPr lang="it-IT" smtClean="0"/>
+              <a:t>23</a:t>
+            </a:fld>
+            <a:endParaRPr lang="it-IT"/>
+          </a:p>
+        </p:txBody>
+      </p:sp>
+    </p:spTree>
+    <p:extLst>
+      <p:ext uri="{BB962C8B-B14F-4D97-AF65-F5344CB8AC3E}">
+        <p14:creationId xmlns:p14="http://schemas.microsoft.com/office/powerpoint/2010/main" val="4269517144"/>
+      </p:ext>
+    </p:extLst>
+  </p:cSld>
+  <p:clrMapOvr>
+    <a:masterClrMapping/>
+  </p:clrMapOvr>
+</p:notes>
+</file>
+
+<file path=ppt/notesSlides/notesSlide7.xml><?xml version="1.0" encoding="utf-8"?>
+<p:notes xmlns:a="http://schemas.openxmlformats.org/drawingml/2006/main" xmlns:r="http://schemas.openxmlformats.org/officeDocument/2006/relationships" xmlns:p="http://schemas.openxmlformats.org/presentationml/2006/main">
+  <p:cSld>
+    <p:spTree>
+      <p:nvGrpSpPr>
+        <p:cNvPr id="1" name=""/>
+        <p:cNvGrpSpPr/>
+        <p:nvPr/>
+      </p:nvGrpSpPr>
+      <p:grpSpPr>
+        <a:xfrm>
+          <a:off x="0" y="0"/>
+          <a:ext cx="0" cy="0"/>
+          <a:chOff x="0" y="0"/>
+          <a:chExt cx="0" cy="0"/>
+        </a:xfrm>
+      </p:grpSpPr>
+      <p:sp>
+        <p:nvSpPr>
+          <p:cNvPr id="2" name="Slide Image Placeholder 1"/>
+          <p:cNvSpPr>
+            <a:spLocks noGrp="1" noRot="1" noChangeAspect="1"/>
+          </p:cNvSpPr>
+          <p:nvPr>
+            <p:ph type="sldImg"/>
+          </p:nvPr>
+        </p:nvSpPr>
+        <p:spPr/>
+      </p:sp>
+      <p:sp>
+        <p:nvSpPr>
+          <p:cNvPr id="3" name="Notes Placeholder 2"/>
+          <p:cNvSpPr>
+            <a:spLocks noGrp="1"/>
+          </p:cNvSpPr>
+          <p:nvPr>
+            <p:ph type="body" idx="1"/>
+          </p:nvPr>
+        </p:nvSpPr>
+        <p:spPr/>
+        <p:txBody>
+          <a:bodyPr/>
+          <a:lstStyle/>
+          <a:p>
+            <a:pPr marL="228600" indent="-228600">
+              <a:buAutoNum type="arabicParenR"/>
+            </a:pPr>
+            <a:r>
+              <a:rPr lang="it-IT" dirty="0"/>
+              <a:t>Correctness of implementation </a:t>
+            </a:r>
+          </a:p>
+          <a:p>
+            <a:pPr marL="228600" indent="-228600">
+              <a:buAutoNum type="arabicParenR"/>
+            </a:pPr>
+            <a:r>
+              <a:rPr lang="it-IT" dirty="0"/>
+              <a:t>Noisy data, Online</a:t>
+            </a:r>
+          </a:p>
+          <a:p>
+            <a:pPr marL="228600" indent="-228600">
+              <a:buAutoNum type="arabicParenR"/>
+            </a:pPr>
+            <a:r>
+              <a:rPr lang="it-IT" dirty="0"/>
+              <a:t>Comparing Arduino vs Simulink = Online vs Offline</a:t>
+            </a:r>
+          </a:p>
+        </p:txBody>
+      </p:sp>
+      <p:sp>
+        <p:nvSpPr>
+          <p:cNvPr id="4" name="Slide Number Placeholder 3"/>
+          <p:cNvSpPr>
+            <a:spLocks noGrp="1"/>
+          </p:cNvSpPr>
+          <p:nvPr>
+            <p:ph type="sldNum" sz="quarter" idx="10"/>
+          </p:nvPr>
+        </p:nvSpPr>
+        <p:spPr/>
+        <p:txBody>
+          <a:bodyPr/>
+          <a:lstStyle/>
+          <a:p>
+            <a:fld id="{E73CFAA4-C87D-1545-9F8E-F35BF2220A99}" type="slidenum">
+              <a:rPr lang="it-IT" smtClean="0"/>
+              <a:t>24</a:t>
+            </a:fld>
+            <a:endParaRPr lang="it-IT"/>
+          </a:p>
+        </p:txBody>
+      </p:sp>
+    </p:spTree>
+    <p:extLst>
+      <p:ext uri="{BB962C8B-B14F-4D97-AF65-F5344CB8AC3E}">
+        <p14:creationId xmlns:p14="http://schemas.microsoft.com/office/powerpoint/2010/main" val="1845196123"/>
       </p:ext>
     </p:extLst>
   </p:cSld>
@@ -2174,14 +2740,14 @@
           </a:ln>
           <a:extLst>
             <a:ext uri="{909E8E84-426E-40dd-AFC4-6F175D3DCCD1}">
-              <a14:hiddenFill xmlns:a14="http://schemas.microsoft.com/office/drawing/2010/main" xmlns="">
+              <a14:hiddenFill xmlns="" xmlns:a14="http://schemas.microsoft.com/office/drawing/2010/main">
                 <a:solidFill>
                   <a:srgbClr val="FFFFFF"/>
                 </a:solidFill>
               </a14:hiddenFill>
             </a:ext>
             <a:ext uri="{91240B29-F687-4f45-9708-019B960494DF}">
-              <a14:hiddenLine xmlns:a14="http://schemas.microsoft.com/office/drawing/2010/main" xmlns="" w="9525">
+              <a14:hiddenLine xmlns="" xmlns:a14="http://schemas.microsoft.com/office/drawing/2010/main" w="9525">
                 <a:solidFill>
                   <a:srgbClr val="000000"/>
                 </a:solidFill>
@@ -2259,14 +2825,14 @@
           </a:ln>
           <a:extLst>
             <a:ext uri="{909E8E84-426E-40dd-AFC4-6F175D3DCCD1}">
-              <a14:hiddenFill xmlns:a14="http://schemas.microsoft.com/office/drawing/2010/main" xmlns="">
+              <a14:hiddenFill xmlns="" xmlns:a14="http://schemas.microsoft.com/office/drawing/2010/main">
                 <a:solidFill>
                   <a:srgbClr val="FFFFFF"/>
                 </a:solidFill>
               </a14:hiddenFill>
             </a:ext>
             <a:ext uri="{91240B29-F687-4f45-9708-019B960494DF}">
-              <a14:hiddenLine xmlns:a14="http://schemas.microsoft.com/office/drawing/2010/main" xmlns="" w="9525">
+              <a14:hiddenLine xmlns="" xmlns:a14="http://schemas.microsoft.com/office/drawing/2010/main" w="9525">
                 <a:solidFill>
                   <a:srgbClr val="000000"/>
                 </a:solidFill>
@@ -2276,7 +2842,7 @@
               </a14:hiddenLine>
             </a:ext>
             <a:ext uri="{FAA26D3D-D897-4be2-8F04-BA451C77F1D7}">
-              <ma14:placeholderFlag xmlns:ma14="http://schemas.microsoft.com/office/mac/drawingml/2011/main" xmlns="" val="1"/>
+              <ma14:placeholderFlag xmlns="" xmlns:ma14="http://schemas.microsoft.com/office/mac/drawingml/2011/main" val="1"/>
             </a:ext>
           </a:extLst>
         </p:spPr>
@@ -2320,14 +2886,14 @@
           </a:ln>
           <a:extLst>
             <a:ext uri="{909E8E84-426E-40dd-AFC4-6F175D3DCCD1}">
-              <a14:hiddenFill xmlns:a14="http://schemas.microsoft.com/office/drawing/2010/main" xmlns="">
+              <a14:hiddenFill xmlns="" xmlns:a14="http://schemas.microsoft.com/office/drawing/2010/main">
                 <a:solidFill>
                   <a:srgbClr val="FFFFFF"/>
                 </a:solidFill>
               </a14:hiddenFill>
             </a:ext>
             <a:ext uri="{91240B29-F687-4f45-9708-019B960494DF}">
-              <a14:hiddenLine xmlns:a14="http://schemas.microsoft.com/office/drawing/2010/main" xmlns="" w="9525">
+              <a14:hiddenLine xmlns="" xmlns:a14="http://schemas.microsoft.com/office/drawing/2010/main" w="9525">
                 <a:solidFill>
                   <a:srgbClr val="000000"/>
                 </a:solidFill>
@@ -2337,7 +2903,7 @@
               </a14:hiddenLine>
             </a:ext>
             <a:ext uri="{FAA26D3D-D897-4be2-8F04-BA451C77F1D7}">
-              <ma14:placeholderFlag xmlns:ma14="http://schemas.microsoft.com/office/mac/drawingml/2011/main" xmlns="" val="1"/>
+              <ma14:placeholderFlag xmlns="" xmlns:ma14="http://schemas.microsoft.com/office/mac/drawingml/2011/main" val="1"/>
             </a:ext>
           </a:extLst>
         </p:spPr>
@@ -2832,14 +3398,14 @@
           <a:effectLst/>
           <a:extLst>
             <a:ext uri="{909E8E84-426E-40dd-AFC4-6F175D3DCCD1}">
-              <a14:hiddenFill xmlns:a14="http://schemas.microsoft.com/office/drawing/2010/main" xmlns="">
+              <a14:hiddenFill xmlns="" xmlns:a14="http://schemas.microsoft.com/office/drawing/2010/main">
                 <a:solidFill>
                   <a:schemeClr val="accent1"/>
                 </a:solidFill>
               </a14:hiddenFill>
             </a:ext>
             <a:ext uri="{91240B29-F687-4f45-9708-019B960494DF}">
-              <a14:hiddenLine xmlns:a14="http://schemas.microsoft.com/office/drawing/2010/main" xmlns="" w="9525">
+              <a14:hiddenLine xmlns="" xmlns:a14="http://schemas.microsoft.com/office/drawing/2010/main" w="9525">
                 <a:solidFill>
                   <a:srgbClr val="FF6600"/>
                 </a:solidFill>
@@ -2849,7 +3415,7 @@
               </a14:hiddenLine>
             </a:ext>
             <a:ext uri="{AF507438-7753-43e0-B8FC-AC1667EBCBE1}">
-              <a14:hiddenEffects xmlns:a14="http://schemas.microsoft.com/office/drawing/2010/main" xmlns="">
+              <a14:hiddenEffects xmlns="" xmlns:a14="http://schemas.microsoft.com/office/drawing/2010/main">
                 <a:effectLst>
                   <a:outerShdw blurRad="63500" dist="38099" dir="2700000" algn="ctr" rotWithShape="0">
                     <a:schemeClr val="bg2">
@@ -3417,14 +3983,14 @@
           </a:ln>
           <a:extLst>
             <a:ext uri="{909E8E84-426E-40dd-AFC4-6F175D3DCCD1}">
-              <a14:hiddenFill xmlns:a14="http://schemas.microsoft.com/office/drawing/2010/main" xmlns="">
+              <a14:hiddenFill xmlns="" xmlns:a14="http://schemas.microsoft.com/office/drawing/2010/main">
                 <a:solidFill>
                   <a:srgbClr val="FFFFFF"/>
                 </a:solidFill>
               </a14:hiddenFill>
             </a:ext>
             <a:ext uri="{91240B29-F687-4f45-9708-019B960494DF}">
-              <a14:hiddenLine xmlns:a14="http://schemas.microsoft.com/office/drawing/2010/main" xmlns="" w="9525">
+              <a14:hiddenLine xmlns="" xmlns:a14="http://schemas.microsoft.com/office/drawing/2010/main" w="9525">
                 <a:solidFill>
                   <a:srgbClr val="000000"/>
                 </a:solidFill>
@@ -3502,14 +4068,14 @@
           </a:ln>
           <a:extLst>
             <a:ext uri="{909E8E84-426E-40dd-AFC4-6F175D3DCCD1}">
-              <a14:hiddenFill xmlns:a14="http://schemas.microsoft.com/office/drawing/2010/main" xmlns="">
+              <a14:hiddenFill xmlns="" xmlns:a14="http://schemas.microsoft.com/office/drawing/2010/main">
                 <a:solidFill>
                   <a:srgbClr val="FFFFFF"/>
                 </a:solidFill>
               </a14:hiddenFill>
             </a:ext>
             <a:ext uri="{91240B29-F687-4f45-9708-019B960494DF}">
-              <a14:hiddenLine xmlns:a14="http://schemas.microsoft.com/office/drawing/2010/main" xmlns="" w="9525">
+              <a14:hiddenLine xmlns="" xmlns:a14="http://schemas.microsoft.com/office/drawing/2010/main" w="9525">
                 <a:solidFill>
                   <a:srgbClr val="000000"/>
                 </a:solidFill>
@@ -3519,7 +4085,7 @@
               </a14:hiddenLine>
             </a:ext>
             <a:ext uri="{FAA26D3D-D897-4be2-8F04-BA451C77F1D7}">
-              <ma14:placeholderFlag xmlns:ma14="http://schemas.microsoft.com/office/mac/drawingml/2011/main" xmlns="" val="1"/>
+              <ma14:placeholderFlag xmlns="" xmlns:ma14="http://schemas.microsoft.com/office/mac/drawingml/2011/main" val="1"/>
             </a:ext>
           </a:extLst>
         </p:spPr>
@@ -3563,14 +4129,14 @@
           </a:ln>
           <a:extLst>
             <a:ext uri="{909E8E84-426E-40dd-AFC4-6F175D3DCCD1}">
-              <a14:hiddenFill xmlns:a14="http://schemas.microsoft.com/office/drawing/2010/main" xmlns="">
+              <a14:hiddenFill xmlns="" xmlns:a14="http://schemas.microsoft.com/office/drawing/2010/main">
                 <a:solidFill>
                   <a:srgbClr val="FFFFFF"/>
                 </a:solidFill>
               </a14:hiddenFill>
             </a:ext>
             <a:ext uri="{91240B29-F687-4f45-9708-019B960494DF}">
-              <a14:hiddenLine xmlns:a14="http://schemas.microsoft.com/office/drawing/2010/main" xmlns="" w="9525">
+              <a14:hiddenLine xmlns="" xmlns:a14="http://schemas.microsoft.com/office/drawing/2010/main" w="9525">
                 <a:solidFill>
                   <a:srgbClr val="000000"/>
                 </a:solidFill>
@@ -3580,7 +4146,7 @@
               </a14:hiddenLine>
             </a:ext>
             <a:ext uri="{FAA26D3D-D897-4be2-8F04-BA451C77F1D7}">
-              <ma14:placeholderFlag xmlns:ma14="http://schemas.microsoft.com/office/mac/drawingml/2011/main" xmlns="" val="1"/>
+              <ma14:placeholderFlag xmlns="" xmlns:ma14="http://schemas.microsoft.com/office/mac/drawingml/2011/main" val="1"/>
             </a:ext>
           </a:extLst>
         </p:spPr>
@@ -4042,7 +4608,7 @@
       </p:grpSpPr>
       <p:sp>
         <p:nvSpPr>
-          <p:cNvPr id="2" name="Segnaposto testo 1"/>
+          <p:cNvPr id="2" name="Text Placeholder 1"/>
           <p:cNvSpPr>
             <a:spLocks noGrp="1"/>
           </p:cNvSpPr>
@@ -4057,216 +4623,49 @@
           <a:p>
             <a:r>
               <a:rPr lang="it-IT" dirty="0"/>
-              <a:t>Loopshaping</a:t>
-            </a:r>
-          </a:p>
-        </p:txBody>
-      </p:sp>
-      <p:pic>
-        <p:nvPicPr>
-          <p:cNvPr id="3" name="Picture 2"/>
-          <p:cNvPicPr>
-            <a:picLocks noChangeAspect="1"/>
-          </p:cNvPicPr>
-          <p:nvPr/>
-        </p:nvPicPr>
-        <p:blipFill>
-          <a:blip r:embed="rId4">
-            <a:extLst>
-              <a:ext uri="{28A0092B-C50C-407E-A947-70E740481C1C}">
-                <a14:useLocalDpi xmlns:a14="http://schemas.microsoft.com/office/drawing/2010/main" val="0"/>
-              </a:ext>
-            </a:extLst>
-          </a:blip>
-          <a:stretch>
-            <a:fillRect/>
-          </a:stretch>
-        </p:blipFill>
-        <p:spPr>
-          <a:xfrm>
-            <a:off x="0" y="1205013"/>
-            <a:ext cx="6558064" cy="4918548"/>
-          </a:xfrm>
-          <a:prstGeom prst="rect">
-            <a:avLst/>
-          </a:prstGeom>
-        </p:spPr>
-      </p:pic>
-      <p:sp>
-        <p:nvSpPr>
-          <p:cNvPr id="5" name="Oval 4"/>
-          <p:cNvSpPr/>
-          <p:nvPr/>
-        </p:nvSpPr>
-        <p:spPr>
-          <a:xfrm>
-            <a:off x="2470825" y="1984443"/>
-            <a:ext cx="680936" cy="671208"/>
-          </a:xfrm>
-          <a:prstGeom prst="ellipse">
-            <a:avLst/>
-          </a:prstGeom>
-          <a:noFill/>
-          <a:ln>
-            <a:solidFill>
-              <a:srgbClr val="FF0000"/>
-            </a:solidFill>
-            <a:prstDash val="dash"/>
-          </a:ln>
-        </p:spPr>
-        <p:style>
-          <a:lnRef idx="2">
-            <a:schemeClr val="accent1">
-              <a:shade val="50000"/>
-            </a:schemeClr>
-          </a:lnRef>
-          <a:fillRef idx="1">
-            <a:schemeClr val="accent1"/>
-          </a:fillRef>
-          <a:effectRef idx="0">
-            <a:schemeClr val="accent1"/>
-          </a:effectRef>
-          <a:fontRef idx="minor">
-            <a:schemeClr val="lt1"/>
-          </a:fontRef>
-        </p:style>
-        <p:txBody>
-          <a:bodyPr rtlCol="0" anchor="ctr"/>
-          <a:lstStyle/>
-          <a:p>
-            <a:pPr algn="ctr"/>
-            <a:endParaRPr lang="it-IT"/>
-          </a:p>
-        </p:txBody>
-      </p:sp>
-      <p:cxnSp>
-        <p:nvCxnSpPr>
-          <p:cNvPr id="9" name="Straight Arrow Connector 8"/>
-          <p:cNvCxnSpPr/>
-          <p:nvPr/>
-        </p:nvCxnSpPr>
-        <p:spPr>
-          <a:xfrm>
-            <a:off x="3239313" y="2290863"/>
-            <a:ext cx="3190673" cy="0"/>
-          </a:xfrm>
-          <a:prstGeom prst="straightConnector1">
-            <a:avLst/>
-          </a:prstGeom>
-          <a:ln w="28575">
-            <a:solidFill>
-              <a:srgbClr val="FF0000"/>
-            </a:solidFill>
-            <a:tailEnd type="triangle"/>
-          </a:ln>
-        </p:spPr>
-        <p:style>
-          <a:lnRef idx="1">
-            <a:schemeClr val="accent1"/>
-          </a:lnRef>
-          <a:fillRef idx="0">
-            <a:schemeClr val="accent1"/>
-          </a:fillRef>
-          <a:effectRef idx="0">
-            <a:schemeClr val="accent1"/>
-          </a:effectRef>
-          <a:fontRef idx="minor">
-            <a:schemeClr val="tx1"/>
-          </a:fontRef>
-        </p:style>
-      </p:cxnSp>
-      <p:sp>
-        <p:nvSpPr>
-          <p:cNvPr id="11" name="TextBox 10"/>
-          <p:cNvSpPr txBox="1"/>
-          <p:nvPr/>
-        </p:nvSpPr>
-        <p:spPr>
-          <a:xfrm>
-            <a:off x="6439711" y="1984443"/>
-            <a:ext cx="2480553" cy="1477328"/>
-          </a:xfrm>
-          <a:prstGeom prst="rect">
-            <a:avLst/>
-          </a:prstGeom>
-          <a:noFill/>
-        </p:spPr>
-        <p:txBody>
-          <a:bodyPr wrap="square" rtlCol="0">
-            <a:spAutoFit/>
-          </a:bodyPr>
-          <a:lstStyle/>
-          <a:p>
-            <a:r>
-              <a:rPr lang="it-IT" dirty="0"/>
-              <a:t>Poles coming from the cart dynamics.</a:t>
-            </a:r>
-          </a:p>
-          <a:p>
-            <a:endParaRPr lang="it-IT" dirty="0"/>
-          </a:p>
-          <a:p>
-            <a:r>
-              <a:rPr lang="it-IT" dirty="0"/>
-              <a:t>We would like to cancel this behavior.</a:t>
+              <a:t>Control</a:t>
             </a:r>
           </a:p>
         </p:txBody>
       </p:sp>
       <p:sp>
         <p:nvSpPr>
-          <p:cNvPr id="12" name="TextBox 11"/>
-          <p:cNvSpPr txBox="1"/>
-          <p:nvPr/>
+          <p:cNvPr id="3" name="Text Placeholder 2"/>
+          <p:cNvSpPr>
+            <a:spLocks noGrp="1"/>
+          </p:cNvSpPr>
+          <p:nvPr>
+            <p:ph type="body" sz="quarter" idx="11"/>
+          </p:nvPr>
         </p:nvSpPr>
         <p:spPr>
           <a:xfrm>
-            <a:off x="3151761" y="1877438"/>
-            <a:ext cx="758758" cy="369332"/>
+            <a:off x="922236" y="2234541"/>
+            <a:ext cx="7061200" cy="2262457"/>
           </a:xfrm>
-          <a:prstGeom prst="rect">
-            <a:avLst/>
-          </a:prstGeom>
-          <a:noFill/>
         </p:spPr>
         <p:txBody>
-          <a:bodyPr wrap="square" rtlCol="0">
-            <a:spAutoFit/>
-          </a:bodyPr>
+          <a:bodyPr/>
           <a:lstStyle/>
           <a:p>
+            <a:pPr algn="ctr"/>
             <a:r>
-              <a:rPr lang="it-IT" dirty="0">
-                <a:solidFill>
-                  <a:srgbClr val="FF0000"/>
-                </a:solidFill>
-              </a:rPr>
-              <a:t>3Hz</a:t>
+              <a:rPr lang="it-IT" sz="7200" b="1" dirty="0"/>
+              <a:t>Control</a:t>
             </a:r>
           </a:p>
         </p:txBody>
       </p:sp>
     </p:spTree>
-    <p:custDataLst>
-      <p:tags r:id="rId1"/>
-    </p:custDataLst>
     <p:extLst>
       <p:ext uri="{BB962C8B-B14F-4D97-AF65-F5344CB8AC3E}">
-        <p14:creationId xmlns:p14="http://schemas.microsoft.com/office/powerpoint/2010/main" val="3726194390"/>
+        <p14:creationId xmlns:p14="http://schemas.microsoft.com/office/powerpoint/2010/main" val="2095620764"/>
       </p:ext>
     </p:extLst>
   </p:cSld>
   <p:clrMapOvr>
     <a:masterClrMapping/>
   </p:clrMapOvr>
-  <mc:AlternateContent xmlns:mc="http://schemas.openxmlformats.org/markup-compatibility/2006" xmlns:p14="http://schemas.microsoft.com/office/powerpoint/2010/main">
-    <mc:Choice Requires="p14">
-      <p:transition spd="slow" p14:dur="2000" advTm="147542"/>
-    </mc:Choice>
-    <mc:Fallback xmlns="">
-      <p:transition xmlns:p14="http://schemas.microsoft.com/office/powerpoint/2010/main" spd="slow" advTm="147542"/>
-    </mc:Fallback>
-  </mc:AlternateContent>
 </p:sld>
 </file>
 
@@ -4287,2092 +4686,8 @@
           <a:chExt cx="0" cy="0"/>
         </a:xfrm>
       </p:grpSpPr>
-      <mc:AlternateContent xmlns:mc="http://schemas.openxmlformats.org/markup-compatibility/2006">
-        <mc:Choice xmlns:a14="http://schemas.microsoft.com/office/drawing/2010/main" Requires="a14">
-          <p:sp>
-            <p:nvSpPr>
-              <p:cNvPr id="2" name="Text Placeholder 1"/>
-              <p:cNvSpPr>
-                <a:spLocks noGrp="1"/>
-              </p:cNvSpPr>
-              <p:nvPr>
-                <p:ph type="body" sz="quarter" idx="10"/>
-              </p:nvPr>
-            </p:nvSpPr>
-            <p:spPr>
-              <a:xfrm>
-                <a:off x="809625" y="-19050"/>
-                <a:ext cx="6883400" cy="512762"/>
-              </a:xfrm>
-            </p:spPr>
-            <p:txBody>
-              <a:bodyPr/>
-              <a:lstStyle/>
-              <a:p>
-                <a:pPr/>
-                <a14:m>
-                  <m:oMath xmlns:m="http://schemas.openxmlformats.org/officeDocument/2006/math">
-                    <m:sSub>
-                      <m:sSubPr>
-                        <m:ctrlPr>
-                          <a:rPr lang="it-IT" sz="4800" i="1" smtClean="0">
-                            <a:latin typeface="Cambria Math" panose="02040503050406030204" pitchFamily="18" charset="0"/>
-                          </a:rPr>
-                        </m:ctrlPr>
-                      </m:sSubPr>
-                      <m:e>
-                        <m:r>
-                          <a:rPr lang="it-IT" sz="4800" b="1" i="1" smtClean="0">
-                            <a:latin typeface="Cambria Math" panose="02040503050406030204" pitchFamily="18" charset="0"/>
-                          </a:rPr>
-                          <m:t>𝑯</m:t>
-                        </m:r>
-                      </m:e>
-                      <m:sub>
-                        <m:r>
-                          <a:rPr lang="it-IT" sz="4800" i="1" smtClean="0">
-                            <a:latin typeface="Cambria Math" panose="02040503050406030204" pitchFamily="18" charset="0"/>
-                            <a:ea typeface="Cambria Math" panose="02040503050406030204" pitchFamily="18" charset="0"/>
-                          </a:rPr>
-                          <m:t>∞</m:t>
-                        </m:r>
-                      </m:sub>
-                    </m:sSub>
-                  </m:oMath>
-                </a14:m>
-                <a:r>
-                  <a:rPr lang="it-IT" sz="4800" dirty="0"/>
-                  <a:t> 2dof</a:t>
-                </a:r>
-              </a:p>
-            </p:txBody>
-          </p:sp>
-        </mc:Choice>
-        <mc:Fallback>
-          <p:sp>
-            <p:nvSpPr>
-              <p:cNvPr id="2" name="Text Placeholder 1"/>
-              <p:cNvSpPr>
-                <a:spLocks noGrp="1" noRot="1" noChangeAspect="1" noMove="1" noResize="1" noEditPoints="1" noAdjustHandles="1" noChangeArrowheads="1" noChangeShapeType="1" noTextEdit="1"/>
-              </p:cNvSpPr>
-              <p:nvPr>
-                <p:ph type="body" sz="quarter" idx="10"/>
-              </p:nvPr>
-            </p:nvSpPr>
-            <p:spPr>
-              <a:xfrm>
-                <a:off x="809625" y="-19050"/>
-                <a:ext cx="6883400" cy="512762"/>
-              </a:xfrm>
-              <a:blipFill>
-                <a:blip r:embed="rId2"/>
-                <a:stretch>
-                  <a:fillRect t="-28571" b="-122619"/>
-                </a:stretch>
-              </a:blipFill>
-            </p:spPr>
-            <p:txBody>
-              <a:bodyPr/>
-              <a:lstStyle/>
-              <a:p>
-                <a:r>
-                  <a:rPr lang="it-IT">
-                    <a:noFill/>
-                  </a:rPr>
-                  <a:t> </a:t>
-                </a:r>
-              </a:p>
-            </p:txBody>
-          </p:sp>
-        </mc:Fallback>
-      </mc:AlternateContent>
-      <p:pic>
-        <p:nvPicPr>
-          <p:cNvPr id="7" name="Picture 6"/>
-          <p:cNvPicPr>
-            <a:picLocks noChangeAspect="1"/>
-          </p:cNvPicPr>
-          <p:nvPr/>
-        </p:nvPicPr>
-        <p:blipFill>
-          <a:blip r:embed="rId3"/>
-          <a:stretch>
-            <a:fillRect/>
-          </a:stretch>
-        </p:blipFill>
-        <p:spPr>
-          <a:xfrm>
-            <a:off x="285751" y="1776413"/>
-            <a:ext cx="8415052" cy="4195762"/>
-          </a:xfrm>
-          <a:prstGeom prst="rect">
-            <a:avLst/>
-          </a:prstGeom>
-        </p:spPr>
-      </p:pic>
-      <p:sp>
-        <p:nvSpPr>
-          <p:cNvPr id="8" name="Rectangle 7"/>
-          <p:cNvSpPr/>
-          <p:nvPr/>
-        </p:nvSpPr>
-        <p:spPr>
-          <a:xfrm>
-            <a:off x="8486775" y="2952750"/>
-            <a:ext cx="233078" cy="921544"/>
-          </a:xfrm>
-          <a:prstGeom prst="rect">
-            <a:avLst/>
-          </a:prstGeom>
-          <a:solidFill>
-            <a:schemeClr val="bg1"/>
-          </a:solidFill>
-          <a:ln>
-            <a:solidFill>
-              <a:schemeClr val="bg1"/>
-            </a:solidFill>
-          </a:ln>
-        </p:spPr>
-        <p:style>
-          <a:lnRef idx="2">
-            <a:schemeClr val="accent1">
-              <a:shade val="50000"/>
-            </a:schemeClr>
-          </a:lnRef>
-          <a:fillRef idx="1">
-            <a:schemeClr val="accent1"/>
-          </a:fillRef>
-          <a:effectRef idx="0">
-            <a:schemeClr val="accent1"/>
-          </a:effectRef>
-          <a:fontRef idx="minor">
-            <a:schemeClr val="lt1"/>
-          </a:fontRef>
-        </p:style>
-        <p:txBody>
-          <a:bodyPr rtlCol="0" anchor="ctr"/>
-          <a:lstStyle/>
-          <a:p>
-            <a:pPr algn="ctr"/>
-            <a:endParaRPr lang="it-IT"/>
-          </a:p>
-        </p:txBody>
-      </p:sp>
-    </p:spTree>
-    <p:extLst>
-      <p:ext uri="{BB962C8B-B14F-4D97-AF65-F5344CB8AC3E}">
-        <p14:creationId xmlns:p14="http://schemas.microsoft.com/office/powerpoint/2010/main" val="4292085229"/>
-      </p:ext>
-    </p:extLst>
-  </p:cSld>
-  <p:clrMapOvr>
-    <a:masterClrMapping/>
-  </p:clrMapOvr>
-</p:sld>
-</file>
-
-<file path=ppt/slides/slide11.xml><?xml version="1.0" encoding="utf-8"?>
-<p:sld xmlns:a="http://schemas.openxmlformats.org/drawingml/2006/main" xmlns:r="http://schemas.openxmlformats.org/officeDocument/2006/relationships" xmlns:p="http://schemas.openxmlformats.org/presentationml/2006/main">
-  <p:cSld>
-    <p:spTree>
-      <p:nvGrpSpPr>
-        <p:cNvPr id="1" name=""/>
-        <p:cNvGrpSpPr/>
-        <p:nvPr/>
-      </p:nvGrpSpPr>
-      <p:grpSpPr>
-        <a:xfrm>
-          <a:off x="0" y="0"/>
-          <a:ext cx="0" cy="0"/>
-          <a:chOff x="0" y="0"/>
-          <a:chExt cx="0" cy="0"/>
-        </a:xfrm>
-      </p:grpSpPr>
-      <mc:AlternateContent xmlns:mc="http://schemas.openxmlformats.org/markup-compatibility/2006">
-        <mc:Choice xmlns:a14="http://schemas.microsoft.com/office/drawing/2010/main" Requires="a14">
-          <p:sp>
-            <p:nvSpPr>
-              <p:cNvPr id="2" name="Text Placeholder 1"/>
-              <p:cNvSpPr>
-                <a:spLocks noGrp="1"/>
-              </p:cNvSpPr>
-              <p:nvPr>
-                <p:ph type="body" sz="quarter" idx="10"/>
-              </p:nvPr>
-            </p:nvSpPr>
-            <p:spPr>
-              <a:xfrm>
-                <a:off x="809625" y="-19050"/>
-                <a:ext cx="6883400" cy="512762"/>
-              </a:xfrm>
-            </p:spPr>
-            <p:txBody>
-              <a:bodyPr/>
-              <a:lstStyle/>
-              <a:p>
-                <a:pPr/>
-                <a14:m>
-                  <m:oMath xmlns:m="http://schemas.openxmlformats.org/officeDocument/2006/math">
-                    <m:sSub>
-                      <m:sSubPr>
-                        <m:ctrlPr>
-                          <a:rPr lang="it-IT" sz="4800" i="1" smtClean="0">
-                            <a:latin typeface="Cambria Math" panose="02040503050406030204" pitchFamily="18" charset="0"/>
-                          </a:rPr>
-                        </m:ctrlPr>
-                      </m:sSubPr>
-                      <m:e>
-                        <m:r>
-                          <a:rPr lang="it-IT" sz="4800" b="1" i="1" smtClean="0">
-                            <a:latin typeface="Cambria Math" panose="02040503050406030204" pitchFamily="18" charset="0"/>
-                          </a:rPr>
-                          <m:t>𝑯</m:t>
-                        </m:r>
-                      </m:e>
-                      <m:sub>
-                        <m:r>
-                          <a:rPr lang="it-IT" sz="4800" i="1" smtClean="0">
-                            <a:latin typeface="Cambria Math" panose="02040503050406030204" pitchFamily="18" charset="0"/>
-                            <a:ea typeface="Cambria Math" panose="02040503050406030204" pitchFamily="18" charset="0"/>
-                          </a:rPr>
-                          <m:t>∞</m:t>
-                        </m:r>
-                      </m:sub>
-                    </m:sSub>
-                  </m:oMath>
-                </a14:m>
-                <a:r>
-                  <a:rPr lang="it-IT" sz="4800" dirty="0"/>
-                  <a:t> 2dof</a:t>
-                </a:r>
-              </a:p>
-            </p:txBody>
-          </p:sp>
-        </mc:Choice>
-        <mc:Fallback>
-          <p:sp>
-            <p:nvSpPr>
-              <p:cNvPr id="2" name="Text Placeholder 1"/>
-              <p:cNvSpPr>
-                <a:spLocks noGrp="1" noRot="1" noChangeAspect="1" noMove="1" noResize="1" noEditPoints="1" noAdjustHandles="1" noChangeArrowheads="1" noChangeShapeType="1" noTextEdit="1"/>
-              </p:cNvSpPr>
-              <p:nvPr>
-                <p:ph type="body" sz="quarter" idx="10"/>
-              </p:nvPr>
-            </p:nvSpPr>
-            <p:spPr>
-              <a:xfrm>
-                <a:off x="809625" y="-19050"/>
-                <a:ext cx="6883400" cy="512762"/>
-              </a:xfrm>
-              <a:blipFill>
-                <a:blip r:embed="rId2"/>
-                <a:stretch>
-                  <a:fillRect t="-28571" b="-122619"/>
-                </a:stretch>
-              </a:blipFill>
-            </p:spPr>
-            <p:txBody>
-              <a:bodyPr/>
-              <a:lstStyle/>
-              <a:p>
-                <a:r>
-                  <a:rPr lang="it-IT">
-                    <a:noFill/>
-                  </a:rPr>
-                  <a:t> </a:t>
-                </a:r>
-              </a:p>
-            </p:txBody>
-          </p:sp>
-        </mc:Fallback>
-      </mc:AlternateContent>
-      <p:pic>
-        <p:nvPicPr>
-          <p:cNvPr id="3" name="Picture 2"/>
-          <p:cNvPicPr>
-            <a:picLocks noChangeAspect="1"/>
-          </p:cNvPicPr>
-          <p:nvPr/>
-        </p:nvPicPr>
-        <p:blipFill rotWithShape="1">
-          <a:blip r:embed="rId3" cstate="email">
-            <a:extLst>
-              <a:ext uri="{28A0092B-C50C-407E-A947-70E740481C1C}">
-                <a14:useLocalDpi xmlns:a14="http://schemas.microsoft.com/office/drawing/2010/main" val="0"/>
-              </a:ext>
-            </a:extLst>
-          </a:blip>
-          <a:srcRect l="8855" r="8333"/>
-          <a:stretch/>
-        </p:blipFill>
-        <p:spPr>
-          <a:xfrm>
-            <a:off x="76199" y="1314450"/>
-            <a:ext cx="8834438" cy="5200650"/>
-          </a:xfrm>
-          <a:prstGeom prst="rect">
-            <a:avLst/>
-          </a:prstGeom>
-        </p:spPr>
-      </p:pic>
-      <p:sp>
-        <p:nvSpPr>
-          <p:cNvPr id="4" name="Oval 3"/>
-          <p:cNvSpPr/>
-          <p:nvPr/>
-        </p:nvSpPr>
-        <p:spPr>
-          <a:xfrm>
-            <a:off x="3556675" y="3660843"/>
-            <a:ext cx="815300" cy="568257"/>
-          </a:xfrm>
-          <a:prstGeom prst="ellipse">
-            <a:avLst/>
-          </a:prstGeom>
-          <a:noFill/>
-          <a:ln>
-            <a:solidFill>
-              <a:srgbClr val="FF0000"/>
-            </a:solidFill>
-            <a:prstDash val="dash"/>
-          </a:ln>
-        </p:spPr>
-        <p:style>
-          <a:lnRef idx="2">
-            <a:schemeClr val="accent1">
-              <a:shade val="50000"/>
-            </a:schemeClr>
-          </a:lnRef>
-          <a:fillRef idx="1">
-            <a:schemeClr val="accent1"/>
-          </a:fillRef>
-          <a:effectRef idx="0">
-            <a:schemeClr val="accent1"/>
-          </a:effectRef>
-          <a:fontRef idx="minor">
-            <a:schemeClr val="lt1"/>
-          </a:fontRef>
-        </p:style>
-        <p:txBody>
-          <a:bodyPr rtlCol="0" anchor="ctr"/>
-          <a:lstStyle/>
-          <a:p>
-            <a:pPr algn="ctr"/>
-            <a:endParaRPr lang="it-IT"/>
-          </a:p>
-        </p:txBody>
-      </p:sp>
-      <p:sp>
-        <p:nvSpPr>
-          <p:cNvPr id="5" name="Oval 4"/>
-          <p:cNvSpPr/>
-          <p:nvPr/>
-        </p:nvSpPr>
-        <p:spPr>
-          <a:xfrm>
-            <a:off x="5652175" y="2184468"/>
-            <a:ext cx="815300" cy="568257"/>
-          </a:xfrm>
-          <a:prstGeom prst="ellipse">
-            <a:avLst/>
-          </a:prstGeom>
-          <a:noFill/>
-          <a:ln>
-            <a:solidFill>
-              <a:srgbClr val="FF0000"/>
-            </a:solidFill>
-            <a:prstDash val="dash"/>
-          </a:ln>
-        </p:spPr>
-        <p:style>
-          <a:lnRef idx="2">
-            <a:schemeClr val="accent1">
-              <a:shade val="50000"/>
-            </a:schemeClr>
-          </a:lnRef>
-          <a:fillRef idx="1">
-            <a:schemeClr val="accent1"/>
-          </a:fillRef>
-          <a:effectRef idx="0">
-            <a:schemeClr val="accent1"/>
-          </a:effectRef>
-          <a:fontRef idx="minor">
-            <a:schemeClr val="lt1"/>
-          </a:fontRef>
-        </p:style>
-        <p:txBody>
-          <a:bodyPr rtlCol="0" anchor="ctr"/>
-          <a:lstStyle/>
-          <a:p>
-            <a:pPr algn="ctr"/>
-            <a:endParaRPr lang="it-IT"/>
-          </a:p>
-        </p:txBody>
-      </p:sp>
-      <p:sp>
-        <p:nvSpPr>
-          <p:cNvPr id="6" name="Oval 5"/>
-          <p:cNvSpPr/>
-          <p:nvPr/>
-        </p:nvSpPr>
-        <p:spPr>
-          <a:xfrm>
-            <a:off x="4652050" y="5051493"/>
-            <a:ext cx="815300" cy="568257"/>
-          </a:xfrm>
-          <a:prstGeom prst="ellipse">
-            <a:avLst/>
-          </a:prstGeom>
-          <a:noFill/>
-          <a:ln>
-            <a:solidFill>
-              <a:srgbClr val="FF0000"/>
-            </a:solidFill>
-            <a:prstDash val="dash"/>
-          </a:ln>
-        </p:spPr>
-        <p:style>
-          <a:lnRef idx="2">
-            <a:schemeClr val="accent1">
-              <a:shade val="50000"/>
-            </a:schemeClr>
-          </a:lnRef>
-          <a:fillRef idx="1">
-            <a:schemeClr val="accent1"/>
-          </a:fillRef>
-          <a:effectRef idx="0">
-            <a:schemeClr val="accent1"/>
-          </a:effectRef>
-          <a:fontRef idx="minor">
-            <a:schemeClr val="lt1"/>
-          </a:fontRef>
-        </p:style>
-        <p:txBody>
-          <a:bodyPr rtlCol="0" anchor="ctr"/>
-          <a:lstStyle/>
-          <a:p>
-            <a:pPr algn="ctr"/>
-            <a:endParaRPr lang="it-IT"/>
-          </a:p>
-        </p:txBody>
-      </p:sp>
-    </p:spTree>
-    <p:extLst>
-      <p:ext uri="{BB962C8B-B14F-4D97-AF65-F5344CB8AC3E}">
-        <p14:creationId xmlns:p14="http://schemas.microsoft.com/office/powerpoint/2010/main" val="2566352245"/>
-      </p:ext>
-    </p:extLst>
-  </p:cSld>
-  <p:clrMapOvr>
-    <a:masterClrMapping/>
-  </p:clrMapOvr>
-</p:sld>
-</file>
-
-<file path=ppt/slides/slide12.xml><?xml version="1.0" encoding="utf-8"?>
-<p:sld xmlns:a="http://schemas.openxmlformats.org/drawingml/2006/main" xmlns:r="http://schemas.openxmlformats.org/officeDocument/2006/relationships" xmlns:p="http://schemas.openxmlformats.org/presentationml/2006/main">
-  <p:cSld>
-    <p:spTree>
-      <p:nvGrpSpPr>
-        <p:cNvPr id="1" name=""/>
-        <p:cNvGrpSpPr/>
-        <p:nvPr/>
-      </p:nvGrpSpPr>
-      <p:grpSpPr>
-        <a:xfrm>
-          <a:off x="0" y="0"/>
-          <a:ext cx="0" cy="0"/>
-          <a:chOff x="0" y="0"/>
-          <a:chExt cx="0" cy="0"/>
-        </a:xfrm>
-      </p:grpSpPr>
-      <mc:AlternateContent xmlns:mc="http://schemas.openxmlformats.org/markup-compatibility/2006">
-        <mc:Choice xmlns:a14="http://schemas.microsoft.com/office/drawing/2010/main" Requires="a14">
-          <p:sp>
-            <p:nvSpPr>
-              <p:cNvPr id="2" name="Text Placeholder 1"/>
-              <p:cNvSpPr>
-                <a:spLocks noGrp="1"/>
-              </p:cNvSpPr>
-              <p:nvPr>
-                <p:ph type="body" sz="quarter" idx="10"/>
-              </p:nvPr>
-            </p:nvSpPr>
-            <p:spPr>
-              <a:xfrm>
-                <a:off x="809625" y="-19050"/>
-                <a:ext cx="6883400" cy="512762"/>
-              </a:xfrm>
-            </p:spPr>
-            <p:txBody>
-              <a:bodyPr/>
-              <a:lstStyle/>
-              <a:p>
-                <a:pPr/>
-                <a14:m>
-                  <m:oMath xmlns:m="http://schemas.openxmlformats.org/officeDocument/2006/math">
-                    <m:sSub>
-                      <m:sSubPr>
-                        <m:ctrlPr>
-                          <a:rPr lang="it-IT" sz="4800" i="1" smtClean="0">
-                            <a:latin typeface="Cambria Math" panose="02040503050406030204" pitchFamily="18" charset="0"/>
-                          </a:rPr>
-                        </m:ctrlPr>
-                      </m:sSubPr>
-                      <m:e>
-                        <m:r>
-                          <a:rPr lang="it-IT" sz="4800" b="1" i="1" smtClean="0">
-                            <a:latin typeface="Cambria Math" panose="02040503050406030204" pitchFamily="18" charset="0"/>
-                          </a:rPr>
-                          <m:t>𝑯</m:t>
-                        </m:r>
-                      </m:e>
-                      <m:sub>
-                        <m:r>
-                          <a:rPr lang="it-IT" sz="4800" i="1" smtClean="0">
-                            <a:latin typeface="Cambria Math" panose="02040503050406030204" pitchFamily="18" charset="0"/>
-                            <a:ea typeface="Cambria Math" panose="02040503050406030204" pitchFamily="18" charset="0"/>
-                          </a:rPr>
-                          <m:t>∞</m:t>
-                        </m:r>
-                      </m:sub>
-                    </m:sSub>
-                  </m:oMath>
-                </a14:m>
-                <a:r>
-                  <a:rPr lang="it-IT" sz="4800" dirty="0"/>
-                  <a:t> 2dof</a:t>
-                </a:r>
-              </a:p>
-            </p:txBody>
-          </p:sp>
-        </mc:Choice>
-        <mc:Fallback>
-          <p:sp>
-            <p:nvSpPr>
-              <p:cNvPr id="2" name="Text Placeholder 1"/>
-              <p:cNvSpPr>
-                <a:spLocks noGrp="1" noRot="1" noChangeAspect="1" noMove="1" noResize="1" noEditPoints="1" noAdjustHandles="1" noChangeArrowheads="1" noChangeShapeType="1" noTextEdit="1"/>
-              </p:cNvSpPr>
-              <p:nvPr>
-                <p:ph type="body" sz="quarter" idx="10"/>
-              </p:nvPr>
-            </p:nvSpPr>
-            <p:spPr>
-              <a:xfrm>
-                <a:off x="809625" y="-19050"/>
-                <a:ext cx="6883400" cy="512762"/>
-              </a:xfrm>
-              <a:blipFill>
-                <a:blip r:embed="rId2"/>
-                <a:stretch>
-                  <a:fillRect t="-28571" b="-122619"/>
-                </a:stretch>
-              </a:blipFill>
-            </p:spPr>
-            <p:txBody>
-              <a:bodyPr/>
-              <a:lstStyle/>
-              <a:p>
-                <a:r>
-                  <a:rPr lang="it-IT">
-                    <a:noFill/>
-                  </a:rPr>
-                  <a:t> </a:t>
-                </a:r>
-              </a:p>
-            </p:txBody>
-          </p:sp>
-        </mc:Fallback>
-      </mc:AlternateContent>
-      <p:pic>
-        <p:nvPicPr>
-          <p:cNvPr id="7" name="Picture 6"/>
-          <p:cNvPicPr>
-            <a:picLocks noChangeAspect="1"/>
-          </p:cNvPicPr>
-          <p:nvPr/>
-        </p:nvPicPr>
-        <p:blipFill rotWithShape="1">
-          <a:blip r:embed="rId3"/>
-          <a:srcRect t="24116" b="29483"/>
-          <a:stretch/>
-        </p:blipFill>
-        <p:spPr>
-          <a:xfrm>
-            <a:off x="219242" y="1190625"/>
-            <a:ext cx="8924758" cy="1990726"/>
-          </a:xfrm>
-          <a:prstGeom prst="rect">
-            <a:avLst/>
-          </a:prstGeom>
-        </p:spPr>
-      </p:pic>
-      <p:pic>
-        <p:nvPicPr>
-          <p:cNvPr id="8" name="Picture 7"/>
-          <p:cNvPicPr>
-            <a:picLocks noChangeAspect="1"/>
-          </p:cNvPicPr>
-          <p:nvPr/>
-        </p:nvPicPr>
-        <p:blipFill>
-          <a:blip r:embed="rId4"/>
-          <a:stretch>
-            <a:fillRect/>
-          </a:stretch>
-        </p:blipFill>
-        <p:spPr>
-          <a:xfrm>
-            <a:off x="219242" y="3463138"/>
-            <a:ext cx="5437410" cy="2613812"/>
-          </a:xfrm>
-          <a:prstGeom prst="rect">
-            <a:avLst/>
-          </a:prstGeom>
-        </p:spPr>
-      </p:pic>
-      <p:sp>
-        <p:nvSpPr>
-          <p:cNvPr id="9" name="TextBox 8"/>
-          <p:cNvSpPr txBox="1"/>
-          <p:nvPr/>
-        </p:nvSpPr>
-        <p:spPr>
-          <a:xfrm>
-            <a:off x="5953124" y="3663163"/>
-            <a:ext cx="2886075" cy="2308324"/>
-          </a:xfrm>
-          <a:prstGeom prst="rect">
-            <a:avLst/>
-          </a:prstGeom>
-          <a:noFill/>
-        </p:spPr>
-        <p:txBody>
-          <a:bodyPr wrap="square" rtlCol="0">
-            <a:spAutoFit/>
-          </a:bodyPr>
-          <a:lstStyle/>
-          <a:p>
-            <a:pPr algn="just"/>
-            <a:r>
-              <a:rPr lang="it-IT" dirty="0"/>
-              <a:t>The current is not directly measured, but estimated through a Kalman filter.</a:t>
-            </a:r>
-          </a:p>
-          <a:p>
-            <a:pPr algn="just"/>
-            <a:endParaRPr lang="it-IT" dirty="0"/>
-          </a:p>
-          <a:p>
-            <a:pPr algn="just"/>
-            <a:endParaRPr lang="it-IT" dirty="0"/>
-          </a:p>
-          <a:p>
-            <a:pPr algn="just"/>
-            <a:r>
-              <a:rPr lang="it-IT" dirty="0"/>
-              <a:t>The current regulator allows to stabilize the motor effort.</a:t>
-            </a:r>
-          </a:p>
-        </p:txBody>
-      </p:sp>
-    </p:spTree>
-    <p:extLst>
-      <p:ext uri="{BB962C8B-B14F-4D97-AF65-F5344CB8AC3E}">
-        <p14:creationId xmlns:p14="http://schemas.microsoft.com/office/powerpoint/2010/main" val="2269747960"/>
-      </p:ext>
-    </p:extLst>
-  </p:cSld>
-  <p:clrMapOvr>
-    <a:masterClrMapping/>
-  </p:clrMapOvr>
-</p:sld>
-</file>
-
-<file path=ppt/slides/slide13.xml><?xml version="1.0" encoding="utf-8"?>
-<p:sld xmlns:a="http://schemas.openxmlformats.org/drawingml/2006/main" xmlns:r="http://schemas.openxmlformats.org/officeDocument/2006/relationships" xmlns:p="http://schemas.openxmlformats.org/presentationml/2006/main">
-  <p:cSld>
-    <p:spTree>
-      <p:nvGrpSpPr>
-        <p:cNvPr id="1" name=""/>
-        <p:cNvGrpSpPr/>
-        <p:nvPr/>
-      </p:nvGrpSpPr>
-      <p:grpSpPr>
-        <a:xfrm>
-          <a:off x="0" y="0"/>
-          <a:ext cx="0" cy="0"/>
-          <a:chOff x="0" y="0"/>
-          <a:chExt cx="0" cy="0"/>
-        </a:xfrm>
-      </p:grpSpPr>
-      <mc:AlternateContent xmlns:mc="http://schemas.openxmlformats.org/markup-compatibility/2006">
-        <mc:Choice xmlns:a14="http://schemas.microsoft.com/office/drawing/2010/main" Requires="a14">
-          <p:sp>
-            <p:nvSpPr>
-              <p:cNvPr id="2" name="Text Placeholder 1"/>
-              <p:cNvSpPr>
-                <a:spLocks noGrp="1"/>
-              </p:cNvSpPr>
-              <p:nvPr>
-                <p:ph type="body" sz="quarter" idx="10"/>
-              </p:nvPr>
-            </p:nvSpPr>
-            <p:spPr>
-              <a:xfrm>
-                <a:off x="809625" y="-19050"/>
-                <a:ext cx="6883400" cy="512762"/>
-              </a:xfrm>
-            </p:spPr>
-            <p:txBody>
-              <a:bodyPr/>
-              <a:lstStyle/>
-              <a:p>
-                <a:pPr/>
-                <a14:m>
-                  <m:oMath xmlns:m="http://schemas.openxmlformats.org/officeDocument/2006/math">
-                    <m:sSub>
-                      <m:sSubPr>
-                        <m:ctrlPr>
-                          <a:rPr lang="it-IT" sz="4800" i="1" smtClean="0">
-                            <a:latin typeface="Cambria Math" panose="02040503050406030204" pitchFamily="18" charset="0"/>
-                          </a:rPr>
-                        </m:ctrlPr>
-                      </m:sSubPr>
-                      <m:e>
-                        <m:r>
-                          <a:rPr lang="it-IT" sz="4800" b="1" i="1" smtClean="0">
-                            <a:latin typeface="Cambria Math" panose="02040503050406030204" pitchFamily="18" charset="0"/>
-                          </a:rPr>
-                          <m:t>𝑯</m:t>
-                        </m:r>
-                      </m:e>
-                      <m:sub>
-                        <m:r>
-                          <a:rPr lang="it-IT" sz="4800" i="1" smtClean="0">
-                            <a:latin typeface="Cambria Math" panose="02040503050406030204" pitchFamily="18" charset="0"/>
-                            <a:ea typeface="Cambria Math" panose="02040503050406030204" pitchFamily="18" charset="0"/>
-                          </a:rPr>
-                          <m:t>∞</m:t>
-                        </m:r>
-                      </m:sub>
-                    </m:sSub>
-                  </m:oMath>
-                </a14:m>
-                <a:r>
-                  <a:rPr lang="it-IT" sz="4800" dirty="0"/>
-                  <a:t> 2dof</a:t>
-                </a:r>
-              </a:p>
-            </p:txBody>
-          </p:sp>
-        </mc:Choice>
-        <mc:Fallback>
-          <p:sp>
-            <p:nvSpPr>
-              <p:cNvPr id="2" name="Text Placeholder 1"/>
-              <p:cNvSpPr>
-                <a:spLocks noGrp="1" noRot="1" noChangeAspect="1" noMove="1" noResize="1" noEditPoints="1" noAdjustHandles="1" noChangeArrowheads="1" noChangeShapeType="1" noTextEdit="1"/>
-              </p:cNvSpPr>
-              <p:nvPr>
-                <p:ph type="body" sz="quarter" idx="10"/>
-              </p:nvPr>
-            </p:nvSpPr>
-            <p:spPr>
-              <a:xfrm>
-                <a:off x="809625" y="-19050"/>
-                <a:ext cx="6883400" cy="512762"/>
-              </a:xfrm>
-              <a:blipFill>
-                <a:blip r:embed="rId2"/>
-                <a:stretch>
-                  <a:fillRect t="-28571" b="-122619"/>
-                </a:stretch>
-              </a:blipFill>
-            </p:spPr>
-            <p:txBody>
-              <a:bodyPr/>
-              <a:lstStyle/>
-              <a:p>
-                <a:r>
-                  <a:rPr lang="it-IT">
-                    <a:noFill/>
-                  </a:rPr>
-                  <a:t> </a:t>
-                </a:r>
-              </a:p>
-            </p:txBody>
-          </p:sp>
-        </mc:Fallback>
-      </mc:AlternateContent>
-      <p:pic>
-        <p:nvPicPr>
-          <p:cNvPr id="7" name="Picture 6"/>
-          <p:cNvPicPr>
-            <a:picLocks noChangeAspect="1"/>
-          </p:cNvPicPr>
-          <p:nvPr/>
-        </p:nvPicPr>
-        <p:blipFill rotWithShape="1">
-          <a:blip r:embed="rId3" cstate="email">
-            <a:extLst>
-              <a:ext uri="{28A0092B-C50C-407E-A947-70E740481C1C}">
-                <a14:useLocalDpi xmlns:a14="http://schemas.microsoft.com/office/drawing/2010/main" val="0"/>
-              </a:ext>
-            </a:extLst>
-          </a:blip>
-          <a:srcRect l="8854" r="8021"/>
-          <a:stretch/>
-        </p:blipFill>
-        <p:spPr>
-          <a:xfrm>
-            <a:off x="0" y="1076324"/>
-            <a:ext cx="8948983" cy="5248275"/>
-          </a:xfrm>
-          <a:prstGeom prst="rect">
-            <a:avLst/>
-          </a:prstGeom>
-        </p:spPr>
-      </p:pic>
-    </p:spTree>
-    <p:extLst>
-      <p:ext uri="{BB962C8B-B14F-4D97-AF65-F5344CB8AC3E}">
-        <p14:creationId xmlns:p14="http://schemas.microsoft.com/office/powerpoint/2010/main" val="2873203240"/>
-      </p:ext>
-    </p:extLst>
-  </p:cSld>
-  <p:clrMapOvr>
-    <a:masterClrMapping/>
-  </p:clrMapOvr>
-</p:sld>
-</file>
-
-<file path=ppt/slides/slide14.xml><?xml version="1.0" encoding="utf-8"?>
-<p:sld xmlns:a="http://schemas.openxmlformats.org/drawingml/2006/main" xmlns:r="http://schemas.openxmlformats.org/officeDocument/2006/relationships" xmlns:p="http://schemas.openxmlformats.org/presentationml/2006/main">
-  <p:cSld>
-    <p:spTree>
-      <p:nvGrpSpPr>
-        <p:cNvPr id="1" name=""/>
-        <p:cNvGrpSpPr/>
-        <p:nvPr/>
-      </p:nvGrpSpPr>
-      <p:grpSpPr>
-        <a:xfrm>
-          <a:off x="0" y="0"/>
-          <a:ext cx="0" cy="0"/>
-          <a:chOff x="0" y="0"/>
-          <a:chExt cx="0" cy="0"/>
-        </a:xfrm>
-      </p:grpSpPr>
-      <mc:AlternateContent xmlns:mc="http://schemas.openxmlformats.org/markup-compatibility/2006">
-        <mc:Choice xmlns:a14="http://schemas.microsoft.com/office/drawing/2010/main" Requires="a14">
-          <p:sp>
-            <p:nvSpPr>
-              <p:cNvPr id="2" name="Text Placeholder 1"/>
-              <p:cNvSpPr>
-                <a:spLocks noGrp="1"/>
-              </p:cNvSpPr>
-              <p:nvPr>
-                <p:ph type="body" sz="quarter" idx="10"/>
-              </p:nvPr>
-            </p:nvSpPr>
-            <p:spPr>
-              <a:xfrm>
-                <a:off x="809625" y="-19050"/>
-                <a:ext cx="6883400" cy="512762"/>
-              </a:xfrm>
-            </p:spPr>
-            <p:txBody>
-              <a:bodyPr/>
-              <a:lstStyle/>
-              <a:p>
-                <a:pPr/>
-                <a14:m>
-                  <m:oMath xmlns:m="http://schemas.openxmlformats.org/officeDocument/2006/math">
-                    <m:sSub>
-                      <m:sSubPr>
-                        <m:ctrlPr>
-                          <a:rPr lang="it-IT" sz="4800" i="1" smtClean="0">
-                            <a:latin typeface="Cambria Math" panose="02040503050406030204" pitchFamily="18" charset="0"/>
-                          </a:rPr>
-                        </m:ctrlPr>
-                      </m:sSubPr>
-                      <m:e>
-                        <m:r>
-                          <a:rPr lang="it-IT" sz="4800" b="1" i="1" smtClean="0">
-                            <a:latin typeface="Cambria Math" panose="02040503050406030204" pitchFamily="18" charset="0"/>
-                          </a:rPr>
-                          <m:t>𝑯</m:t>
-                        </m:r>
-                      </m:e>
-                      <m:sub>
-                        <m:r>
-                          <a:rPr lang="it-IT" sz="4800" i="1" smtClean="0">
-                            <a:latin typeface="Cambria Math" panose="02040503050406030204" pitchFamily="18" charset="0"/>
-                            <a:ea typeface="Cambria Math" panose="02040503050406030204" pitchFamily="18" charset="0"/>
-                          </a:rPr>
-                          <m:t>∞</m:t>
-                        </m:r>
-                      </m:sub>
-                    </m:sSub>
-                  </m:oMath>
-                </a14:m>
-                <a:r>
-                  <a:rPr lang="it-IT" sz="4800" dirty="0"/>
-                  <a:t> 3dof</a:t>
-                </a:r>
-              </a:p>
-            </p:txBody>
-          </p:sp>
-        </mc:Choice>
-        <mc:Fallback>
-          <p:sp>
-            <p:nvSpPr>
-              <p:cNvPr id="2" name="Text Placeholder 1"/>
-              <p:cNvSpPr>
-                <a:spLocks noGrp="1" noRot="1" noChangeAspect="1" noMove="1" noResize="1" noEditPoints="1" noAdjustHandles="1" noChangeArrowheads="1" noChangeShapeType="1" noTextEdit="1"/>
-              </p:cNvSpPr>
-              <p:nvPr>
-                <p:ph type="body" sz="quarter" idx="10"/>
-              </p:nvPr>
-            </p:nvSpPr>
-            <p:spPr>
-              <a:xfrm>
-                <a:off x="809625" y="-19050"/>
-                <a:ext cx="6883400" cy="512762"/>
-              </a:xfrm>
-              <a:blipFill>
-                <a:blip r:embed="rId2"/>
-                <a:stretch>
-                  <a:fillRect t="-28571" b="-122619"/>
-                </a:stretch>
-              </a:blipFill>
-            </p:spPr>
-            <p:txBody>
-              <a:bodyPr/>
-              <a:lstStyle/>
-              <a:p>
-                <a:r>
-                  <a:rPr lang="it-IT">
-                    <a:noFill/>
-                  </a:rPr>
-                  <a:t> </a:t>
-                </a:r>
-              </a:p>
-            </p:txBody>
-          </p:sp>
-        </mc:Fallback>
-      </mc:AlternateContent>
-      <p:pic>
-        <p:nvPicPr>
-          <p:cNvPr id="3" name="Picture 2"/>
-          <p:cNvPicPr>
-            <a:picLocks noChangeAspect="1"/>
-          </p:cNvPicPr>
-          <p:nvPr/>
-        </p:nvPicPr>
-        <p:blipFill>
-          <a:blip r:embed="rId3"/>
-          <a:stretch>
-            <a:fillRect/>
-          </a:stretch>
-        </p:blipFill>
-        <p:spPr>
-          <a:xfrm>
-            <a:off x="509588" y="2119312"/>
-            <a:ext cx="8205788" cy="3340355"/>
-          </a:xfrm>
-          <a:prstGeom prst="rect">
-            <a:avLst/>
-          </a:prstGeom>
-        </p:spPr>
-      </p:pic>
-      <p:sp>
-        <p:nvSpPr>
-          <p:cNvPr id="4" name="Multiply 3"/>
-          <p:cNvSpPr/>
-          <p:nvPr/>
-        </p:nvSpPr>
-        <p:spPr>
-          <a:xfrm>
-            <a:off x="7962900" y="2105024"/>
-            <a:ext cx="638175" cy="638175"/>
-          </a:xfrm>
-          <a:prstGeom prst="mathMultiply">
-            <a:avLst/>
-          </a:prstGeom>
-          <a:solidFill>
-            <a:srgbClr val="FF0000"/>
-          </a:solidFill>
-          <a:ln>
-            <a:solidFill>
-              <a:srgbClr val="FF0000"/>
-            </a:solidFill>
-          </a:ln>
-        </p:spPr>
-        <p:style>
-          <a:lnRef idx="2">
-            <a:schemeClr val="accent1">
-              <a:shade val="50000"/>
-            </a:schemeClr>
-          </a:lnRef>
-          <a:fillRef idx="1">
-            <a:schemeClr val="accent1"/>
-          </a:fillRef>
-          <a:effectRef idx="0">
-            <a:schemeClr val="accent1"/>
-          </a:effectRef>
-          <a:fontRef idx="minor">
-            <a:schemeClr val="lt1"/>
-          </a:fontRef>
-        </p:style>
-        <p:txBody>
-          <a:bodyPr rtlCol="0" anchor="ctr"/>
-          <a:lstStyle/>
-          <a:p>
-            <a:pPr algn="ctr"/>
-            <a:endParaRPr lang="it-IT"/>
-          </a:p>
-        </p:txBody>
-      </p:sp>
-    </p:spTree>
-    <p:extLst>
-      <p:ext uri="{BB962C8B-B14F-4D97-AF65-F5344CB8AC3E}">
-        <p14:creationId xmlns:p14="http://schemas.microsoft.com/office/powerpoint/2010/main" val="3409481729"/>
-      </p:ext>
-    </p:extLst>
-  </p:cSld>
-  <p:clrMapOvr>
-    <a:masterClrMapping/>
-  </p:clrMapOvr>
-</p:sld>
-</file>
-
-<file path=ppt/slides/slide15.xml><?xml version="1.0" encoding="utf-8"?>
-<p:sld xmlns:a="http://schemas.openxmlformats.org/drawingml/2006/main" xmlns:r="http://schemas.openxmlformats.org/officeDocument/2006/relationships" xmlns:p="http://schemas.openxmlformats.org/presentationml/2006/main">
-  <p:cSld>
-    <p:spTree>
-      <p:nvGrpSpPr>
-        <p:cNvPr id="1" name=""/>
-        <p:cNvGrpSpPr/>
-        <p:nvPr/>
-      </p:nvGrpSpPr>
-      <p:grpSpPr>
-        <a:xfrm>
-          <a:off x="0" y="0"/>
-          <a:ext cx="0" cy="0"/>
-          <a:chOff x="0" y="0"/>
-          <a:chExt cx="0" cy="0"/>
-        </a:xfrm>
-      </p:grpSpPr>
-      <mc:AlternateContent xmlns:mc="http://schemas.openxmlformats.org/markup-compatibility/2006">
-        <mc:Choice xmlns:a14="http://schemas.microsoft.com/office/drawing/2010/main" Requires="a14">
-          <p:sp>
-            <p:nvSpPr>
-              <p:cNvPr id="2" name="Text Placeholder 1"/>
-              <p:cNvSpPr>
-                <a:spLocks noGrp="1"/>
-              </p:cNvSpPr>
-              <p:nvPr>
-                <p:ph type="body" sz="quarter" idx="10"/>
-              </p:nvPr>
-            </p:nvSpPr>
-            <p:spPr>
-              <a:xfrm>
-                <a:off x="809625" y="-19050"/>
-                <a:ext cx="6883400" cy="512762"/>
-              </a:xfrm>
-            </p:spPr>
-            <p:txBody>
-              <a:bodyPr/>
-              <a:lstStyle/>
-              <a:p>
-                <a:pPr/>
-                <a14:m>
-                  <m:oMath xmlns:m="http://schemas.openxmlformats.org/officeDocument/2006/math">
-                    <m:sSub>
-                      <m:sSubPr>
-                        <m:ctrlPr>
-                          <a:rPr lang="it-IT" sz="4800" i="1" smtClean="0">
-                            <a:latin typeface="Cambria Math" panose="02040503050406030204" pitchFamily="18" charset="0"/>
-                          </a:rPr>
-                        </m:ctrlPr>
-                      </m:sSubPr>
-                      <m:e>
-                        <m:r>
-                          <a:rPr lang="it-IT" sz="4800" b="1" i="1" smtClean="0">
-                            <a:latin typeface="Cambria Math" panose="02040503050406030204" pitchFamily="18" charset="0"/>
-                          </a:rPr>
-                          <m:t>𝑯</m:t>
-                        </m:r>
-                      </m:e>
-                      <m:sub>
-                        <m:r>
-                          <a:rPr lang="it-IT" sz="4800" i="1" smtClean="0">
-                            <a:latin typeface="Cambria Math" panose="02040503050406030204" pitchFamily="18" charset="0"/>
-                            <a:ea typeface="Cambria Math" panose="02040503050406030204" pitchFamily="18" charset="0"/>
-                          </a:rPr>
-                          <m:t>∞</m:t>
-                        </m:r>
-                      </m:sub>
-                    </m:sSub>
-                  </m:oMath>
-                </a14:m>
-                <a:r>
-                  <a:rPr lang="it-IT" sz="4800" dirty="0"/>
-                  <a:t> 3dof</a:t>
-                </a:r>
-              </a:p>
-            </p:txBody>
-          </p:sp>
-        </mc:Choice>
-        <mc:Fallback>
-          <p:sp>
-            <p:nvSpPr>
-              <p:cNvPr id="2" name="Text Placeholder 1"/>
-              <p:cNvSpPr>
-                <a:spLocks noGrp="1" noRot="1" noChangeAspect="1" noMove="1" noResize="1" noEditPoints="1" noAdjustHandles="1" noChangeArrowheads="1" noChangeShapeType="1" noTextEdit="1"/>
-              </p:cNvSpPr>
-              <p:nvPr>
-                <p:ph type="body" sz="quarter" idx="10"/>
-              </p:nvPr>
-            </p:nvSpPr>
-            <p:spPr>
-              <a:xfrm>
-                <a:off x="809625" y="-19050"/>
-                <a:ext cx="6883400" cy="512762"/>
-              </a:xfrm>
-              <a:blipFill>
-                <a:blip r:embed="rId2"/>
-                <a:stretch>
-                  <a:fillRect t="-28571" b="-122619"/>
-                </a:stretch>
-              </a:blipFill>
-            </p:spPr>
-            <p:txBody>
-              <a:bodyPr/>
-              <a:lstStyle/>
-              <a:p>
-                <a:r>
-                  <a:rPr lang="it-IT">
-                    <a:noFill/>
-                  </a:rPr>
-                  <a:t> </a:t>
-                </a:r>
-              </a:p>
-            </p:txBody>
-          </p:sp>
-        </mc:Fallback>
-      </mc:AlternateContent>
-      <p:pic>
-        <p:nvPicPr>
-          <p:cNvPr id="5" name="Picture 4"/>
-          <p:cNvPicPr>
-            <a:picLocks noChangeAspect="1"/>
-          </p:cNvPicPr>
-          <p:nvPr/>
-        </p:nvPicPr>
-        <p:blipFill>
-          <a:blip r:embed="rId3">
-            <a:extLst>
-              <a:ext uri="{28A0092B-C50C-407E-A947-70E740481C1C}">
-                <a14:useLocalDpi xmlns:a14="http://schemas.microsoft.com/office/drawing/2010/main" val="0"/>
-              </a:ext>
-            </a:extLst>
-          </a:blip>
-          <a:stretch>
-            <a:fillRect/>
-          </a:stretch>
-        </p:blipFill>
-        <p:spPr>
-          <a:xfrm>
-            <a:off x="85725" y="971800"/>
-            <a:ext cx="5333333" cy="4000000"/>
-          </a:xfrm>
-          <a:prstGeom prst="rect">
-            <a:avLst/>
-          </a:prstGeom>
-        </p:spPr>
-      </p:pic>
-      <p:pic>
-        <p:nvPicPr>
-          <p:cNvPr id="6" name="Picture 5"/>
-          <p:cNvPicPr>
-            <a:picLocks noChangeAspect="1"/>
-          </p:cNvPicPr>
-          <p:nvPr/>
-        </p:nvPicPr>
-        <p:blipFill>
-          <a:blip r:embed="rId4" cstate="email">
-            <a:extLst>
-              <a:ext uri="{28A0092B-C50C-407E-A947-70E740481C1C}">
-                <a14:useLocalDpi xmlns:a14="http://schemas.microsoft.com/office/drawing/2010/main" val="0"/>
-              </a:ext>
-            </a:extLst>
-          </a:blip>
-          <a:stretch>
-            <a:fillRect/>
-          </a:stretch>
-        </p:blipFill>
-        <p:spPr>
-          <a:xfrm>
-            <a:off x="3457575" y="3440906"/>
-            <a:ext cx="5540524" cy="2778919"/>
-          </a:xfrm>
-          <a:prstGeom prst="rect">
-            <a:avLst/>
-          </a:prstGeom>
-        </p:spPr>
-      </p:pic>
-    </p:spTree>
-    <p:extLst>
-      <p:ext uri="{BB962C8B-B14F-4D97-AF65-F5344CB8AC3E}">
-        <p14:creationId xmlns:p14="http://schemas.microsoft.com/office/powerpoint/2010/main" val="2728987991"/>
-      </p:ext>
-    </p:extLst>
-  </p:cSld>
-  <p:clrMapOvr>
-    <a:masterClrMapping/>
-  </p:clrMapOvr>
-</p:sld>
-</file>
-
-<file path=ppt/slides/slide2.xml><?xml version="1.0" encoding="utf-8"?>
-<p:sld xmlns:a="http://schemas.openxmlformats.org/drawingml/2006/main" xmlns:r="http://schemas.openxmlformats.org/officeDocument/2006/relationships" xmlns:p="http://schemas.openxmlformats.org/presentationml/2006/main">
-  <p:cSld>
-    <p:spTree>
-      <p:nvGrpSpPr>
-        <p:cNvPr id="1" name=""/>
-        <p:cNvGrpSpPr/>
-        <p:nvPr/>
-      </p:nvGrpSpPr>
-      <p:grpSpPr>
-        <a:xfrm>
-          <a:off x="0" y="0"/>
-          <a:ext cx="0" cy="0"/>
-          <a:chOff x="0" y="0"/>
-          <a:chExt cx="0" cy="0"/>
-        </a:xfrm>
-      </p:grpSpPr>
-      <p:sp>
-        <p:nvSpPr>
-          <p:cNvPr id="2" name="Text Placeholder 1"/>
-          <p:cNvSpPr>
-            <a:spLocks noGrp="1"/>
-          </p:cNvSpPr>
-          <p:nvPr>
-            <p:ph type="body" sz="quarter" idx="10"/>
-          </p:nvPr>
-        </p:nvSpPr>
-        <p:spPr/>
-        <p:txBody>
-          <a:bodyPr/>
-          <a:lstStyle/>
-          <a:p>
-            <a:r>
-              <a:rPr lang="it-IT" dirty="0"/>
-              <a:t>Loopshaping</a:t>
-            </a:r>
-          </a:p>
-        </p:txBody>
-      </p:sp>
-      <p:pic>
-        <p:nvPicPr>
-          <p:cNvPr id="4" name="Picture 3"/>
-          <p:cNvPicPr>
-            <a:picLocks noChangeAspect="1"/>
-          </p:cNvPicPr>
-          <p:nvPr/>
-        </p:nvPicPr>
-        <p:blipFill>
-          <a:blip r:embed="rId2" cstate="email">
-            <a:extLst>
-              <a:ext uri="{28A0092B-C50C-407E-A947-70E740481C1C}">
-                <a14:useLocalDpi xmlns:a14="http://schemas.microsoft.com/office/drawing/2010/main" val="0"/>
-              </a:ext>
-            </a:extLst>
-          </a:blip>
-          <a:stretch>
-            <a:fillRect/>
-          </a:stretch>
-        </p:blipFill>
-        <p:spPr>
-          <a:xfrm>
-            <a:off x="0" y="831836"/>
-            <a:ext cx="9144000" cy="3190430"/>
-          </a:xfrm>
-          <a:prstGeom prst="rect">
-            <a:avLst/>
-          </a:prstGeom>
-        </p:spPr>
-      </p:pic>
-      <mc:AlternateContent xmlns:mc="http://schemas.openxmlformats.org/markup-compatibility/2006">
-        <mc:Choice xmlns:a14="http://schemas.microsoft.com/office/drawing/2010/main" Requires="a14">
-          <p:sp>
-            <p:nvSpPr>
-              <p:cNvPr id="5" name="TextBox 4"/>
-              <p:cNvSpPr txBox="1"/>
-              <p:nvPr/>
-            </p:nvSpPr>
-            <p:spPr>
-              <a:xfrm>
-                <a:off x="2146811" y="4627085"/>
-                <a:ext cx="4850378" cy="898516"/>
-              </a:xfrm>
-              <a:prstGeom prst="rect">
-                <a:avLst/>
-              </a:prstGeom>
-              <a:noFill/>
-            </p:spPr>
-            <p:txBody>
-              <a:bodyPr wrap="square" lIns="0" tIns="0" rIns="0" bIns="0" rtlCol="0">
-                <a:spAutoFit/>
-              </a:bodyPr>
-              <a:lstStyle/>
-              <a:p>
-                <a14:m>
-                  <m:oMathPara xmlns:m="http://schemas.openxmlformats.org/officeDocument/2006/math">
-                    <m:oMathParaPr>
-                      <m:jc m:val="centerGroup"/>
-                    </m:oMathParaPr>
-                    <m:oMath xmlns:m="http://schemas.openxmlformats.org/officeDocument/2006/math">
-                      <m:r>
-                        <a:rPr lang="it-IT" sz="2800" b="0" i="1" smtClean="0">
-                          <a:latin typeface="Cambria Math" panose="02040503050406030204" pitchFamily="18" charset="0"/>
-                        </a:rPr>
-                        <m:t>𝑅</m:t>
-                      </m:r>
-                      <m:d>
-                        <m:dPr>
-                          <m:ctrlPr>
-                            <a:rPr lang="it-IT" sz="2800" b="0" i="1" smtClean="0">
-                              <a:latin typeface="Cambria Math" panose="02040503050406030204" pitchFamily="18" charset="0"/>
-                            </a:rPr>
-                          </m:ctrlPr>
-                        </m:dPr>
-                        <m:e>
-                          <m:r>
-                            <a:rPr lang="it-IT" sz="2800" b="0" i="1" smtClean="0">
-                              <a:latin typeface="Cambria Math" panose="02040503050406030204" pitchFamily="18" charset="0"/>
-                            </a:rPr>
-                            <m:t>𝑠</m:t>
-                          </m:r>
-                        </m:e>
-                      </m:d>
-                      <m:r>
-                        <a:rPr lang="it-IT" sz="2800" b="0" i="1" smtClean="0">
-                          <a:latin typeface="Cambria Math" panose="02040503050406030204" pitchFamily="18" charset="0"/>
-                        </a:rPr>
-                        <m:t>=</m:t>
-                      </m:r>
-                      <m:sSub>
-                        <m:sSubPr>
-                          <m:ctrlPr>
-                            <a:rPr lang="it-IT" sz="2800" b="0" i="1" smtClean="0">
-                              <a:latin typeface="Cambria Math" panose="02040503050406030204" pitchFamily="18" charset="0"/>
-                            </a:rPr>
-                          </m:ctrlPr>
-                        </m:sSubPr>
-                        <m:e>
-                          <m:r>
-                            <a:rPr lang="it-IT" sz="2800" b="0" i="1" smtClean="0">
-                              <a:latin typeface="Cambria Math" panose="02040503050406030204" pitchFamily="18" charset="0"/>
-                            </a:rPr>
-                            <m:t>𝐾</m:t>
-                          </m:r>
-                        </m:e>
-                        <m:sub>
-                          <m:r>
-                            <a:rPr lang="it-IT" sz="2800" b="0" i="1" smtClean="0">
-                              <a:latin typeface="Cambria Math" panose="02040503050406030204" pitchFamily="18" charset="0"/>
-                            </a:rPr>
-                            <m:t>𝑅</m:t>
-                          </m:r>
-                        </m:sub>
-                      </m:sSub>
-                      <m:f>
-                        <m:fPr>
-                          <m:ctrlPr>
-                            <a:rPr lang="it-IT" sz="2800" b="0" i="1" smtClean="0">
-                              <a:latin typeface="Cambria Math" panose="02040503050406030204" pitchFamily="18" charset="0"/>
-                            </a:rPr>
-                          </m:ctrlPr>
-                        </m:fPr>
-                        <m:num>
-                          <m:r>
-                            <a:rPr lang="it-IT" sz="2800" b="0" i="1" smtClean="0">
-                              <a:latin typeface="Cambria Math" panose="02040503050406030204" pitchFamily="18" charset="0"/>
-                            </a:rPr>
-                            <m:t>(</m:t>
-                          </m:r>
-                          <m:r>
-                            <a:rPr lang="it-IT" sz="2800" b="0" i="1" smtClean="0">
-                              <a:latin typeface="Cambria Math" panose="02040503050406030204" pitchFamily="18" charset="0"/>
-                            </a:rPr>
-                            <m:t>𝑠</m:t>
-                          </m:r>
-                          <m:r>
-                            <a:rPr lang="it-IT" sz="2800" b="0" i="1" smtClean="0">
-                              <a:latin typeface="Cambria Math" panose="02040503050406030204" pitchFamily="18" charset="0"/>
-                            </a:rPr>
-                            <m:t>+</m:t>
-                          </m:r>
-                          <m:r>
-                            <a:rPr lang="it-IT" sz="2800" b="0" i="1" smtClean="0">
-                              <a:latin typeface="Cambria Math" panose="02040503050406030204" pitchFamily="18" charset="0"/>
-                            </a:rPr>
-                            <m:t>𝑧</m:t>
-                          </m:r>
-                          <m:r>
-                            <a:rPr lang="it-IT" sz="2800" b="0" i="1" smtClean="0">
-                              <a:latin typeface="Cambria Math" panose="02040503050406030204" pitchFamily="18" charset="0"/>
-                            </a:rPr>
-                            <m:t>)(</m:t>
-                          </m:r>
-                          <m:r>
-                            <a:rPr lang="it-IT" sz="2800" b="0" i="1" smtClean="0">
-                              <a:latin typeface="Cambria Math" panose="02040503050406030204" pitchFamily="18" charset="0"/>
-                            </a:rPr>
-                            <m:t>𝑠</m:t>
-                          </m:r>
-                          <m:r>
-                            <a:rPr lang="it-IT" sz="2800" b="0" i="1" smtClean="0">
-                              <a:latin typeface="Cambria Math" panose="02040503050406030204" pitchFamily="18" charset="0"/>
-                            </a:rPr>
-                            <m:t>+</m:t>
-                          </m:r>
-                          <m:sSup>
-                            <m:sSupPr>
-                              <m:ctrlPr>
-                                <a:rPr lang="it-IT" sz="2800" b="0" i="1" smtClean="0">
-                                  <a:latin typeface="Cambria Math" panose="02040503050406030204" pitchFamily="18" charset="0"/>
-                                </a:rPr>
-                              </m:ctrlPr>
-                            </m:sSupPr>
-                            <m:e>
-                              <m:r>
-                                <a:rPr lang="it-IT" sz="2800" b="0" i="1" smtClean="0">
-                                  <a:latin typeface="Cambria Math" panose="02040503050406030204" pitchFamily="18" charset="0"/>
-                                </a:rPr>
-                                <m:t>𝑧</m:t>
-                              </m:r>
-                            </m:e>
-                            <m:sup>
-                              <m:r>
-                                <a:rPr lang="it-IT" sz="2800" b="0" i="1" smtClean="0">
-                                  <a:latin typeface="Cambria Math" panose="02040503050406030204" pitchFamily="18" charset="0"/>
-                                </a:rPr>
-                                <m:t>∗</m:t>
-                              </m:r>
-                            </m:sup>
-                          </m:sSup>
-                          <m:r>
-                            <a:rPr lang="it-IT" sz="2800" b="0" i="1" smtClean="0">
-                              <a:latin typeface="Cambria Math" panose="02040503050406030204" pitchFamily="18" charset="0"/>
-                            </a:rPr>
-                            <m:t>)</m:t>
-                          </m:r>
-                        </m:num>
-                        <m:den>
-                          <m:r>
-                            <a:rPr lang="it-IT" sz="2800" b="0" i="1" smtClean="0">
-                              <a:latin typeface="Cambria Math" panose="02040503050406030204" pitchFamily="18" charset="0"/>
-                            </a:rPr>
-                            <m:t>𝑠</m:t>
-                          </m:r>
-                          <m:r>
-                            <a:rPr lang="it-IT" sz="2800" b="0" i="1" smtClean="0">
-                              <a:latin typeface="Cambria Math" panose="02040503050406030204" pitchFamily="18" charset="0"/>
-                            </a:rPr>
-                            <m:t> (</m:t>
-                          </m:r>
-                          <m:r>
-                            <a:rPr lang="it-IT" sz="2800" b="0" i="1" smtClean="0">
-                              <a:latin typeface="Cambria Math" panose="02040503050406030204" pitchFamily="18" charset="0"/>
-                            </a:rPr>
-                            <m:t>𝑠</m:t>
-                          </m:r>
-                          <m:r>
-                            <a:rPr lang="it-IT" sz="2800" b="0" i="1" smtClean="0">
-                              <a:latin typeface="Cambria Math" panose="02040503050406030204" pitchFamily="18" charset="0"/>
-                            </a:rPr>
-                            <m:t>+</m:t>
-                          </m:r>
-                          <m:sSub>
-                            <m:sSubPr>
-                              <m:ctrlPr>
-                                <a:rPr lang="it-IT" sz="2800" b="0" i="1" smtClean="0">
-                                  <a:latin typeface="Cambria Math" panose="02040503050406030204" pitchFamily="18" charset="0"/>
-                                </a:rPr>
-                              </m:ctrlPr>
-                            </m:sSubPr>
-                            <m:e>
-                              <m:r>
-                                <a:rPr lang="it-IT" sz="2800" b="0" i="1" smtClean="0">
-                                  <a:latin typeface="Cambria Math" panose="02040503050406030204" pitchFamily="18" charset="0"/>
-                                </a:rPr>
-                                <m:t>𝑝</m:t>
-                              </m:r>
-                            </m:e>
-                            <m:sub>
-                              <m:r>
-                                <a:rPr lang="it-IT" sz="2800" b="0" i="1" smtClean="0">
-                                  <a:latin typeface="Cambria Math" panose="02040503050406030204" pitchFamily="18" charset="0"/>
-                                </a:rPr>
-                                <m:t>𝐻𝐹</m:t>
-                              </m:r>
-                            </m:sub>
-                          </m:sSub>
-                          <m:r>
-                            <a:rPr lang="it-IT" sz="2800" b="0" i="1" smtClean="0">
-                              <a:latin typeface="Cambria Math" panose="02040503050406030204" pitchFamily="18" charset="0"/>
-                            </a:rPr>
-                            <m:t>)</m:t>
-                          </m:r>
-                        </m:den>
-                      </m:f>
-                    </m:oMath>
-                  </m:oMathPara>
-                </a14:m>
-                <a:endParaRPr lang="it-IT" sz="2800" dirty="0"/>
-              </a:p>
-            </p:txBody>
-          </p:sp>
-        </mc:Choice>
-        <mc:Fallback>
-          <p:sp>
-            <p:nvSpPr>
-              <p:cNvPr id="5" name="TextBox 4"/>
-              <p:cNvSpPr txBox="1">
-                <a:spLocks noRot="1" noChangeAspect="1" noMove="1" noResize="1" noEditPoints="1" noAdjustHandles="1" noChangeArrowheads="1" noChangeShapeType="1" noTextEdit="1"/>
-              </p:cNvSpPr>
-              <p:nvPr/>
-            </p:nvSpPr>
-            <p:spPr>
-              <a:xfrm>
-                <a:off x="2146811" y="4627085"/>
-                <a:ext cx="4850378" cy="898516"/>
-              </a:xfrm>
-              <a:prstGeom prst="rect">
-                <a:avLst/>
-              </a:prstGeom>
-              <a:blipFill>
-                <a:blip r:embed="rId3"/>
-                <a:stretch>
-                  <a:fillRect/>
-                </a:stretch>
-              </a:blipFill>
-            </p:spPr>
-            <p:txBody>
-              <a:bodyPr/>
-              <a:lstStyle/>
-              <a:p>
-                <a:r>
-                  <a:rPr lang="it-IT">
-                    <a:noFill/>
-                  </a:rPr>
-                  <a:t> </a:t>
-                </a:r>
-              </a:p>
-            </p:txBody>
-          </p:sp>
-        </mc:Fallback>
-      </mc:AlternateContent>
-      <p:sp>
-        <p:nvSpPr>
-          <p:cNvPr id="6" name="Left Brace 5"/>
-          <p:cNvSpPr/>
-          <p:nvPr/>
-        </p:nvSpPr>
-        <p:spPr>
-          <a:xfrm rot="5400000">
-            <a:off x="5274398" y="3387238"/>
-            <a:ext cx="248905" cy="2237362"/>
-          </a:xfrm>
-          <a:prstGeom prst="leftBrace">
-            <a:avLst/>
-          </a:prstGeom>
-          <a:ln>
-            <a:solidFill>
-              <a:srgbClr val="FF0000"/>
-            </a:solidFill>
-          </a:ln>
-        </p:spPr>
-        <p:style>
-          <a:lnRef idx="1">
-            <a:schemeClr val="accent1"/>
-          </a:lnRef>
-          <a:fillRef idx="0">
-            <a:schemeClr val="accent1"/>
-          </a:fillRef>
-          <a:effectRef idx="0">
-            <a:schemeClr val="accent1"/>
-          </a:effectRef>
-          <a:fontRef idx="minor">
-            <a:schemeClr val="tx1"/>
-          </a:fontRef>
-        </p:style>
-        <p:txBody>
-          <a:bodyPr rtlCol="0" anchor="ctr"/>
-          <a:lstStyle/>
-          <a:p>
-            <a:pPr algn="ctr"/>
-            <a:endParaRPr lang="it-IT">
-              <a:solidFill>
-                <a:srgbClr val="FF0000"/>
-              </a:solidFill>
-            </a:endParaRPr>
-          </a:p>
-        </p:txBody>
-      </p:sp>
-      <p:sp>
-        <p:nvSpPr>
-          <p:cNvPr id="7" name="TextBox 6"/>
-          <p:cNvSpPr txBox="1"/>
-          <p:nvPr/>
-        </p:nvSpPr>
-        <p:spPr>
-          <a:xfrm>
-            <a:off x="4124531" y="4022266"/>
-            <a:ext cx="2645923" cy="369332"/>
-          </a:xfrm>
-          <a:prstGeom prst="rect">
-            <a:avLst/>
-          </a:prstGeom>
-          <a:noFill/>
-        </p:spPr>
-        <p:txBody>
-          <a:bodyPr wrap="square" rtlCol="0">
-            <a:spAutoFit/>
-          </a:bodyPr>
-          <a:lstStyle/>
-          <a:p>
-            <a:r>
-              <a:rPr lang="it-IT" dirty="0"/>
-              <a:t>cancel out cart dynamic</a:t>
-            </a:r>
-          </a:p>
-        </p:txBody>
-      </p:sp>
-      <p:sp>
-        <p:nvSpPr>
-          <p:cNvPr id="8" name="Oval 7"/>
-          <p:cNvSpPr/>
-          <p:nvPr/>
-        </p:nvSpPr>
-        <p:spPr>
-          <a:xfrm>
-            <a:off x="4484449" y="5175980"/>
-            <a:ext cx="286700" cy="369941"/>
-          </a:xfrm>
-          <a:prstGeom prst="ellipse">
-            <a:avLst/>
-          </a:prstGeom>
-          <a:noFill/>
-          <a:ln>
-            <a:solidFill>
-              <a:srgbClr val="FF0000"/>
-            </a:solidFill>
-            <a:prstDash val="dash"/>
-          </a:ln>
-        </p:spPr>
-        <p:style>
-          <a:lnRef idx="2">
-            <a:schemeClr val="accent1">
-              <a:shade val="50000"/>
-            </a:schemeClr>
-          </a:lnRef>
-          <a:fillRef idx="1">
-            <a:schemeClr val="accent1"/>
-          </a:fillRef>
-          <a:effectRef idx="0">
-            <a:schemeClr val="accent1"/>
-          </a:effectRef>
-          <a:fontRef idx="minor">
-            <a:schemeClr val="lt1"/>
-          </a:fontRef>
-        </p:style>
-        <p:txBody>
-          <a:bodyPr rtlCol="0" anchor="ctr"/>
-          <a:lstStyle/>
-          <a:p>
-            <a:pPr algn="ctr"/>
-            <a:endParaRPr lang="it-IT"/>
-          </a:p>
-        </p:txBody>
-      </p:sp>
-      <p:sp>
-        <p:nvSpPr>
-          <p:cNvPr id="9" name="TextBox 8"/>
-          <p:cNvSpPr txBox="1"/>
-          <p:nvPr/>
-        </p:nvSpPr>
-        <p:spPr>
-          <a:xfrm>
-            <a:off x="2830748" y="5719867"/>
-            <a:ext cx="1653701" cy="369332"/>
-          </a:xfrm>
-          <a:prstGeom prst="rect">
-            <a:avLst/>
-          </a:prstGeom>
-          <a:noFill/>
-        </p:spPr>
-        <p:txBody>
-          <a:bodyPr wrap="square" rtlCol="0">
-            <a:spAutoFit/>
-          </a:bodyPr>
-          <a:lstStyle/>
-          <a:p>
-            <a:r>
-              <a:rPr lang="it-IT" dirty="0"/>
-              <a:t>Integral action</a:t>
-            </a:r>
-          </a:p>
-        </p:txBody>
-      </p:sp>
-      <p:sp>
-        <p:nvSpPr>
-          <p:cNvPr id="10" name="TextBox 9"/>
-          <p:cNvSpPr txBox="1"/>
-          <p:nvPr/>
-        </p:nvSpPr>
-        <p:spPr>
-          <a:xfrm>
-            <a:off x="6170338" y="5904533"/>
-            <a:ext cx="1653701" cy="369332"/>
-          </a:xfrm>
-          <a:prstGeom prst="rect">
-            <a:avLst/>
-          </a:prstGeom>
-          <a:noFill/>
-        </p:spPr>
-        <p:txBody>
-          <a:bodyPr wrap="square" rtlCol="0">
-            <a:spAutoFit/>
-          </a:bodyPr>
-          <a:lstStyle/>
-          <a:p>
-            <a:r>
-              <a:rPr lang="it-IT" dirty="0"/>
-              <a:t>causal block</a:t>
-            </a:r>
-          </a:p>
-        </p:txBody>
-      </p:sp>
-      <p:cxnSp>
-        <p:nvCxnSpPr>
-          <p:cNvPr id="12" name="Straight Arrow Connector 11"/>
-          <p:cNvCxnSpPr/>
-          <p:nvPr/>
-        </p:nvCxnSpPr>
-        <p:spPr>
-          <a:xfrm flipH="1">
-            <a:off x="3604259" y="5391431"/>
-            <a:ext cx="826850" cy="358916"/>
-          </a:xfrm>
-          <a:prstGeom prst="straightConnector1">
-            <a:avLst/>
-          </a:prstGeom>
-          <a:ln>
-            <a:solidFill>
-              <a:srgbClr val="FF0000"/>
-            </a:solidFill>
-            <a:tailEnd type="triangle"/>
-          </a:ln>
-        </p:spPr>
-        <p:style>
-          <a:lnRef idx="1">
-            <a:schemeClr val="accent1"/>
-          </a:lnRef>
-          <a:fillRef idx="0">
-            <a:schemeClr val="accent1"/>
-          </a:fillRef>
-          <a:effectRef idx="0">
-            <a:schemeClr val="accent1"/>
-          </a:effectRef>
-          <a:fontRef idx="minor">
-            <a:schemeClr val="tx1"/>
-          </a:fontRef>
-        </p:style>
-      </p:cxnSp>
-      <p:cxnSp>
-        <p:nvCxnSpPr>
-          <p:cNvPr id="15" name="Straight Arrow Connector 14"/>
-          <p:cNvCxnSpPr/>
-          <p:nvPr/>
-        </p:nvCxnSpPr>
-        <p:spPr>
-          <a:xfrm>
-            <a:off x="5913120" y="5553541"/>
-            <a:ext cx="741572" cy="350992"/>
-          </a:xfrm>
-          <a:prstGeom prst="straightConnector1">
-            <a:avLst/>
-          </a:prstGeom>
-          <a:ln>
-            <a:solidFill>
-              <a:srgbClr val="FF0000"/>
-            </a:solidFill>
-            <a:tailEnd type="triangle"/>
-          </a:ln>
-        </p:spPr>
-        <p:style>
-          <a:lnRef idx="1">
-            <a:schemeClr val="accent1"/>
-          </a:lnRef>
-          <a:fillRef idx="0">
-            <a:schemeClr val="accent1"/>
-          </a:fillRef>
-          <a:effectRef idx="0">
-            <a:schemeClr val="accent1"/>
-          </a:effectRef>
-          <a:fontRef idx="minor">
-            <a:schemeClr val="tx1"/>
-          </a:fontRef>
-        </p:style>
-      </p:cxnSp>
-    </p:spTree>
-    <p:extLst>
-      <p:ext uri="{BB962C8B-B14F-4D97-AF65-F5344CB8AC3E}">
-        <p14:creationId xmlns:p14="http://schemas.microsoft.com/office/powerpoint/2010/main" val="2270108105"/>
-      </p:ext>
-    </p:extLst>
-  </p:cSld>
-  <p:clrMapOvr>
-    <a:masterClrMapping/>
-  </p:clrMapOvr>
-</p:sld>
-</file>
-
-<file path=ppt/slides/slide3.xml><?xml version="1.0" encoding="utf-8"?>
-<p:sld xmlns:a="http://schemas.openxmlformats.org/drawingml/2006/main" xmlns:r="http://schemas.openxmlformats.org/officeDocument/2006/relationships" xmlns:p="http://schemas.openxmlformats.org/presentationml/2006/main">
-  <p:cSld>
-    <p:spTree>
-      <p:nvGrpSpPr>
-        <p:cNvPr id="1" name=""/>
-        <p:cNvGrpSpPr/>
-        <p:nvPr/>
-      </p:nvGrpSpPr>
-      <p:grpSpPr>
-        <a:xfrm>
-          <a:off x="0" y="0"/>
-          <a:ext cx="0" cy="0"/>
-          <a:chOff x="0" y="0"/>
-          <a:chExt cx="0" cy="0"/>
-        </a:xfrm>
-      </p:grpSpPr>
-      <p:sp>
-        <p:nvSpPr>
-          <p:cNvPr id="2" name="Text Placeholder 1"/>
-          <p:cNvSpPr>
-            <a:spLocks noGrp="1"/>
-          </p:cNvSpPr>
-          <p:nvPr>
-            <p:ph type="body" sz="quarter" idx="10"/>
-          </p:nvPr>
-        </p:nvSpPr>
-        <p:spPr/>
-        <p:txBody>
-          <a:bodyPr/>
-          <a:lstStyle/>
-          <a:p>
-            <a:r>
-              <a:rPr lang="it-IT" dirty="0"/>
-              <a:t>Loopshaping</a:t>
-            </a:r>
-          </a:p>
-        </p:txBody>
-      </p:sp>
-      <p:pic>
-        <p:nvPicPr>
-          <p:cNvPr id="4" name="Picture 3"/>
-          <p:cNvPicPr>
-            <a:picLocks noChangeAspect="1"/>
-          </p:cNvPicPr>
-          <p:nvPr/>
-        </p:nvPicPr>
-        <p:blipFill>
-          <a:blip r:embed="rId2">
-            <a:extLst>
-              <a:ext uri="{28A0092B-C50C-407E-A947-70E740481C1C}">
-                <a14:useLocalDpi xmlns:a14="http://schemas.microsoft.com/office/drawing/2010/main" val="0"/>
-              </a:ext>
-            </a:extLst>
-          </a:blip>
-          <a:stretch>
-            <a:fillRect/>
-          </a:stretch>
-        </p:blipFill>
-        <p:spPr>
-          <a:xfrm>
-            <a:off x="1057274" y="895349"/>
-            <a:ext cx="7134225" cy="5350669"/>
-          </a:xfrm>
-          <a:prstGeom prst="rect">
-            <a:avLst/>
-          </a:prstGeom>
-        </p:spPr>
-      </p:pic>
-    </p:spTree>
-    <p:extLst>
-      <p:ext uri="{BB962C8B-B14F-4D97-AF65-F5344CB8AC3E}">
-        <p14:creationId xmlns:p14="http://schemas.microsoft.com/office/powerpoint/2010/main" val="2529757401"/>
-      </p:ext>
-    </p:extLst>
-  </p:cSld>
-  <p:clrMapOvr>
-    <a:masterClrMapping/>
-  </p:clrMapOvr>
-</p:sld>
-</file>
-
-<file path=ppt/slides/slide4.xml><?xml version="1.0" encoding="utf-8"?>
-<p:sld xmlns:a="http://schemas.openxmlformats.org/drawingml/2006/main" xmlns:r="http://schemas.openxmlformats.org/officeDocument/2006/relationships" xmlns:p="http://schemas.openxmlformats.org/presentationml/2006/main">
-  <p:cSld>
-    <p:spTree>
-      <p:nvGrpSpPr>
-        <p:cNvPr id="1" name=""/>
-        <p:cNvGrpSpPr/>
-        <p:nvPr/>
-      </p:nvGrpSpPr>
-      <p:grpSpPr>
-        <a:xfrm>
-          <a:off x="0" y="0"/>
-          <a:ext cx="0" cy="0"/>
-          <a:chOff x="0" y="0"/>
-          <a:chExt cx="0" cy="0"/>
-        </a:xfrm>
-      </p:grpSpPr>
-      <p:sp>
-        <p:nvSpPr>
-          <p:cNvPr id="2" name="Text Placeholder 1"/>
-          <p:cNvSpPr>
-            <a:spLocks noGrp="1"/>
-          </p:cNvSpPr>
-          <p:nvPr>
-            <p:ph type="body" sz="quarter" idx="10"/>
-          </p:nvPr>
-        </p:nvSpPr>
-        <p:spPr/>
-        <p:txBody>
-          <a:bodyPr/>
-          <a:lstStyle/>
-          <a:p>
-            <a:r>
-              <a:rPr lang="it-IT" dirty="0"/>
-              <a:t>Loopshaping</a:t>
-            </a:r>
-          </a:p>
-        </p:txBody>
-      </p:sp>
-      <p:pic>
-        <p:nvPicPr>
-          <p:cNvPr id="4" name="Picture 3"/>
-          <p:cNvPicPr>
-            <a:picLocks noChangeAspect="1"/>
-          </p:cNvPicPr>
-          <p:nvPr/>
-        </p:nvPicPr>
-        <p:blipFill rotWithShape="1">
-          <a:blip r:embed="rId2" cstate="email">
-            <a:extLst>
-              <a:ext uri="{28A0092B-C50C-407E-A947-70E740481C1C}">
-                <a14:useLocalDpi xmlns:a14="http://schemas.microsoft.com/office/drawing/2010/main" val="0"/>
-              </a:ext>
-            </a:extLst>
-          </a:blip>
-          <a:srcRect l="8958" r="7603"/>
-          <a:stretch/>
-        </p:blipFill>
-        <p:spPr>
-          <a:xfrm>
-            <a:off x="819150" y="2008757"/>
-            <a:ext cx="7629525" cy="4364486"/>
-          </a:xfrm>
-          <a:prstGeom prst="rect">
-            <a:avLst/>
-          </a:prstGeom>
-        </p:spPr>
-      </p:pic>
-      <p:sp>
-        <p:nvSpPr>
-          <p:cNvPr id="5" name="TextBox 4"/>
-          <p:cNvSpPr txBox="1"/>
-          <p:nvPr/>
-        </p:nvSpPr>
-        <p:spPr>
-          <a:xfrm>
-            <a:off x="990600" y="1057275"/>
-            <a:ext cx="7286625" cy="872034"/>
-          </a:xfrm>
-          <a:prstGeom prst="rect">
-            <a:avLst/>
-          </a:prstGeom>
-          <a:noFill/>
-        </p:spPr>
-        <p:txBody>
-          <a:bodyPr wrap="square" rtlCol="0">
-            <a:spAutoFit/>
-          </a:bodyPr>
-          <a:lstStyle/>
-          <a:p>
-            <a:pPr>
-              <a:lnSpc>
-                <a:spcPct val="150000"/>
-              </a:lnSpc>
-            </a:pPr>
-            <a:r>
-              <a:rPr lang="it-IT" dirty="0"/>
-              <a:t>Transient does not take into account non-linearities, </a:t>
-            </a:r>
-          </a:p>
-          <a:p>
-            <a:pPr>
-              <a:lnSpc>
-                <a:spcPct val="150000"/>
-              </a:lnSpc>
-            </a:pPr>
-            <a:r>
-              <a:rPr lang="it-IT" dirty="0"/>
-              <a:t>but rising time and steady-state value match what we expected.</a:t>
-            </a:r>
-          </a:p>
-        </p:txBody>
-      </p:sp>
-    </p:spTree>
-    <p:extLst>
-      <p:ext uri="{BB962C8B-B14F-4D97-AF65-F5344CB8AC3E}">
-        <p14:creationId xmlns:p14="http://schemas.microsoft.com/office/powerpoint/2010/main" val="4025071019"/>
-      </p:ext>
-    </p:extLst>
-  </p:cSld>
-  <p:clrMapOvr>
-    <a:masterClrMapping/>
-  </p:clrMapOvr>
-</p:sld>
-</file>
-
-<file path=ppt/slides/slide5.xml><?xml version="1.0" encoding="utf-8"?>
-<p:sld xmlns:a="http://schemas.openxmlformats.org/drawingml/2006/main" xmlns:r="http://schemas.openxmlformats.org/officeDocument/2006/relationships" xmlns:p="http://schemas.openxmlformats.org/presentationml/2006/main">
-  <p:cSld>
-    <p:spTree>
-      <p:nvGrpSpPr>
-        <p:cNvPr id="1" name=""/>
-        <p:cNvGrpSpPr/>
-        <p:nvPr/>
-      </p:nvGrpSpPr>
-      <p:grpSpPr>
-        <a:xfrm>
-          <a:off x="0" y="0"/>
-          <a:ext cx="0" cy="0"/>
-          <a:chOff x="0" y="0"/>
-          <a:chExt cx="0" cy="0"/>
-        </a:xfrm>
-      </p:grpSpPr>
-      <mc:AlternateContent xmlns:mc="http://schemas.openxmlformats.org/markup-compatibility/2006">
-        <mc:Choice xmlns:a14="http://schemas.microsoft.com/office/drawing/2010/main" Requires="a14">
+      <mc:AlternateContent xmlns:mc="http://schemas.openxmlformats.org/markup-compatibility/2006" xmlns:a14="http://schemas.microsoft.com/office/drawing/2010/main">
+        <mc:Choice Requires="a14">
           <p:sp>
             <p:nvSpPr>
               <p:cNvPr id="2" name="Text Placeholder 1"/>
@@ -6434,7 +4749,7 @@
             </p:txBody>
           </p:sp>
         </mc:Choice>
-        <mc:Fallback>
+        <mc:Fallback xmlns="">
           <p:sp>
             <p:nvSpPr>
               <p:cNvPr id="2" name="Text Placeholder 1"/>
@@ -6502,8 +4817,8 @@
           </a:prstGeom>
         </p:spPr>
       </p:pic>
-      <mc:AlternateContent xmlns:mc="http://schemas.openxmlformats.org/markup-compatibility/2006">
-        <mc:Choice xmlns:a14="http://schemas.microsoft.com/office/drawing/2010/main" Requires="a14">
+      <mc:AlternateContent xmlns:mc="http://schemas.openxmlformats.org/markup-compatibility/2006" xmlns:a14="http://schemas.microsoft.com/office/drawing/2010/main">
+        <mc:Choice Requires="a14">
           <p:sp>
             <p:nvSpPr>
               <p:cNvPr id="4" name="TextBox 3"/>
@@ -6512,8 +4827,8 @@
             </p:nvSpPr>
             <p:spPr>
               <a:xfrm>
-                <a:off x="5676900" y="1266359"/>
-                <a:ext cx="3009900" cy="1221938"/>
+                <a:off x="5394797" y="1266358"/>
+                <a:ext cx="3651925" cy="1221938"/>
               </a:xfrm>
               <a:prstGeom prst="rect">
                 <a:avLst/>
@@ -6526,6 +4841,7 @@
               </a:bodyPr>
               <a:lstStyle/>
               <a:p>
+                <a:pPr/>
                 <a14:m>
                   <m:oMathPara xmlns:m="http://schemas.openxmlformats.org/officeDocument/2006/math">
                     <m:oMathParaPr>
@@ -6541,6 +4857,20 @@
                           </m:ctrlPr>
                         </m:funcPr>
                         <m:fName>
+                          <m:r>
+                            <a:rPr lang="it-IT" sz="2400" i="1" smtClean="0">
+                              <a:latin typeface="Cambria Math" panose="02040503050406030204" pitchFamily="18" charset="0"/>
+                              <a:ea typeface="Cambria Math" panose="02040503050406030204" pitchFamily="18" charset="0"/>
+                            </a:rPr>
+                            <m:t>𝛾</m:t>
+                          </m:r>
+                          <m:r>
+                            <a:rPr lang="it-IT" sz="2400" b="0" i="1" smtClean="0">
+                              <a:latin typeface="Cambria Math" panose="02040503050406030204" pitchFamily="18" charset="0"/>
+                              <a:ea typeface="Cambria Math" panose="02040503050406030204" pitchFamily="18" charset="0"/>
+                            </a:rPr>
+                            <m:t>=</m:t>
+                          </m:r>
                           <m:limLow>
                             <m:limLowPr>
                               <m:ctrlPr>
@@ -6923,7 +5253,7 @@
             </p:txBody>
           </p:sp>
         </mc:Choice>
-        <mc:Fallback>
+        <mc:Fallback xmlns="">
           <p:sp>
             <p:nvSpPr>
               <p:cNvPr id="4" name="TextBox 3"/>
@@ -6934,8 +5264,8 @@
             </p:nvSpPr>
             <p:spPr>
               <a:xfrm>
-                <a:off x="5676900" y="1266359"/>
-                <a:ext cx="3009900" cy="1221938"/>
+                <a:off x="5394797" y="1266358"/>
+                <a:ext cx="3651925" cy="1221938"/>
               </a:xfrm>
               <a:prstGeom prst="rect">
                 <a:avLst/>
@@ -6975,7 +5305,7 @@
 </p:sld>
 </file>
 
-<file path=ppt/slides/slide6.xml><?xml version="1.0" encoding="utf-8"?>
+<file path=ppt/slides/slide11.xml><?xml version="1.0" encoding="utf-8"?>
 <p:sld xmlns:a="http://schemas.openxmlformats.org/drawingml/2006/main" xmlns:r="http://schemas.openxmlformats.org/officeDocument/2006/relationships" xmlns:p="http://schemas.openxmlformats.org/presentationml/2006/main">
   <p:cSld>
     <p:spTree>
@@ -6992,8 +5322,8 @@
           <a:chExt cx="0" cy="0"/>
         </a:xfrm>
       </p:grpSpPr>
-      <mc:AlternateContent xmlns:mc="http://schemas.openxmlformats.org/markup-compatibility/2006">
-        <mc:Choice xmlns:a14="http://schemas.microsoft.com/office/drawing/2010/main" Requires="a14">
+      <mc:AlternateContent xmlns:mc="http://schemas.openxmlformats.org/markup-compatibility/2006" xmlns:a14="http://schemas.microsoft.com/office/drawing/2010/main">
+        <mc:Choice Requires="a14">
           <p:sp>
             <p:nvSpPr>
               <p:cNvPr id="2" name="Text Placeholder 1"/>
@@ -7055,7 +5385,7 @@
             </p:txBody>
           </p:sp>
         </mc:Choice>
-        <mc:Fallback>
+        <mc:Fallback xmlns="">
           <p:sp>
             <p:nvSpPr>
               <p:cNvPr id="2" name="Text Placeholder 1"/>
@@ -7461,25 +5791,50 @@
           <a:lstStyle/>
           <a:p>
             <a:r>
-              <a:rPr lang="it-IT" dirty="0"/>
+              <a:rPr lang="it-IT" dirty="0">
+                <a:solidFill>
+                  <a:schemeClr val="tx2"/>
+                </a:solidFill>
+                <a:latin typeface="+mn-lt"/>
+              </a:rPr>
               <a:t>The weights should have the inverse shape of the desired sensitivity.</a:t>
             </a:r>
           </a:p>
           <a:p>
-            <a:endParaRPr lang="it-IT" dirty="0"/>
-          </a:p>
-          <a:p>
-            <a:endParaRPr lang="it-IT" dirty="0"/>
+            <a:endParaRPr lang="it-IT" dirty="0">
+              <a:solidFill>
+                <a:schemeClr val="tx2"/>
+              </a:solidFill>
+              <a:latin typeface="+mn-lt"/>
+            </a:endParaRPr>
+          </a:p>
+          <a:p>
+            <a:endParaRPr lang="it-IT" dirty="0">
+              <a:solidFill>
+                <a:schemeClr val="tx2"/>
+              </a:solidFill>
+              <a:latin typeface="+mn-lt"/>
+            </a:endParaRPr>
           </a:p>
           <a:p>
             <a:r>
-              <a:rPr lang="it-IT" dirty="0"/>
+              <a:rPr lang="it-IT" dirty="0">
+                <a:solidFill>
+                  <a:schemeClr val="tx2"/>
+                </a:solidFill>
+                <a:latin typeface="+mn-lt"/>
+              </a:rPr>
               <a:t>The higher the weight the weaker the control action:</a:t>
             </a:r>
           </a:p>
           <a:p>
             <a:r>
-              <a:rPr lang="it-IT" dirty="0"/>
+              <a:rPr lang="it-IT" dirty="0">
+                <a:solidFill>
+                  <a:schemeClr val="tx2"/>
+                </a:solidFill>
+                <a:latin typeface="+mn-lt"/>
+              </a:rPr>
               <a:t>It is important since the motor saturates at ±5V.</a:t>
             </a:r>
           </a:p>
@@ -7501,7 +5856,7 @@
 </p:sld>
 </file>
 
-<file path=ppt/slides/slide7.xml><?xml version="1.0" encoding="utf-8"?>
+<file path=ppt/slides/slide12.xml><?xml version="1.0" encoding="utf-8"?>
 <p:sld xmlns:a="http://schemas.openxmlformats.org/drawingml/2006/main" xmlns:r="http://schemas.openxmlformats.org/officeDocument/2006/relationships" xmlns:p="http://schemas.openxmlformats.org/presentationml/2006/main">
   <p:cSld>
     <p:spTree>
@@ -7518,8 +5873,8 @@
           <a:chExt cx="0" cy="0"/>
         </a:xfrm>
       </p:grpSpPr>
-      <mc:AlternateContent xmlns:mc="http://schemas.openxmlformats.org/markup-compatibility/2006">
-        <mc:Choice xmlns:a14="http://schemas.microsoft.com/office/drawing/2010/main" Requires="a14">
+      <mc:AlternateContent xmlns:mc="http://schemas.openxmlformats.org/markup-compatibility/2006" xmlns:a14="http://schemas.microsoft.com/office/drawing/2010/main">
+        <mc:Choice Requires="a14">
           <p:sp>
             <p:nvSpPr>
               <p:cNvPr id="2" name="Text Placeholder 1"/>
@@ -7581,7 +5936,7 @@
             </p:txBody>
           </p:sp>
         </mc:Choice>
-        <mc:Fallback>
+        <mc:Fallback xmlns="">
           <p:sp>
             <p:nvSpPr>
               <p:cNvPr id="2" name="Text Placeholder 1"/>
@@ -7661,7 +6016,7 @@
 </p:sld>
 </file>
 
-<file path=ppt/slides/slide8.xml><?xml version="1.0" encoding="utf-8"?>
+<file path=ppt/slides/slide13.xml><?xml version="1.0" encoding="utf-8"?>
 <p:sld xmlns:a="http://schemas.openxmlformats.org/drawingml/2006/main" xmlns:r="http://schemas.openxmlformats.org/officeDocument/2006/relationships" xmlns:p="http://schemas.openxmlformats.org/presentationml/2006/main">
   <p:cSld>
     <p:spTree>
@@ -7678,8 +6033,8 @@
           <a:chExt cx="0" cy="0"/>
         </a:xfrm>
       </p:grpSpPr>
-      <mc:AlternateContent xmlns:mc="http://schemas.openxmlformats.org/markup-compatibility/2006">
-        <mc:Choice xmlns:a14="http://schemas.microsoft.com/office/drawing/2010/main" Requires="a14">
+      <mc:AlternateContent xmlns:mc="http://schemas.openxmlformats.org/markup-compatibility/2006" xmlns:a14="http://schemas.microsoft.com/office/drawing/2010/main">
+        <mc:Choice Requires="a14">
           <p:sp>
             <p:nvSpPr>
               <p:cNvPr id="2" name="Text Placeholder 1"/>
@@ -7741,7 +6096,7 @@
             </p:txBody>
           </p:sp>
         </mc:Choice>
-        <mc:Fallback>
+        <mc:Fallback xmlns="">
           <p:sp>
             <p:nvSpPr>
               <p:cNvPr id="2" name="Text Placeholder 1"/>
@@ -7832,7 +6187,12 @@
           <a:lstStyle/>
           <a:p>
             <a:r>
-              <a:rPr lang="it-IT" dirty="0"/>
+              <a:rPr lang="it-IT" dirty="0">
+                <a:solidFill>
+                  <a:schemeClr val="tx2"/>
+                </a:solidFill>
+                <a:latin typeface="+mn-lt"/>
+              </a:rPr>
               <a:t>Reducing the order of complexity of the regulator does not alter perfomance.</a:t>
             </a:r>
           </a:p>
@@ -7851,7 +6211,7 @@
 </p:sld>
 </file>
 
-<file path=ppt/slides/slide9.xml><?xml version="1.0" encoding="utf-8"?>
+<file path=ppt/slides/slide14.xml><?xml version="1.0" encoding="utf-8"?>
 <p:sld xmlns:a="http://schemas.openxmlformats.org/drawingml/2006/main" xmlns:r="http://schemas.openxmlformats.org/officeDocument/2006/relationships" xmlns:p="http://schemas.openxmlformats.org/presentationml/2006/main">
   <p:cSld>
     <p:spTree>
@@ -7868,8 +6228,8 @@
           <a:chExt cx="0" cy="0"/>
         </a:xfrm>
       </p:grpSpPr>
-      <mc:AlternateContent xmlns:mc="http://schemas.openxmlformats.org/markup-compatibility/2006">
-        <mc:Choice xmlns:a14="http://schemas.microsoft.com/office/drawing/2010/main" Requires="a14">
+      <mc:AlternateContent xmlns:mc="http://schemas.openxmlformats.org/markup-compatibility/2006" xmlns:a14="http://schemas.microsoft.com/office/drawing/2010/main">
+        <mc:Choice Requires="a14">
           <p:sp>
             <p:nvSpPr>
               <p:cNvPr id="2" name="Text Placeholder 1"/>
@@ -7931,7 +6291,7 @@
             </p:txBody>
           </p:sp>
         </mc:Choice>
-        <mc:Fallback>
+        <mc:Fallback xmlns="">
           <p:sp>
             <p:nvSpPr>
               <p:cNvPr id="2" name="Text Placeholder 1"/>
@@ -8028,7 +6388,12 @@
               <a:buChar char="•"/>
             </a:pPr>
             <a:r>
-              <a:rPr lang="it-IT" dirty="0"/>
+              <a:rPr lang="it-IT" dirty="0">
+                <a:solidFill>
+                  <a:schemeClr val="tx2"/>
+                </a:solidFill>
+                <a:latin typeface="+mn-lt"/>
+              </a:rPr>
               <a:t>Zero tracking error</a:t>
             </a:r>
           </a:p>
@@ -8041,7 +6406,12 @@
               <a:buChar char="•"/>
             </a:pPr>
             <a:r>
-              <a:rPr lang="it-IT" dirty="0"/>
+              <a:rPr lang="it-IT" dirty="0">
+                <a:solidFill>
+                  <a:schemeClr val="tx2"/>
+                </a:solidFill>
+                <a:latin typeface="+mn-lt"/>
+              </a:rPr>
               <a:t>Rising time less than 1 sec</a:t>
             </a:r>
           </a:p>
@@ -8054,7 +6424,12 @@
               <a:buChar char="•"/>
             </a:pPr>
             <a:r>
-              <a:rPr lang="it-IT" dirty="0"/>
+              <a:rPr lang="it-IT" dirty="0">
+                <a:solidFill>
+                  <a:schemeClr val="tx2"/>
+                </a:solidFill>
+                <a:latin typeface="+mn-lt"/>
+              </a:rPr>
               <a:t>Noise cancellation</a:t>
             </a:r>
           </a:p>
@@ -8064,6 +6439,4415 @@
     <p:extLst>
       <p:ext uri="{BB962C8B-B14F-4D97-AF65-F5344CB8AC3E}">
         <p14:creationId xmlns:p14="http://schemas.microsoft.com/office/powerpoint/2010/main" val="743327613"/>
+      </p:ext>
+    </p:extLst>
+  </p:cSld>
+  <p:clrMapOvr>
+    <a:masterClrMapping/>
+  </p:clrMapOvr>
+</p:sld>
+</file>
+
+<file path=ppt/slides/slide15.xml><?xml version="1.0" encoding="utf-8"?>
+<p:sld xmlns:a="http://schemas.openxmlformats.org/drawingml/2006/main" xmlns:r="http://schemas.openxmlformats.org/officeDocument/2006/relationships" xmlns:p="http://schemas.openxmlformats.org/presentationml/2006/main">
+  <p:cSld>
+    <p:spTree>
+      <p:nvGrpSpPr>
+        <p:cNvPr id="1" name=""/>
+        <p:cNvGrpSpPr/>
+        <p:nvPr/>
+      </p:nvGrpSpPr>
+      <p:grpSpPr>
+        <a:xfrm>
+          <a:off x="0" y="0"/>
+          <a:ext cx="0" cy="0"/>
+          <a:chOff x="0" y="0"/>
+          <a:chExt cx="0" cy="0"/>
+        </a:xfrm>
+      </p:grpSpPr>
+      <mc:AlternateContent xmlns:mc="http://schemas.openxmlformats.org/markup-compatibility/2006" xmlns:a14="http://schemas.microsoft.com/office/drawing/2010/main">
+        <mc:Choice Requires="a14">
+          <p:sp>
+            <p:nvSpPr>
+              <p:cNvPr id="2" name="Text Placeholder 1"/>
+              <p:cNvSpPr>
+                <a:spLocks noGrp="1"/>
+              </p:cNvSpPr>
+              <p:nvPr>
+                <p:ph type="body" sz="quarter" idx="10"/>
+              </p:nvPr>
+            </p:nvSpPr>
+            <p:spPr>
+              <a:xfrm>
+                <a:off x="809625" y="-19050"/>
+                <a:ext cx="6883400" cy="512762"/>
+              </a:xfrm>
+            </p:spPr>
+            <p:txBody>
+              <a:bodyPr/>
+              <a:lstStyle/>
+              <a:p>
+                <a14:m>
+                  <m:oMath xmlns:m="http://schemas.openxmlformats.org/officeDocument/2006/math">
+                    <m:sSub>
+                      <m:sSubPr>
+                        <m:ctrlPr>
+                          <a:rPr lang="it-IT" sz="4800" i="1" smtClean="0">
+                            <a:latin typeface="Cambria Math" panose="02040503050406030204" pitchFamily="18" charset="0"/>
+                          </a:rPr>
+                        </m:ctrlPr>
+                      </m:sSubPr>
+                      <m:e>
+                        <m:r>
+                          <a:rPr lang="it-IT" sz="4800" b="1" i="1" smtClean="0">
+                            <a:latin typeface="Cambria Math" panose="02040503050406030204" pitchFamily="18" charset="0"/>
+                          </a:rPr>
+                          <m:t>𝑯</m:t>
+                        </m:r>
+                      </m:e>
+                      <m:sub>
+                        <m:r>
+                          <a:rPr lang="it-IT" sz="4800" i="1" smtClean="0">
+                            <a:latin typeface="Cambria Math" panose="02040503050406030204" pitchFamily="18" charset="0"/>
+                            <a:ea typeface="Cambria Math" panose="02040503050406030204" pitchFamily="18" charset="0"/>
+                          </a:rPr>
+                          <m:t>∞</m:t>
+                        </m:r>
+                      </m:sub>
+                    </m:sSub>
+                  </m:oMath>
+                </a14:m>
+                <a:r>
+                  <a:rPr lang="it-IT" sz="4800" dirty="0"/>
+                  <a:t> 2dof</a:t>
+                </a:r>
+              </a:p>
+            </p:txBody>
+          </p:sp>
+        </mc:Choice>
+        <mc:Fallback xmlns="">
+          <p:sp>
+            <p:nvSpPr>
+              <p:cNvPr id="2" name="Text Placeholder 1"/>
+              <p:cNvSpPr>
+                <a:spLocks noGrp="1" noRot="1" noChangeAspect="1" noMove="1" noResize="1" noEditPoints="1" noAdjustHandles="1" noChangeArrowheads="1" noChangeShapeType="1" noTextEdit="1"/>
+              </p:cNvSpPr>
+              <p:nvPr>
+                <p:ph type="body" sz="quarter" idx="10"/>
+              </p:nvPr>
+            </p:nvSpPr>
+            <p:spPr>
+              <a:xfrm>
+                <a:off x="809625" y="-19050"/>
+                <a:ext cx="6883400" cy="512762"/>
+              </a:xfrm>
+              <a:blipFill>
+                <a:blip r:embed="rId2"/>
+                <a:stretch>
+                  <a:fillRect t="-28571" b="-122619"/>
+                </a:stretch>
+              </a:blipFill>
+            </p:spPr>
+            <p:txBody>
+              <a:bodyPr/>
+              <a:lstStyle/>
+              <a:p>
+                <a:r>
+                  <a:rPr lang="it-IT">
+                    <a:noFill/>
+                  </a:rPr>
+                  <a:t> </a:t>
+                </a:r>
+              </a:p>
+            </p:txBody>
+          </p:sp>
+        </mc:Fallback>
+      </mc:AlternateContent>
+      <p:pic>
+        <p:nvPicPr>
+          <p:cNvPr id="7" name="Picture 6"/>
+          <p:cNvPicPr>
+            <a:picLocks noChangeAspect="1"/>
+          </p:cNvPicPr>
+          <p:nvPr/>
+        </p:nvPicPr>
+        <p:blipFill>
+          <a:blip r:embed="rId3"/>
+          <a:stretch>
+            <a:fillRect/>
+          </a:stretch>
+        </p:blipFill>
+        <p:spPr>
+          <a:xfrm>
+            <a:off x="285751" y="1776413"/>
+            <a:ext cx="8415052" cy="4195762"/>
+          </a:xfrm>
+          <a:prstGeom prst="rect">
+            <a:avLst/>
+          </a:prstGeom>
+        </p:spPr>
+      </p:pic>
+      <p:sp>
+        <p:nvSpPr>
+          <p:cNvPr id="8" name="Rectangle 7"/>
+          <p:cNvSpPr/>
+          <p:nvPr/>
+        </p:nvSpPr>
+        <p:spPr>
+          <a:xfrm>
+            <a:off x="8486775" y="2952750"/>
+            <a:ext cx="233078" cy="921544"/>
+          </a:xfrm>
+          <a:prstGeom prst="rect">
+            <a:avLst/>
+          </a:prstGeom>
+          <a:solidFill>
+            <a:schemeClr val="bg1"/>
+          </a:solidFill>
+          <a:ln>
+            <a:solidFill>
+              <a:schemeClr val="bg1"/>
+            </a:solidFill>
+          </a:ln>
+        </p:spPr>
+        <p:style>
+          <a:lnRef idx="2">
+            <a:schemeClr val="accent1">
+              <a:shade val="50000"/>
+            </a:schemeClr>
+          </a:lnRef>
+          <a:fillRef idx="1">
+            <a:schemeClr val="accent1"/>
+          </a:fillRef>
+          <a:effectRef idx="0">
+            <a:schemeClr val="accent1"/>
+          </a:effectRef>
+          <a:fontRef idx="minor">
+            <a:schemeClr val="lt1"/>
+          </a:fontRef>
+        </p:style>
+        <p:txBody>
+          <a:bodyPr rtlCol="0" anchor="ctr"/>
+          <a:lstStyle/>
+          <a:p>
+            <a:pPr algn="ctr"/>
+            <a:endParaRPr lang="it-IT"/>
+          </a:p>
+        </p:txBody>
+      </p:sp>
+    </p:spTree>
+    <p:extLst>
+      <p:ext uri="{BB962C8B-B14F-4D97-AF65-F5344CB8AC3E}">
+        <p14:creationId xmlns:p14="http://schemas.microsoft.com/office/powerpoint/2010/main" val="4292085229"/>
+      </p:ext>
+    </p:extLst>
+  </p:cSld>
+  <p:clrMapOvr>
+    <a:masterClrMapping/>
+  </p:clrMapOvr>
+</p:sld>
+</file>
+
+<file path=ppt/slides/slide16.xml><?xml version="1.0" encoding="utf-8"?>
+<p:sld xmlns:a="http://schemas.openxmlformats.org/drawingml/2006/main" xmlns:r="http://schemas.openxmlformats.org/officeDocument/2006/relationships" xmlns:p="http://schemas.openxmlformats.org/presentationml/2006/main">
+  <p:cSld>
+    <p:spTree>
+      <p:nvGrpSpPr>
+        <p:cNvPr id="1" name=""/>
+        <p:cNvGrpSpPr/>
+        <p:nvPr/>
+      </p:nvGrpSpPr>
+      <p:grpSpPr>
+        <a:xfrm>
+          <a:off x="0" y="0"/>
+          <a:ext cx="0" cy="0"/>
+          <a:chOff x="0" y="0"/>
+          <a:chExt cx="0" cy="0"/>
+        </a:xfrm>
+      </p:grpSpPr>
+      <mc:AlternateContent xmlns:mc="http://schemas.openxmlformats.org/markup-compatibility/2006" xmlns:a14="http://schemas.microsoft.com/office/drawing/2010/main">
+        <mc:Choice Requires="a14">
+          <p:sp>
+            <p:nvSpPr>
+              <p:cNvPr id="2" name="Text Placeholder 1"/>
+              <p:cNvSpPr>
+                <a:spLocks noGrp="1"/>
+              </p:cNvSpPr>
+              <p:nvPr>
+                <p:ph type="body" sz="quarter" idx="10"/>
+              </p:nvPr>
+            </p:nvSpPr>
+            <p:spPr>
+              <a:xfrm>
+                <a:off x="809625" y="-19050"/>
+                <a:ext cx="6883400" cy="512762"/>
+              </a:xfrm>
+            </p:spPr>
+            <p:txBody>
+              <a:bodyPr/>
+              <a:lstStyle/>
+              <a:p>
+                <a14:m>
+                  <m:oMath xmlns:m="http://schemas.openxmlformats.org/officeDocument/2006/math">
+                    <m:sSub>
+                      <m:sSubPr>
+                        <m:ctrlPr>
+                          <a:rPr lang="it-IT" sz="4800" i="1" smtClean="0">
+                            <a:latin typeface="Cambria Math" panose="02040503050406030204" pitchFamily="18" charset="0"/>
+                          </a:rPr>
+                        </m:ctrlPr>
+                      </m:sSubPr>
+                      <m:e>
+                        <m:r>
+                          <a:rPr lang="it-IT" sz="4800" b="1" i="1" smtClean="0">
+                            <a:latin typeface="Cambria Math" panose="02040503050406030204" pitchFamily="18" charset="0"/>
+                          </a:rPr>
+                          <m:t>𝑯</m:t>
+                        </m:r>
+                      </m:e>
+                      <m:sub>
+                        <m:r>
+                          <a:rPr lang="it-IT" sz="4800" i="1" smtClean="0">
+                            <a:latin typeface="Cambria Math" panose="02040503050406030204" pitchFamily="18" charset="0"/>
+                            <a:ea typeface="Cambria Math" panose="02040503050406030204" pitchFamily="18" charset="0"/>
+                          </a:rPr>
+                          <m:t>∞</m:t>
+                        </m:r>
+                      </m:sub>
+                    </m:sSub>
+                  </m:oMath>
+                </a14:m>
+                <a:r>
+                  <a:rPr lang="it-IT" sz="4800" dirty="0"/>
+                  <a:t> 2dof</a:t>
+                </a:r>
+              </a:p>
+            </p:txBody>
+          </p:sp>
+        </mc:Choice>
+        <mc:Fallback xmlns="">
+          <p:sp>
+            <p:nvSpPr>
+              <p:cNvPr id="2" name="Text Placeholder 1"/>
+              <p:cNvSpPr>
+                <a:spLocks noGrp="1" noRot="1" noChangeAspect="1" noMove="1" noResize="1" noEditPoints="1" noAdjustHandles="1" noChangeArrowheads="1" noChangeShapeType="1" noTextEdit="1"/>
+              </p:cNvSpPr>
+              <p:nvPr>
+                <p:ph type="body" sz="quarter" idx="10"/>
+              </p:nvPr>
+            </p:nvSpPr>
+            <p:spPr>
+              <a:xfrm>
+                <a:off x="809625" y="-19050"/>
+                <a:ext cx="6883400" cy="512762"/>
+              </a:xfrm>
+              <a:blipFill>
+                <a:blip r:embed="rId2"/>
+                <a:stretch>
+                  <a:fillRect t="-28571" b="-122619"/>
+                </a:stretch>
+              </a:blipFill>
+            </p:spPr>
+            <p:txBody>
+              <a:bodyPr/>
+              <a:lstStyle/>
+              <a:p>
+                <a:r>
+                  <a:rPr lang="it-IT">
+                    <a:noFill/>
+                  </a:rPr>
+                  <a:t> </a:t>
+                </a:r>
+              </a:p>
+            </p:txBody>
+          </p:sp>
+        </mc:Fallback>
+      </mc:AlternateContent>
+      <p:pic>
+        <p:nvPicPr>
+          <p:cNvPr id="3" name="Picture 2"/>
+          <p:cNvPicPr>
+            <a:picLocks noChangeAspect="1"/>
+          </p:cNvPicPr>
+          <p:nvPr/>
+        </p:nvPicPr>
+        <p:blipFill rotWithShape="1">
+          <a:blip r:embed="rId3" cstate="email">
+            <a:extLst>
+              <a:ext uri="{28A0092B-C50C-407E-A947-70E740481C1C}">
+                <a14:useLocalDpi xmlns:a14="http://schemas.microsoft.com/office/drawing/2010/main" val="0"/>
+              </a:ext>
+            </a:extLst>
+          </a:blip>
+          <a:srcRect l="8855" r="8333"/>
+          <a:stretch/>
+        </p:blipFill>
+        <p:spPr>
+          <a:xfrm>
+            <a:off x="76199" y="1314450"/>
+            <a:ext cx="8834438" cy="5200650"/>
+          </a:xfrm>
+          <a:prstGeom prst="rect">
+            <a:avLst/>
+          </a:prstGeom>
+        </p:spPr>
+      </p:pic>
+      <p:sp>
+        <p:nvSpPr>
+          <p:cNvPr id="4" name="Oval 3"/>
+          <p:cNvSpPr/>
+          <p:nvPr/>
+        </p:nvSpPr>
+        <p:spPr>
+          <a:xfrm>
+            <a:off x="3556675" y="3660843"/>
+            <a:ext cx="815300" cy="568257"/>
+          </a:xfrm>
+          <a:prstGeom prst="ellipse">
+            <a:avLst/>
+          </a:prstGeom>
+          <a:noFill/>
+          <a:ln>
+            <a:solidFill>
+              <a:srgbClr val="FF0000"/>
+            </a:solidFill>
+            <a:prstDash val="dash"/>
+          </a:ln>
+        </p:spPr>
+        <p:style>
+          <a:lnRef idx="2">
+            <a:schemeClr val="accent1">
+              <a:shade val="50000"/>
+            </a:schemeClr>
+          </a:lnRef>
+          <a:fillRef idx="1">
+            <a:schemeClr val="accent1"/>
+          </a:fillRef>
+          <a:effectRef idx="0">
+            <a:schemeClr val="accent1"/>
+          </a:effectRef>
+          <a:fontRef idx="minor">
+            <a:schemeClr val="lt1"/>
+          </a:fontRef>
+        </p:style>
+        <p:txBody>
+          <a:bodyPr rtlCol="0" anchor="ctr"/>
+          <a:lstStyle/>
+          <a:p>
+            <a:pPr algn="ctr"/>
+            <a:endParaRPr lang="it-IT"/>
+          </a:p>
+        </p:txBody>
+      </p:sp>
+      <p:sp>
+        <p:nvSpPr>
+          <p:cNvPr id="5" name="Oval 4"/>
+          <p:cNvSpPr/>
+          <p:nvPr/>
+        </p:nvSpPr>
+        <p:spPr>
+          <a:xfrm>
+            <a:off x="5652175" y="2184468"/>
+            <a:ext cx="815300" cy="568257"/>
+          </a:xfrm>
+          <a:prstGeom prst="ellipse">
+            <a:avLst/>
+          </a:prstGeom>
+          <a:noFill/>
+          <a:ln>
+            <a:solidFill>
+              <a:srgbClr val="FF0000"/>
+            </a:solidFill>
+            <a:prstDash val="dash"/>
+          </a:ln>
+        </p:spPr>
+        <p:style>
+          <a:lnRef idx="2">
+            <a:schemeClr val="accent1">
+              <a:shade val="50000"/>
+            </a:schemeClr>
+          </a:lnRef>
+          <a:fillRef idx="1">
+            <a:schemeClr val="accent1"/>
+          </a:fillRef>
+          <a:effectRef idx="0">
+            <a:schemeClr val="accent1"/>
+          </a:effectRef>
+          <a:fontRef idx="minor">
+            <a:schemeClr val="lt1"/>
+          </a:fontRef>
+        </p:style>
+        <p:txBody>
+          <a:bodyPr rtlCol="0" anchor="ctr"/>
+          <a:lstStyle/>
+          <a:p>
+            <a:pPr algn="ctr"/>
+            <a:endParaRPr lang="it-IT"/>
+          </a:p>
+        </p:txBody>
+      </p:sp>
+      <p:sp>
+        <p:nvSpPr>
+          <p:cNvPr id="6" name="Oval 5"/>
+          <p:cNvSpPr/>
+          <p:nvPr/>
+        </p:nvSpPr>
+        <p:spPr>
+          <a:xfrm>
+            <a:off x="4652050" y="5051493"/>
+            <a:ext cx="815300" cy="568257"/>
+          </a:xfrm>
+          <a:prstGeom prst="ellipse">
+            <a:avLst/>
+          </a:prstGeom>
+          <a:noFill/>
+          <a:ln>
+            <a:solidFill>
+              <a:srgbClr val="FF0000"/>
+            </a:solidFill>
+            <a:prstDash val="dash"/>
+          </a:ln>
+        </p:spPr>
+        <p:style>
+          <a:lnRef idx="2">
+            <a:schemeClr val="accent1">
+              <a:shade val="50000"/>
+            </a:schemeClr>
+          </a:lnRef>
+          <a:fillRef idx="1">
+            <a:schemeClr val="accent1"/>
+          </a:fillRef>
+          <a:effectRef idx="0">
+            <a:schemeClr val="accent1"/>
+          </a:effectRef>
+          <a:fontRef idx="minor">
+            <a:schemeClr val="lt1"/>
+          </a:fontRef>
+        </p:style>
+        <p:txBody>
+          <a:bodyPr rtlCol="0" anchor="ctr"/>
+          <a:lstStyle/>
+          <a:p>
+            <a:pPr algn="ctr"/>
+            <a:endParaRPr lang="it-IT"/>
+          </a:p>
+        </p:txBody>
+      </p:sp>
+    </p:spTree>
+    <p:extLst>
+      <p:ext uri="{BB962C8B-B14F-4D97-AF65-F5344CB8AC3E}">
+        <p14:creationId xmlns:p14="http://schemas.microsoft.com/office/powerpoint/2010/main" val="2566352245"/>
+      </p:ext>
+    </p:extLst>
+  </p:cSld>
+  <p:clrMapOvr>
+    <a:masterClrMapping/>
+  </p:clrMapOvr>
+</p:sld>
+</file>
+
+<file path=ppt/slides/slide17.xml><?xml version="1.0" encoding="utf-8"?>
+<p:sld xmlns:a="http://schemas.openxmlformats.org/drawingml/2006/main" xmlns:r="http://schemas.openxmlformats.org/officeDocument/2006/relationships" xmlns:p="http://schemas.openxmlformats.org/presentationml/2006/main">
+  <p:cSld>
+    <p:spTree>
+      <p:nvGrpSpPr>
+        <p:cNvPr id="1" name=""/>
+        <p:cNvGrpSpPr/>
+        <p:nvPr/>
+      </p:nvGrpSpPr>
+      <p:grpSpPr>
+        <a:xfrm>
+          <a:off x="0" y="0"/>
+          <a:ext cx="0" cy="0"/>
+          <a:chOff x="0" y="0"/>
+          <a:chExt cx="0" cy="0"/>
+        </a:xfrm>
+      </p:grpSpPr>
+      <mc:AlternateContent xmlns:mc="http://schemas.openxmlformats.org/markup-compatibility/2006" xmlns:a14="http://schemas.microsoft.com/office/drawing/2010/main">
+        <mc:Choice Requires="a14">
+          <p:sp>
+            <p:nvSpPr>
+              <p:cNvPr id="2" name="Text Placeholder 1"/>
+              <p:cNvSpPr>
+                <a:spLocks noGrp="1"/>
+              </p:cNvSpPr>
+              <p:nvPr>
+                <p:ph type="body" sz="quarter" idx="10"/>
+              </p:nvPr>
+            </p:nvSpPr>
+            <p:spPr>
+              <a:xfrm>
+                <a:off x="809625" y="-19050"/>
+                <a:ext cx="6883400" cy="512762"/>
+              </a:xfrm>
+            </p:spPr>
+            <p:txBody>
+              <a:bodyPr/>
+              <a:lstStyle/>
+              <a:p>
+                <a14:m>
+                  <m:oMath xmlns:m="http://schemas.openxmlformats.org/officeDocument/2006/math">
+                    <m:sSub>
+                      <m:sSubPr>
+                        <m:ctrlPr>
+                          <a:rPr lang="it-IT" sz="4800" i="1" smtClean="0">
+                            <a:latin typeface="Cambria Math" panose="02040503050406030204" pitchFamily="18" charset="0"/>
+                          </a:rPr>
+                        </m:ctrlPr>
+                      </m:sSubPr>
+                      <m:e>
+                        <m:r>
+                          <a:rPr lang="it-IT" sz="4800" b="1" i="1" smtClean="0">
+                            <a:latin typeface="Cambria Math" panose="02040503050406030204" pitchFamily="18" charset="0"/>
+                          </a:rPr>
+                          <m:t>𝑯</m:t>
+                        </m:r>
+                      </m:e>
+                      <m:sub>
+                        <m:r>
+                          <a:rPr lang="it-IT" sz="4800" i="1" smtClean="0">
+                            <a:latin typeface="Cambria Math" panose="02040503050406030204" pitchFamily="18" charset="0"/>
+                            <a:ea typeface="Cambria Math" panose="02040503050406030204" pitchFamily="18" charset="0"/>
+                          </a:rPr>
+                          <m:t>∞</m:t>
+                        </m:r>
+                      </m:sub>
+                    </m:sSub>
+                  </m:oMath>
+                </a14:m>
+                <a:r>
+                  <a:rPr lang="it-IT" sz="4800" dirty="0"/>
+                  <a:t> 2dof</a:t>
+                </a:r>
+              </a:p>
+            </p:txBody>
+          </p:sp>
+        </mc:Choice>
+        <mc:Fallback xmlns="">
+          <p:sp>
+            <p:nvSpPr>
+              <p:cNvPr id="2" name="Text Placeholder 1"/>
+              <p:cNvSpPr>
+                <a:spLocks noGrp="1" noRot="1" noChangeAspect="1" noMove="1" noResize="1" noEditPoints="1" noAdjustHandles="1" noChangeArrowheads="1" noChangeShapeType="1" noTextEdit="1"/>
+              </p:cNvSpPr>
+              <p:nvPr>
+                <p:ph type="body" sz="quarter" idx="10"/>
+              </p:nvPr>
+            </p:nvSpPr>
+            <p:spPr>
+              <a:xfrm>
+                <a:off x="809625" y="-19050"/>
+                <a:ext cx="6883400" cy="512762"/>
+              </a:xfrm>
+              <a:blipFill>
+                <a:blip r:embed="rId2"/>
+                <a:stretch>
+                  <a:fillRect t="-28571" b="-122619"/>
+                </a:stretch>
+              </a:blipFill>
+            </p:spPr>
+            <p:txBody>
+              <a:bodyPr/>
+              <a:lstStyle/>
+              <a:p>
+                <a:r>
+                  <a:rPr lang="it-IT">
+                    <a:noFill/>
+                  </a:rPr>
+                  <a:t> </a:t>
+                </a:r>
+              </a:p>
+            </p:txBody>
+          </p:sp>
+        </mc:Fallback>
+      </mc:AlternateContent>
+      <p:pic>
+        <p:nvPicPr>
+          <p:cNvPr id="7" name="Picture 6"/>
+          <p:cNvPicPr>
+            <a:picLocks noChangeAspect="1"/>
+          </p:cNvPicPr>
+          <p:nvPr/>
+        </p:nvPicPr>
+        <p:blipFill rotWithShape="1">
+          <a:blip r:embed="rId3"/>
+          <a:srcRect t="24116" b="29483"/>
+          <a:stretch/>
+        </p:blipFill>
+        <p:spPr>
+          <a:xfrm>
+            <a:off x="219242" y="1190625"/>
+            <a:ext cx="8924758" cy="1990726"/>
+          </a:xfrm>
+          <a:prstGeom prst="rect">
+            <a:avLst/>
+          </a:prstGeom>
+        </p:spPr>
+      </p:pic>
+      <p:pic>
+        <p:nvPicPr>
+          <p:cNvPr id="8" name="Picture 7"/>
+          <p:cNvPicPr>
+            <a:picLocks noChangeAspect="1"/>
+          </p:cNvPicPr>
+          <p:nvPr/>
+        </p:nvPicPr>
+        <p:blipFill>
+          <a:blip r:embed="rId4"/>
+          <a:stretch>
+            <a:fillRect/>
+          </a:stretch>
+        </p:blipFill>
+        <p:spPr>
+          <a:xfrm>
+            <a:off x="219242" y="3463138"/>
+            <a:ext cx="5437410" cy="2613812"/>
+          </a:xfrm>
+          <a:prstGeom prst="rect">
+            <a:avLst/>
+          </a:prstGeom>
+        </p:spPr>
+      </p:pic>
+      <p:sp>
+        <p:nvSpPr>
+          <p:cNvPr id="9" name="TextBox 8"/>
+          <p:cNvSpPr txBox="1"/>
+          <p:nvPr/>
+        </p:nvSpPr>
+        <p:spPr>
+          <a:xfrm>
+            <a:off x="5953124" y="3663163"/>
+            <a:ext cx="2886075" cy="2031325"/>
+          </a:xfrm>
+          <a:prstGeom prst="rect">
+            <a:avLst/>
+          </a:prstGeom>
+          <a:noFill/>
+        </p:spPr>
+        <p:txBody>
+          <a:bodyPr wrap="square" rtlCol="0">
+            <a:spAutoFit/>
+          </a:bodyPr>
+          <a:lstStyle/>
+          <a:p>
+            <a:pPr algn="just"/>
+            <a:r>
+              <a:rPr lang="it-IT" dirty="0">
+                <a:solidFill>
+                  <a:schemeClr val="tx2"/>
+                </a:solidFill>
+                <a:latin typeface="+mn-lt"/>
+              </a:rPr>
+              <a:t>The current is not directly measured, but estimated through a Kalman filter.</a:t>
+            </a:r>
+          </a:p>
+          <a:p>
+            <a:pPr algn="just"/>
+            <a:endParaRPr lang="it-IT" dirty="0">
+              <a:solidFill>
+                <a:schemeClr val="tx2"/>
+              </a:solidFill>
+              <a:latin typeface="+mn-lt"/>
+            </a:endParaRPr>
+          </a:p>
+          <a:p>
+            <a:pPr algn="just"/>
+            <a:endParaRPr lang="it-IT" dirty="0">
+              <a:solidFill>
+                <a:schemeClr val="tx2"/>
+              </a:solidFill>
+              <a:latin typeface="+mn-lt"/>
+            </a:endParaRPr>
+          </a:p>
+          <a:p>
+            <a:pPr algn="just"/>
+            <a:r>
+              <a:rPr lang="it-IT" dirty="0">
+                <a:solidFill>
+                  <a:schemeClr val="tx2"/>
+                </a:solidFill>
+                <a:latin typeface="+mn-lt"/>
+              </a:rPr>
+              <a:t>The current regulator allows to stabilize the motor effort.</a:t>
+            </a:r>
+          </a:p>
+        </p:txBody>
+      </p:sp>
+    </p:spTree>
+    <p:extLst>
+      <p:ext uri="{BB962C8B-B14F-4D97-AF65-F5344CB8AC3E}">
+        <p14:creationId xmlns:p14="http://schemas.microsoft.com/office/powerpoint/2010/main" val="2269747960"/>
+      </p:ext>
+    </p:extLst>
+  </p:cSld>
+  <p:clrMapOvr>
+    <a:masterClrMapping/>
+  </p:clrMapOvr>
+</p:sld>
+</file>
+
+<file path=ppt/slides/slide18.xml><?xml version="1.0" encoding="utf-8"?>
+<p:sld xmlns:a="http://schemas.openxmlformats.org/drawingml/2006/main" xmlns:r="http://schemas.openxmlformats.org/officeDocument/2006/relationships" xmlns:p="http://schemas.openxmlformats.org/presentationml/2006/main">
+  <p:cSld>
+    <p:spTree>
+      <p:nvGrpSpPr>
+        <p:cNvPr id="1" name=""/>
+        <p:cNvGrpSpPr/>
+        <p:nvPr/>
+      </p:nvGrpSpPr>
+      <p:grpSpPr>
+        <a:xfrm>
+          <a:off x="0" y="0"/>
+          <a:ext cx="0" cy="0"/>
+          <a:chOff x="0" y="0"/>
+          <a:chExt cx="0" cy="0"/>
+        </a:xfrm>
+      </p:grpSpPr>
+      <mc:AlternateContent xmlns:mc="http://schemas.openxmlformats.org/markup-compatibility/2006" xmlns:a14="http://schemas.microsoft.com/office/drawing/2010/main">
+        <mc:Choice Requires="a14">
+          <p:sp>
+            <p:nvSpPr>
+              <p:cNvPr id="2" name="Text Placeholder 1"/>
+              <p:cNvSpPr>
+                <a:spLocks noGrp="1"/>
+              </p:cNvSpPr>
+              <p:nvPr>
+                <p:ph type="body" sz="quarter" idx="10"/>
+              </p:nvPr>
+            </p:nvSpPr>
+            <p:spPr>
+              <a:xfrm>
+                <a:off x="809625" y="-19050"/>
+                <a:ext cx="6883400" cy="512762"/>
+              </a:xfrm>
+            </p:spPr>
+            <p:txBody>
+              <a:bodyPr/>
+              <a:lstStyle/>
+              <a:p>
+                <a14:m>
+                  <m:oMath xmlns:m="http://schemas.openxmlformats.org/officeDocument/2006/math">
+                    <m:sSub>
+                      <m:sSubPr>
+                        <m:ctrlPr>
+                          <a:rPr lang="it-IT" sz="4800" i="1" smtClean="0">
+                            <a:latin typeface="Cambria Math" panose="02040503050406030204" pitchFamily="18" charset="0"/>
+                          </a:rPr>
+                        </m:ctrlPr>
+                      </m:sSubPr>
+                      <m:e>
+                        <m:r>
+                          <a:rPr lang="it-IT" sz="4800" b="1" i="1" smtClean="0">
+                            <a:latin typeface="Cambria Math" panose="02040503050406030204" pitchFamily="18" charset="0"/>
+                          </a:rPr>
+                          <m:t>𝑯</m:t>
+                        </m:r>
+                      </m:e>
+                      <m:sub>
+                        <m:r>
+                          <a:rPr lang="it-IT" sz="4800" i="1" smtClean="0">
+                            <a:latin typeface="Cambria Math" panose="02040503050406030204" pitchFamily="18" charset="0"/>
+                            <a:ea typeface="Cambria Math" panose="02040503050406030204" pitchFamily="18" charset="0"/>
+                          </a:rPr>
+                          <m:t>∞</m:t>
+                        </m:r>
+                      </m:sub>
+                    </m:sSub>
+                  </m:oMath>
+                </a14:m>
+                <a:r>
+                  <a:rPr lang="it-IT" sz="4800" dirty="0"/>
+                  <a:t> 2dof</a:t>
+                </a:r>
+              </a:p>
+            </p:txBody>
+          </p:sp>
+        </mc:Choice>
+        <mc:Fallback xmlns="">
+          <p:sp>
+            <p:nvSpPr>
+              <p:cNvPr id="2" name="Text Placeholder 1"/>
+              <p:cNvSpPr>
+                <a:spLocks noGrp="1" noRot="1" noChangeAspect="1" noMove="1" noResize="1" noEditPoints="1" noAdjustHandles="1" noChangeArrowheads="1" noChangeShapeType="1" noTextEdit="1"/>
+              </p:cNvSpPr>
+              <p:nvPr>
+                <p:ph type="body" sz="quarter" idx="10"/>
+              </p:nvPr>
+            </p:nvSpPr>
+            <p:spPr>
+              <a:xfrm>
+                <a:off x="809625" y="-19050"/>
+                <a:ext cx="6883400" cy="512762"/>
+              </a:xfrm>
+              <a:blipFill>
+                <a:blip r:embed="rId2"/>
+                <a:stretch>
+                  <a:fillRect t="-28571" b="-122619"/>
+                </a:stretch>
+              </a:blipFill>
+            </p:spPr>
+            <p:txBody>
+              <a:bodyPr/>
+              <a:lstStyle/>
+              <a:p>
+                <a:r>
+                  <a:rPr lang="it-IT">
+                    <a:noFill/>
+                  </a:rPr>
+                  <a:t> </a:t>
+                </a:r>
+              </a:p>
+            </p:txBody>
+          </p:sp>
+        </mc:Fallback>
+      </mc:AlternateContent>
+      <p:pic>
+        <p:nvPicPr>
+          <p:cNvPr id="7" name="Picture 6"/>
+          <p:cNvPicPr>
+            <a:picLocks noChangeAspect="1"/>
+          </p:cNvPicPr>
+          <p:nvPr/>
+        </p:nvPicPr>
+        <p:blipFill rotWithShape="1">
+          <a:blip r:embed="rId3" cstate="email">
+            <a:extLst>
+              <a:ext uri="{28A0092B-C50C-407E-A947-70E740481C1C}">
+                <a14:useLocalDpi xmlns:a14="http://schemas.microsoft.com/office/drawing/2010/main" val="0"/>
+              </a:ext>
+            </a:extLst>
+          </a:blip>
+          <a:srcRect l="8854" r="8021"/>
+          <a:stretch/>
+        </p:blipFill>
+        <p:spPr>
+          <a:xfrm>
+            <a:off x="0" y="1076324"/>
+            <a:ext cx="8948983" cy="5248275"/>
+          </a:xfrm>
+          <a:prstGeom prst="rect">
+            <a:avLst/>
+          </a:prstGeom>
+        </p:spPr>
+      </p:pic>
+    </p:spTree>
+    <p:extLst>
+      <p:ext uri="{BB962C8B-B14F-4D97-AF65-F5344CB8AC3E}">
+        <p14:creationId xmlns:p14="http://schemas.microsoft.com/office/powerpoint/2010/main" val="2873203240"/>
+      </p:ext>
+    </p:extLst>
+  </p:cSld>
+  <p:clrMapOvr>
+    <a:masterClrMapping/>
+  </p:clrMapOvr>
+</p:sld>
+</file>
+
+<file path=ppt/slides/slide19.xml><?xml version="1.0" encoding="utf-8"?>
+<p:sld xmlns:a="http://schemas.openxmlformats.org/drawingml/2006/main" xmlns:r="http://schemas.openxmlformats.org/officeDocument/2006/relationships" xmlns:p="http://schemas.openxmlformats.org/presentationml/2006/main">
+  <p:cSld>
+    <p:spTree>
+      <p:nvGrpSpPr>
+        <p:cNvPr id="1" name=""/>
+        <p:cNvGrpSpPr/>
+        <p:nvPr/>
+      </p:nvGrpSpPr>
+      <p:grpSpPr>
+        <a:xfrm>
+          <a:off x="0" y="0"/>
+          <a:ext cx="0" cy="0"/>
+          <a:chOff x="0" y="0"/>
+          <a:chExt cx="0" cy="0"/>
+        </a:xfrm>
+      </p:grpSpPr>
+      <mc:AlternateContent xmlns:mc="http://schemas.openxmlformats.org/markup-compatibility/2006" xmlns:a14="http://schemas.microsoft.com/office/drawing/2010/main">
+        <mc:Choice Requires="a14">
+          <p:sp>
+            <p:nvSpPr>
+              <p:cNvPr id="2" name="Text Placeholder 1"/>
+              <p:cNvSpPr>
+                <a:spLocks noGrp="1"/>
+              </p:cNvSpPr>
+              <p:nvPr>
+                <p:ph type="body" sz="quarter" idx="10"/>
+              </p:nvPr>
+            </p:nvSpPr>
+            <p:spPr>
+              <a:xfrm>
+                <a:off x="809625" y="-19050"/>
+                <a:ext cx="6883400" cy="512762"/>
+              </a:xfrm>
+            </p:spPr>
+            <p:txBody>
+              <a:bodyPr/>
+              <a:lstStyle/>
+              <a:p>
+                <a14:m>
+                  <m:oMath xmlns:m="http://schemas.openxmlformats.org/officeDocument/2006/math">
+                    <m:sSub>
+                      <m:sSubPr>
+                        <m:ctrlPr>
+                          <a:rPr lang="it-IT" sz="4800" i="1" smtClean="0">
+                            <a:latin typeface="Cambria Math" panose="02040503050406030204" pitchFamily="18" charset="0"/>
+                          </a:rPr>
+                        </m:ctrlPr>
+                      </m:sSubPr>
+                      <m:e>
+                        <m:r>
+                          <a:rPr lang="it-IT" sz="4800" b="1" i="1" smtClean="0">
+                            <a:latin typeface="Cambria Math" panose="02040503050406030204" pitchFamily="18" charset="0"/>
+                          </a:rPr>
+                          <m:t>𝑯</m:t>
+                        </m:r>
+                      </m:e>
+                      <m:sub>
+                        <m:r>
+                          <a:rPr lang="it-IT" sz="4800" i="1" smtClean="0">
+                            <a:latin typeface="Cambria Math" panose="02040503050406030204" pitchFamily="18" charset="0"/>
+                            <a:ea typeface="Cambria Math" panose="02040503050406030204" pitchFamily="18" charset="0"/>
+                          </a:rPr>
+                          <m:t>∞</m:t>
+                        </m:r>
+                      </m:sub>
+                    </m:sSub>
+                  </m:oMath>
+                </a14:m>
+                <a:r>
+                  <a:rPr lang="it-IT" sz="4800" dirty="0"/>
+                  <a:t> 3dof</a:t>
+                </a:r>
+              </a:p>
+            </p:txBody>
+          </p:sp>
+        </mc:Choice>
+        <mc:Fallback xmlns="">
+          <p:sp>
+            <p:nvSpPr>
+              <p:cNvPr id="2" name="Text Placeholder 1"/>
+              <p:cNvSpPr>
+                <a:spLocks noGrp="1" noRot="1" noChangeAspect="1" noMove="1" noResize="1" noEditPoints="1" noAdjustHandles="1" noChangeArrowheads="1" noChangeShapeType="1" noTextEdit="1"/>
+              </p:cNvSpPr>
+              <p:nvPr>
+                <p:ph type="body" sz="quarter" idx="10"/>
+              </p:nvPr>
+            </p:nvSpPr>
+            <p:spPr>
+              <a:xfrm>
+                <a:off x="809625" y="-19050"/>
+                <a:ext cx="6883400" cy="512762"/>
+              </a:xfrm>
+              <a:blipFill>
+                <a:blip r:embed="rId2"/>
+                <a:stretch>
+                  <a:fillRect t="-28571" b="-122619"/>
+                </a:stretch>
+              </a:blipFill>
+            </p:spPr>
+            <p:txBody>
+              <a:bodyPr/>
+              <a:lstStyle/>
+              <a:p>
+                <a:r>
+                  <a:rPr lang="it-IT">
+                    <a:noFill/>
+                  </a:rPr>
+                  <a:t> </a:t>
+                </a:r>
+              </a:p>
+            </p:txBody>
+          </p:sp>
+        </mc:Fallback>
+      </mc:AlternateContent>
+      <p:pic>
+        <p:nvPicPr>
+          <p:cNvPr id="3" name="Picture 2"/>
+          <p:cNvPicPr>
+            <a:picLocks noChangeAspect="1"/>
+          </p:cNvPicPr>
+          <p:nvPr/>
+        </p:nvPicPr>
+        <p:blipFill>
+          <a:blip r:embed="rId3"/>
+          <a:stretch>
+            <a:fillRect/>
+          </a:stretch>
+        </p:blipFill>
+        <p:spPr>
+          <a:xfrm>
+            <a:off x="509588" y="2119312"/>
+            <a:ext cx="8205788" cy="3340355"/>
+          </a:xfrm>
+          <a:prstGeom prst="rect">
+            <a:avLst/>
+          </a:prstGeom>
+        </p:spPr>
+      </p:pic>
+      <p:sp>
+        <p:nvSpPr>
+          <p:cNvPr id="4" name="Multiply 3"/>
+          <p:cNvSpPr/>
+          <p:nvPr/>
+        </p:nvSpPr>
+        <p:spPr>
+          <a:xfrm>
+            <a:off x="7962900" y="2105024"/>
+            <a:ext cx="638175" cy="638175"/>
+          </a:xfrm>
+          <a:prstGeom prst="mathMultiply">
+            <a:avLst/>
+          </a:prstGeom>
+          <a:solidFill>
+            <a:srgbClr val="FF0000"/>
+          </a:solidFill>
+          <a:ln>
+            <a:solidFill>
+              <a:srgbClr val="FF0000"/>
+            </a:solidFill>
+          </a:ln>
+        </p:spPr>
+        <p:style>
+          <a:lnRef idx="2">
+            <a:schemeClr val="accent1">
+              <a:shade val="50000"/>
+            </a:schemeClr>
+          </a:lnRef>
+          <a:fillRef idx="1">
+            <a:schemeClr val="accent1"/>
+          </a:fillRef>
+          <a:effectRef idx="0">
+            <a:schemeClr val="accent1"/>
+          </a:effectRef>
+          <a:fontRef idx="minor">
+            <a:schemeClr val="lt1"/>
+          </a:fontRef>
+        </p:style>
+        <p:txBody>
+          <a:bodyPr rtlCol="0" anchor="ctr"/>
+          <a:lstStyle/>
+          <a:p>
+            <a:pPr algn="ctr"/>
+            <a:endParaRPr lang="it-IT"/>
+          </a:p>
+        </p:txBody>
+      </p:sp>
+    </p:spTree>
+    <p:extLst>
+      <p:ext uri="{BB962C8B-B14F-4D97-AF65-F5344CB8AC3E}">
+        <p14:creationId xmlns:p14="http://schemas.microsoft.com/office/powerpoint/2010/main" val="3409481729"/>
+      </p:ext>
+    </p:extLst>
+  </p:cSld>
+  <p:clrMapOvr>
+    <a:masterClrMapping/>
+  </p:clrMapOvr>
+</p:sld>
+</file>
+
+<file path=ppt/slides/slide2.xml><?xml version="1.0" encoding="utf-8"?>
+<p:sld xmlns:a="http://schemas.openxmlformats.org/drawingml/2006/main" xmlns:r="http://schemas.openxmlformats.org/officeDocument/2006/relationships" xmlns:p="http://schemas.openxmlformats.org/presentationml/2006/main">
+  <p:cSld>
+    <p:spTree>
+      <p:nvGrpSpPr>
+        <p:cNvPr id="1" name=""/>
+        <p:cNvGrpSpPr/>
+        <p:nvPr/>
+      </p:nvGrpSpPr>
+      <p:grpSpPr>
+        <a:xfrm>
+          <a:off x="0" y="0"/>
+          <a:ext cx="0" cy="0"/>
+          <a:chOff x="0" y="0"/>
+          <a:chExt cx="0" cy="0"/>
+        </a:xfrm>
+      </p:grpSpPr>
+      <p:sp>
+        <p:nvSpPr>
+          <p:cNvPr id="2" name="Segnaposto testo 1"/>
+          <p:cNvSpPr>
+            <a:spLocks noGrp="1"/>
+          </p:cNvSpPr>
+          <p:nvPr>
+            <p:ph type="body" sz="quarter" idx="10"/>
+          </p:nvPr>
+        </p:nvSpPr>
+        <p:spPr/>
+        <p:txBody>
+          <a:bodyPr/>
+          <a:lstStyle/>
+          <a:p>
+            <a:r>
+              <a:rPr lang="it-IT" dirty="0"/>
+              <a:t>Loopshaping</a:t>
+            </a:r>
+          </a:p>
+        </p:txBody>
+      </p:sp>
+      <p:pic>
+        <p:nvPicPr>
+          <p:cNvPr id="3" name="Picture 2"/>
+          <p:cNvPicPr>
+            <a:picLocks noChangeAspect="1"/>
+          </p:cNvPicPr>
+          <p:nvPr/>
+        </p:nvPicPr>
+        <p:blipFill>
+          <a:blip r:embed="rId4">
+            <a:extLst>
+              <a:ext uri="{28A0092B-C50C-407E-A947-70E740481C1C}">
+                <a14:useLocalDpi xmlns:a14="http://schemas.microsoft.com/office/drawing/2010/main" val="0"/>
+              </a:ext>
+            </a:extLst>
+          </a:blip>
+          <a:stretch>
+            <a:fillRect/>
+          </a:stretch>
+        </p:blipFill>
+        <p:spPr>
+          <a:xfrm>
+            <a:off x="0" y="1205013"/>
+            <a:ext cx="6558064" cy="4918548"/>
+          </a:xfrm>
+          <a:prstGeom prst="rect">
+            <a:avLst/>
+          </a:prstGeom>
+        </p:spPr>
+      </p:pic>
+      <p:sp>
+        <p:nvSpPr>
+          <p:cNvPr id="5" name="Oval 4"/>
+          <p:cNvSpPr/>
+          <p:nvPr/>
+        </p:nvSpPr>
+        <p:spPr>
+          <a:xfrm>
+            <a:off x="2470825" y="1984443"/>
+            <a:ext cx="680936" cy="671208"/>
+          </a:xfrm>
+          <a:prstGeom prst="ellipse">
+            <a:avLst/>
+          </a:prstGeom>
+          <a:noFill/>
+          <a:ln>
+            <a:solidFill>
+              <a:srgbClr val="FF0000"/>
+            </a:solidFill>
+            <a:prstDash val="dash"/>
+          </a:ln>
+        </p:spPr>
+        <p:style>
+          <a:lnRef idx="2">
+            <a:schemeClr val="accent1">
+              <a:shade val="50000"/>
+            </a:schemeClr>
+          </a:lnRef>
+          <a:fillRef idx="1">
+            <a:schemeClr val="accent1"/>
+          </a:fillRef>
+          <a:effectRef idx="0">
+            <a:schemeClr val="accent1"/>
+          </a:effectRef>
+          <a:fontRef idx="minor">
+            <a:schemeClr val="lt1"/>
+          </a:fontRef>
+        </p:style>
+        <p:txBody>
+          <a:bodyPr rtlCol="0" anchor="ctr"/>
+          <a:lstStyle/>
+          <a:p>
+            <a:pPr algn="ctr"/>
+            <a:endParaRPr lang="it-IT"/>
+          </a:p>
+        </p:txBody>
+      </p:sp>
+      <p:cxnSp>
+        <p:nvCxnSpPr>
+          <p:cNvPr id="9" name="Straight Arrow Connector 8"/>
+          <p:cNvCxnSpPr/>
+          <p:nvPr/>
+        </p:nvCxnSpPr>
+        <p:spPr>
+          <a:xfrm>
+            <a:off x="3239313" y="2290863"/>
+            <a:ext cx="3190673" cy="0"/>
+          </a:xfrm>
+          <a:prstGeom prst="straightConnector1">
+            <a:avLst/>
+          </a:prstGeom>
+          <a:ln w="28575">
+            <a:solidFill>
+              <a:srgbClr val="FF0000"/>
+            </a:solidFill>
+            <a:tailEnd type="triangle"/>
+          </a:ln>
+        </p:spPr>
+        <p:style>
+          <a:lnRef idx="1">
+            <a:schemeClr val="accent1"/>
+          </a:lnRef>
+          <a:fillRef idx="0">
+            <a:schemeClr val="accent1"/>
+          </a:fillRef>
+          <a:effectRef idx="0">
+            <a:schemeClr val="accent1"/>
+          </a:effectRef>
+          <a:fontRef idx="minor">
+            <a:schemeClr val="tx1"/>
+          </a:fontRef>
+        </p:style>
+      </p:cxnSp>
+      <p:sp>
+        <p:nvSpPr>
+          <p:cNvPr id="11" name="TextBox 10"/>
+          <p:cNvSpPr txBox="1"/>
+          <p:nvPr/>
+        </p:nvSpPr>
+        <p:spPr>
+          <a:xfrm>
+            <a:off x="6439711" y="1984443"/>
+            <a:ext cx="2480553" cy="1477328"/>
+          </a:xfrm>
+          <a:prstGeom prst="rect">
+            <a:avLst/>
+          </a:prstGeom>
+          <a:noFill/>
+        </p:spPr>
+        <p:txBody>
+          <a:bodyPr wrap="square" rtlCol="0">
+            <a:spAutoFit/>
+          </a:bodyPr>
+          <a:lstStyle/>
+          <a:p>
+            <a:r>
+              <a:rPr lang="it-IT" dirty="0">
+                <a:solidFill>
+                  <a:schemeClr val="tx2"/>
+                </a:solidFill>
+                <a:latin typeface="+mn-lt"/>
+              </a:rPr>
+              <a:t>Poles coming from the cart dynamics.</a:t>
+            </a:r>
+          </a:p>
+          <a:p>
+            <a:endParaRPr lang="it-IT" dirty="0">
+              <a:solidFill>
+                <a:schemeClr val="tx2"/>
+              </a:solidFill>
+              <a:latin typeface="+mn-lt"/>
+            </a:endParaRPr>
+          </a:p>
+          <a:p>
+            <a:r>
+              <a:rPr lang="it-IT" dirty="0">
+                <a:solidFill>
+                  <a:schemeClr val="tx2"/>
+                </a:solidFill>
+                <a:latin typeface="+mn-lt"/>
+              </a:rPr>
+              <a:t>We would like to cancel this behavior.</a:t>
+            </a:r>
+          </a:p>
+        </p:txBody>
+      </p:sp>
+      <p:sp>
+        <p:nvSpPr>
+          <p:cNvPr id="12" name="TextBox 11"/>
+          <p:cNvSpPr txBox="1"/>
+          <p:nvPr/>
+        </p:nvSpPr>
+        <p:spPr>
+          <a:xfrm>
+            <a:off x="3151761" y="1877438"/>
+            <a:ext cx="758758" cy="369332"/>
+          </a:xfrm>
+          <a:prstGeom prst="rect">
+            <a:avLst/>
+          </a:prstGeom>
+          <a:noFill/>
+        </p:spPr>
+        <p:txBody>
+          <a:bodyPr wrap="square" rtlCol="0">
+            <a:spAutoFit/>
+          </a:bodyPr>
+          <a:lstStyle/>
+          <a:p>
+            <a:r>
+              <a:rPr lang="it-IT" dirty="0">
+                <a:solidFill>
+                  <a:srgbClr val="FF0000"/>
+                </a:solidFill>
+              </a:rPr>
+              <a:t>3Hz</a:t>
+            </a:r>
+          </a:p>
+        </p:txBody>
+      </p:sp>
+    </p:spTree>
+    <p:custDataLst>
+      <p:tags r:id="rId1"/>
+    </p:custDataLst>
+    <p:extLst>
+      <p:ext uri="{BB962C8B-B14F-4D97-AF65-F5344CB8AC3E}">
+        <p14:creationId xmlns:p14="http://schemas.microsoft.com/office/powerpoint/2010/main" val="3726194390"/>
+      </p:ext>
+    </p:extLst>
+  </p:cSld>
+  <p:clrMapOvr>
+    <a:masterClrMapping/>
+  </p:clrMapOvr>
+  <mc:AlternateContent xmlns:mc="http://schemas.openxmlformats.org/markup-compatibility/2006" xmlns:p14="http://schemas.microsoft.com/office/powerpoint/2010/main">
+    <mc:Choice Requires="p14">
+      <p:transition spd="slow" p14:dur="2000" advTm="147542"/>
+    </mc:Choice>
+    <mc:Fallback xmlns="">
+      <p:transition xmlns:p14="http://schemas.microsoft.com/office/powerpoint/2010/main" spd="slow" advTm="147542"/>
+    </mc:Fallback>
+  </mc:AlternateContent>
+</p:sld>
+</file>
+
+<file path=ppt/slides/slide20.xml><?xml version="1.0" encoding="utf-8"?>
+<p:sld xmlns:a="http://schemas.openxmlformats.org/drawingml/2006/main" xmlns:r="http://schemas.openxmlformats.org/officeDocument/2006/relationships" xmlns:p="http://schemas.openxmlformats.org/presentationml/2006/main">
+  <p:cSld>
+    <p:spTree>
+      <p:nvGrpSpPr>
+        <p:cNvPr id="1" name=""/>
+        <p:cNvGrpSpPr/>
+        <p:nvPr/>
+      </p:nvGrpSpPr>
+      <p:grpSpPr>
+        <a:xfrm>
+          <a:off x="0" y="0"/>
+          <a:ext cx="0" cy="0"/>
+          <a:chOff x="0" y="0"/>
+          <a:chExt cx="0" cy="0"/>
+        </a:xfrm>
+      </p:grpSpPr>
+      <mc:AlternateContent xmlns:mc="http://schemas.openxmlformats.org/markup-compatibility/2006" xmlns:a14="http://schemas.microsoft.com/office/drawing/2010/main">
+        <mc:Choice Requires="a14">
+          <p:sp>
+            <p:nvSpPr>
+              <p:cNvPr id="2" name="Text Placeholder 1"/>
+              <p:cNvSpPr>
+                <a:spLocks noGrp="1"/>
+              </p:cNvSpPr>
+              <p:nvPr>
+                <p:ph type="body" sz="quarter" idx="10"/>
+              </p:nvPr>
+            </p:nvSpPr>
+            <p:spPr>
+              <a:xfrm>
+                <a:off x="809625" y="-19050"/>
+                <a:ext cx="6883400" cy="512762"/>
+              </a:xfrm>
+            </p:spPr>
+            <p:txBody>
+              <a:bodyPr/>
+              <a:lstStyle/>
+              <a:p>
+                <a14:m>
+                  <m:oMath xmlns:m="http://schemas.openxmlformats.org/officeDocument/2006/math">
+                    <m:sSub>
+                      <m:sSubPr>
+                        <m:ctrlPr>
+                          <a:rPr lang="it-IT" sz="4800" i="1" smtClean="0">
+                            <a:latin typeface="Cambria Math" panose="02040503050406030204" pitchFamily="18" charset="0"/>
+                          </a:rPr>
+                        </m:ctrlPr>
+                      </m:sSubPr>
+                      <m:e>
+                        <m:r>
+                          <a:rPr lang="it-IT" sz="4800" b="1" i="1" smtClean="0">
+                            <a:latin typeface="Cambria Math" panose="02040503050406030204" pitchFamily="18" charset="0"/>
+                          </a:rPr>
+                          <m:t>𝑯</m:t>
+                        </m:r>
+                      </m:e>
+                      <m:sub>
+                        <m:r>
+                          <a:rPr lang="it-IT" sz="4800" i="1" smtClean="0">
+                            <a:latin typeface="Cambria Math" panose="02040503050406030204" pitchFamily="18" charset="0"/>
+                            <a:ea typeface="Cambria Math" panose="02040503050406030204" pitchFamily="18" charset="0"/>
+                          </a:rPr>
+                          <m:t>∞</m:t>
+                        </m:r>
+                      </m:sub>
+                    </m:sSub>
+                  </m:oMath>
+                </a14:m>
+                <a:r>
+                  <a:rPr lang="it-IT" sz="4800" dirty="0"/>
+                  <a:t> 3dof</a:t>
+                </a:r>
+              </a:p>
+            </p:txBody>
+          </p:sp>
+        </mc:Choice>
+        <mc:Fallback xmlns="">
+          <p:sp>
+            <p:nvSpPr>
+              <p:cNvPr id="2" name="Text Placeholder 1"/>
+              <p:cNvSpPr>
+                <a:spLocks noGrp="1" noRot="1" noChangeAspect="1" noMove="1" noResize="1" noEditPoints="1" noAdjustHandles="1" noChangeArrowheads="1" noChangeShapeType="1" noTextEdit="1"/>
+              </p:cNvSpPr>
+              <p:nvPr>
+                <p:ph type="body" sz="quarter" idx="10"/>
+              </p:nvPr>
+            </p:nvSpPr>
+            <p:spPr>
+              <a:xfrm>
+                <a:off x="809625" y="-19050"/>
+                <a:ext cx="6883400" cy="512762"/>
+              </a:xfrm>
+              <a:blipFill>
+                <a:blip r:embed="rId2"/>
+                <a:stretch>
+                  <a:fillRect t="-28571" b="-122619"/>
+                </a:stretch>
+              </a:blipFill>
+            </p:spPr>
+            <p:txBody>
+              <a:bodyPr/>
+              <a:lstStyle/>
+              <a:p>
+                <a:r>
+                  <a:rPr lang="it-IT">
+                    <a:noFill/>
+                  </a:rPr>
+                  <a:t> </a:t>
+                </a:r>
+              </a:p>
+            </p:txBody>
+          </p:sp>
+        </mc:Fallback>
+      </mc:AlternateContent>
+      <p:pic>
+        <p:nvPicPr>
+          <p:cNvPr id="5" name="Picture 4"/>
+          <p:cNvPicPr>
+            <a:picLocks noChangeAspect="1"/>
+          </p:cNvPicPr>
+          <p:nvPr/>
+        </p:nvPicPr>
+        <p:blipFill>
+          <a:blip r:embed="rId3">
+            <a:extLst>
+              <a:ext uri="{28A0092B-C50C-407E-A947-70E740481C1C}">
+                <a14:useLocalDpi xmlns:a14="http://schemas.microsoft.com/office/drawing/2010/main" val="0"/>
+              </a:ext>
+            </a:extLst>
+          </a:blip>
+          <a:stretch>
+            <a:fillRect/>
+          </a:stretch>
+        </p:blipFill>
+        <p:spPr>
+          <a:xfrm>
+            <a:off x="57079" y="971800"/>
+            <a:ext cx="5333333" cy="4000000"/>
+          </a:xfrm>
+          <a:prstGeom prst="rect">
+            <a:avLst/>
+          </a:prstGeom>
+        </p:spPr>
+      </p:pic>
+      <p:pic>
+        <p:nvPicPr>
+          <p:cNvPr id="3" name="Picture 2"/>
+          <p:cNvPicPr>
+            <a:picLocks noChangeAspect="1"/>
+          </p:cNvPicPr>
+          <p:nvPr/>
+        </p:nvPicPr>
+        <p:blipFill rotWithShape="1">
+          <a:blip r:embed="rId4"/>
+          <a:srcRect l="7381" r="7512"/>
+          <a:stretch/>
+        </p:blipFill>
+        <p:spPr>
+          <a:xfrm>
+            <a:off x="2723746" y="3197005"/>
+            <a:ext cx="6274340" cy="3304467"/>
+          </a:xfrm>
+          <a:prstGeom prst="rect">
+            <a:avLst/>
+          </a:prstGeom>
+          <a:solidFill>
+            <a:schemeClr val="bg1"/>
+          </a:solidFill>
+        </p:spPr>
+      </p:pic>
+      <p:sp>
+        <p:nvSpPr>
+          <p:cNvPr id="4" name="TextBox 3"/>
+          <p:cNvSpPr txBox="1"/>
+          <p:nvPr/>
+        </p:nvSpPr>
+        <p:spPr>
+          <a:xfrm>
+            <a:off x="5390412" y="1685991"/>
+            <a:ext cx="2966936" cy="923330"/>
+          </a:xfrm>
+          <a:prstGeom prst="rect">
+            <a:avLst/>
+          </a:prstGeom>
+          <a:noFill/>
+        </p:spPr>
+        <p:txBody>
+          <a:bodyPr wrap="square" rtlCol="0">
+            <a:spAutoFit/>
+          </a:bodyPr>
+          <a:lstStyle/>
+          <a:p>
+            <a:pPr algn="just"/>
+            <a:r>
+              <a:rPr lang="it-IT" dirty="0">
+                <a:solidFill>
+                  <a:schemeClr val="tx2"/>
+                </a:solidFill>
+                <a:latin typeface="+mn-lt"/>
+              </a:rPr>
+              <a:t>The response (although not perfect) is way more stable with the inner current loop.</a:t>
+            </a:r>
+          </a:p>
+        </p:txBody>
+      </p:sp>
+    </p:spTree>
+    <p:extLst>
+      <p:ext uri="{BB962C8B-B14F-4D97-AF65-F5344CB8AC3E}">
+        <p14:creationId xmlns:p14="http://schemas.microsoft.com/office/powerpoint/2010/main" val="2728987991"/>
+      </p:ext>
+    </p:extLst>
+  </p:cSld>
+  <p:clrMapOvr>
+    <a:masterClrMapping/>
+  </p:clrMapOvr>
+</p:sld>
+</file>
+
+<file path=ppt/slides/slide21.xml><?xml version="1.0" encoding="utf-8"?>
+<p:sld xmlns:a="http://schemas.openxmlformats.org/drawingml/2006/main" xmlns:r="http://schemas.openxmlformats.org/officeDocument/2006/relationships" xmlns:p="http://schemas.openxmlformats.org/presentationml/2006/main">
+  <p:cSld>
+    <p:spTree>
+      <p:nvGrpSpPr>
+        <p:cNvPr id="1" name=""/>
+        <p:cNvGrpSpPr/>
+        <p:nvPr/>
+      </p:nvGrpSpPr>
+      <p:grpSpPr>
+        <a:xfrm>
+          <a:off x="0" y="0"/>
+          <a:ext cx="0" cy="0"/>
+          <a:chOff x="0" y="0"/>
+          <a:chExt cx="0" cy="0"/>
+        </a:xfrm>
+      </p:grpSpPr>
+      <p:sp>
+        <p:nvSpPr>
+          <p:cNvPr id="2" name="Text Placeholder 1"/>
+          <p:cNvSpPr>
+            <a:spLocks noGrp="1"/>
+          </p:cNvSpPr>
+          <p:nvPr>
+            <p:ph type="body" sz="quarter" idx="10"/>
+          </p:nvPr>
+        </p:nvSpPr>
+        <p:spPr/>
+        <p:txBody>
+          <a:bodyPr/>
+          <a:lstStyle/>
+          <a:p>
+            <a:r>
+              <a:rPr lang="it-IT" dirty="0"/>
+              <a:t>EKF</a:t>
+            </a:r>
+          </a:p>
+        </p:txBody>
+      </p:sp>
+      <p:sp>
+        <p:nvSpPr>
+          <p:cNvPr id="3" name="Text Placeholder 2"/>
+          <p:cNvSpPr>
+            <a:spLocks noGrp="1"/>
+          </p:cNvSpPr>
+          <p:nvPr>
+            <p:ph type="body" sz="quarter" idx="11"/>
+          </p:nvPr>
+        </p:nvSpPr>
+        <p:spPr>
+          <a:xfrm>
+            <a:off x="922236" y="2234541"/>
+            <a:ext cx="7061200" cy="2262457"/>
+          </a:xfrm>
+        </p:spPr>
+        <p:txBody>
+          <a:bodyPr/>
+          <a:lstStyle/>
+          <a:p>
+            <a:pPr algn="ctr"/>
+            <a:r>
+              <a:rPr lang="it-IT" sz="7200" b="1" dirty="0"/>
+              <a:t>Extended Kalman Filter</a:t>
+            </a:r>
+          </a:p>
+        </p:txBody>
+      </p:sp>
+    </p:spTree>
+    <p:extLst>
+      <p:ext uri="{BB962C8B-B14F-4D97-AF65-F5344CB8AC3E}">
+        <p14:creationId xmlns:p14="http://schemas.microsoft.com/office/powerpoint/2010/main" val="2715208880"/>
+      </p:ext>
+    </p:extLst>
+  </p:cSld>
+  <p:clrMapOvr>
+    <a:masterClrMapping/>
+  </p:clrMapOvr>
+</p:sld>
+</file>
+
+<file path=ppt/slides/slide22.xml><?xml version="1.0" encoding="utf-8"?>
+<p:sld xmlns:a="http://schemas.openxmlformats.org/drawingml/2006/main" xmlns:r="http://schemas.openxmlformats.org/officeDocument/2006/relationships" xmlns:p="http://schemas.openxmlformats.org/presentationml/2006/main">
+  <p:cSld>
+    <p:spTree>
+      <p:nvGrpSpPr>
+        <p:cNvPr id="1" name=""/>
+        <p:cNvGrpSpPr/>
+        <p:nvPr/>
+      </p:nvGrpSpPr>
+      <p:grpSpPr>
+        <a:xfrm>
+          <a:off x="0" y="0"/>
+          <a:ext cx="0" cy="0"/>
+          <a:chOff x="0" y="0"/>
+          <a:chExt cx="0" cy="0"/>
+        </a:xfrm>
+      </p:grpSpPr>
+      <p:sp>
+        <p:nvSpPr>
+          <p:cNvPr id="9" name="Rectangle 8"/>
+          <p:cNvSpPr/>
+          <p:nvPr/>
+        </p:nvSpPr>
+        <p:spPr>
+          <a:xfrm>
+            <a:off x="114840" y="4046706"/>
+            <a:ext cx="4442316" cy="2348181"/>
+          </a:xfrm>
+          <a:prstGeom prst="rect">
+            <a:avLst/>
+          </a:prstGeom>
+          <a:noFill/>
+        </p:spPr>
+        <p:style>
+          <a:lnRef idx="2">
+            <a:schemeClr val="accent1">
+              <a:shade val="50000"/>
+            </a:schemeClr>
+          </a:lnRef>
+          <a:fillRef idx="1">
+            <a:schemeClr val="accent1"/>
+          </a:fillRef>
+          <a:effectRef idx="0">
+            <a:schemeClr val="accent1"/>
+          </a:effectRef>
+          <a:fontRef idx="minor">
+            <a:schemeClr val="lt1"/>
+          </a:fontRef>
+        </p:style>
+        <p:txBody>
+          <a:bodyPr rtlCol="0" anchor="ctr"/>
+          <a:lstStyle/>
+          <a:p>
+            <a:pPr algn="ctr"/>
+            <a:endParaRPr lang="it-IT"/>
+          </a:p>
+        </p:txBody>
+      </p:sp>
+      <p:sp>
+        <p:nvSpPr>
+          <p:cNvPr id="2" name="Text Placeholder 1"/>
+          <p:cNvSpPr>
+            <a:spLocks noGrp="1"/>
+          </p:cNvSpPr>
+          <p:nvPr>
+            <p:ph type="body" sz="quarter" idx="10"/>
+          </p:nvPr>
+        </p:nvSpPr>
+        <p:spPr/>
+        <p:txBody>
+          <a:bodyPr/>
+          <a:lstStyle/>
+          <a:p>
+            <a:r>
+              <a:rPr lang="it-IT" dirty="0"/>
+              <a:t>EKF</a:t>
+            </a:r>
+          </a:p>
+        </p:txBody>
+      </p:sp>
+      <p:pic>
+        <p:nvPicPr>
+          <p:cNvPr id="4" name="Picture 3"/>
+          <p:cNvPicPr>
+            <a:picLocks noChangeAspect="1"/>
+          </p:cNvPicPr>
+          <p:nvPr/>
+        </p:nvPicPr>
+        <p:blipFill rotWithShape="1">
+          <a:blip r:embed="rId2"/>
+          <a:srcRect l="4622"/>
+          <a:stretch/>
+        </p:blipFill>
+        <p:spPr>
+          <a:xfrm>
+            <a:off x="194552" y="4637160"/>
+            <a:ext cx="4405519" cy="1575256"/>
+          </a:xfrm>
+          <a:prstGeom prst="rect">
+            <a:avLst/>
+          </a:prstGeom>
+        </p:spPr>
+      </p:pic>
+      <p:pic>
+        <p:nvPicPr>
+          <p:cNvPr id="5" name="Picture 4"/>
+          <p:cNvPicPr>
+            <a:picLocks noChangeAspect="1"/>
+          </p:cNvPicPr>
+          <p:nvPr/>
+        </p:nvPicPr>
+        <p:blipFill>
+          <a:blip r:embed="rId3"/>
+          <a:stretch>
+            <a:fillRect/>
+          </a:stretch>
+        </p:blipFill>
+        <p:spPr>
+          <a:xfrm>
+            <a:off x="4754392" y="4594147"/>
+            <a:ext cx="3989961" cy="1618269"/>
+          </a:xfrm>
+          <a:prstGeom prst="rect">
+            <a:avLst/>
+          </a:prstGeom>
+        </p:spPr>
+      </p:pic>
+      <p:pic>
+        <p:nvPicPr>
+          <p:cNvPr id="6" name="Picture 5"/>
+          <p:cNvPicPr>
+            <a:picLocks noChangeAspect="1"/>
+          </p:cNvPicPr>
+          <p:nvPr/>
+        </p:nvPicPr>
+        <p:blipFill>
+          <a:blip r:embed="rId4"/>
+          <a:stretch>
+            <a:fillRect/>
+          </a:stretch>
+        </p:blipFill>
+        <p:spPr>
+          <a:xfrm>
+            <a:off x="2248508" y="962633"/>
+            <a:ext cx="4463577" cy="2950500"/>
+          </a:xfrm>
+          <a:prstGeom prst="rect">
+            <a:avLst/>
+          </a:prstGeom>
+        </p:spPr>
+      </p:pic>
+      <p:sp>
+        <p:nvSpPr>
+          <p:cNvPr id="7" name="TextBox 6"/>
+          <p:cNvSpPr txBox="1"/>
+          <p:nvPr/>
+        </p:nvSpPr>
+        <p:spPr>
+          <a:xfrm>
+            <a:off x="114840" y="4134255"/>
+            <a:ext cx="4442316" cy="369332"/>
+          </a:xfrm>
+          <a:prstGeom prst="rect">
+            <a:avLst/>
+          </a:prstGeom>
+          <a:noFill/>
+        </p:spPr>
+        <p:txBody>
+          <a:bodyPr wrap="square" rtlCol="0">
+            <a:spAutoFit/>
+          </a:bodyPr>
+          <a:lstStyle/>
+          <a:p>
+            <a:pPr algn="ctr"/>
+            <a:r>
+              <a:rPr lang="it-IT" b="1" dirty="0"/>
+              <a:t>Linear Model</a:t>
+            </a:r>
+          </a:p>
+        </p:txBody>
+      </p:sp>
+      <p:sp>
+        <p:nvSpPr>
+          <p:cNvPr id="8" name="TextBox 7"/>
+          <p:cNvSpPr txBox="1"/>
+          <p:nvPr/>
+        </p:nvSpPr>
+        <p:spPr>
+          <a:xfrm>
+            <a:off x="4557156" y="4131011"/>
+            <a:ext cx="4282062" cy="369332"/>
+          </a:xfrm>
+          <a:prstGeom prst="rect">
+            <a:avLst/>
+          </a:prstGeom>
+          <a:noFill/>
+        </p:spPr>
+        <p:txBody>
+          <a:bodyPr wrap="square" rtlCol="0">
+            <a:spAutoFit/>
+          </a:bodyPr>
+          <a:lstStyle/>
+          <a:p>
+            <a:pPr algn="ctr"/>
+            <a:r>
+              <a:rPr lang="it-IT" b="1" dirty="0"/>
+              <a:t>Nonlinear Model</a:t>
+            </a:r>
+          </a:p>
+        </p:txBody>
+      </p:sp>
+      <p:sp>
+        <p:nvSpPr>
+          <p:cNvPr id="10" name="Rectangle 9"/>
+          <p:cNvSpPr/>
+          <p:nvPr/>
+        </p:nvSpPr>
+        <p:spPr>
+          <a:xfrm>
+            <a:off x="4557156" y="4043463"/>
+            <a:ext cx="4282062" cy="2348181"/>
+          </a:xfrm>
+          <a:prstGeom prst="rect">
+            <a:avLst/>
+          </a:prstGeom>
+          <a:noFill/>
+        </p:spPr>
+        <p:style>
+          <a:lnRef idx="2">
+            <a:schemeClr val="accent1">
+              <a:shade val="50000"/>
+            </a:schemeClr>
+          </a:lnRef>
+          <a:fillRef idx="1">
+            <a:schemeClr val="accent1"/>
+          </a:fillRef>
+          <a:effectRef idx="0">
+            <a:schemeClr val="accent1"/>
+          </a:effectRef>
+          <a:fontRef idx="minor">
+            <a:schemeClr val="lt1"/>
+          </a:fontRef>
+        </p:style>
+        <p:txBody>
+          <a:bodyPr rtlCol="0" anchor="ctr"/>
+          <a:lstStyle/>
+          <a:p>
+            <a:pPr algn="ctr"/>
+            <a:endParaRPr lang="it-IT"/>
+          </a:p>
+        </p:txBody>
+      </p:sp>
+      <p:sp>
+        <p:nvSpPr>
+          <p:cNvPr id="11" name="Rectangle 10"/>
+          <p:cNvSpPr/>
+          <p:nvPr/>
+        </p:nvSpPr>
+        <p:spPr>
+          <a:xfrm>
+            <a:off x="6527259" y="1702340"/>
+            <a:ext cx="340468" cy="735543"/>
+          </a:xfrm>
+          <a:prstGeom prst="rect">
+            <a:avLst/>
+          </a:prstGeom>
+          <a:solidFill>
+            <a:schemeClr val="bg1"/>
+          </a:solidFill>
+          <a:ln>
+            <a:noFill/>
+          </a:ln>
+        </p:spPr>
+        <p:style>
+          <a:lnRef idx="2">
+            <a:schemeClr val="accent1">
+              <a:shade val="50000"/>
+            </a:schemeClr>
+          </a:lnRef>
+          <a:fillRef idx="1">
+            <a:schemeClr val="accent1"/>
+          </a:fillRef>
+          <a:effectRef idx="0">
+            <a:schemeClr val="accent1"/>
+          </a:effectRef>
+          <a:fontRef idx="minor">
+            <a:schemeClr val="lt1"/>
+          </a:fontRef>
+        </p:style>
+        <p:txBody>
+          <a:bodyPr rtlCol="0" anchor="ctr"/>
+          <a:lstStyle/>
+          <a:p>
+            <a:pPr algn="ctr"/>
+            <a:endParaRPr lang="it-IT"/>
+          </a:p>
+        </p:txBody>
+      </p:sp>
+    </p:spTree>
+    <p:extLst>
+      <p:ext uri="{BB962C8B-B14F-4D97-AF65-F5344CB8AC3E}">
+        <p14:creationId xmlns:p14="http://schemas.microsoft.com/office/powerpoint/2010/main" val="3998865119"/>
+      </p:ext>
+    </p:extLst>
+  </p:cSld>
+  <p:clrMapOvr>
+    <a:masterClrMapping/>
+  </p:clrMapOvr>
+</p:sld>
+</file>
+
+<file path=ppt/slides/slide23.xml><?xml version="1.0" encoding="utf-8"?>
+<p:sld xmlns:a="http://schemas.openxmlformats.org/drawingml/2006/main" xmlns:r="http://schemas.openxmlformats.org/officeDocument/2006/relationships" xmlns:p="http://schemas.openxmlformats.org/presentationml/2006/main">
+  <p:cSld>
+    <p:spTree>
+      <p:nvGrpSpPr>
+        <p:cNvPr id="1" name=""/>
+        <p:cNvGrpSpPr/>
+        <p:nvPr/>
+      </p:nvGrpSpPr>
+      <p:grpSpPr>
+        <a:xfrm>
+          <a:off x="0" y="0"/>
+          <a:ext cx="0" cy="0"/>
+          <a:chOff x="0" y="0"/>
+          <a:chExt cx="0" cy="0"/>
+        </a:xfrm>
+      </p:grpSpPr>
+      <p:sp>
+        <p:nvSpPr>
+          <p:cNvPr id="2" name="Text Placeholder 1"/>
+          <p:cNvSpPr>
+            <a:spLocks noGrp="1"/>
+          </p:cNvSpPr>
+          <p:nvPr>
+            <p:ph type="body" sz="quarter" idx="10"/>
+          </p:nvPr>
+        </p:nvSpPr>
+        <p:spPr/>
+        <p:txBody>
+          <a:bodyPr/>
+          <a:lstStyle/>
+          <a:p>
+            <a:r>
+              <a:rPr lang="it-IT" dirty="0"/>
+              <a:t>EKF</a:t>
+            </a:r>
+          </a:p>
+        </p:txBody>
+      </p:sp>
+      <mc:AlternateContent xmlns:mc="http://schemas.openxmlformats.org/markup-compatibility/2006" xmlns:a14="http://schemas.microsoft.com/office/drawing/2010/main">
+        <mc:Choice Requires="a14">
+          <p:sp>
+            <p:nvSpPr>
+              <p:cNvPr id="3" name="Text Placeholder 2"/>
+              <p:cNvSpPr>
+                <a:spLocks noGrp="1"/>
+              </p:cNvSpPr>
+              <p:nvPr>
+                <p:ph type="body" sz="quarter" idx="11"/>
+              </p:nvPr>
+            </p:nvSpPr>
+            <p:spPr/>
+            <p:txBody>
+              <a:bodyPr/>
+              <a:lstStyle/>
+              <a:p>
+                <a:r>
+                  <a:rPr lang="it-IT" dirty="0"/>
+                  <a:t>Steps:</a:t>
+                </a:r>
+              </a:p>
+              <a:p>
+                <a:pPr marL="514350" indent="-514350">
+                  <a:buFont typeface="+mj-lt"/>
+                  <a:buAutoNum type="arabicPeriod"/>
+                </a:pPr>
+                <a:r>
+                  <a:rPr lang="it-IT" dirty="0"/>
+                  <a:t>Update state estimate</a:t>
+                </a:r>
+                <a:br>
+                  <a:rPr lang="it-IT" dirty="0"/>
+                </a:br>
+                <a14:m>
+                  <m:oMath xmlns:m="http://schemas.openxmlformats.org/officeDocument/2006/math">
+                    <m:sSub>
+                      <m:sSubPr>
+                        <m:ctrlPr>
+                          <a:rPr lang="it-IT" b="0" i="1" smtClean="0">
+                            <a:latin typeface="Cambria Math" panose="02040503050406030204" pitchFamily="18" charset="0"/>
+                          </a:rPr>
+                        </m:ctrlPr>
+                      </m:sSubPr>
+                      <m:e>
+                        <m:r>
+                          <a:rPr lang="it-IT" b="0" i="1" smtClean="0">
+                            <a:latin typeface="Cambria Math" panose="02040503050406030204" pitchFamily="18" charset="0"/>
+                          </a:rPr>
+                          <m:t>𝑥</m:t>
+                        </m:r>
+                      </m:e>
+                      <m:sub>
+                        <m:r>
+                          <a:rPr lang="it-IT" b="0" i="1" smtClean="0">
+                            <a:latin typeface="Cambria Math" panose="02040503050406030204" pitchFamily="18" charset="0"/>
+                          </a:rPr>
+                          <m:t>𝑘</m:t>
+                        </m:r>
+                        <m:r>
+                          <a:rPr lang="it-IT" b="0" i="1" smtClean="0">
+                            <a:latin typeface="Cambria Math" panose="02040503050406030204" pitchFamily="18" charset="0"/>
+                          </a:rPr>
+                          <m:t>+1</m:t>
+                        </m:r>
+                      </m:sub>
+                    </m:sSub>
+                    <m:r>
+                      <a:rPr lang="it-IT" b="0" i="1" smtClean="0">
+                        <a:latin typeface="Cambria Math" panose="02040503050406030204" pitchFamily="18" charset="0"/>
+                      </a:rPr>
+                      <m:t>=</m:t>
+                    </m:r>
+                    <m:r>
+                      <a:rPr lang="it-IT" b="0" i="1" smtClean="0">
+                        <a:latin typeface="Cambria Math" panose="02040503050406030204" pitchFamily="18" charset="0"/>
+                      </a:rPr>
+                      <m:t>𝑓</m:t>
+                    </m:r>
+                    <m:d>
+                      <m:dPr>
+                        <m:ctrlPr>
+                          <a:rPr lang="it-IT" b="0" i="1" smtClean="0">
+                            <a:latin typeface="Cambria Math" panose="02040503050406030204" pitchFamily="18" charset="0"/>
+                          </a:rPr>
+                        </m:ctrlPr>
+                      </m:dPr>
+                      <m:e>
+                        <m:r>
+                          <a:rPr lang="it-IT" b="0" i="1" smtClean="0">
+                            <a:latin typeface="Cambria Math" panose="02040503050406030204" pitchFamily="18" charset="0"/>
+                          </a:rPr>
+                          <m:t>𝑥</m:t>
+                        </m:r>
+                      </m:e>
+                    </m:d>
+                    <m:r>
+                      <a:rPr lang="it-IT" b="0" i="1" smtClean="0">
+                        <a:latin typeface="Cambria Math" panose="02040503050406030204" pitchFamily="18" charset="0"/>
+                      </a:rPr>
+                      <m:t>+</m:t>
+                    </m:r>
+                    <m:r>
+                      <a:rPr lang="it-IT" b="0" i="1" smtClean="0">
+                        <a:latin typeface="Cambria Math" panose="02040503050406030204" pitchFamily="18" charset="0"/>
+                      </a:rPr>
+                      <m:t>𝐵</m:t>
+                    </m:r>
+                    <m:sSub>
+                      <m:sSubPr>
+                        <m:ctrlPr>
+                          <a:rPr lang="it-IT" b="0" i="1" smtClean="0">
+                            <a:latin typeface="Cambria Math" panose="02040503050406030204" pitchFamily="18" charset="0"/>
+                          </a:rPr>
+                        </m:ctrlPr>
+                      </m:sSubPr>
+                      <m:e>
+                        <m:r>
+                          <a:rPr lang="it-IT" b="0" i="1" smtClean="0">
+                            <a:latin typeface="Cambria Math" panose="02040503050406030204" pitchFamily="18" charset="0"/>
+                          </a:rPr>
+                          <m:t>𝑢</m:t>
+                        </m:r>
+                      </m:e>
+                      <m:sub>
+                        <m:r>
+                          <a:rPr lang="it-IT" b="0" i="1" smtClean="0">
+                            <a:latin typeface="Cambria Math" panose="02040503050406030204" pitchFamily="18" charset="0"/>
+                          </a:rPr>
+                          <m:t>𝑘</m:t>
+                        </m:r>
+                      </m:sub>
+                    </m:sSub>
+                  </m:oMath>
+                </a14:m>
+                <a:endParaRPr lang="it-IT" dirty="0"/>
+              </a:p>
+              <a:p>
+                <a:pPr marL="514350" indent="-514350">
+                  <a:buFont typeface="+mj-lt"/>
+                  <a:buAutoNum type="arabicPeriod"/>
+                </a:pPr>
+                <a:r>
+                  <a:rPr lang="it-IT" dirty="0"/>
+                  <a:t>Linearize system around </a:t>
+                </a:r>
+                <a14:m>
+                  <m:oMath xmlns:m="http://schemas.openxmlformats.org/officeDocument/2006/math">
+                    <m:acc>
+                      <m:accPr>
+                        <m:chr m:val="̂"/>
+                        <m:ctrlPr>
+                          <a:rPr lang="it-IT" i="1" smtClean="0">
+                            <a:latin typeface="Cambria Math" panose="02040503050406030204" pitchFamily="18" charset="0"/>
+                          </a:rPr>
+                        </m:ctrlPr>
+                      </m:accPr>
+                      <m:e>
+                        <m:r>
+                          <a:rPr lang="it-IT" b="0" i="1" smtClean="0">
+                            <a:latin typeface="Cambria Math" panose="02040503050406030204" pitchFamily="18" charset="0"/>
+                          </a:rPr>
+                          <m:t>𝑥</m:t>
+                        </m:r>
+                      </m:e>
+                    </m:acc>
+                  </m:oMath>
+                </a14:m>
+                <a:br>
+                  <a:rPr lang="it-IT" dirty="0"/>
+                </a:br>
+                <a14:m>
+                  <m:oMath xmlns:m="http://schemas.openxmlformats.org/officeDocument/2006/math">
+                    <m:r>
+                      <a:rPr lang="it-IT" b="0" i="1" smtClean="0">
+                        <a:latin typeface="Cambria Math" panose="02040503050406030204" pitchFamily="18" charset="0"/>
+                      </a:rPr>
+                      <m:t>𝐴</m:t>
+                    </m:r>
+                    <m:r>
+                      <a:rPr lang="it-IT" b="0" i="1" smtClean="0">
+                        <a:latin typeface="Cambria Math" panose="02040503050406030204" pitchFamily="18" charset="0"/>
+                      </a:rPr>
+                      <m:t>= </m:t>
+                    </m:r>
+                    <m:f>
+                      <m:fPr>
+                        <m:ctrlPr>
+                          <a:rPr lang="it-IT" b="0" i="1" smtClean="0">
+                            <a:latin typeface="Cambria Math" panose="02040503050406030204" pitchFamily="18" charset="0"/>
+                          </a:rPr>
+                        </m:ctrlPr>
+                      </m:fPr>
+                      <m:num>
+                        <m:r>
+                          <a:rPr lang="it-IT" b="0" i="1" smtClean="0">
+                            <a:latin typeface="Cambria Math" panose="02040503050406030204" pitchFamily="18" charset="0"/>
+                          </a:rPr>
+                          <m:t>𝜕</m:t>
+                        </m:r>
+                        <m:r>
+                          <a:rPr lang="it-IT" b="0" i="1" smtClean="0">
+                            <a:latin typeface="Cambria Math" panose="02040503050406030204" pitchFamily="18" charset="0"/>
+                          </a:rPr>
+                          <m:t>𝑓</m:t>
+                        </m:r>
+                      </m:num>
+                      <m:den>
+                        <m:r>
+                          <a:rPr lang="it-IT" b="0" i="1" smtClean="0">
+                            <a:latin typeface="Cambria Math" panose="02040503050406030204" pitchFamily="18" charset="0"/>
+                          </a:rPr>
+                          <m:t>𝜕</m:t>
+                        </m:r>
+                        <m:r>
+                          <a:rPr lang="it-IT" b="0" i="1" smtClean="0">
+                            <a:latin typeface="Cambria Math" panose="02040503050406030204" pitchFamily="18" charset="0"/>
+                          </a:rPr>
+                          <m:t>𝑥</m:t>
+                        </m:r>
+                      </m:den>
+                    </m:f>
+                    <m:r>
+                      <a:rPr lang="it-IT" b="0" i="1" smtClean="0">
+                        <a:latin typeface="Cambria Math" panose="02040503050406030204" pitchFamily="18" charset="0"/>
+                      </a:rPr>
+                      <m:t>(</m:t>
+                    </m:r>
+                    <m:acc>
+                      <m:accPr>
+                        <m:chr m:val="̂"/>
+                        <m:ctrlPr>
+                          <a:rPr lang="it-IT" b="0" i="1" smtClean="0">
+                            <a:latin typeface="Cambria Math" panose="02040503050406030204" pitchFamily="18" charset="0"/>
+                          </a:rPr>
+                        </m:ctrlPr>
+                      </m:accPr>
+                      <m:e>
+                        <m:r>
+                          <a:rPr lang="it-IT" b="0" i="1" smtClean="0">
+                            <a:latin typeface="Cambria Math" panose="02040503050406030204" pitchFamily="18" charset="0"/>
+                          </a:rPr>
+                          <m:t>𝑥</m:t>
+                        </m:r>
+                      </m:e>
+                    </m:acc>
+                    <m:r>
+                      <a:rPr lang="it-IT" b="0" i="1" smtClean="0">
+                        <a:latin typeface="Cambria Math" panose="02040503050406030204" pitchFamily="18" charset="0"/>
+                      </a:rPr>
+                      <m:t>)</m:t>
+                    </m:r>
+                  </m:oMath>
+                </a14:m>
+                <a:endParaRPr lang="it-IT" dirty="0"/>
+              </a:p>
+              <a:p>
+                <a:pPr marL="514350" indent="-514350">
+                  <a:buFont typeface="+mj-lt"/>
+                  <a:buAutoNum type="arabicPeriod"/>
+                </a:pPr>
+                <a:r>
+                  <a:rPr lang="it-IT" dirty="0"/>
+                  <a:t>Update Kalman gain</a:t>
+                </a:r>
+              </a:p>
+              <a:p>
+                <a:pPr marL="514350" indent="-514350">
+                  <a:buFont typeface="+mj-lt"/>
+                  <a:buAutoNum type="arabicPeriod"/>
+                </a:pPr>
+                <a:r>
+                  <a:rPr lang="it-IT" dirty="0"/>
+                  <a:t>Update prediction</a:t>
+                </a:r>
+                <a:br>
+                  <a:rPr lang="it-IT" dirty="0"/>
+                </a:br>
+                <a14:m>
+                  <m:oMath xmlns:m="http://schemas.openxmlformats.org/officeDocument/2006/math">
+                    <m:sSub>
+                      <m:sSubPr>
+                        <m:ctrlPr>
+                          <a:rPr lang="it-IT" b="0" i="1" smtClean="0">
+                            <a:latin typeface="Cambria Math" panose="02040503050406030204" pitchFamily="18" charset="0"/>
+                          </a:rPr>
+                        </m:ctrlPr>
+                      </m:sSubPr>
+                      <m:e>
+                        <m:r>
+                          <a:rPr lang="it-IT" b="0" i="1" smtClean="0">
+                            <a:latin typeface="Cambria Math" panose="02040503050406030204" pitchFamily="18" charset="0"/>
+                          </a:rPr>
+                          <m:t>𝑥</m:t>
+                        </m:r>
+                      </m:e>
+                      <m:sub>
+                        <m:r>
+                          <a:rPr lang="it-IT" b="0" i="1" smtClean="0">
+                            <a:latin typeface="Cambria Math" panose="02040503050406030204" pitchFamily="18" charset="0"/>
+                          </a:rPr>
+                          <m:t>𝑘</m:t>
+                        </m:r>
+                        <m:r>
+                          <a:rPr lang="it-IT" b="0" i="1" smtClean="0">
+                            <a:latin typeface="Cambria Math" panose="02040503050406030204" pitchFamily="18" charset="0"/>
+                          </a:rPr>
+                          <m:t>+1|</m:t>
+                        </m:r>
+                        <m:r>
+                          <a:rPr lang="it-IT" b="0" i="1" smtClean="0">
+                            <a:latin typeface="Cambria Math" panose="02040503050406030204" pitchFamily="18" charset="0"/>
+                          </a:rPr>
+                          <m:t>𝑘</m:t>
+                        </m:r>
+                        <m:r>
+                          <a:rPr lang="it-IT" b="0" i="1" smtClean="0">
+                            <a:latin typeface="Cambria Math" panose="02040503050406030204" pitchFamily="18" charset="0"/>
+                          </a:rPr>
+                          <m:t>+1</m:t>
+                        </m:r>
+                      </m:sub>
+                    </m:sSub>
+                    <m:r>
+                      <a:rPr lang="it-IT" b="0" i="1" smtClean="0">
+                        <a:latin typeface="Cambria Math" panose="02040503050406030204" pitchFamily="18" charset="0"/>
+                      </a:rPr>
+                      <m:t>=</m:t>
+                    </m:r>
+                    <m:sSub>
+                      <m:sSubPr>
+                        <m:ctrlPr>
+                          <a:rPr lang="it-IT" b="0" i="1" smtClean="0">
+                            <a:latin typeface="Cambria Math" panose="02040503050406030204" pitchFamily="18" charset="0"/>
+                          </a:rPr>
+                        </m:ctrlPr>
+                      </m:sSubPr>
+                      <m:e>
+                        <m:r>
+                          <a:rPr lang="it-IT" b="0" i="1" smtClean="0">
+                            <a:latin typeface="Cambria Math" panose="02040503050406030204" pitchFamily="18" charset="0"/>
+                          </a:rPr>
+                          <m:t>𝑥</m:t>
+                        </m:r>
+                      </m:e>
+                      <m:sub>
+                        <m:r>
+                          <a:rPr lang="it-IT" b="0" i="1" smtClean="0">
+                            <a:latin typeface="Cambria Math" panose="02040503050406030204" pitchFamily="18" charset="0"/>
+                          </a:rPr>
+                          <m:t>𝑘</m:t>
+                        </m:r>
+                        <m:r>
+                          <a:rPr lang="it-IT" b="0" i="1" smtClean="0">
+                            <a:latin typeface="Cambria Math" panose="02040503050406030204" pitchFamily="18" charset="0"/>
+                          </a:rPr>
+                          <m:t>+1</m:t>
+                        </m:r>
+                      </m:sub>
+                    </m:sSub>
+                    <m:r>
+                      <a:rPr lang="it-IT" b="0" i="1" smtClean="0">
+                        <a:latin typeface="Cambria Math" panose="02040503050406030204" pitchFamily="18" charset="0"/>
+                      </a:rPr>
+                      <m:t>+</m:t>
+                    </m:r>
+                    <m:r>
+                      <a:rPr lang="it-IT" b="0" i="1" smtClean="0">
+                        <a:latin typeface="Cambria Math" panose="02040503050406030204" pitchFamily="18" charset="0"/>
+                      </a:rPr>
+                      <m:t>𝐾</m:t>
+                    </m:r>
+                    <m:r>
+                      <a:rPr lang="it-IT" b="0" i="1" smtClean="0">
+                        <a:latin typeface="Cambria Math" panose="02040503050406030204" pitchFamily="18" charset="0"/>
+                      </a:rPr>
+                      <m:t>(</m:t>
+                    </m:r>
+                    <m:sSub>
+                      <m:sSubPr>
+                        <m:ctrlPr>
+                          <a:rPr lang="it-IT" b="0" i="1" smtClean="0">
+                            <a:latin typeface="Cambria Math" panose="02040503050406030204" pitchFamily="18" charset="0"/>
+                          </a:rPr>
+                        </m:ctrlPr>
+                      </m:sSubPr>
+                      <m:e>
+                        <m:r>
+                          <a:rPr lang="it-IT" b="0" i="1" smtClean="0">
+                            <a:latin typeface="Cambria Math" panose="02040503050406030204" pitchFamily="18" charset="0"/>
+                          </a:rPr>
+                          <m:t>𝑦</m:t>
+                        </m:r>
+                      </m:e>
+                      <m:sub>
+                        <m:r>
+                          <a:rPr lang="it-IT" b="0" i="1" smtClean="0">
+                            <a:latin typeface="Cambria Math" panose="02040503050406030204" pitchFamily="18" charset="0"/>
+                          </a:rPr>
+                          <m:t>𝑚𝑒𝑎𝑠</m:t>
+                        </m:r>
+                      </m:sub>
+                    </m:sSub>
+                    <m:r>
+                      <a:rPr lang="it-IT" b="0" i="1" smtClean="0">
+                        <a:latin typeface="Cambria Math" panose="02040503050406030204" pitchFamily="18" charset="0"/>
+                      </a:rPr>
+                      <m:t>−</m:t>
+                    </m:r>
+                    <m:sSub>
+                      <m:sSubPr>
+                        <m:ctrlPr>
+                          <a:rPr lang="it-IT" b="0" i="1" smtClean="0">
+                            <a:latin typeface="Cambria Math" panose="02040503050406030204" pitchFamily="18" charset="0"/>
+                          </a:rPr>
+                        </m:ctrlPr>
+                      </m:sSubPr>
+                      <m:e>
+                        <m:r>
+                          <a:rPr lang="it-IT" b="0" i="1" smtClean="0">
+                            <a:latin typeface="Cambria Math" panose="02040503050406030204" pitchFamily="18" charset="0"/>
+                          </a:rPr>
+                          <m:t>𝑦</m:t>
+                        </m:r>
+                      </m:e>
+                      <m:sub>
+                        <m:r>
+                          <a:rPr lang="it-IT" b="0" i="1" smtClean="0">
+                            <a:latin typeface="Cambria Math" panose="02040503050406030204" pitchFamily="18" charset="0"/>
+                          </a:rPr>
+                          <m:t>𝑘</m:t>
+                        </m:r>
+                        <m:r>
+                          <a:rPr lang="it-IT" b="0" i="1" smtClean="0">
+                            <a:latin typeface="Cambria Math" panose="02040503050406030204" pitchFamily="18" charset="0"/>
+                          </a:rPr>
+                          <m:t>+1</m:t>
+                        </m:r>
+                      </m:sub>
+                    </m:sSub>
+                    <m:r>
+                      <a:rPr lang="it-IT" b="0" i="1" smtClean="0">
+                        <a:latin typeface="Cambria Math" panose="02040503050406030204" pitchFamily="18" charset="0"/>
+                      </a:rPr>
+                      <m:t>)</m:t>
+                    </m:r>
+                  </m:oMath>
+                </a14:m>
+                <a:endParaRPr lang="it-IT" dirty="0"/>
+              </a:p>
+              <a:p>
+                <a:pPr marL="514350" indent="-514350">
+                  <a:buFont typeface="+mj-lt"/>
+                  <a:buAutoNum type="arabicPeriod"/>
+                </a:pPr>
+                <a:endParaRPr lang="it-IT" dirty="0"/>
+              </a:p>
+            </p:txBody>
+          </p:sp>
+        </mc:Choice>
+        <mc:Fallback xmlns="">
+          <p:sp>
+            <p:nvSpPr>
+              <p:cNvPr id="3" name="Text Placeholder 2"/>
+              <p:cNvSpPr>
+                <a:spLocks noGrp="1" noRot="1" noChangeAspect="1" noMove="1" noResize="1" noEditPoints="1" noAdjustHandles="1" noChangeArrowheads="1" noChangeShapeType="1" noTextEdit="1"/>
+              </p:cNvSpPr>
+              <p:nvPr>
+                <p:ph type="body" sz="quarter" idx="11"/>
+              </p:nvPr>
+            </p:nvSpPr>
+            <p:spPr>
+              <a:blipFill>
+                <a:blip r:embed="rId3"/>
+                <a:stretch>
+                  <a:fillRect l="-2332" t="-1510"/>
+                </a:stretch>
+              </a:blipFill>
+            </p:spPr>
+            <p:txBody>
+              <a:bodyPr/>
+              <a:lstStyle/>
+              <a:p>
+                <a:r>
+                  <a:rPr lang="it-IT">
+                    <a:noFill/>
+                  </a:rPr>
+                  <a:t> </a:t>
+                </a:r>
+              </a:p>
+            </p:txBody>
+          </p:sp>
+        </mc:Fallback>
+      </mc:AlternateContent>
+    </p:spTree>
+    <p:extLst>
+      <p:ext uri="{BB962C8B-B14F-4D97-AF65-F5344CB8AC3E}">
+        <p14:creationId xmlns:p14="http://schemas.microsoft.com/office/powerpoint/2010/main" val="3582814163"/>
+      </p:ext>
+    </p:extLst>
+  </p:cSld>
+  <p:clrMapOvr>
+    <a:masterClrMapping/>
+  </p:clrMapOvr>
+</p:sld>
+</file>
+
+<file path=ppt/slides/slide24.xml><?xml version="1.0" encoding="utf-8"?>
+<p:sld xmlns:a="http://schemas.openxmlformats.org/drawingml/2006/main" xmlns:r="http://schemas.openxmlformats.org/officeDocument/2006/relationships" xmlns:p="http://schemas.openxmlformats.org/presentationml/2006/main">
+  <p:cSld>
+    <p:spTree>
+      <p:nvGrpSpPr>
+        <p:cNvPr id="1" name=""/>
+        <p:cNvGrpSpPr/>
+        <p:nvPr/>
+      </p:nvGrpSpPr>
+      <p:grpSpPr>
+        <a:xfrm>
+          <a:off x="0" y="0"/>
+          <a:ext cx="0" cy="0"/>
+          <a:chOff x="0" y="0"/>
+          <a:chExt cx="0" cy="0"/>
+        </a:xfrm>
+      </p:grpSpPr>
+      <p:sp>
+        <p:nvSpPr>
+          <p:cNvPr id="2" name="Text Placeholder 1"/>
+          <p:cNvSpPr>
+            <a:spLocks noGrp="1"/>
+          </p:cNvSpPr>
+          <p:nvPr>
+            <p:ph type="body" sz="quarter" idx="10"/>
+          </p:nvPr>
+        </p:nvSpPr>
+        <p:spPr/>
+        <p:txBody>
+          <a:bodyPr/>
+          <a:lstStyle/>
+          <a:p>
+            <a:r>
+              <a:rPr lang="it-IT" dirty="0"/>
+              <a:t>EKF</a:t>
+            </a:r>
+          </a:p>
+        </p:txBody>
+      </p:sp>
+      <p:pic>
+        <p:nvPicPr>
+          <p:cNvPr id="4" name="Picture 3"/>
+          <p:cNvPicPr>
+            <a:picLocks noChangeAspect="1"/>
+          </p:cNvPicPr>
+          <p:nvPr/>
+        </p:nvPicPr>
+        <p:blipFill>
+          <a:blip r:embed="rId3" cstate="email">
+            <a:extLst>
+              <a:ext uri="{28A0092B-C50C-407E-A947-70E740481C1C}">
+                <a14:useLocalDpi xmlns:a14="http://schemas.microsoft.com/office/drawing/2010/main" val="0"/>
+              </a:ext>
+            </a:extLst>
+          </a:blip>
+          <a:stretch>
+            <a:fillRect/>
+          </a:stretch>
+        </p:blipFill>
+        <p:spPr>
+          <a:xfrm>
+            <a:off x="0" y="2709471"/>
+            <a:ext cx="9144000" cy="3618053"/>
+          </a:xfrm>
+          <a:prstGeom prst="rect">
+            <a:avLst/>
+          </a:prstGeom>
+        </p:spPr>
+      </p:pic>
+      <p:sp>
+        <p:nvSpPr>
+          <p:cNvPr id="5" name="TextBox 4"/>
+          <p:cNvSpPr txBox="1"/>
+          <p:nvPr/>
+        </p:nvSpPr>
+        <p:spPr>
+          <a:xfrm>
+            <a:off x="311285" y="1231208"/>
+            <a:ext cx="8521430" cy="1200329"/>
+          </a:xfrm>
+          <a:prstGeom prst="rect">
+            <a:avLst/>
+          </a:prstGeom>
+          <a:noFill/>
+        </p:spPr>
+        <p:txBody>
+          <a:bodyPr wrap="square" rtlCol="0">
+            <a:spAutoFit/>
+          </a:bodyPr>
+          <a:lstStyle/>
+          <a:p>
+            <a:pPr marL="342900" indent="-342900">
+              <a:buFont typeface="+mj-lt"/>
+              <a:buAutoNum type="arabicPeriod"/>
+            </a:pPr>
+            <a:r>
+              <a:rPr lang="it-IT" sz="2400" dirty="0">
+                <a:solidFill>
+                  <a:schemeClr val="tx2"/>
+                </a:solidFill>
+                <a:latin typeface="+mn-lt"/>
+              </a:rPr>
+              <a:t>Simulink simulation</a:t>
+            </a:r>
+          </a:p>
+          <a:p>
+            <a:pPr marL="342900" indent="-342900">
+              <a:buFont typeface="+mj-lt"/>
+              <a:buAutoNum type="arabicPeriod"/>
+            </a:pPr>
+            <a:r>
+              <a:rPr lang="it-IT" sz="2400" dirty="0">
+                <a:solidFill>
+                  <a:schemeClr val="tx2"/>
+                </a:solidFill>
+                <a:latin typeface="+mn-lt"/>
+              </a:rPr>
+              <a:t>Porting onto Arduino</a:t>
+            </a:r>
+          </a:p>
+          <a:p>
+            <a:pPr marL="342900" indent="-342900">
+              <a:buFont typeface="+mj-lt"/>
+              <a:buAutoNum type="arabicPeriod"/>
+            </a:pPr>
+            <a:r>
+              <a:rPr lang="it-IT" sz="2400" dirty="0">
+                <a:solidFill>
+                  <a:schemeClr val="tx2"/>
+                </a:solidFill>
+                <a:latin typeface="+mn-lt"/>
+              </a:rPr>
+              <a:t>Validation of results </a:t>
+            </a:r>
+          </a:p>
+        </p:txBody>
+      </p:sp>
+    </p:spTree>
+    <p:extLst>
+      <p:ext uri="{BB962C8B-B14F-4D97-AF65-F5344CB8AC3E}">
+        <p14:creationId xmlns:p14="http://schemas.microsoft.com/office/powerpoint/2010/main" val="943629033"/>
+      </p:ext>
+    </p:extLst>
+  </p:cSld>
+  <p:clrMapOvr>
+    <a:masterClrMapping/>
+  </p:clrMapOvr>
+</p:sld>
+</file>
+
+<file path=ppt/slides/slide25.xml><?xml version="1.0" encoding="utf-8"?>
+<p:sld xmlns:a="http://schemas.openxmlformats.org/drawingml/2006/main" xmlns:r="http://schemas.openxmlformats.org/officeDocument/2006/relationships" xmlns:p="http://schemas.openxmlformats.org/presentationml/2006/main">
+  <p:cSld>
+    <p:spTree>
+      <p:nvGrpSpPr>
+        <p:cNvPr id="1" name=""/>
+        <p:cNvGrpSpPr/>
+        <p:nvPr/>
+      </p:nvGrpSpPr>
+      <p:grpSpPr>
+        <a:xfrm>
+          <a:off x="0" y="0"/>
+          <a:ext cx="0" cy="0"/>
+          <a:chOff x="0" y="0"/>
+          <a:chExt cx="0" cy="0"/>
+        </a:xfrm>
+      </p:grpSpPr>
+      <p:sp>
+        <p:nvSpPr>
+          <p:cNvPr id="2" name="Text Placeholder 1"/>
+          <p:cNvSpPr>
+            <a:spLocks noGrp="1"/>
+          </p:cNvSpPr>
+          <p:nvPr>
+            <p:ph type="body" sz="quarter" idx="10"/>
+          </p:nvPr>
+        </p:nvSpPr>
+        <p:spPr/>
+        <p:txBody>
+          <a:bodyPr/>
+          <a:lstStyle/>
+          <a:p>
+            <a:r>
+              <a:rPr lang="it-IT" dirty="0"/>
+              <a:t>EKF</a:t>
+            </a:r>
+          </a:p>
+        </p:txBody>
+      </p:sp>
+      <p:pic>
+        <p:nvPicPr>
+          <p:cNvPr id="4" name="Picture 3"/>
+          <p:cNvPicPr>
+            <a:picLocks noChangeAspect="1"/>
+          </p:cNvPicPr>
+          <p:nvPr/>
+        </p:nvPicPr>
+        <p:blipFill>
+          <a:blip r:embed="rId2">
+            <a:extLst>
+              <a:ext uri="{28A0092B-C50C-407E-A947-70E740481C1C}">
+                <a14:useLocalDpi xmlns:a14="http://schemas.microsoft.com/office/drawing/2010/main" val="0"/>
+              </a:ext>
+            </a:extLst>
+          </a:blip>
+          <a:stretch>
+            <a:fillRect/>
+          </a:stretch>
+        </p:blipFill>
+        <p:spPr>
+          <a:xfrm>
+            <a:off x="985330" y="996781"/>
+            <a:ext cx="7244269" cy="5433202"/>
+          </a:xfrm>
+          <a:prstGeom prst="rect">
+            <a:avLst/>
+          </a:prstGeom>
+        </p:spPr>
+      </p:pic>
+    </p:spTree>
+    <p:extLst>
+      <p:ext uri="{BB962C8B-B14F-4D97-AF65-F5344CB8AC3E}">
+        <p14:creationId xmlns:p14="http://schemas.microsoft.com/office/powerpoint/2010/main" val="1439244154"/>
+      </p:ext>
+    </p:extLst>
+  </p:cSld>
+  <p:clrMapOvr>
+    <a:masterClrMapping/>
+  </p:clrMapOvr>
+</p:sld>
+</file>
+
+<file path=ppt/slides/slide3.xml><?xml version="1.0" encoding="utf-8"?>
+<p:sld xmlns:a="http://schemas.openxmlformats.org/drawingml/2006/main" xmlns:r="http://schemas.openxmlformats.org/officeDocument/2006/relationships" xmlns:p="http://schemas.openxmlformats.org/presentationml/2006/main">
+  <p:cSld>
+    <p:spTree>
+      <p:nvGrpSpPr>
+        <p:cNvPr id="1" name=""/>
+        <p:cNvGrpSpPr/>
+        <p:nvPr/>
+      </p:nvGrpSpPr>
+      <p:grpSpPr>
+        <a:xfrm>
+          <a:off x="0" y="0"/>
+          <a:ext cx="0" cy="0"/>
+          <a:chOff x="0" y="0"/>
+          <a:chExt cx="0" cy="0"/>
+        </a:xfrm>
+      </p:grpSpPr>
+      <p:sp>
+        <p:nvSpPr>
+          <p:cNvPr id="2" name="Text Placeholder 1"/>
+          <p:cNvSpPr>
+            <a:spLocks noGrp="1"/>
+          </p:cNvSpPr>
+          <p:nvPr>
+            <p:ph type="body" sz="quarter" idx="10"/>
+          </p:nvPr>
+        </p:nvSpPr>
+        <p:spPr/>
+        <p:txBody>
+          <a:bodyPr/>
+          <a:lstStyle/>
+          <a:p>
+            <a:r>
+              <a:rPr lang="it-IT" dirty="0"/>
+              <a:t>Loopshaping</a:t>
+            </a:r>
+          </a:p>
+        </p:txBody>
+      </p:sp>
+      <p:pic>
+        <p:nvPicPr>
+          <p:cNvPr id="4" name="Picture 3"/>
+          <p:cNvPicPr>
+            <a:picLocks noChangeAspect="1"/>
+          </p:cNvPicPr>
+          <p:nvPr/>
+        </p:nvPicPr>
+        <p:blipFill>
+          <a:blip r:embed="rId2" cstate="email">
+            <a:extLst>
+              <a:ext uri="{28A0092B-C50C-407E-A947-70E740481C1C}">
+                <a14:useLocalDpi xmlns:a14="http://schemas.microsoft.com/office/drawing/2010/main" val="0"/>
+              </a:ext>
+            </a:extLst>
+          </a:blip>
+          <a:stretch>
+            <a:fillRect/>
+          </a:stretch>
+        </p:blipFill>
+        <p:spPr>
+          <a:xfrm>
+            <a:off x="0" y="831836"/>
+            <a:ext cx="9144000" cy="3190430"/>
+          </a:xfrm>
+          <a:prstGeom prst="rect">
+            <a:avLst/>
+          </a:prstGeom>
+        </p:spPr>
+      </p:pic>
+      <mc:AlternateContent xmlns:mc="http://schemas.openxmlformats.org/markup-compatibility/2006" xmlns:a14="http://schemas.microsoft.com/office/drawing/2010/main">
+        <mc:Choice Requires="a14">
+          <p:sp>
+            <p:nvSpPr>
+              <p:cNvPr id="5" name="TextBox 4"/>
+              <p:cNvSpPr txBox="1"/>
+              <p:nvPr/>
+            </p:nvSpPr>
+            <p:spPr>
+              <a:xfrm>
+                <a:off x="2146811" y="4627085"/>
+                <a:ext cx="4850378" cy="898516"/>
+              </a:xfrm>
+              <a:prstGeom prst="rect">
+                <a:avLst/>
+              </a:prstGeom>
+              <a:noFill/>
+            </p:spPr>
+            <p:txBody>
+              <a:bodyPr wrap="square" lIns="0" tIns="0" rIns="0" bIns="0" rtlCol="0">
+                <a:spAutoFit/>
+              </a:bodyPr>
+              <a:lstStyle/>
+              <a:p>
+                <a:pPr/>
+                <a14:m>
+                  <m:oMathPara xmlns:m="http://schemas.openxmlformats.org/officeDocument/2006/math">
+                    <m:oMathParaPr>
+                      <m:jc m:val="centerGroup"/>
+                    </m:oMathParaPr>
+                    <m:oMath xmlns:m="http://schemas.openxmlformats.org/officeDocument/2006/math">
+                      <m:r>
+                        <a:rPr lang="it-IT" sz="2800" b="0" i="1" smtClean="0">
+                          <a:latin typeface="Cambria Math" panose="02040503050406030204" pitchFamily="18" charset="0"/>
+                        </a:rPr>
+                        <m:t>𝑅</m:t>
+                      </m:r>
+                      <m:d>
+                        <m:dPr>
+                          <m:ctrlPr>
+                            <a:rPr lang="it-IT" sz="2800" b="0" i="1" smtClean="0">
+                              <a:latin typeface="Cambria Math" panose="02040503050406030204" pitchFamily="18" charset="0"/>
+                            </a:rPr>
+                          </m:ctrlPr>
+                        </m:dPr>
+                        <m:e>
+                          <m:r>
+                            <a:rPr lang="it-IT" sz="2800" b="0" i="1" smtClean="0">
+                              <a:latin typeface="Cambria Math" panose="02040503050406030204" pitchFamily="18" charset="0"/>
+                            </a:rPr>
+                            <m:t>𝑠</m:t>
+                          </m:r>
+                        </m:e>
+                      </m:d>
+                      <m:r>
+                        <a:rPr lang="it-IT" sz="2800" b="0" i="1" smtClean="0">
+                          <a:latin typeface="Cambria Math" panose="02040503050406030204" pitchFamily="18" charset="0"/>
+                        </a:rPr>
+                        <m:t>=</m:t>
+                      </m:r>
+                      <m:sSub>
+                        <m:sSubPr>
+                          <m:ctrlPr>
+                            <a:rPr lang="it-IT" sz="2800" b="0" i="1" smtClean="0">
+                              <a:latin typeface="Cambria Math" panose="02040503050406030204" pitchFamily="18" charset="0"/>
+                            </a:rPr>
+                          </m:ctrlPr>
+                        </m:sSubPr>
+                        <m:e>
+                          <m:r>
+                            <a:rPr lang="it-IT" sz="2800" b="0" i="1" smtClean="0">
+                              <a:latin typeface="Cambria Math" panose="02040503050406030204" pitchFamily="18" charset="0"/>
+                            </a:rPr>
+                            <m:t>𝐾</m:t>
+                          </m:r>
+                        </m:e>
+                        <m:sub>
+                          <m:r>
+                            <a:rPr lang="it-IT" sz="2800" b="0" i="1" smtClean="0">
+                              <a:latin typeface="Cambria Math" panose="02040503050406030204" pitchFamily="18" charset="0"/>
+                            </a:rPr>
+                            <m:t>𝑅</m:t>
+                          </m:r>
+                        </m:sub>
+                      </m:sSub>
+                      <m:f>
+                        <m:fPr>
+                          <m:ctrlPr>
+                            <a:rPr lang="it-IT" sz="2800" b="0" i="1" smtClean="0">
+                              <a:latin typeface="Cambria Math" panose="02040503050406030204" pitchFamily="18" charset="0"/>
+                            </a:rPr>
+                          </m:ctrlPr>
+                        </m:fPr>
+                        <m:num>
+                          <m:r>
+                            <a:rPr lang="it-IT" sz="2800" b="0" i="1" smtClean="0">
+                              <a:latin typeface="Cambria Math" panose="02040503050406030204" pitchFamily="18" charset="0"/>
+                            </a:rPr>
+                            <m:t>(</m:t>
+                          </m:r>
+                          <m:r>
+                            <a:rPr lang="it-IT" sz="2800" b="0" i="1" smtClean="0">
+                              <a:latin typeface="Cambria Math" panose="02040503050406030204" pitchFamily="18" charset="0"/>
+                            </a:rPr>
+                            <m:t>𝑠</m:t>
+                          </m:r>
+                          <m:r>
+                            <a:rPr lang="it-IT" sz="2800" b="0" i="1" smtClean="0">
+                              <a:latin typeface="Cambria Math" panose="02040503050406030204" pitchFamily="18" charset="0"/>
+                            </a:rPr>
+                            <m:t>+</m:t>
+                          </m:r>
+                          <m:r>
+                            <a:rPr lang="it-IT" sz="2800" b="0" i="1" smtClean="0">
+                              <a:latin typeface="Cambria Math" panose="02040503050406030204" pitchFamily="18" charset="0"/>
+                            </a:rPr>
+                            <m:t>𝑧</m:t>
+                          </m:r>
+                          <m:r>
+                            <a:rPr lang="it-IT" sz="2800" b="0" i="1" smtClean="0">
+                              <a:latin typeface="Cambria Math" panose="02040503050406030204" pitchFamily="18" charset="0"/>
+                            </a:rPr>
+                            <m:t>)(</m:t>
+                          </m:r>
+                          <m:r>
+                            <a:rPr lang="it-IT" sz="2800" b="0" i="1" smtClean="0">
+                              <a:latin typeface="Cambria Math" panose="02040503050406030204" pitchFamily="18" charset="0"/>
+                            </a:rPr>
+                            <m:t>𝑠</m:t>
+                          </m:r>
+                          <m:r>
+                            <a:rPr lang="it-IT" sz="2800" b="0" i="1" smtClean="0">
+                              <a:latin typeface="Cambria Math" panose="02040503050406030204" pitchFamily="18" charset="0"/>
+                            </a:rPr>
+                            <m:t>+</m:t>
+                          </m:r>
+                          <m:sSup>
+                            <m:sSupPr>
+                              <m:ctrlPr>
+                                <a:rPr lang="it-IT" sz="2800" b="0" i="1" smtClean="0">
+                                  <a:latin typeface="Cambria Math" panose="02040503050406030204" pitchFamily="18" charset="0"/>
+                                </a:rPr>
+                              </m:ctrlPr>
+                            </m:sSupPr>
+                            <m:e>
+                              <m:r>
+                                <a:rPr lang="it-IT" sz="2800" b="0" i="1" smtClean="0">
+                                  <a:latin typeface="Cambria Math" panose="02040503050406030204" pitchFamily="18" charset="0"/>
+                                </a:rPr>
+                                <m:t>𝑧</m:t>
+                              </m:r>
+                            </m:e>
+                            <m:sup>
+                              <m:r>
+                                <a:rPr lang="it-IT" sz="2800" b="0" i="1" smtClean="0">
+                                  <a:latin typeface="Cambria Math" panose="02040503050406030204" pitchFamily="18" charset="0"/>
+                                </a:rPr>
+                                <m:t>∗</m:t>
+                              </m:r>
+                            </m:sup>
+                          </m:sSup>
+                          <m:r>
+                            <a:rPr lang="it-IT" sz="2800" b="0" i="1" smtClean="0">
+                              <a:latin typeface="Cambria Math" panose="02040503050406030204" pitchFamily="18" charset="0"/>
+                            </a:rPr>
+                            <m:t>)</m:t>
+                          </m:r>
+                        </m:num>
+                        <m:den>
+                          <m:r>
+                            <a:rPr lang="it-IT" sz="2800" b="0" i="1" smtClean="0">
+                              <a:latin typeface="Cambria Math" panose="02040503050406030204" pitchFamily="18" charset="0"/>
+                            </a:rPr>
+                            <m:t>𝑠</m:t>
+                          </m:r>
+                          <m:r>
+                            <a:rPr lang="it-IT" sz="2800" b="0" i="1" smtClean="0">
+                              <a:latin typeface="Cambria Math" panose="02040503050406030204" pitchFamily="18" charset="0"/>
+                            </a:rPr>
+                            <m:t> (</m:t>
+                          </m:r>
+                          <m:r>
+                            <a:rPr lang="it-IT" sz="2800" b="0" i="1" smtClean="0">
+                              <a:latin typeface="Cambria Math" panose="02040503050406030204" pitchFamily="18" charset="0"/>
+                            </a:rPr>
+                            <m:t>𝑠</m:t>
+                          </m:r>
+                          <m:r>
+                            <a:rPr lang="it-IT" sz="2800" b="0" i="1" smtClean="0">
+                              <a:latin typeface="Cambria Math" panose="02040503050406030204" pitchFamily="18" charset="0"/>
+                            </a:rPr>
+                            <m:t>+</m:t>
+                          </m:r>
+                          <m:sSub>
+                            <m:sSubPr>
+                              <m:ctrlPr>
+                                <a:rPr lang="it-IT" sz="2800" b="0" i="1" smtClean="0">
+                                  <a:latin typeface="Cambria Math" panose="02040503050406030204" pitchFamily="18" charset="0"/>
+                                </a:rPr>
+                              </m:ctrlPr>
+                            </m:sSubPr>
+                            <m:e>
+                              <m:r>
+                                <a:rPr lang="it-IT" sz="2800" b="0" i="1" smtClean="0">
+                                  <a:latin typeface="Cambria Math" panose="02040503050406030204" pitchFamily="18" charset="0"/>
+                                </a:rPr>
+                                <m:t>𝑝</m:t>
+                              </m:r>
+                            </m:e>
+                            <m:sub>
+                              <m:r>
+                                <a:rPr lang="it-IT" sz="2800" b="0" i="1" smtClean="0">
+                                  <a:latin typeface="Cambria Math" panose="02040503050406030204" pitchFamily="18" charset="0"/>
+                                </a:rPr>
+                                <m:t>𝐻𝐹</m:t>
+                              </m:r>
+                            </m:sub>
+                          </m:sSub>
+                          <m:r>
+                            <a:rPr lang="it-IT" sz="2800" b="0" i="1" smtClean="0">
+                              <a:latin typeface="Cambria Math" panose="02040503050406030204" pitchFamily="18" charset="0"/>
+                            </a:rPr>
+                            <m:t>)</m:t>
+                          </m:r>
+                        </m:den>
+                      </m:f>
+                    </m:oMath>
+                  </m:oMathPara>
+                </a14:m>
+                <a:endParaRPr lang="it-IT" sz="2800" dirty="0"/>
+              </a:p>
+            </p:txBody>
+          </p:sp>
+        </mc:Choice>
+        <mc:Fallback xmlns="">
+          <p:sp>
+            <p:nvSpPr>
+              <p:cNvPr id="5" name="TextBox 4"/>
+              <p:cNvSpPr txBox="1">
+                <a:spLocks noRot="1" noChangeAspect="1" noMove="1" noResize="1" noEditPoints="1" noAdjustHandles="1" noChangeArrowheads="1" noChangeShapeType="1" noTextEdit="1"/>
+              </p:cNvSpPr>
+              <p:nvPr/>
+            </p:nvSpPr>
+            <p:spPr>
+              <a:xfrm>
+                <a:off x="2146811" y="4627085"/>
+                <a:ext cx="4850378" cy="898516"/>
+              </a:xfrm>
+              <a:prstGeom prst="rect">
+                <a:avLst/>
+              </a:prstGeom>
+              <a:blipFill>
+                <a:blip r:embed="rId3"/>
+                <a:stretch>
+                  <a:fillRect/>
+                </a:stretch>
+              </a:blipFill>
+            </p:spPr>
+            <p:txBody>
+              <a:bodyPr/>
+              <a:lstStyle/>
+              <a:p>
+                <a:r>
+                  <a:rPr lang="it-IT">
+                    <a:noFill/>
+                  </a:rPr>
+                  <a:t> </a:t>
+                </a:r>
+              </a:p>
+            </p:txBody>
+          </p:sp>
+        </mc:Fallback>
+      </mc:AlternateContent>
+      <p:sp>
+        <p:nvSpPr>
+          <p:cNvPr id="6" name="Left Brace 5"/>
+          <p:cNvSpPr/>
+          <p:nvPr/>
+        </p:nvSpPr>
+        <p:spPr>
+          <a:xfrm rot="5400000">
+            <a:off x="5274398" y="3387238"/>
+            <a:ext cx="248905" cy="2237362"/>
+          </a:xfrm>
+          <a:prstGeom prst="leftBrace">
+            <a:avLst/>
+          </a:prstGeom>
+          <a:ln>
+            <a:solidFill>
+              <a:srgbClr val="FF0000"/>
+            </a:solidFill>
+          </a:ln>
+        </p:spPr>
+        <p:style>
+          <a:lnRef idx="1">
+            <a:schemeClr val="accent1"/>
+          </a:lnRef>
+          <a:fillRef idx="0">
+            <a:schemeClr val="accent1"/>
+          </a:fillRef>
+          <a:effectRef idx="0">
+            <a:schemeClr val="accent1"/>
+          </a:effectRef>
+          <a:fontRef idx="minor">
+            <a:schemeClr val="tx1"/>
+          </a:fontRef>
+        </p:style>
+        <p:txBody>
+          <a:bodyPr rtlCol="0" anchor="ctr"/>
+          <a:lstStyle/>
+          <a:p>
+            <a:pPr algn="ctr"/>
+            <a:endParaRPr lang="it-IT">
+              <a:solidFill>
+                <a:srgbClr val="FF0000"/>
+              </a:solidFill>
+            </a:endParaRPr>
+          </a:p>
+        </p:txBody>
+      </p:sp>
+      <p:sp>
+        <p:nvSpPr>
+          <p:cNvPr id="7" name="TextBox 6"/>
+          <p:cNvSpPr txBox="1"/>
+          <p:nvPr/>
+        </p:nvSpPr>
+        <p:spPr>
+          <a:xfrm>
+            <a:off x="4124531" y="4022266"/>
+            <a:ext cx="2645923" cy="369332"/>
+          </a:xfrm>
+          <a:prstGeom prst="rect">
+            <a:avLst/>
+          </a:prstGeom>
+          <a:noFill/>
+        </p:spPr>
+        <p:txBody>
+          <a:bodyPr wrap="square" rtlCol="0">
+            <a:spAutoFit/>
+          </a:bodyPr>
+          <a:lstStyle/>
+          <a:p>
+            <a:r>
+              <a:rPr lang="it-IT" dirty="0"/>
+              <a:t>cancel out cart dynamic</a:t>
+            </a:r>
+          </a:p>
+        </p:txBody>
+      </p:sp>
+      <p:sp>
+        <p:nvSpPr>
+          <p:cNvPr id="8" name="Oval 7"/>
+          <p:cNvSpPr/>
+          <p:nvPr/>
+        </p:nvSpPr>
+        <p:spPr>
+          <a:xfrm>
+            <a:off x="4484449" y="5175980"/>
+            <a:ext cx="286700" cy="369941"/>
+          </a:xfrm>
+          <a:prstGeom prst="ellipse">
+            <a:avLst/>
+          </a:prstGeom>
+          <a:noFill/>
+          <a:ln>
+            <a:solidFill>
+              <a:srgbClr val="FF0000"/>
+            </a:solidFill>
+            <a:prstDash val="dash"/>
+          </a:ln>
+        </p:spPr>
+        <p:style>
+          <a:lnRef idx="2">
+            <a:schemeClr val="accent1">
+              <a:shade val="50000"/>
+            </a:schemeClr>
+          </a:lnRef>
+          <a:fillRef idx="1">
+            <a:schemeClr val="accent1"/>
+          </a:fillRef>
+          <a:effectRef idx="0">
+            <a:schemeClr val="accent1"/>
+          </a:effectRef>
+          <a:fontRef idx="minor">
+            <a:schemeClr val="lt1"/>
+          </a:fontRef>
+        </p:style>
+        <p:txBody>
+          <a:bodyPr rtlCol="0" anchor="ctr"/>
+          <a:lstStyle/>
+          <a:p>
+            <a:pPr algn="ctr"/>
+            <a:endParaRPr lang="it-IT"/>
+          </a:p>
+        </p:txBody>
+      </p:sp>
+      <p:sp>
+        <p:nvSpPr>
+          <p:cNvPr id="9" name="TextBox 8"/>
+          <p:cNvSpPr txBox="1"/>
+          <p:nvPr/>
+        </p:nvSpPr>
+        <p:spPr>
+          <a:xfrm>
+            <a:off x="2830748" y="5719867"/>
+            <a:ext cx="1653701" cy="369332"/>
+          </a:xfrm>
+          <a:prstGeom prst="rect">
+            <a:avLst/>
+          </a:prstGeom>
+          <a:noFill/>
+        </p:spPr>
+        <p:txBody>
+          <a:bodyPr wrap="square" rtlCol="0">
+            <a:spAutoFit/>
+          </a:bodyPr>
+          <a:lstStyle/>
+          <a:p>
+            <a:r>
+              <a:rPr lang="it-IT" dirty="0"/>
+              <a:t>Integral action</a:t>
+            </a:r>
+          </a:p>
+        </p:txBody>
+      </p:sp>
+      <p:sp>
+        <p:nvSpPr>
+          <p:cNvPr id="10" name="TextBox 9"/>
+          <p:cNvSpPr txBox="1"/>
+          <p:nvPr/>
+        </p:nvSpPr>
+        <p:spPr>
+          <a:xfrm>
+            <a:off x="6170338" y="5904533"/>
+            <a:ext cx="1653701" cy="369332"/>
+          </a:xfrm>
+          <a:prstGeom prst="rect">
+            <a:avLst/>
+          </a:prstGeom>
+          <a:noFill/>
+        </p:spPr>
+        <p:txBody>
+          <a:bodyPr wrap="square" rtlCol="0">
+            <a:spAutoFit/>
+          </a:bodyPr>
+          <a:lstStyle/>
+          <a:p>
+            <a:r>
+              <a:rPr lang="it-IT" dirty="0"/>
+              <a:t>causal block</a:t>
+            </a:r>
+          </a:p>
+        </p:txBody>
+      </p:sp>
+      <p:cxnSp>
+        <p:nvCxnSpPr>
+          <p:cNvPr id="12" name="Straight Arrow Connector 11"/>
+          <p:cNvCxnSpPr/>
+          <p:nvPr/>
+        </p:nvCxnSpPr>
+        <p:spPr>
+          <a:xfrm flipH="1">
+            <a:off x="3604259" y="5391431"/>
+            <a:ext cx="826850" cy="358916"/>
+          </a:xfrm>
+          <a:prstGeom prst="straightConnector1">
+            <a:avLst/>
+          </a:prstGeom>
+          <a:ln>
+            <a:solidFill>
+              <a:srgbClr val="FF0000"/>
+            </a:solidFill>
+            <a:tailEnd type="triangle"/>
+          </a:ln>
+        </p:spPr>
+        <p:style>
+          <a:lnRef idx="1">
+            <a:schemeClr val="accent1"/>
+          </a:lnRef>
+          <a:fillRef idx="0">
+            <a:schemeClr val="accent1"/>
+          </a:fillRef>
+          <a:effectRef idx="0">
+            <a:schemeClr val="accent1"/>
+          </a:effectRef>
+          <a:fontRef idx="minor">
+            <a:schemeClr val="tx1"/>
+          </a:fontRef>
+        </p:style>
+      </p:cxnSp>
+      <p:cxnSp>
+        <p:nvCxnSpPr>
+          <p:cNvPr id="15" name="Straight Arrow Connector 14"/>
+          <p:cNvCxnSpPr/>
+          <p:nvPr/>
+        </p:nvCxnSpPr>
+        <p:spPr>
+          <a:xfrm>
+            <a:off x="5913120" y="5553541"/>
+            <a:ext cx="741572" cy="350992"/>
+          </a:xfrm>
+          <a:prstGeom prst="straightConnector1">
+            <a:avLst/>
+          </a:prstGeom>
+          <a:ln>
+            <a:solidFill>
+              <a:srgbClr val="FF0000"/>
+            </a:solidFill>
+            <a:tailEnd type="triangle"/>
+          </a:ln>
+        </p:spPr>
+        <p:style>
+          <a:lnRef idx="1">
+            <a:schemeClr val="accent1"/>
+          </a:lnRef>
+          <a:fillRef idx="0">
+            <a:schemeClr val="accent1"/>
+          </a:fillRef>
+          <a:effectRef idx="0">
+            <a:schemeClr val="accent1"/>
+          </a:effectRef>
+          <a:fontRef idx="minor">
+            <a:schemeClr val="tx1"/>
+          </a:fontRef>
+        </p:style>
+      </p:cxnSp>
+    </p:spTree>
+    <p:extLst>
+      <p:ext uri="{BB962C8B-B14F-4D97-AF65-F5344CB8AC3E}">
+        <p14:creationId xmlns:p14="http://schemas.microsoft.com/office/powerpoint/2010/main" val="2270108105"/>
+      </p:ext>
+    </p:extLst>
+  </p:cSld>
+  <p:clrMapOvr>
+    <a:masterClrMapping/>
+  </p:clrMapOvr>
+</p:sld>
+</file>
+
+<file path=ppt/slides/slide4.xml><?xml version="1.0" encoding="utf-8"?>
+<p:sld xmlns:a="http://schemas.openxmlformats.org/drawingml/2006/main" xmlns:r="http://schemas.openxmlformats.org/officeDocument/2006/relationships" xmlns:p="http://schemas.openxmlformats.org/presentationml/2006/main">
+  <p:cSld>
+    <p:spTree>
+      <p:nvGrpSpPr>
+        <p:cNvPr id="1" name=""/>
+        <p:cNvGrpSpPr/>
+        <p:nvPr/>
+      </p:nvGrpSpPr>
+      <p:grpSpPr>
+        <a:xfrm>
+          <a:off x="0" y="0"/>
+          <a:ext cx="0" cy="0"/>
+          <a:chOff x="0" y="0"/>
+          <a:chExt cx="0" cy="0"/>
+        </a:xfrm>
+      </p:grpSpPr>
+      <p:sp>
+        <p:nvSpPr>
+          <p:cNvPr id="2" name="Text Placeholder 1"/>
+          <p:cNvSpPr>
+            <a:spLocks noGrp="1"/>
+          </p:cNvSpPr>
+          <p:nvPr>
+            <p:ph type="body" sz="quarter" idx="10"/>
+          </p:nvPr>
+        </p:nvSpPr>
+        <p:spPr/>
+        <p:txBody>
+          <a:bodyPr/>
+          <a:lstStyle/>
+          <a:p>
+            <a:r>
+              <a:rPr lang="it-IT" dirty="0"/>
+              <a:t>Loopshaping</a:t>
+            </a:r>
+          </a:p>
+        </p:txBody>
+      </p:sp>
+      <p:pic>
+        <p:nvPicPr>
+          <p:cNvPr id="4" name="Picture 3"/>
+          <p:cNvPicPr>
+            <a:picLocks noChangeAspect="1"/>
+          </p:cNvPicPr>
+          <p:nvPr/>
+        </p:nvPicPr>
+        <p:blipFill>
+          <a:blip r:embed="rId2">
+            <a:extLst>
+              <a:ext uri="{28A0092B-C50C-407E-A947-70E740481C1C}">
+                <a14:useLocalDpi xmlns:a14="http://schemas.microsoft.com/office/drawing/2010/main" val="0"/>
+              </a:ext>
+            </a:extLst>
+          </a:blip>
+          <a:stretch>
+            <a:fillRect/>
+          </a:stretch>
+        </p:blipFill>
+        <p:spPr>
+          <a:xfrm>
+            <a:off x="1057274" y="895349"/>
+            <a:ext cx="7134225" cy="5350669"/>
+          </a:xfrm>
+          <a:prstGeom prst="rect">
+            <a:avLst/>
+          </a:prstGeom>
+        </p:spPr>
+      </p:pic>
+    </p:spTree>
+    <p:extLst>
+      <p:ext uri="{BB962C8B-B14F-4D97-AF65-F5344CB8AC3E}">
+        <p14:creationId xmlns:p14="http://schemas.microsoft.com/office/powerpoint/2010/main" val="2529757401"/>
+      </p:ext>
+    </p:extLst>
+  </p:cSld>
+  <p:clrMapOvr>
+    <a:masterClrMapping/>
+  </p:clrMapOvr>
+</p:sld>
+</file>
+
+<file path=ppt/slides/slide5.xml><?xml version="1.0" encoding="utf-8"?>
+<p:sld xmlns:a="http://schemas.openxmlformats.org/drawingml/2006/main" xmlns:r="http://schemas.openxmlformats.org/officeDocument/2006/relationships" xmlns:p="http://schemas.openxmlformats.org/presentationml/2006/main">
+  <p:cSld>
+    <p:spTree>
+      <p:nvGrpSpPr>
+        <p:cNvPr id="1" name=""/>
+        <p:cNvGrpSpPr/>
+        <p:nvPr/>
+      </p:nvGrpSpPr>
+      <p:grpSpPr>
+        <a:xfrm>
+          <a:off x="0" y="0"/>
+          <a:ext cx="0" cy="0"/>
+          <a:chOff x="0" y="0"/>
+          <a:chExt cx="0" cy="0"/>
+        </a:xfrm>
+      </p:grpSpPr>
+      <p:sp>
+        <p:nvSpPr>
+          <p:cNvPr id="2" name="Text Placeholder 1"/>
+          <p:cNvSpPr>
+            <a:spLocks noGrp="1"/>
+          </p:cNvSpPr>
+          <p:nvPr>
+            <p:ph type="body" sz="quarter" idx="10"/>
+          </p:nvPr>
+        </p:nvSpPr>
+        <p:spPr/>
+        <p:txBody>
+          <a:bodyPr/>
+          <a:lstStyle/>
+          <a:p>
+            <a:r>
+              <a:rPr lang="it-IT" dirty="0"/>
+              <a:t>Loopshaping</a:t>
+            </a:r>
+          </a:p>
+        </p:txBody>
+      </p:sp>
+      <p:pic>
+        <p:nvPicPr>
+          <p:cNvPr id="4" name="Picture 3"/>
+          <p:cNvPicPr>
+            <a:picLocks noChangeAspect="1"/>
+          </p:cNvPicPr>
+          <p:nvPr/>
+        </p:nvPicPr>
+        <p:blipFill rotWithShape="1">
+          <a:blip r:embed="rId2" cstate="email">
+            <a:extLst>
+              <a:ext uri="{28A0092B-C50C-407E-A947-70E740481C1C}">
+                <a14:useLocalDpi xmlns:a14="http://schemas.microsoft.com/office/drawing/2010/main" val="0"/>
+              </a:ext>
+            </a:extLst>
+          </a:blip>
+          <a:srcRect l="8958" r="7603"/>
+          <a:stretch/>
+        </p:blipFill>
+        <p:spPr>
+          <a:xfrm>
+            <a:off x="819150" y="2008757"/>
+            <a:ext cx="7629525" cy="4364486"/>
+          </a:xfrm>
+          <a:prstGeom prst="rect">
+            <a:avLst/>
+          </a:prstGeom>
+        </p:spPr>
+      </p:pic>
+      <p:sp>
+        <p:nvSpPr>
+          <p:cNvPr id="5" name="TextBox 4"/>
+          <p:cNvSpPr txBox="1"/>
+          <p:nvPr/>
+        </p:nvSpPr>
+        <p:spPr>
+          <a:xfrm>
+            <a:off x="990600" y="1057275"/>
+            <a:ext cx="7286625" cy="880369"/>
+          </a:xfrm>
+          <a:prstGeom prst="rect">
+            <a:avLst/>
+          </a:prstGeom>
+          <a:noFill/>
+        </p:spPr>
+        <p:txBody>
+          <a:bodyPr wrap="square" rtlCol="0">
+            <a:spAutoFit/>
+          </a:bodyPr>
+          <a:lstStyle/>
+          <a:p>
+            <a:pPr>
+              <a:lnSpc>
+                <a:spcPct val="150000"/>
+              </a:lnSpc>
+            </a:pPr>
+            <a:r>
+              <a:rPr lang="it-IT" dirty="0">
+                <a:solidFill>
+                  <a:schemeClr val="tx2"/>
+                </a:solidFill>
+                <a:latin typeface="+mn-lt"/>
+              </a:rPr>
+              <a:t>Transient does not take into account non-linearities, </a:t>
+            </a:r>
+          </a:p>
+          <a:p>
+            <a:pPr>
+              <a:lnSpc>
+                <a:spcPct val="150000"/>
+              </a:lnSpc>
+            </a:pPr>
+            <a:r>
+              <a:rPr lang="it-IT" dirty="0">
+                <a:solidFill>
+                  <a:schemeClr val="tx2"/>
+                </a:solidFill>
+                <a:latin typeface="+mn-lt"/>
+              </a:rPr>
+              <a:t>but rising time and steady-state value match what we expected.</a:t>
+            </a:r>
+          </a:p>
+        </p:txBody>
+      </p:sp>
+    </p:spTree>
+    <p:extLst>
+      <p:ext uri="{BB962C8B-B14F-4D97-AF65-F5344CB8AC3E}">
+        <p14:creationId xmlns:p14="http://schemas.microsoft.com/office/powerpoint/2010/main" val="4025071019"/>
+      </p:ext>
+    </p:extLst>
+  </p:cSld>
+  <p:clrMapOvr>
+    <a:masterClrMapping/>
+  </p:clrMapOvr>
+</p:sld>
+</file>
+
+<file path=ppt/slides/slide6.xml><?xml version="1.0" encoding="utf-8"?>
+<p:sld xmlns:a="http://schemas.openxmlformats.org/drawingml/2006/main" xmlns:r="http://schemas.openxmlformats.org/officeDocument/2006/relationships" xmlns:p="http://schemas.openxmlformats.org/presentationml/2006/main">
+  <p:cSld>
+    <p:spTree>
+      <p:nvGrpSpPr>
+        <p:cNvPr id="1" name=""/>
+        <p:cNvGrpSpPr/>
+        <p:nvPr/>
+      </p:nvGrpSpPr>
+      <p:grpSpPr>
+        <a:xfrm>
+          <a:off x="0" y="0"/>
+          <a:ext cx="0" cy="0"/>
+          <a:chOff x="0" y="0"/>
+          <a:chExt cx="0" cy="0"/>
+        </a:xfrm>
+      </p:grpSpPr>
+      <p:sp>
+        <p:nvSpPr>
+          <p:cNvPr id="2" name="Text Placeholder 1"/>
+          <p:cNvSpPr>
+            <a:spLocks noGrp="1"/>
+          </p:cNvSpPr>
+          <p:nvPr>
+            <p:ph type="body" sz="quarter" idx="10"/>
+          </p:nvPr>
+        </p:nvSpPr>
+        <p:spPr/>
+        <p:txBody>
+          <a:bodyPr/>
+          <a:lstStyle/>
+          <a:p>
+            <a:r>
+              <a:rPr lang="it-IT" dirty="0"/>
+              <a:t>LQG</a:t>
+            </a:r>
+          </a:p>
+        </p:txBody>
+      </p:sp>
+      <p:pic>
+        <p:nvPicPr>
+          <p:cNvPr id="4" name="Picture 3"/>
+          <p:cNvPicPr>
+            <a:picLocks noChangeAspect="1"/>
+          </p:cNvPicPr>
+          <p:nvPr/>
+        </p:nvPicPr>
+        <p:blipFill rotWithShape="1">
+          <a:blip r:embed="rId3"/>
+          <a:srcRect t="18295" b="17188"/>
+          <a:stretch/>
+        </p:blipFill>
+        <p:spPr>
+          <a:xfrm>
+            <a:off x="0" y="1240885"/>
+            <a:ext cx="9144000" cy="2898842"/>
+          </a:xfrm>
+          <a:prstGeom prst="rect">
+            <a:avLst/>
+          </a:prstGeom>
+        </p:spPr>
+      </p:pic>
+      <mc:AlternateContent xmlns:mc="http://schemas.openxmlformats.org/markup-compatibility/2006" xmlns:a14="http://schemas.microsoft.com/office/drawing/2010/main">
+        <mc:Choice Requires="a14">
+          <p:sp>
+            <p:nvSpPr>
+              <p:cNvPr id="5" name="TextBox 4"/>
+              <p:cNvSpPr txBox="1"/>
+              <p:nvPr/>
+            </p:nvSpPr>
+            <p:spPr>
+              <a:xfrm>
+                <a:off x="3928492" y="4793977"/>
+                <a:ext cx="3947940" cy="1262012"/>
+              </a:xfrm>
+              <a:prstGeom prst="rect">
+                <a:avLst/>
+              </a:prstGeom>
+              <a:noFill/>
+              <a:ln w="28575">
+                <a:noFill/>
+              </a:ln>
+              <a:effectLst/>
+              <a:scene3d>
+                <a:camera prst="orthographicFront">
+                  <a:rot lat="0" lon="0" rev="0"/>
+                </a:camera>
+                <a:lightRig rig="chilly" dir="t">
+                  <a:rot lat="0" lon="0" rev="18480000"/>
+                </a:lightRig>
+              </a:scene3d>
+              <a:sp3d prstMaterial="clear">
+                <a:bevelT h="63500"/>
+              </a:sp3d>
+            </p:spPr>
+            <p:txBody>
+              <a:bodyPr wrap="none" lIns="0" tIns="0" rIns="0" bIns="0" rtlCol="0">
+                <a:spAutoFit/>
+              </a:bodyPr>
+              <a:lstStyle/>
+              <a:p>
+                <a:pPr/>
+                <a14:m>
+                  <m:oMathPara xmlns:m="http://schemas.openxmlformats.org/officeDocument/2006/math">
+                    <m:oMathParaPr>
+                      <m:jc m:val="centerGroup"/>
+                    </m:oMathParaPr>
+                    <m:oMath xmlns:m="http://schemas.openxmlformats.org/officeDocument/2006/math">
+                      <m:r>
+                        <a:rPr lang="it-IT" sz="2800" b="0" i="1" smtClean="0">
+                          <a:latin typeface="Cambria Math" panose="02040503050406030204" pitchFamily="18" charset="0"/>
+                        </a:rPr>
+                        <m:t>𝐽</m:t>
+                      </m:r>
+                      <m:r>
+                        <a:rPr lang="it-IT" sz="2800" b="0" i="1" smtClean="0">
+                          <a:latin typeface="Cambria Math" panose="02040503050406030204" pitchFamily="18" charset="0"/>
+                        </a:rPr>
+                        <m:t>=</m:t>
+                      </m:r>
+                      <m:nary>
+                        <m:naryPr>
+                          <m:limLoc m:val="undOvr"/>
+                          <m:ctrlPr>
+                            <a:rPr lang="it-IT" sz="2800" b="0" i="1" smtClean="0">
+                              <a:latin typeface="Cambria Math" panose="02040503050406030204" pitchFamily="18" charset="0"/>
+                            </a:rPr>
+                          </m:ctrlPr>
+                        </m:naryPr>
+                        <m:sub>
+                          <m:r>
+                            <m:rPr>
+                              <m:brk m:alnAt="24"/>
+                            </m:rPr>
+                            <a:rPr lang="it-IT" sz="2800" b="0" i="1" smtClean="0">
+                              <a:latin typeface="Cambria Math" panose="02040503050406030204" pitchFamily="18" charset="0"/>
+                            </a:rPr>
+                            <m:t>0</m:t>
+                          </m:r>
+                        </m:sub>
+                        <m:sup>
+                          <m:r>
+                            <a:rPr lang="it-IT" sz="2800" b="0" i="1" smtClean="0">
+                              <a:latin typeface="Cambria Math" panose="02040503050406030204" pitchFamily="18" charset="0"/>
+                              <a:ea typeface="Cambria Math" panose="02040503050406030204" pitchFamily="18" charset="0"/>
+                            </a:rPr>
+                            <m:t>∞</m:t>
+                          </m:r>
+                        </m:sup>
+                        <m:e>
+                          <m:r>
+                            <a:rPr lang="it-IT" sz="2800" b="0" i="1" smtClean="0">
+                              <a:latin typeface="Cambria Math" panose="02040503050406030204" pitchFamily="18" charset="0"/>
+                            </a:rPr>
+                            <m:t>(</m:t>
+                          </m:r>
+                          <m:r>
+                            <a:rPr lang="it-IT" sz="2800" b="0" i="1" smtClean="0">
+                              <a:latin typeface="Cambria Math" panose="02040503050406030204" pitchFamily="18" charset="0"/>
+                            </a:rPr>
+                            <m:t>𝑥𝑄</m:t>
+                          </m:r>
+                          <m:sSup>
+                            <m:sSupPr>
+                              <m:ctrlPr>
+                                <a:rPr lang="it-IT" sz="2800" b="0" i="1" smtClean="0">
+                                  <a:latin typeface="Cambria Math" panose="02040503050406030204" pitchFamily="18" charset="0"/>
+                                </a:rPr>
+                              </m:ctrlPr>
+                            </m:sSupPr>
+                            <m:e>
+                              <m:r>
+                                <a:rPr lang="it-IT" sz="2800" b="0" i="1" smtClean="0">
+                                  <a:latin typeface="Cambria Math" panose="02040503050406030204" pitchFamily="18" charset="0"/>
+                                </a:rPr>
+                                <m:t>𝑥</m:t>
+                              </m:r>
+                            </m:e>
+                            <m:sup>
+                              <m:r>
+                                <a:rPr lang="it-IT" sz="2800" b="0" i="1" smtClean="0">
+                                  <a:latin typeface="Cambria Math" panose="02040503050406030204" pitchFamily="18" charset="0"/>
+                                </a:rPr>
+                                <m:t>𝑇</m:t>
+                              </m:r>
+                            </m:sup>
+                          </m:sSup>
+                          <m:r>
+                            <a:rPr lang="it-IT" sz="2800" b="0" i="1" smtClean="0">
+                              <a:latin typeface="Cambria Math" panose="02040503050406030204" pitchFamily="18" charset="0"/>
+                            </a:rPr>
+                            <m:t>+</m:t>
+                          </m:r>
+                          <m:r>
+                            <a:rPr lang="it-IT" sz="2800" b="0" i="1" smtClean="0">
+                              <a:latin typeface="Cambria Math" panose="02040503050406030204" pitchFamily="18" charset="0"/>
+                            </a:rPr>
+                            <m:t>𝑢𝑅</m:t>
+                          </m:r>
+                          <m:sSup>
+                            <m:sSupPr>
+                              <m:ctrlPr>
+                                <a:rPr lang="it-IT" sz="2800" b="0" i="1" smtClean="0">
+                                  <a:latin typeface="Cambria Math" panose="02040503050406030204" pitchFamily="18" charset="0"/>
+                                </a:rPr>
+                              </m:ctrlPr>
+                            </m:sSupPr>
+                            <m:e>
+                              <m:r>
+                                <a:rPr lang="it-IT" sz="2800" b="0" i="1" smtClean="0">
+                                  <a:latin typeface="Cambria Math" panose="02040503050406030204" pitchFamily="18" charset="0"/>
+                                </a:rPr>
+                                <m:t>𝑢</m:t>
+                              </m:r>
+                            </m:e>
+                            <m:sup>
+                              <m:r>
+                                <a:rPr lang="it-IT" sz="2800" b="0" i="1" smtClean="0">
+                                  <a:latin typeface="Cambria Math" panose="02040503050406030204" pitchFamily="18" charset="0"/>
+                                </a:rPr>
+                                <m:t>𝑇</m:t>
+                              </m:r>
+                            </m:sup>
+                          </m:sSup>
+                          <m:r>
+                            <a:rPr lang="it-IT" sz="2800" b="0" i="1" smtClean="0">
+                              <a:latin typeface="Cambria Math" panose="02040503050406030204" pitchFamily="18" charset="0"/>
+                            </a:rPr>
+                            <m:t>)</m:t>
+                          </m:r>
+                        </m:e>
+                      </m:nary>
+                      <m:r>
+                        <a:rPr lang="it-IT" sz="2800" b="0" i="1" smtClean="0">
+                          <a:latin typeface="Cambria Math" panose="02040503050406030204" pitchFamily="18" charset="0"/>
+                        </a:rPr>
+                        <m:t> </m:t>
+                      </m:r>
+                      <m:r>
+                        <a:rPr lang="it-IT" sz="2800" b="0" i="1" smtClean="0">
+                          <a:latin typeface="Cambria Math" panose="02040503050406030204" pitchFamily="18" charset="0"/>
+                        </a:rPr>
+                        <m:t>𝑑𝑡</m:t>
+                      </m:r>
+                    </m:oMath>
+                  </m:oMathPara>
+                </a14:m>
+                <a:endParaRPr lang="it-IT" sz="2800" dirty="0"/>
+              </a:p>
+            </p:txBody>
+          </p:sp>
+        </mc:Choice>
+        <mc:Fallback xmlns="">
+          <p:sp>
+            <p:nvSpPr>
+              <p:cNvPr id="5" name="TextBox 4"/>
+              <p:cNvSpPr txBox="1">
+                <a:spLocks noRot="1" noChangeAspect="1" noMove="1" noResize="1" noEditPoints="1" noAdjustHandles="1" noChangeArrowheads="1" noChangeShapeType="1" noTextEdit="1"/>
+              </p:cNvSpPr>
+              <p:nvPr/>
+            </p:nvSpPr>
+            <p:spPr>
+              <a:xfrm>
+                <a:off x="3928492" y="4793977"/>
+                <a:ext cx="3947940" cy="1262012"/>
+              </a:xfrm>
+              <a:prstGeom prst="rect">
+                <a:avLst/>
+              </a:prstGeom>
+              <a:blipFill>
+                <a:blip r:embed="rId4"/>
+                <a:stretch>
+                  <a:fillRect/>
+                </a:stretch>
+              </a:blipFill>
+              <a:ln w="28575">
+                <a:noFill/>
+              </a:ln>
+              <a:effectLst/>
+            </p:spPr>
+            <p:txBody>
+              <a:bodyPr/>
+              <a:lstStyle/>
+              <a:p>
+                <a:r>
+                  <a:rPr lang="it-IT">
+                    <a:noFill/>
+                  </a:rPr>
+                  <a:t> </a:t>
+                </a:r>
+              </a:p>
+            </p:txBody>
+          </p:sp>
+        </mc:Fallback>
+      </mc:AlternateContent>
+      <p:sp>
+        <p:nvSpPr>
+          <p:cNvPr id="6" name="Oval 5"/>
+          <p:cNvSpPr/>
+          <p:nvPr/>
+        </p:nvSpPr>
+        <p:spPr>
+          <a:xfrm>
+            <a:off x="963443" y="1481139"/>
+            <a:ext cx="1147459" cy="1125874"/>
+          </a:xfrm>
+          <a:prstGeom prst="ellipse">
+            <a:avLst/>
+          </a:prstGeom>
+          <a:noFill/>
+          <a:ln>
+            <a:solidFill>
+              <a:srgbClr val="FF0000"/>
+            </a:solidFill>
+            <a:prstDash val="dash"/>
+          </a:ln>
+        </p:spPr>
+        <p:style>
+          <a:lnRef idx="2">
+            <a:schemeClr val="accent1">
+              <a:shade val="50000"/>
+            </a:schemeClr>
+          </a:lnRef>
+          <a:fillRef idx="1">
+            <a:schemeClr val="accent1"/>
+          </a:fillRef>
+          <a:effectRef idx="0">
+            <a:schemeClr val="accent1"/>
+          </a:effectRef>
+          <a:fontRef idx="minor">
+            <a:schemeClr val="lt1"/>
+          </a:fontRef>
+        </p:style>
+        <p:txBody>
+          <a:bodyPr rtlCol="0" anchor="ctr"/>
+          <a:lstStyle/>
+          <a:p>
+            <a:pPr algn="ctr"/>
+            <a:endParaRPr lang="it-IT"/>
+          </a:p>
+        </p:txBody>
+      </p:sp>
+      <p:sp>
+        <p:nvSpPr>
+          <p:cNvPr id="7" name="TextBox 6"/>
+          <p:cNvSpPr txBox="1"/>
+          <p:nvPr/>
+        </p:nvSpPr>
+        <p:spPr>
+          <a:xfrm>
+            <a:off x="151509" y="4963318"/>
+            <a:ext cx="2683773" cy="923330"/>
+          </a:xfrm>
+          <a:prstGeom prst="rect">
+            <a:avLst/>
+          </a:prstGeom>
+          <a:noFill/>
+          <a:ln w="28575">
+            <a:solidFill>
+              <a:srgbClr val="FF0000"/>
+            </a:solidFill>
+            <a:prstDash val="dash"/>
+          </a:ln>
+        </p:spPr>
+        <p:txBody>
+          <a:bodyPr wrap="square" rtlCol="0">
+            <a:spAutoFit/>
+          </a:bodyPr>
+          <a:lstStyle/>
+          <a:p>
+            <a:pPr algn="just"/>
+            <a:r>
+              <a:rPr lang="it-IT" dirty="0"/>
+              <a:t>computed in order to guarantee zero tracking error at steady-state.</a:t>
+            </a:r>
+          </a:p>
+        </p:txBody>
+      </p:sp>
+      <p:cxnSp>
+        <p:nvCxnSpPr>
+          <p:cNvPr id="9" name="Straight Arrow Connector 8"/>
+          <p:cNvCxnSpPr/>
+          <p:nvPr/>
+        </p:nvCxnSpPr>
+        <p:spPr>
+          <a:xfrm flipH="1">
+            <a:off x="1493396" y="2688687"/>
+            <a:ext cx="2" cy="2059000"/>
+          </a:xfrm>
+          <a:prstGeom prst="straightConnector1">
+            <a:avLst/>
+          </a:prstGeom>
+          <a:ln w="38100">
+            <a:solidFill>
+              <a:srgbClr val="FF0000"/>
+            </a:solidFill>
+            <a:tailEnd type="triangle"/>
+          </a:ln>
+        </p:spPr>
+        <p:style>
+          <a:lnRef idx="1">
+            <a:schemeClr val="accent1"/>
+          </a:lnRef>
+          <a:fillRef idx="0">
+            <a:schemeClr val="accent1"/>
+          </a:fillRef>
+          <a:effectRef idx="0">
+            <a:schemeClr val="accent1"/>
+          </a:effectRef>
+          <a:fontRef idx="minor">
+            <a:schemeClr val="tx1"/>
+          </a:fontRef>
+        </p:style>
+      </p:cxnSp>
+    </p:spTree>
+    <p:extLst>
+      <p:ext uri="{BB962C8B-B14F-4D97-AF65-F5344CB8AC3E}">
+        <p14:creationId xmlns:p14="http://schemas.microsoft.com/office/powerpoint/2010/main" val="2224965740"/>
+      </p:ext>
+    </p:extLst>
+  </p:cSld>
+  <p:clrMapOvr>
+    <a:masterClrMapping/>
+  </p:clrMapOvr>
+</p:sld>
+</file>
+
+<file path=ppt/slides/slide7.xml><?xml version="1.0" encoding="utf-8"?>
+<p:sld xmlns:a="http://schemas.openxmlformats.org/drawingml/2006/main" xmlns:r="http://schemas.openxmlformats.org/officeDocument/2006/relationships" xmlns:p="http://schemas.openxmlformats.org/presentationml/2006/main">
+  <p:cSld>
+    <p:spTree>
+      <p:nvGrpSpPr>
+        <p:cNvPr id="1" name=""/>
+        <p:cNvGrpSpPr/>
+        <p:nvPr/>
+      </p:nvGrpSpPr>
+      <p:grpSpPr>
+        <a:xfrm>
+          <a:off x="0" y="0"/>
+          <a:ext cx="0" cy="0"/>
+          <a:chOff x="0" y="0"/>
+          <a:chExt cx="0" cy="0"/>
+        </a:xfrm>
+      </p:grpSpPr>
+      <p:sp>
+        <p:nvSpPr>
+          <p:cNvPr id="2" name="Text Placeholder 1"/>
+          <p:cNvSpPr>
+            <a:spLocks noGrp="1"/>
+          </p:cNvSpPr>
+          <p:nvPr>
+            <p:ph type="body" sz="quarter" idx="10"/>
+          </p:nvPr>
+        </p:nvSpPr>
+        <p:spPr/>
+        <p:txBody>
+          <a:bodyPr/>
+          <a:lstStyle/>
+          <a:p>
+            <a:r>
+              <a:rPr lang="it-IT" dirty="0"/>
+              <a:t>LQG</a:t>
+            </a:r>
+          </a:p>
+        </p:txBody>
+      </p:sp>
+      <p:pic>
+        <p:nvPicPr>
+          <p:cNvPr id="3" name="Picture 2"/>
+          <p:cNvPicPr>
+            <a:picLocks noChangeAspect="1"/>
+          </p:cNvPicPr>
+          <p:nvPr/>
+        </p:nvPicPr>
+        <p:blipFill rotWithShape="1">
+          <a:blip r:embed="rId3" cstate="email">
+            <a:extLst>
+              <a:ext uri="{28A0092B-C50C-407E-A947-70E740481C1C}">
+                <a14:useLocalDpi xmlns:a14="http://schemas.microsoft.com/office/drawing/2010/main" val="0"/>
+              </a:ext>
+            </a:extLst>
+          </a:blip>
+          <a:srcRect l="7639" t="3342" r="8511" b="3234"/>
+          <a:stretch/>
+        </p:blipFill>
+        <p:spPr>
+          <a:xfrm>
+            <a:off x="251028" y="2052536"/>
+            <a:ext cx="8445500" cy="4484452"/>
+          </a:xfrm>
+          <a:prstGeom prst="rect">
+            <a:avLst/>
+          </a:prstGeom>
+        </p:spPr>
+      </p:pic>
+      <p:sp>
+        <p:nvSpPr>
+          <p:cNvPr id="10" name="Oval 9"/>
+          <p:cNvSpPr/>
+          <p:nvPr/>
+        </p:nvSpPr>
+        <p:spPr>
+          <a:xfrm>
+            <a:off x="2692130" y="2355361"/>
+            <a:ext cx="1147459" cy="1125874"/>
+          </a:xfrm>
+          <a:prstGeom prst="ellipse">
+            <a:avLst/>
+          </a:prstGeom>
+          <a:noFill/>
+          <a:ln>
+            <a:solidFill>
+              <a:srgbClr val="FF0000"/>
+            </a:solidFill>
+            <a:prstDash val="dash"/>
+          </a:ln>
+        </p:spPr>
+        <p:style>
+          <a:lnRef idx="2">
+            <a:schemeClr val="accent1">
+              <a:shade val="50000"/>
+            </a:schemeClr>
+          </a:lnRef>
+          <a:fillRef idx="1">
+            <a:schemeClr val="accent1"/>
+          </a:fillRef>
+          <a:effectRef idx="0">
+            <a:schemeClr val="accent1"/>
+          </a:effectRef>
+          <a:fontRef idx="minor">
+            <a:schemeClr val="lt1"/>
+          </a:fontRef>
+        </p:style>
+        <p:txBody>
+          <a:bodyPr rtlCol="0" anchor="ctr"/>
+          <a:lstStyle/>
+          <a:p>
+            <a:pPr algn="ctr"/>
+            <a:endParaRPr lang="it-IT"/>
+          </a:p>
+        </p:txBody>
+      </p:sp>
+      <p:grpSp>
+        <p:nvGrpSpPr>
+          <p:cNvPr id="12" name="Group 11"/>
+          <p:cNvGrpSpPr/>
+          <p:nvPr/>
+        </p:nvGrpSpPr>
+        <p:grpSpPr>
+          <a:xfrm>
+            <a:off x="3936858" y="879493"/>
+            <a:ext cx="3913356" cy="2058259"/>
+            <a:chOff x="4150874" y="850310"/>
+            <a:chExt cx="3913356" cy="2058259"/>
+          </a:xfrm>
+        </p:grpSpPr>
+        <p:pic>
+          <p:nvPicPr>
+            <p:cNvPr id="8" name="Picture 7"/>
+            <p:cNvPicPr>
+              <a:picLocks noChangeAspect="1"/>
+            </p:cNvPicPr>
+            <p:nvPr/>
+          </p:nvPicPr>
+          <p:blipFill>
+            <a:blip r:embed="rId4"/>
+            <a:stretch>
+              <a:fillRect/>
+            </a:stretch>
+          </p:blipFill>
+          <p:spPr>
+            <a:xfrm>
+              <a:off x="4150874" y="949865"/>
+              <a:ext cx="3839780" cy="1861428"/>
+            </a:xfrm>
+            <a:prstGeom prst="rect">
+              <a:avLst/>
+            </a:prstGeom>
+          </p:spPr>
+        </p:pic>
+        <p:sp>
+          <p:nvSpPr>
+            <p:cNvPr id="11" name="Oval 10"/>
+            <p:cNvSpPr/>
+            <p:nvPr/>
+          </p:nvSpPr>
+          <p:spPr>
+            <a:xfrm>
+              <a:off x="4183706" y="850310"/>
+              <a:ext cx="3880524" cy="2058259"/>
+            </a:xfrm>
+            <a:prstGeom prst="ellipse">
+              <a:avLst/>
+            </a:prstGeom>
+            <a:noFill/>
+            <a:ln>
+              <a:solidFill>
+                <a:srgbClr val="FF0000"/>
+              </a:solidFill>
+              <a:prstDash val="dash"/>
+            </a:ln>
+          </p:spPr>
+          <p:style>
+            <a:lnRef idx="2">
+              <a:schemeClr val="accent1">
+                <a:shade val="50000"/>
+              </a:schemeClr>
+            </a:lnRef>
+            <a:fillRef idx="1">
+              <a:schemeClr val="accent1"/>
+            </a:fillRef>
+            <a:effectRef idx="0">
+              <a:schemeClr val="accent1"/>
+            </a:effectRef>
+            <a:fontRef idx="minor">
+              <a:schemeClr val="lt1"/>
+            </a:fontRef>
+          </p:style>
+          <p:txBody>
+            <a:bodyPr rtlCol="0" anchor="ctr"/>
+            <a:lstStyle/>
+            <a:p>
+              <a:pPr algn="ctr"/>
+              <a:endParaRPr lang="it-IT"/>
+            </a:p>
+          </p:txBody>
+        </p:sp>
+      </p:grpSp>
+      <p:sp>
+        <p:nvSpPr>
+          <p:cNvPr id="13" name="TextBox 12"/>
+          <p:cNvSpPr txBox="1"/>
+          <p:nvPr/>
+        </p:nvSpPr>
+        <p:spPr>
+          <a:xfrm>
+            <a:off x="622570" y="1050587"/>
+            <a:ext cx="3217019" cy="923330"/>
+          </a:xfrm>
+          <a:prstGeom prst="rect">
+            <a:avLst/>
+          </a:prstGeom>
+          <a:noFill/>
+        </p:spPr>
+        <p:txBody>
+          <a:bodyPr wrap="square" rtlCol="0">
+            <a:spAutoFit/>
+          </a:bodyPr>
+          <a:lstStyle/>
+          <a:p>
+            <a:pPr algn="just"/>
+            <a:r>
+              <a:rPr lang="it-IT" dirty="0">
+                <a:solidFill>
+                  <a:schemeClr val="tx2"/>
+                </a:solidFill>
+                <a:latin typeface="+mn-lt"/>
+              </a:rPr>
+              <a:t>The compensator is not perfect even though error is below 1/100.</a:t>
+            </a:r>
+          </a:p>
+        </p:txBody>
+      </p:sp>
+    </p:spTree>
+    <p:extLst>
+      <p:ext uri="{BB962C8B-B14F-4D97-AF65-F5344CB8AC3E}">
+        <p14:creationId xmlns:p14="http://schemas.microsoft.com/office/powerpoint/2010/main" val="16822294"/>
+      </p:ext>
+    </p:extLst>
+  </p:cSld>
+  <p:clrMapOvr>
+    <a:masterClrMapping/>
+  </p:clrMapOvr>
+</p:sld>
+</file>
+
+<file path=ppt/slides/slide8.xml><?xml version="1.0" encoding="utf-8"?>
+<p:sld xmlns:a="http://schemas.openxmlformats.org/drawingml/2006/main" xmlns:r="http://schemas.openxmlformats.org/officeDocument/2006/relationships" xmlns:p="http://schemas.openxmlformats.org/presentationml/2006/main">
+  <p:cSld>
+    <p:spTree>
+      <p:nvGrpSpPr>
+        <p:cNvPr id="1" name=""/>
+        <p:cNvGrpSpPr/>
+        <p:nvPr/>
+      </p:nvGrpSpPr>
+      <p:grpSpPr>
+        <a:xfrm>
+          <a:off x="0" y="0"/>
+          <a:ext cx="0" cy="0"/>
+          <a:chOff x="0" y="0"/>
+          <a:chExt cx="0" cy="0"/>
+        </a:xfrm>
+      </p:grpSpPr>
+      <p:sp>
+        <p:nvSpPr>
+          <p:cNvPr id="2" name="Text Placeholder 1"/>
+          <p:cNvSpPr>
+            <a:spLocks noGrp="1"/>
+          </p:cNvSpPr>
+          <p:nvPr>
+            <p:ph type="body" sz="quarter" idx="10"/>
+          </p:nvPr>
+        </p:nvSpPr>
+        <p:spPr/>
+        <p:txBody>
+          <a:bodyPr/>
+          <a:lstStyle/>
+          <a:p>
+            <a:r>
+              <a:rPr lang="it-IT" dirty="0"/>
+              <a:t>LQG 2dof</a:t>
+            </a:r>
+          </a:p>
+        </p:txBody>
+      </p:sp>
+      <p:pic>
+        <p:nvPicPr>
+          <p:cNvPr id="4" name="Picture 3"/>
+          <p:cNvPicPr>
+            <a:picLocks noChangeAspect="1"/>
+          </p:cNvPicPr>
+          <p:nvPr/>
+        </p:nvPicPr>
+        <p:blipFill rotWithShape="1">
+          <a:blip r:embed="rId3" cstate="email">
+            <a:extLst>
+              <a:ext uri="{28A0092B-C50C-407E-A947-70E740481C1C}">
+                <a14:useLocalDpi xmlns:a14="http://schemas.microsoft.com/office/drawing/2010/main" val="0"/>
+              </a:ext>
+            </a:extLst>
+          </a:blip>
+          <a:srcRect l="8511" t="3010" r="7872" b="2118"/>
+          <a:stretch/>
+        </p:blipFill>
+        <p:spPr>
+          <a:xfrm>
+            <a:off x="112794" y="1225685"/>
+            <a:ext cx="9031206" cy="4883285"/>
+          </a:xfrm>
+          <a:prstGeom prst="rect">
+            <a:avLst/>
+          </a:prstGeom>
+        </p:spPr>
+      </p:pic>
+    </p:spTree>
+    <p:extLst>
+      <p:ext uri="{BB962C8B-B14F-4D97-AF65-F5344CB8AC3E}">
+        <p14:creationId xmlns:p14="http://schemas.microsoft.com/office/powerpoint/2010/main" val="3406718157"/>
+      </p:ext>
+    </p:extLst>
+  </p:cSld>
+  <p:clrMapOvr>
+    <a:masterClrMapping/>
+  </p:clrMapOvr>
+</p:sld>
+</file>
+
+<file path=ppt/slides/slide9.xml><?xml version="1.0" encoding="utf-8"?>
+<p:sld xmlns:a="http://schemas.openxmlformats.org/drawingml/2006/main" xmlns:r="http://schemas.openxmlformats.org/officeDocument/2006/relationships" xmlns:p="http://schemas.openxmlformats.org/presentationml/2006/main">
+  <p:cSld>
+    <p:spTree>
+      <p:nvGrpSpPr>
+        <p:cNvPr id="1" name=""/>
+        <p:cNvGrpSpPr/>
+        <p:nvPr/>
+      </p:nvGrpSpPr>
+      <p:grpSpPr>
+        <a:xfrm>
+          <a:off x="0" y="0"/>
+          <a:ext cx="0" cy="0"/>
+          <a:chOff x="0" y="0"/>
+          <a:chExt cx="0" cy="0"/>
+        </a:xfrm>
+      </p:grpSpPr>
+      <p:sp>
+        <p:nvSpPr>
+          <p:cNvPr id="2" name="Text Placeholder 1"/>
+          <p:cNvSpPr>
+            <a:spLocks noGrp="1"/>
+          </p:cNvSpPr>
+          <p:nvPr>
+            <p:ph type="body" sz="quarter" idx="10"/>
+          </p:nvPr>
+        </p:nvSpPr>
+        <p:spPr/>
+        <p:txBody>
+          <a:bodyPr/>
+          <a:lstStyle/>
+          <a:p>
+            <a:r>
+              <a:rPr lang="it-IT" dirty="0"/>
+              <a:t>LQG 3dof</a:t>
+            </a:r>
+          </a:p>
+        </p:txBody>
+      </p:sp>
+      <p:pic>
+        <p:nvPicPr>
+          <p:cNvPr id="3" name="Picture 2"/>
+          <p:cNvPicPr>
+            <a:picLocks noChangeAspect="1"/>
+          </p:cNvPicPr>
+          <p:nvPr/>
+        </p:nvPicPr>
+        <p:blipFill rotWithShape="1">
+          <a:blip r:embed="rId3" cstate="email">
+            <a:extLst>
+              <a:ext uri="{28A0092B-C50C-407E-A947-70E740481C1C}">
+                <a14:useLocalDpi xmlns:a14="http://schemas.microsoft.com/office/drawing/2010/main" val="0"/>
+              </a:ext>
+            </a:extLst>
+          </a:blip>
+          <a:srcRect l="8405" t="2565" r="7978" b="2565"/>
+          <a:stretch/>
+        </p:blipFill>
+        <p:spPr>
+          <a:xfrm>
+            <a:off x="116730" y="1361871"/>
+            <a:ext cx="8900810" cy="4812779"/>
+          </a:xfrm>
+          <a:prstGeom prst="rect">
+            <a:avLst/>
+          </a:prstGeom>
+        </p:spPr>
+      </p:pic>
+    </p:spTree>
+    <p:extLst>
+      <p:ext uri="{BB962C8B-B14F-4D97-AF65-F5344CB8AC3E}">
+        <p14:creationId xmlns:p14="http://schemas.microsoft.com/office/powerpoint/2010/main" val="3467612219"/>
       </p:ext>
     </p:extLst>
   </p:cSld>

--- a/finalPresentation/Part 3/Part3.pptx
+++ b/finalPresentation/Part 3/Part3.pptx
@@ -7,34 +7,39 @@
     <p:sldMasterId id="2147483681" r:id="rId3"/>
   </p:sldMasterIdLst>
   <p:notesMasterIdLst>
-    <p:notesMasterId r:id="rId29"/>
+    <p:notesMasterId r:id="rId31"/>
   </p:notesMasterIdLst>
+  <p:handoutMasterIdLst>
+    <p:handoutMasterId r:id="rId32"/>
+  </p:handoutMasterIdLst>
   <p:sldIdLst>
     <p:sldId id="292" r:id="rId4"/>
     <p:sldId id="268" r:id="rId5"/>
     <p:sldId id="269" r:id="rId6"/>
     <p:sldId id="270" r:id="rId7"/>
     <p:sldId id="271" r:id="rId8"/>
-    <p:sldId id="283" r:id="rId9"/>
-    <p:sldId id="284" r:id="rId10"/>
-    <p:sldId id="285" r:id="rId11"/>
-    <p:sldId id="286" r:id="rId12"/>
-    <p:sldId id="272" r:id="rId13"/>
-    <p:sldId id="273" r:id="rId14"/>
-    <p:sldId id="274" r:id="rId15"/>
-    <p:sldId id="275" r:id="rId16"/>
-    <p:sldId id="276" r:id="rId17"/>
-    <p:sldId id="277" r:id="rId18"/>
-    <p:sldId id="278" r:id="rId19"/>
-    <p:sldId id="279" r:id="rId20"/>
-    <p:sldId id="280" r:id="rId21"/>
-    <p:sldId id="281" r:id="rId22"/>
-    <p:sldId id="282" r:id="rId23"/>
-    <p:sldId id="287" r:id="rId24"/>
-    <p:sldId id="288" r:id="rId25"/>
-    <p:sldId id="289" r:id="rId26"/>
-    <p:sldId id="290" r:id="rId27"/>
-    <p:sldId id="291" r:id="rId28"/>
+    <p:sldId id="293" r:id="rId9"/>
+    <p:sldId id="294" r:id="rId10"/>
+    <p:sldId id="283" r:id="rId11"/>
+    <p:sldId id="284" r:id="rId12"/>
+    <p:sldId id="285" r:id="rId13"/>
+    <p:sldId id="286" r:id="rId14"/>
+    <p:sldId id="272" r:id="rId15"/>
+    <p:sldId id="273" r:id="rId16"/>
+    <p:sldId id="274" r:id="rId17"/>
+    <p:sldId id="275" r:id="rId18"/>
+    <p:sldId id="276" r:id="rId19"/>
+    <p:sldId id="277" r:id="rId20"/>
+    <p:sldId id="278" r:id="rId21"/>
+    <p:sldId id="279" r:id="rId22"/>
+    <p:sldId id="280" r:id="rId23"/>
+    <p:sldId id="281" r:id="rId24"/>
+    <p:sldId id="282" r:id="rId25"/>
+    <p:sldId id="287" r:id="rId26"/>
+    <p:sldId id="288" r:id="rId27"/>
+    <p:sldId id="289" r:id="rId28"/>
+    <p:sldId id="290" r:id="rId29"/>
+    <p:sldId id="291" r:id="rId30"/>
   </p:sldIdLst>
   <p:sldSz cx="9144000" cy="6858000" type="screen4x3"/>
   <p:notesSz cx="9906000" cy="6794500"/>
@@ -182,6 +187,171 @@
 </p:presentation>
 </file>
 
+<file path=ppt/handoutMasters/handoutMaster1.xml><?xml version="1.0" encoding="utf-8"?>
+<p:handoutMaster xmlns:a="http://schemas.openxmlformats.org/drawingml/2006/main" xmlns:r="http://schemas.openxmlformats.org/officeDocument/2006/relationships" xmlns:p="http://schemas.openxmlformats.org/presentationml/2006/main">
+  <p:cSld>
+    <p:bg>
+      <p:bgRef idx="1001">
+        <a:schemeClr val="bg1"/>
+      </p:bgRef>
+    </p:bg>
+    <p:spTree>
+      <p:nvGrpSpPr>
+        <p:cNvPr id="1" name=""/>
+        <p:cNvGrpSpPr/>
+        <p:nvPr/>
+      </p:nvGrpSpPr>
+      <p:grpSpPr>
+        <a:xfrm>
+          <a:off x="0" y="0"/>
+          <a:ext cx="0" cy="0"/>
+          <a:chOff x="0" y="0"/>
+          <a:chExt cx="0" cy="0"/>
+        </a:xfrm>
+      </p:grpSpPr>
+      <p:sp>
+        <p:nvSpPr>
+          <p:cNvPr id="2" name="Header Placeholder 1"/>
+          <p:cNvSpPr>
+            <a:spLocks noGrp="1"/>
+          </p:cNvSpPr>
+          <p:nvPr>
+            <p:ph type="hdr" sz="quarter"/>
+          </p:nvPr>
+        </p:nvSpPr>
+        <p:spPr>
+          <a:xfrm>
+            <a:off x="0" y="0"/>
+            <a:ext cx="4292600" cy="341313"/>
+          </a:xfrm>
+          <a:prstGeom prst="rect">
+            <a:avLst/>
+          </a:prstGeom>
+        </p:spPr>
+        <p:txBody>
+          <a:bodyPr vert="horz" lIns="91440" tIns="45720" rIns="91440" bIns="45720" rtlCol="0"/>
+          <a:lstStyle>
+            <a:lvl1pPr algn="l">
+              <a:defRPr sz="1200"/>
+            </a:lvl1pPr>
+          </a:lstStyle>
+          <a:p>
+            <a:endParaRPr lang="it-IT"/>
+          </a:p>
+        </p:txBody>
+      </p:sp>
+      <p:sp>
+        <p:nvSpPr>
+          <p:cNvPr id="3" name="Date Placeholder 2"/>
+          <p:cNvSpPr>
+            <a:spLocks noGrp="1"/>
+          </p:cNvSpPr>
+          <p:nvPr>
+            <p:ph type="dt" sz="quarter" idx="1"/>
+          </p:nvPr>
+        </p:nvSpPr>
+        <p:spPr>
+          <a:xfrm>
+            <a:off x="5611813" y="0"/>
+            <a:ext cx="4292600" cy="341313"/>
+          </a:xfrm>
+          <a:prstGeom prst="rect">
+            <a:avLst/>
+          </a:prstGeom>
+        </p:spPr>
+        <p:txBody>
+          <a:bodyPr vert="horz" lIns="91440" tIns="45720" rIns="91440" bIns="45720" rtlCol="0"/>
+          <a:lstStyle>
+            <a:lvl1pPr algn="r">
+              <a:defRPr sz="1200"/>
+            </a:lvl1pPr>
+          </a:lstStyle>
+          <a:p>
+            <a:fld id="{79E46333-CB2E-4E7D-9196-46046A50A99C}" type="datetimeFigureOut">
+              <a:rPr lang="it-IT" smtClean="0"/>
+              <a:t>23/06/2016</a:t>
+            </a:fld>
+            <a:endParaRPr lang="it-IT"/>
+          </a:p>
+        </p:txBody>
+      </p:sp>
+      <p:sp>
+        <p:nvSpPr>
+          <p:cNvPr id="4" name="Footer Placeholder 3"/>
+          <p:cNvSpPr>
+            <a:spLocks noGrp="1"/>
+          </p:cNvSpPr>
+          <p:nvPr>
+            <p:ph type="ftr" sz="quarter" idx="2"/>
+          </p:nvPr>
+        </p:nvSpPr>
+        <p:spPr>
+          <a:xfrm>
+            <a:off x="0" y="6453188"/>
+            <a:ext cx="4292600" cy="341312"/>
+          </a:xfrm>
+          <a:prstGeom prst="rect">
+            <a:avLst/>
+          </a:prstGeom>
+        </p:spPr>
+        <p:txBody>
+          <a:bodyPr vert="horz" lIns="91440" tIns="45720" rIns="91440" bIns="45720" rtlCol="0" anchor="b"/>
+          <a:lstStyle>
+            <a:lvl1pPr algn="l">
+              <a:defRPr sz="1200"/>
+            </a:lvl1pPr>
+          </a:lstStyle>
+          <a:p>
+            <a:endParaRPr lang="it-IT"/>
+          </a:p>
+        </p:txBody>
+      </p:sp>
+      <p:sp>
+        <p:nvSpPr>
+          <p:cNvPr id="5" name="Slide Number Placeholder 4"/>
+          <p:cNvSpPr>
+            <a:spLocks noGrp="1"/>
+          </p:cNvSpPr>
+          <p:nvPr>
+            <p:ph type="sldNum" sz="quarter" idx="3"/>
+          </p:nvPr>
+        </p:nvSpPr>
+        <p:spPr>
+          <a:xfrm>
+            <a:off x="5611813" y="6453188"/>
+            <a:ext cx="4292600" cy="341312"/>
+          </a:xfrm>
+          <a:prstGeom prst="rect">
+            <a:avLst/>
+          </a:prstGeom>
+        </p:spPr>
+        <p:txBody>
+          <a:bodyPr vert="horz" lIns="91440" tIns="45720" rIns="91440" bIns="45720" rtlCol="0" anchor="b"/>
+          <a:lstStyle>
+            <a:lvl1pPr algn="r">
+              <a:defRPr sz="1200"/>
+            </a:lvl1pPr>
+          </a:lstStyle>
+          <a:p>
+            <a:fld id="{9A5ED48C-70D7-4D60-8566-946DA9681BB8}" type="slidenum">
+              <a:rPr lang="it-IT" smtClean="0"/>
+              <a:t>‹#›</a:t>
+            </a:fld>
+            <a:endParaRPr lang="it-IT"/>
+          </a:p>
+        </p:txBody>
+      </p:sp>
+    </p:spTree>
+    <p:extLst>
+      <p:ext uri="{BB962C8B-B14F-4D97-AF65-F5344CB8AC3E}">
+        <p14:creationId xmlns:p14="http://schemas.microsoft.com/office/powerpoint/2010/main" val="2743240180"/>
+      </p:ext>
+    </p:extLst>
+  </p:cSld>
+  <p:clrMap bg1="lt1" tx1="dk1" bg2="lt2" tx2="dk2" accent1="accent1" accent2="accent2" accent3="accent3" accent4="accent4" accent5="accent5" accent6="accent6" hlink="hlink" folHlink="folHlink"/>
+</p:handoutMaster>
+</file>
+
 <file path=ppt/notesMasters/notesMaster1.xml><?xml version="1.0" encoding="utf-8"?>
 <p:notesMaster xmlns:a="http://schemas.openxmlformats.org/drawingml/2006/main" xmlns:r="http://schemas.openxmlformats.org/officeDocument/2006/relationships" xmlns:p="http://schemas.openxmlformats.org/presentationml/2006/main">
   <p:cSld>
@@ -264,7 +434,7 @@
           <a:p>
             <a:fld id="{0A055084-1CB9-CF40-93F3-663EB9ADEB9C}" type="datetimeFigureOut">
               <a:rPr lang="it-IT" smtClean="0"/>
-              <a:t>22/06/2016</a:t>
+              <a:t>23/06/2016</a:t>
             </a:fld>
             <a:endParaRPr lang="it-IT"/>
           </a:p>
@@ -550,7 +720,7 @@
       </p:grpSpPr>
       <p:sp>
         <p:nvSpPr>
-          <p:cNvPr id="2" name="Segnaposto immagine diapositiva 1"/>
+          <p:cNvPr id="2" name="Slide Image Placeholder 1"/>
           <p:cNvSpPr>
             <a:spLocks noGrp="1" noRot="1" noChangeAspect="1"/>
           </p:cNvSpPr>
@@ -562,7 +732,7 @@
       </p:sp>
       <p:sp>
         <p:nvSpPr>
-          <p:cNvPr id="3" name="Segnaposto note 2"/>
+          <p:cNvPr id="3" name="Notes Placeholder 2"/>
           <p:cNvSpPr>
             <a:spLocks noGrp="1"/>
           </p:cNvSpPr>
@@ -575,32 +745,13 @@
           <a:bodyPr/>
           <a:lstStyle/>
           <a:p>
-            <a:pPr marL="0" marR="0" indent="0" algn="l" defTabSz="457200" rtl="0" eaLnBrk="1" fontAlgn="auto" latinLnBrk="0" hangingPunct="1">
-              <a:lnSpc>
-                <a:spcPct val="100000"/>
-              </a:lnSpc>
-              <a:spcBef>
-                <a:spcPts val="0"/>
-              </a:spcBef>
-              <a:spcAft>
-                <a:spcPts val="0"/>
-              </a:spcAft>
-              <a:buClrTx/>
-              <a:buSzTx/>
-              <a:buFontTx/>
-              <a:buNone/>
-              <a:tabLst/>
-              <a:defRPr/>
-            </a:pPr>
-            <a:endParaRPr lang="it-IT" sz="1200" b="0" baseline="0" dirty="0">
-              <a:sym typeface="Wingdings"/>
-            </a:endParaRPr>
+            <a:endParaRPr lang="it-IT" dirty="0"/>
           </a:p>
         </p:txBody>
       </p:sp>
       <p:sp>
         <p:nvSpPr>
-          <p:cNvPr id="4" name="Segnaposto numero diapositiva 3"/>
+          <p:cNvPr id="4" name="Slide Number Placeholder 3"/>
           <p:cNvSpPr>
             <a:spLocks noGrp="1"/>
           </p:cNvSpPr>
@@ -615,7 +766,7 @@
           <a:p>
             <a:fld id="{E73CFAA4-C87D-1545-9F8E-F35BF2220A99}" type="slidenum">
               <a:rPr lang="it-IT" smtClean="0"/>
-              <a:t>2</a:t>
+              <a:t>1</a:t>
             </a:fld>
             <a:endParaRPr lang="it-IT"/>
           </a:p>
@@ -624,7 +775,7 @@
     </p:spTree>
     <p:extLst>
       <p:ext uri="{BB962C8B-B14F-4D97-AF65-F5344CB8AC3E}">
-        <p14:creationId xmlns:p14="http://schemas.microsoft.com/office/powerpoint/2010/main" val="2759415330"/>
+        <p14:creationId xmlns:p14="http://schemas.microsoft.com/office/powerpoint/2010/main" val="1648387666"/>
       </p:ext>
     </p:extLst>
   </p:cSld>
@@ -653,7 +804,7 @@
       </p:grpSpPr>
       <p:sp>
         <p:nvSpPr>
-          <p:cNvPr id="2" name="Slide Image Placeholder 1"/>
+          <p:cNvPr id="2" name="Segnaposto immagine diapositiva 1"/>
           <p:cNvSpPr>
             <a:spLocks noGrp="1" noRot="1" noChangeAspect="1"/>
           </p:cNvSpPr>
@@ -665,7 +816,7 @@
       </p:sp>
       <p:sp>
         <p:nvSpPr>
-          <p:cNvPr id="3" name="Notes Placeholder 2"/>
+          <p:cNvPr id="3" name="Segnaposto note 2"/>
           <p:cNvSpPr>
             <a:spLocks noGrp="1"/>
           </p:cNvSpPr>
@@ -678,27 +829,32 @@
           <a:bodyPr/>
           <a:lstStyle/>
           <a:p>
-            <a:r>
-              <a:rPr lang="it-IT" dirty="0"/>
-              <a:t>How do we weight Q and R?</a:t>
-            </a:r>
-          </a:p>
-          <a:p>
-            <a:r>
-              <a:rPr lang="it-IT" dirty="0"/>
-              <a:t>Why didnt we include an</a:t>
-            </a:r>
-            <a:r>
-              <a:rPr lang="it-IT" baseline="0" dirty="0"/>
-              <a:t> integral action.</a:t>
-            </a:r>
-            <a:endParaRPr lang="it-IT" dirty="0"/>
+            <a:pPr marL="0" marR="0" indent="0" algn="l" defTabSz="457200" rtl="0" eaLnBrk="1" fontAlgn="auto" latinLnBrk="0" hangingPunct="1">
+              <a:lnSpc>
+                <a:spcPct val="100000"/>
+              </a:lnSpc>
+              <a:spcBef>
+                <a:spcPts val="0"/>
+              </a:spcBef>
+              <a:spcAft>
+                <a:spcPts val="0"/>
+              </a:spcAft>
+              <a:buClrTx/>
+              <a:buSzTx/>
+              <a:buFontTx/>
+              <a:buNone/>
+              <a:tabLst/>
+              <a:defRPr/>
+            </a:pPr>
+            <a:endParaRPr lang="it-IT" sz="1200" b="0" baseline="0" dirty="0">
+              <a:sym typeface="Wingdings"/>
+            </a:endParaRPr>
           </a:p>
         </p:txBody>
       </p:sp>
       <p:sp>
         <p:nvSpPr>
-          <p:cNvPr id="4" name="Slide Number Placeholder 3"/>
+          <p:cNvPr id="4" name="Segnaposto numero diapositiva 3"/>
           <p:cNvSpPr>
             <a:spLocks noGrp="1"/>
           </p:cNvSpPr>
@@ -713,7 +869,7 @@
           <a:p>
             <a:fld id="{E73CFAA4-C87D-1545-9F8E-F35BF2220A99}" type="slidenum">
               <a:rPr lang="it-IT" smtClean="0"/>
-              <a:t>6</a:t>
+              <a:t>2</a:t>
             </a:fld>
             <a:endParaRPr lang="it-IT"/>
           </a:p>
@@ -722,7 +878,7 @@
     </p:spTree>
     <p:extLst>
       <p:ext uri="{BB962C8B-B14F-4D97-AF65-F5344CB8AC3E}">
-        <p14:creationId xmlns:p14="http://schemas.microsoft.com/office/powerpoint/2010/main" val="2716622868"/>
+        <p14:creationId xmlns:p14="http://schemas.microsoft.com/office/powerpoint/2010/main" val="2759415330"/>
       </p:ext>
     </p:extLst>
   </p:cSld>
@@ -776,6 +932,34 @@
           <a:bodyPr/>
           <a:lstStyle/>
           <a:p>
+            <a:r>
+              <a:rPr lang="it-IT" dirty="0"/>
+              <a:t>LQG is a state-feedback controller =&gt;</a:t>
+            </a:r>
+            <a:r>
+              <a:rPr lang="it-IT" baseline="0" dirty="0"/>
+              <a:t> Kalman</a:t>
+            </a:r>
+            <a:r>
+              <a:rPr lang="it-IT" dirty="0"/>
+              <a:t>.</a:t>
+            </a:r>
+          </a:p>
+          <a:p>
+            <a:r>
+              <a:rPr lang="it-IT" dirty="0"/>
+              <a:t>How do we weight Q and R?</a:t>
+            </a:r>
+          </a:p>
+          <a:p>
+            <a:r>
+              <a:rPr lang="it-IT" dirty="0"/>
+              <a:t>Why didnt we include an</a:t>
+            </a:r>
+            <a:r>
+              <a:rPr lang="it-IT" baseline="0" dirty="0"/>
+              <a:t> integral action.</a:t>
+            </a:r>
             <a:endParaRPr lang="it-IT" dirty="0"/>
           </a:p>
         </p:txBody>
@@ -797,7 +981,7 @@
           <a:p>
             <a:fld id="{E73CFAA4-C87D-1545-9F8E-F35BF2220A99}" type="slidenum">
               <a:rPr lang="it-IT" smtClean="0"/>
-              <a:t>7</a:t>
+              <a:t>8</a:t>
             </a:fld>
             <a:endParaRPr lang="it-IT"/>
           </a:p>
@@ -806,7 +990,7 @@
     </p:spTree>
     <p:extLst>
       <p:ext uri="{BB962C8B-B14F-4D97-AF65-F5344CB8AC3E}">
-        <p14:creationId xmlns:p14="http://schemas.microsoft.com/office/powerpoint/2010/main" val="1875527903"/>
+        <p14:creationId xmlns:p14="http://schemas.microsoft.com/office/powerpoint/2010/main" val="2716622868"/>
       </p:ext>
     </p:extLst>
   </p:cSld>
@@ -881,7 +1065,7 @@
           <a:p>
             <a:fld id="{E73CFAA4-C87D-1545-9F8E-F35BF2220A99}" type="slidenum">
               <a:rPr lang="it-IT" smtClean="0"/>
-              <a:t>8</a:t>
+              <a:t>9</a:t>
             </a:fld>
             <a:endParaRPr lang="it-IT"/>
           </a:p>
@@ -890,7 +1074,7 @@
     </p:spTree>
     <p:extLst>
       <p:ext uri="{BB962C8B-B14F-4D97-AF65-F5344CB8AC3E}">
-        <p14:creationId xmlns:p14="http://schemas.microsoft.com/office/powerpoint/2010/main" val="281961019"/>
+        <p14:creationId xmlns:p14="http://schemas.microsoft.com/office/powerpoint/2010/main" val="1875527903"/>
       </p:ext>
     </p:extLst>
   </p:cSld>
@@ -965,7 +1149,7 @@
           <a:p>
             <a:fld id="{E73CFAA4-C87D-1545-9F8E-F35BF2220A99}" type="slidenum">
               <a:rPr lang="it-IT" smtClean="0"/>
-              <a:t>9</a:t>
+              <a:t>10</a:t>
             </a:fld>
             <a:endParaRPr lang="it-IT"/>
           </a:p>
@@ -974,7 +1158,7 @@
     </p:spTree>
     <p:extLst>
       <p:ext uri="{BB962C8B-B14F-4D97-AF65-F5344CB8AC3E}">
-        <p14:creationId xmlns:p14="http://schemas.microsoft.com/office/powerpoint/2010/main" val="542432669"/>
+        <p14:creationId xmlns:p14="http://schemas.microsoft.com/office/powerpoint/2010/main" val="281961019"/>
       </p:ext>
     </p:extLst>
   </p:cSld>
@@ -1028,20 +1212,6 @@
           <a:bodyPr/>
           <a:lstStyle/>
           <a:p>
-            <a:r>
-              <a:rPr lang="it-IT" dirty="0"/>
-              <a:t>Discrete time because it works better.</a:t>
-            </a:r>
-          </a:p>
-          <a:p>
-            <a:r>
-              <a:rPr lang="it-IT" dirty="0"/>
-              <a:t>There is no implementation of EKF</a:t>
-            </a:r>
-            <a:r>
-              <a:rPr lang="it-IT" baseline="0" dirty="0"/>
-              <a:t> on matlab.</a:t>
-            </a:r>
             <a:endParaRPr lang="it-IT" dirty="0"/>
           </a:p>
         </p:txBody>
@@ -1063,7 +1233,7 @@
           <a:p>
             <a:fld id="{E73CFAA4-C87D-1545-9F8E-F35BF2220A99}" type="slidenum">
               <a:rPr lang="it-IT" smtClean="0"/>
-              <a:t>23</a:t>
+              <a:t>11</a:t>
             </a:fld>
             <a:endParaRPr lang="it-IT"/>
           </a:p>
@@ -1072,7 +1242,7 @@
     </p:spTree>
     <p:extLst>
       <p:ext uri="{BB962C8B-B14F-4D97-AF65-F5344CB8AC3E}">
-        <p14:creationId xmlns:p14="http://schemas.microsoft.com/office/powerpoint/2010/main" val="4269517144"/>
+        <p14:creationId xmlns:p14="http://schemas.microsoft.com/office/powerpoint/2010/main" val="542432669"/>
       </p:ext>
     </p:extLst>
   </p:cSld>
@@ -1126,31 +1296,15 @@
           <a:bodyPr/>
           <a:lstStyle/>
           <a:p>
-            <a:pPr marL="228600" indent="-228600">
-              <a:buAutoNum type="arabicParenR"/>
-            </a:pPr>
             <a:r>
               <a:rPr lang="it-IT" dirty="0"/>
-              <a:t>Correctness of implementation </a:t>
+              <a:t>We feedback from the second</a:t>
             </a:r>
-          </a:p>
-          <a:p>
-            <a:pPr marL="228600" indent="-228600">
-              <a:buAutoNum type="arabicParenR"/>
-            </a:pPr>
             <a:r>
-              <a:rPr lang="it-IT" dirty="0"/>
-              <a:t>Noisy data, Online</a:t>
+              <a:rPr lang="it-IT" baseline="0" dirty="0"/>
+              <a:t> output</a:t>
             </a:r>
-          </a:p>
-          <a:p>
-            <a:pPr marL="228600" indent="-228600">
-              <a:buAutoNum type="arabicParenR"/>
-            </a:pPr>
-            <a:r>
-              <a:rPr lang="it-IT" dirty="0"/>
-              <a:t>Comparing Arduino vs Simulink = Online vs Offline</a:t>
-            </a:r>
+            <a:endParaRPr lang="it-IT" dirty="0"/>
           </a:p>
         </p:txBody>
       </p:sp>
@@ -1171,7 +1325,213 @@
           <a:p>
             <a:fld id="{E73CFAA4-C87D-1545-9F8E-F35BF2220A99}" type="slidenum">
               <a:rPr lang="it-IT" smtClean="0"/>
-              <a:t>24</a:t>
+              <a:t>17</a:t>
+            </a:fld>
+            <a:endParaRPr lang="it-IT"/>
+          </a:p>
+        </p:txBody>
+      </p:sp>
+    </p:spTree>
+    <p:extLst>
+      <p:ext uri="{BB962C8B-B14F-4D97-AF65-F5344CB8AC3E}">
+        <p14:creationId xmlns:p14="http://schemas.microsoft.com/office/powerpoint/2010/main" val="3681854058"/>
+      </p:ext>
+    </p:extLst>
+  </p:cSld>
+  <p:clrMapOvr>
+    <a:masterClrMapping/>
+  </p:clrMapOvr>
+</p:notes>
+</file>
+
+<file path=ppt/notesSlides/notesSlide8.xml><?xml version="1.0" encoding="utf-8"?>
+<p:notes xmlns:a="http://schemas.openxmlformats.org/drawingml/2006/main" xmlns:r="http://schemas.openxmlformats.org/officeDocument/2006/relationships" xmlns:p="http://schemas.openxmlformats.org/presentationml/2006/main">
+  <p:cSld>
+    <p:spTree>
+      <p:nvGrpSpPr>
+        <p:cNvPr id="1" name=""/>
+        <p:cNvGrpSpPr/>
+        <p:nvPr/>
+      </p:nvGrpSpPr>
+      <p:grpSpPr>
+        <a:xfrm>
+          <a:off x="0" y="0"/>
+          <a:ext cx="0" cy="0"/>
+          <a:chOff x="0" y="0"/>
+          <a:chExt cx="0" cy="0"/>
+        </a:xfrm>
+      </p:grpSpPr>
+      <p:sp>
+        <p:nvSpPr>
+          <p:cNvPr id="2" name="Slide Image Placeholder 1"/>
+          <p:cNvSpPr>
+            <a:spLocks noGrp="1" noRot="1" noChangeAspect="1"/>
+          </p:cNvSpPr>
+          <p:nvPr>
+            <p:ph type="sldImg"/>
+          </p:nvPr>
+        </p:nvSpPr>
+        <p:spPr/>
+      </p:sp>
+      <p:sp>
+        <p:nvSpPr>
+          <p:cNvPr id="3" name="Notes Placeholder 2"/>
+          <p:cNvSpPr>
+            <a:spLocks noGrp="1"/>
+          </p:cNvSpPr>
+          <p:nvPr>
+            <p:ph type="body" idx="1"/>
+          </p:nvPr>
+        </p:nvSpPr>
+        <p:spPr/>
+        <p:txBody>
+          <a:bodyPr/>
+          <a:lstStyle/>
+          <a:p>
+            <a:r>
+              <a:rPr lang="it-IT" dirty="0"/>
+              <a:t>Discrete time because it works better.</a:t>
+            </a:r>
+          </a:p>
+          <a:p>
+            <a:r>
+              <a:rPr lang="it-IT" dirty="0"/>
+              <a:t>There is no implementation of EKF</a:t>
+            </a:r>
+            <a:r>
+              <a:rPr lang="it-IT" baseline="0" dirty="0"/>
+              <a:t> on matlab.</a:t>
+            </a:r>
+            <a:endParaRPr lang="it-IT" dirty="0"/>
+          </a:p>
+        </p:txBody>
+      </p:sp>
+      <p:sp>
+        <p:nvSpPr>
+          <p:cNvPr id="4" name="Slide Number Placeholder 3"/>
+          <p:cNvSpPr>
+            <a:spLocks noGrp="1"/>
+          </p:cNvSpPr>
+          <p:nvPr>
+            <p:ph type="sldNum" sz="quarter" idx="10"/>
+          </p:nvPr>
+        </p:nvSpPr>
+        <p:spPr/>
+        <p:txBody>
+          <a:bodyPr/>
+          <a:lstStyle/>
+          <a:p>
+            <a:fld id="{E73CFAA4-C87D-1545-9F8E-F35BF2220A99}" type="slidenum">
+              <a:rPr lang="it-IT" smtClean="0"/>
+              <a:t>25</a:t>
+            </a:fld>
+            <a:endParaRPr lang="it-IT"/>
+          </a:p>
+        </p:txBody>
+      </p:sp>
+    </p:spTree>
+    <p:extLst>
+      <p:ext uri="{BB962C8B-B14F-4D97-AF65-F5344CB8AC3E}">
+        <p14:creationId xmlns:p14="http://schemas.microsoft.com/office/powerpoint/2010/main" val="4269517144"/>
+      </p:ext>
+    </p:extLst>
+  </p:cSld>
+  <p:clrMapOvr>
+    <a:masterClrMapping/>
+  </p:clrMapOvr>
+</p:notes>
+</file>
+
+<file path=ppt/notesSlides/notesSlide9.xml><?xml version="1.0" encoding="utf-8"?>
+<p:notes xmlns:a="http://schemas.openxmlformats.org/drawingml/2006/main" xmlns:r="http://schemas.openxmlformats.org/officeDocument/2006/relationships" xmlns:p="http://schemas.openxmlformats.org/presentationml/2006/main">
+  <p:cSld>
+    <p:spTree>
+      <p:nvGrpSpPr>
+        <p:cNvPr id="1" name=""/>
+        <p:cNvGrpSpPr/>
+        <p:nvPr/>
+      </p:nvGrpSpPr>
+      <p:grpSpPr>
+        <a:xfrm>
+          <a:off x="0" y="0"/>
+          <a:ext cx="0" cy="0"/>
+          <a:chOff x="0" y="0"/>
+          <a:chExt cx="0" cy="0"/>
+        </a:xfrm>
+      </p:grpSpPr>
+      <p:sp>
+        <p:nvSpPr>
+          <p:cNvPr id="2" name="Slide Image Placeholder 1"/>
+          <p:cNvSpPr>
+            <a:spLocks noGrp="1" noRot="1" noChangeAspect="1"/>
+          </p:cNvSpPr>
+          <p:nvPr>
+            <p:ph type="sldImg"/>
+          </p:nvPr>
+        </p:nvSpPr>
+        <p:spPr/>
+      </p:sp>
+      <p:sp>
+        <p:nvSpPr>
+          <p:cNvPr id="3" name="Notes Placeholder 2"/>
+          <p:cNvSpPr>
+            <a:spLocks noGrp="1"/>
+          </p:cNvSpPr>
+          <p:nvPr>
+            <p:ph type="body" idx="1"/>
+          </p:nvPr>
+        </p:nvSpPr>
+        <p:spPr/>
+        <p:txBody>
+          <a:bodyPr/>
+          <a:lstStyle/>
+          <a:p>
+            <a:pPr marL="228600" indent="-228600">
+              <a:buAutoNum type="arabicParenR"/>
+            </a:pPr>
+            <a:r>
+              <a:rPr lang="it-IT" dirty="0"/>
+              <a:t>Correctness of implementation </a:t>
+            </a:r>
+          </a:p>
+          <a:p>
+            <a:pPr marL="228600" indent="-228600">
+              <a:buAutoNum type="arabicParenR"/>
+            </a:pPr>
+            <a:r>
+              <a:rPr lang="it-IT" dirty="0"/>
+              <a:t>Noisy data, Online</a:t>
+            </a:r>
+          </a:p>
+          <a:p>
+            <a:pPr marL="228600" indent="-228600">
+              <a:buAutoNum type="arabicParenR"/>
+            </a:pPr>
+            <a:r>
+              <a:rPr lang="it-IT" dirty="0"/>
+              <a:t>Comparing Arduino vs Simulink = Online vs Offline</a:t>
+            </a:r>
+          </a:p>
+        </p:txBody>
+      </p:sp>
+      <p:sp>
+        <p:nvSpPr>
+          <p:cNvPr id="4" name="Slide Number Placeholder 3"/>
+          <p:cNvSpPr>
+            <a:spLocks noGrp="1"/>
+          </p:cNvSpPr>
+          <p:nvPr>
+            <p:ph type="sldNum" sz="quarter" idx="10"/>
+          </p:nvPr>
+        </p:nvSpPr>
+        <p:spPr/>
+        <p:txBody>
+          <a:bodyPr/>
+          <a:lstStyle/>
+          <a:p>
+            <a:fld id="{E73CFAA4-C87D-1545-9F8E-F35BF2220A99}" type="slidenum">
+              <a:rPr lang="it-IT" smtClean="0"/>
+              <a:t>26</a:t>
             </a:fld>
             <a:endParaRPr lang="it-IT"/>
           </a:p>
@@ -2740,14 +3100,14 @@
           </a:ln>
           <a:extLst>
             <a:ext uri="{909E8E84-426E-40dd-AFC4-6F175D3DCCD1}">
-              <a14:hiddenFill xmlns="" xmlns:a14="http://schemas.microsoft.com/office/drawing/2010/main">
+              <a14:hiddenFill xmlns:a14="http://schemas.microsoft.com/office/drawing/2010/main" xmlns="">
                 <a:solidFill>
                   <a:srgbClr val="FFFFFF"/>
                 </a:solidFill>
               </a14:hiddenFill>
             </a:ext>
             <a:ext uri="{91240B29-F687-4f45-9708-019B960494DF}">
-              <a14:hiddenLine xmlns="" xmlns:a14="http://schemas.microsoft.com/office/drawing/2010/main" w="9525">
+              <a14:hiddenLine xmlns:a14="http://schemas.microsoft.com/office/drawing/2010/main" xmlns="" w="9525">
                 <a:solidFill>
                   <a:srgbClr val="000000"/>
                 </a:solidFill>
@@ -2825,14 +3185,14 @@
           </a:ln>
           <a:extLst>
             <a:ext uri="{909E8E84-426E-40dd-AFC4-6F175D3DCCD1}">
-              <a14:hiddenFill xmlns="" xmlns:a14="http://schemas.microsoft.com/office/drawing/2010/main">
+              <a14:hiddenFill xmlns:a14="http://schemas.microsoft.com/office/drawing/2010/main" xmlns="">
                 <a:solidFill>
                   <a:srgbClr val="FFFFFF"/>
                 </a:solidFill>
               </a14:hiddenFill>
             </a:ext>
             <a:ext uri="{91240B29-F687-4f45-9708-019B960494DF}">
-              <a14:hiddenLine xmlns="" xmlns:a14="http://schemas.microsoft.com/office/drawing/2010/main" w="9525">
+              <a14:hiddenLine xmlns:a14="http://schemas.microsoft.com/office/drawing/2010/main" xmlns="" w="9525">
                 <a:solidFill>
                   <a:srgbClr val="000000"/>
                 </a:solidFill>
@@ -2842,7 +3202,7 @@
               </a14:hiddenLine>
             </a:ext>
             <a:ext uri="{FAA26D3D-D897-4be2-8F04-BA451C77F1D7}">
-              <ma14:placeholderFlag xmlns="" xmlns:ma14="http://schemas.microsoft.com/office/mac/drawingml/2011/main" val="1"/>
+              <ma14:placeholderFlag xmlns:ma14="http://schemas.microsoft.com/office/mac/drawingml/2011/main" xmlns="" val="1"/>
             </a:ext>
           </a:extLst>
         </p:spPr>
@@ -2886,14 +3246,14 @@
           </a:ln>
           <a:extLst>
             <a:ext uri="{909E8E84-426E-40dd-AFC4-6F175D3DCCD1}">
-              <a14:hiddenFill xmlns="" xmlns:a14="http://schemas.microsoft.com/office/drawing/2010/main">
+              <a14:hiddenFill xmlns:a14="http://schemas.microsoft.com/office/drawing/2010/main" xmlns="">
                 <a:solidFill>
                   <a:srgbClr val="FFFFFF"/>
                 </a:solidFill>
               </a14:hiddenFill>
             </a:ext>
             <a:ext uri="{91240B29-F687-4f45-9708-019B960494DF}">
-              <a14:hiddenLine xmlns="" xmlns:a14="http://schemas.microsoft.com/office/drawing/2010/main" w="9525">
+              <a14:hiddenLine xmlns:a14="http://schemas.microsoft.com/office/drawing/2010/main" xmlns="" w="9525">
                 <a:solidFill>
                   <a:srgbClr val="000000"/>
                 </a:solidFill>
@@ -2903,7 +3263,7 @@
               </a14:hiddenLine>
             </a:ext>
             <a:ext uri="{FAA26D3D-D897-4be2-8F04-BA451C77F1D7}">
-              <ma14:placeholderFlag xmlns="" xmlns:ma14="http://schemas.microsoft.com/office/mac/drawingml/2011/main" val="1"/>
+              <ma14:placeholderFlag xmlns:ma14="http://schemas.microsoft.com/office/mac/drawingml/2011/main" xmlns="" val="1"/>
             </a:ext>
           </a:extLst>
         </p:spPr>
@@ -2957,7 +3317,7 @@
     <p:sldLayoutId id="2147483673" r:id="rId2"/>
     <p:sldLayoutId id="2147483674" r:id="rId3"/>
   </p:sldLayoutIdLst>
-  <p:hf hdr="0" ftr="0" dt="0"/>
+  <p:hf sldNum="0" hdr="0" dt="0"/>
   <p:txStyles>
     <p:titleStyle>
       <a:lvl1pPr algn="l" rtl="0" eaLnBrk="0" fontAlgn="base" hangingPunct="0">
@@ -3398,14 +3758,14 @@
           <a:effectLst/>
           <a:extLst>
             <a:ext uri="{909E8E84-426E-40dd-AFC4-6F175D3DCCD1}">
-              <a14:hiddenFill xmlns="" xmlns:a14="http://schemas.microsoft.com/office/drawing/2010/main">
+              <a14:hiddenFill xmlns:a14="http://schemas.microsoft.com/office/drawing/2010/main" xmlns="">
                 <a:solidFill>
                   <a:schemeClr val="accent1"/>
                 </a:solidFill>
               </a14:hiddenFill>
             </a:ext>
             <a:ext uri="{91240B29-F687-4f45-9708-019B960494DF}">
-              <a14:hiddenLine xmlns="" xmlns:a14="http://schemas.microsoft.com/office/drawing/2010/main" w="9525">
+              <a14:hiddenLine xmlns:a14="http://schemas.microsoft.com/office/drawing/2010/main" xmlns="" w="9525">
                 <a:solidFill>
                   <a:srgbClr val="FF6600"/>
                 </a:solidFill>
@@ -3415,7 +3775,7 @@
               </a14:hiddenLine>
             </a:ext>
             <a:ext uri="{AF507438-7753-43e0-B8FC-AC1667EBCBE1}">
-              <a14:hiddenEffects xmlns="" xmlns:a14="http://schemas.microsoft.com/office/drawing/2010/main">
+              <a14:hiddenEffects xmlns:a14="http://schemas.microsoft.com/office/drawing/2010/main" xmlns="">
                 <a:effectLst>
                   <a:outerShdw blurRad="63500" dist="38099" dir="2700000" algn="ctr" rotWithShape="0">
                     <a:schemeClr val="bg2">
@@ -3519,7 +3879,7 @@
                 <a:uLnTx/>
                 <a:uFillTx/>
               </a:rPr>
-              <a:t>Tesi di Laurea Magistrale – Nome Cognome</a:t>
+              <a:t>Automation and Control Laboratory – Ficicchia Russo Savaia</a:t>
             </a:r>
           </a:p>
         </p:txBody>
@@ -3537,7 +3897,7 @@
     <p:sldLayoutId id="2147483665" r:id="rId7"/>
     <p:sldLayoutId id="2147483666" r:id="rId8"/>
   </p:sldLayoutIdLst>
-  <p:hf hdr="0" dt="0"/>
+  <p:hf sldNum="0" hdr="0" dt="0"/>
   <p:txStyles>
     <p:titleStyle>
       <a:lvl1pPr algn="ctr" rtl="0" eaLnBrk="1" fontAlgn="base" hangingPunct="1">
@@ -3983,14 +4343,14 @@
           </a:ln>
           <a:extLst>
             <a:ext uri="{909E8E84-426E-40dd-AFC4-6F175D3DCCD1}">
-              <a14:hiddenFill xmlns="" xmlns:a14="http://schemas.microsoft.com/office/drawing/2010/main">
+              <a14:hiddenFill xmlns:a14="http://schemas.microsoft.com/office/drawing/2010/main" xmlns="">
                 <a:solidFill>
                   <a:srgbClr val="FFFFFF"/>
                 </a:solidFill>
               </a14:hiddenFill>
             </a:ext>
             <a:ext uri="{91240B29-F687-4f45-9708-019B960494DF}">
-              <a14:hiddenLine xmlns="" xmlns:a14="http://schemas.microsoft.com/office/drawing/2010/main" w="9525">
+              <a14:hiddenLine xmlns:a14="http://schemas.microsoft.com/office/drawing/2010/main" xmlns="" w="9525">
                 <a:solidFill>
                   <a:srgbClr val="000000"/>
                 </a:solidFill>
@@ -4068,14 +4428,14 @@
           </a:ln>
           <a:extLst>
             <a:ext uri="{909E8E84-426E-40dd-AFC4-6F175D3DCCD1}">
-              <a14:hiddenFill xmlns="" xmlns:a14="http://schemas.microsoft.com/office/drawing/2010/main">
+              <a14:hiddenFill xmlns:a14="http://schemas.microsoft.com/office/drawing/2010/main" xmlns="">
                 <a:solidFill>
                   <a:srgbClr val="FFFFFF"/>
                 </a:solidFill>
               </a14:hiddenFill>
             </a:ext>
             <a:ext uri="{91240B29-F687-4f45-9708-019B960494DF}">
-              <a14:hiddenLine xmlns="" xmlns:a14="http://schemas.microsoft.com/office/drawing/2010/main" w="9525">
+              <a14:hiddenLine xmlns:a14="http://schemas.microsoft.com/office/drawing/2010/main" xmlns="" w="9525">
                 <a:solidFill>
                   <a:srgbClr val="000000"/>
                 </a:solidFill>
@@ -4085,7 +4445,7 @@
               </a14:hiddenLine>
             </a:ext>
             <a:ext uri="{FAA26D3D-D897-4be2-8F04-BA451C77F1D7}">
-              <ma14:placeholderFlag xmlns="" xmlns:ma14="http://schemas.microsoft.com/office/mac/drawingml/2011/main" val="1"/>
+              <ma14:placeholderFlag xmlns:ma14="http://schemas.microsoft.com/office/mac/drawingml/2011/main" xmlns="" val="1"/>
             </a:ext>
           </a:extLst>
         </p:spPr>
@@ -4129,14 +4489,14 @@
           </a:ln>
           <a:extLst>
             <a:ext uri="{909E8E84-426E-40dd-AFC4-6F175D3DCCD1}">
-              <a14:hiddenFill xmlns="" xmlns:a14="http://schemas.microsoft.com/office/drawing/2010/main">
+              <a14:hiddenFill xmlns:a14="http://schemas.microsoft.com/office/drawing/2010/main" xmlns="">
                 <a:solidFill>
                   <a:srgbClr val="FFFFFF"/>
                 </a:solidFill>
               </a14:hiddenFill>
             </a:ext>
             <a:ext uri="{91240B29-F687-4f45-9708-019B960494DF}">
-              <a14:hiddenLine xmlns="" xmlns:a14="http://schemas.microsoft.com/office/drawing/2010/main" w="9525">
+              <a14:hiddenLine xmlns:a14="http://schemas.microsoft.com/office/drawing/2010/main" xmlns="" w="9525">
                 <a:solidFill>
                   <a:srgbClr val="000000"/>
                 </a:solidFill>
@@ -4146,7 +4506,7 @@
               </a14:hiddenLine>
             </a:ext>
             <a:ext uri="{FAA26D3D-D897-4be2-8F04-BA451C77F1D7}">
-              <ma14:placeholderFlag xmlns="" xmlns:ma14="http://schemas.microsoft.com/office/mac/drawingml/2011/main" val="1"/>
+              <ma14:placeholderFlag xmlns:ma14="http://schemas.microsoft.com/office/mac/drawingml/2011/main" xmlns="" val="1"/>
             </a:ext>
           </a:extLst>
         </p:spPr>
@@ -4200,7 +4560,7 @@
     <p:sldLayoutId id="2147483683" r:id="rId2"/>
     <p:sldLayoutId id="2147483684" r:id="rId3"/>
   </p:sldLayoutIdLst>
-  <p:hf hdr="0" ftr="0" dt="0"/>
+  <p:hf sldNum="0" hdr="0" dt="0"/>
   <p:txStyles>
     <p:titleStyle>
       <a:lvl1pPr algn="l" rtl="0" eaLnBrk="1" fontAlgn="base" hangingPunct="1">
@@ -4670,6 +5030,168 @@
 </file>
 
 <file path=ppt/slides/slide10.xml><?xml version="1.0" encoding="utf-8"?>
+<p:sld xmlns:a="http://schemas.openxmlformats.org/drawingml/2006/main" xmlns:r="http://schemas.openxmlformats.org/officeDocument/2006/relationships" xmlns:p="http://schemas.openxmlformats.org/presentationml/2006/main">
+  <p:cSld>
+    <p:spTree>
+      <p:nvGrpSpPr>
+        <p:cNvPr id="1" name=""/>
+        <p:cNvGrpSpPr/>
+        <p:nvPr/>
+      </p:nvGrpSpPr>
+      <p:grpSpPr>
+        <a:xfrm>
+          <a:off x="0" y="0"/>
+          <a:ext cx="0" cy="0"/>
+          <a:chOff x="0" y="0"/>
+          <a:chExt cx="0" cy="0"/>
+        </a:xfrm>
+      </p:grpSpPr>
+      <p:sp>
+        <p:nvSpPr>
+          <p:cNvPr id="2" name="Text Placeholder 1"/>
+          <p:cNvSpPr>
+            <a:spLocks noGrp="1"/>
+          </p:cNvSpPr>
+          <p:nvPr>
+            <p:ph type="body" sz="quarter" idx="10"/>
+          </p:nvPr>
+        </p:nvSpPr>
+        <p:spPr/>
+        <p:txBody>
+          <a:bodyPr/>
+          <a:lstStyle/>
+          <a:p>
+            <a:r>
+              <a:rPr lang="it-IT" dirty="0"/>
+              <a:t>LQG 2dof</a:t>
+            </a:r>
+          </a:p>
+        </p:txBody>
+      </p:sp>
+      <p:pic>
+        <p:nvPicPr>
+          <p:cNvPr id="4" name="Picture 3"/>
+          <p:cNvPicPr>
+            <a:picLocks noChangeAspect="1"/>
+          </p:cNvPicPr>
+          <p:nvPr/>
+        </p:nvPicPr>
+        <p:blipFill rotWithShape="1">
+          <a:blip r:embed="rId3" cstate="email">
+            <a:extLst>
+              <a:ext uri="{28A0092B-C50C-407E-A947-70E740481C1C}">
+                <a14:useLocalDpi xmlns:a14="http://schemas.microsoft.com/office/drawing/2010/main" val="0"/>
+              </a:ext>
+            </a:extLst>
+          </a:blip>
+          <a:srcRect l="8511" t="3010" r="7872" b="2118"/>
+          <a:stretch/>
+        </p:blipFill>
+        <p:spPr>
+          <a:xfrm>
+            <a:off x="112794" y="1225685"/>
+            <a:ext cx="9031206" cy="4883285"/>
+          </a:xfrm>
+          <a:prstGeom prst="rect">
+            <a:avLst/>
+          </a:prstGeom>
+        </p:spPr>
+      </p:pic>
+    </p:spTree>
+    <p:extLst>
+      <p:ext uri="{BB962C8B-B14F-4D97-AF65-F5344CB8AC3E}">
+        <p14:creationId xmlns:p14="http://schemas.microsoft.com/office/powerpoint/2010/main" val="3406718157"/>
+      </p:ext>
+    </p:extLst>
+  </p:cSld>
+  <p:clrMapOvr>
+    <a:masterClrMapping/>
+  </p:clrMapOvr>
+</p:sld>
+</file>
+
+<file path=ppt/slides/slide11.xml><?xml version="1.0" encoding="utf-8"?>
+<p:sld xmlns:a="http://schemas.openxmlformats.org/drawingml/2006/main" xmlns:r="http://schemas.openxmlformats.org/officeDocument/2006/relationships" xmlns:p="http://schemas.openxmlformats.org/presentationml/2006/main">
+  <p:cSld>
+    <p:spTree>
+      <p:nvGrpSpPr>
+        <p:cNvPr id="1" name=""/>
+        <p:cNvGrpSpPr/>
+        <p:nvPr/>
+      </p:nvGrpSpPr>
+      <p:grpSpPr>
+        <a:xfrm>
+          <a:off x="0" y="0"/>
+          <a:ext cx="0" cy="0"/>
+          <a:chOff x="0" y="0"/>
+          <a:chExt cx="0" cy="0"/>
+        </a:xfrm>
+      </p:grpSpPr>
+      <p:sp>
+        <p:nvSpPr>
+          <p:cNvPr id="2" name="Text Placeholder 1"/>
+          <p:cNvSpPr>
+            <a:spLocks noGrp="1"/>
+          </p:cNvSpPr>
+          <p:nvPr>
+            <p:ph type="body" sz="quarter" idx="10"/>
+          </p:nvPr>
+        </p:nvSpPr>
+        <p:spPr/>
+        <p:txBody>
+          <a:bodyPr/>
+          <a:lstStyle/>
+          <a:p>
+            <a:r>
+              <a:rPr lang="it-IT" dirty="0"/>
+              <a:t>LQG 3dof</a:t>
+            </a:r>
+          </a:p>
+        </p:txBody>
+      </p:sp>
+      <p:pic>
+        <p:nvPicPr>
+          <p:cNvPr id="3" name="Picture 2"/>
+          <p:cNvPicPr>
+            <a:picLocks noChangeAspect="1"/>
+          </p:cNvPicPr>
+          <p:nvPr/>
+        </p:nvPicPr>
+        <p:blipFill rotWithShape="1">
+          <a:blip r:embed="rId3" cstate="email">
+            <a:extLst>
+              <a:ext uri="{28A0092B-C50C-407E-A947-70E740481C1C}">
+                <a14:useLocalDpi xmlns:a14="http://schemas.microsoft.com/office/drawing/2010/main" val="0"/>
+              </a:ext>
+            </a:extLst>
+          </a:blip>
+          <a:srcRect l="8405" t="2565" r="7978" b="2565"/>
+          <a:stretch/>
+        </p:blipFill>
+        <p:spPr>
+          <a:xfrm>
+            <a:off x="116730" y="1361871"/>
+            <a:ext cx="8900810" cy="4812779"/>
+          </a:xfrm>
+          <a:prstGeom prst="rect">
+            <a:avLst/>
+          </a:prstGeom>
+        </p:spPr>
+      </p:pic>
+    </p:spTree>
+    <p:extLst>
+      <p:ext uri="{BB962C8B-B14F-4D97-AF65-F5344CB8AC3E}">
+        <p14:creationId xmlns:p14="http://schemas.microsoft.com/office/powerpoint/2010/main" val="3467612219"/>
+      </p:ext>
+    </p:extLst>
+  </p:cSld>
+  <p:clrMapOvr>
+    <a:masterClrMapping/>
+  </p:clrMapOvr>
+</p:sld>
+</file>
+
+<file path=ppt/slides/slide12.xml><?xml version="1.0" encoding="utf-8"?>
 <p:sld xmlns:a="http://schemas.openxmlformats.org/drawingml/2006/main" xmlns:r="http://schemas.openxmlformats.org/officeDocument/2006/relationships" xmlns:p="http://schemas.openxmlformats.org/presentationml/2006/main">
   <p:cSld>
     <p:spTree>
@@ -5292,6 +5814,54 @@
           </p:sp>
         </mc:Fallback>
       </mc:AlternateContent>
+      <p:sp>
+        <p:nvSpPr>
+          <p:cNvPr id="5" name="Rectangle 4"/>
+          <p:cNvSpPr/>
+          <p:nvPr/>
+        </p:nvSpPr>
+        <p:spPr>
+          <a:xfrm>
+            <a:off x="1488332" y="5564221"/>
+            <a:ext cx="719847" cy="350196"/>
+          </a:xfrm>
+          <a:prstGeom prst="rect">
+            <a:avLst/>
+          </a:prstGeom>
+          <a:solidFill>
+            <a:schemeClr val="bg1"/>
+          </a:solidFill>
+          <a:ln>
+            <a:solidFill>
+              <a:schemeClr val="bg1"/>
+            </a:solidFill>
+          </a:ln>
+        </p:spPr>
+        <p:style>
+          <a:lnRef idx="2">
+            <a:schemeClr val="accent1">
+              <a:shade val="50000"/>
+            </a:schemeClr>
+          </a:lnRef>
+          <a:fillRef idx="1">
+            <a:schemeClr val="accent1"/>
+          </a:fillRef>
+          <a:effectRef idx="0">
+            <a:schemeClr val="accent1"/>
+          </a:effectRef>
+          <a:fontRef idx="minor">
+            <a:schemeClr val="lt1"/>
+          </a:fontRef>
+        </p:style>
+        <p:txBody>
+          <a:bodyPr rtlCol="0" anchor="ctr"/>
+          <a:lstStyle/>
+          <a:p>
+            <a:pPr algn="ctr"/>
+            <a:endParaRPr lang="it-IT"/>
+          </a:p>
+        </p:txBody>
+      </p:sp>
     </p:spTree>
     <p:extLst>
       <p:ext uri="{BB962C8B-B14F-4D97-AF65-F5344CB8AC3E}">
@@ -5305,7 +5875,7 @@
 </p:sld>
 </file>
 
-<file path=ppt/slides/slide11.xml><?xml version="1.0" encoding="utf-8"?>
+<file path=ppt/slides/slide13.xml><?xml version="1.0" encoding="utf-8"?>
 <p:sld xmlns:a="http://schemas.openxmlformats.org/drawingml/2006/main" xmlns:r="http://schemas.openxmlformats.org/officeDocument/2006/relationships" xmlns:p="http://schemas.openxmlformats.org/presentationml/2006/main">
   <p:cSld>
     <p:spTree>
@@ -5856,7 +6426,7 @@
 </p:sld>
 </file>
 
-<file path=ppt/slides/slide12.xml><?xml version="1.0" encoding="utf-8"?>
+<file path=ppt/slides/slide14.xml><?xml version="1.0" encoding="utf-8"?>
 <p:sld xmlns:a="http://schemas.openxmlformats.org/drawingml/2006/main" xmlns:r="http://schemas.openxmlformats.org/officeDocument/2006/relationships" xmlns:p="http://schemas.openxmlformats.org/presentationml/2006/main">
   <p:cSld>
     <p:spTree>
@@ -6003,6 +6573,79 @@
           </a:prstGeom>
         </p:spPr>
       </p:pic>
+      <p:sp>
+        <p:nvSpPr>
+          <p:cNvPr id="4" name="Oval 3"/>
+          <p:cNvSpPr/>
+          <p:nvPr/>
+        </p:nvSpPr>
+        <p:spPr>
+          <a:xfrm>
+            <a:off x="3235569" y="2572378"/>
+            <a:ext cx="241161" cy="221064"/>
+          </a:xfrm>
+          <a:prstGeom prst="ellipse">
+            <a:avLst/>
+          </a:prstGeom>
+        </p:spPr>
+        <p:style>
+          <a:lnRef idx="2">
+            <a:schemeClr val="accent1">
+              <a:shade val="50000"/>
+            </a:schemeClr>
+          </a:lnRef>
+          <a:fillRef idx="1">
+            <a:schemeClr val="accent1"/>
+          </a:fillRef>
+          <a:effectRef idx="0">
+            <a:schemeClr val="accent1"/>
+          </a:effectRef>
+          <a:fontRef idx="minor">
+            <a:schemeClr val="lt1"/>
+          </a:fontRef>
+        </p:style>
+        <p:txBody>
+          <a:bodyPr rtlCol="0" anchor="ctr"/>
+          <a:lstStyle/>
+          <a:p>
+            <a:pPr algn="ctr"/>
+            <a:endParaRPr lang="it-IT"/>
+          </a:p>
+        </p:txBody>
+      </p:sp>
+      <p:cxnSp>
+        <p:nvCxnSpPr>
+          <p:cNvPr id="6" name="Straight Arrow Connector 5"/>
+          <p:cNvCxnSpPr/>
+          <p:nvPr/>
+        </p:nvCxnSpPr>
+        <p:spPr>
+          <a:xfrm flipH="1">
+            <a:off x="2090058" y="2703007"/>
+            <a:ext cx="1145511" cy="0"/>
+          </a:xfrm>
+          <a:prstGeom prst="straightConnector1">
+            <a:avLst/>
+          </a:prstGeom>
+          <a:ln w="38100">
+            <a:tailEnd type="triangle"/>
+          </a:ln>
+        </p:spPr>
+        <p:style>
+          <a:lnRef idx="1">
+            <a:schemeClr val="accent1"/>
+          </a:lnRef>
+          <a:fillRef idx="0">
+            <a:schemeClr val="accent1"/>
+          </a:fillRef>
+          <a:effectRef idx="0">
+            <a:schemeClr val="accent1"/>
+          </a:effectRef>
+          <a:fontRef idx="minor">
+            <a:schemeClr val="tx1"/>
+          </a:fontRef>
+        </p:style>
+      </p:cxnSp>
     </p:spTree>
     <p:extLst>
       <p:ext uri="{BB962C8B-B14F-4D97-AF65-F5344CB8AC3E}">
@@ -6016,7 +6659,7 @@
 </p:sld>
 </file>
 
-<file path=ppt/slides/slide13.xml><?xml version="1.0" encoding="utf-8"?>
+<file path=ppt/slides/slide15.xml><?xml version="1.0" encoding="utf-8"?>
 <p:sld xmlns:a="http://schemas.openxmlformats.org/drawingml/2006/main" xmlns:r="http://schemas.openxmlformats.org/officeDocument/2006/relationships" xmlns:p="http://schemas.openxmlformats.org/presentationml/2006/main">
   <p:cSld>
     <p:spTree>
@@ -6211,7 +6854,7 @@
 </p:sld>
 </file>
 
-<file path=ppt/slides/slide14.xml><?xml version="1.0" encoding="utf-8"?>
+<file path=ppt/slides/slide16.xml><?xml version="1.0" encoding="utf-8"?>
 <p:sld xmlns:a="http://schemas.openxmlformats.org/drawingml/2006/main" xmlns:r="http://schemas.openxmlformats.org/officeDocument/2006/relationships" xmlns:p="http://schemas.openxmlformats.org/presentationml/2006/main">
   <p:cSld>
     <p:spTree>
@@ -6448,7 +7091,7 @@
 </p:sld>
 </file>
 
-<file path=ppt/slides/slide15.xml><?xml version="1.0" encoding="utf-8"?>
+<file path=ppt/slides/slide17.xml><?xml version="1.0" encoding="utf-8"?>
 <p:sld xmlns:a="http://schemas.openxmlformats.org/drawingml/2006/main" xmlns:r="http://schemas.openxmlformats.org/officeDocument/2006/relationships" xmlns:p="http://schemas.openxmlformats.org/presentationml/2006/main">
   <p:cSld>
     <p:spTree>
@@ -6542,7 +7185,7 @@
                 <a:ext cx="6883400" cy="512762"/>
               </a:xfrm>
               <a:blipFill>
-                <a:blip r:embed="rId2"/>
+                <a:blip r:embed="rId3"/>
                 <a:stretch>
                   <a:fillRect t="-28571" b="-122619"/>
                 </a:stretch>
@@ -6572,7 +7215,7 @@
           <p:nvPr/>
         </p:nvPicPr>
         <p:blipFill>
-          <a:blip r:embed="rId3"/>
+          <a:blip r:embed="rId4"/>
           <a:stretch>
             <a:fillRect/>
           </a:stretch>
@@ -6648,7 +7291,7 @@
 </p:sld>
 </file>
 
-<file path=ppt/slides/slide16.xml><?xml version="1.0" encoding="utf-8"?>
+<file path=ppt/slides/slide18.xml><?xml version="1.0" encoding="utf-8"?>
 <p:sld xmlns:a="http://schemas.openxmlformats.org/drawingml/2006/main" xmlns:r="http://schemas.openxmlformats.org/officeDocument/2006/relationships" xmlns:p="http://schemas.openxmlformats.org/presentationml/2006/main">
   <p:cSld>
     <p:spTree>
@@ -6946,7 +7589,7 @@
 </p:sld>
 </file>
 
-<file path=ppt/slides/slide17.xml><?xml version="1.0" encoding="utf-8"?>
+<file path=ppt/slides/slide19.xml><?xml version="1.0" encoding="utf-8"?>
 <p:sld xmlns:a="http://schemas.openxmlformats.org/drawingml/2006/main" xmlns:r="http://schemas.openxmlformats.org/officeDocument/2006/relationships" xmlns:p="http://schemas.openxmlformats.org/presentationml/2006/main">
   <p:cSld>
     <p:spTree>
@@ -7186,7 +7829,269 @@
 </p:sld>
 </file>
 
-<file path=ppt/slides/slide18.xml><?xml version="1.0" encoding="utf-8"?>
+<file path=ppt/slides/slide2.xml><?xml version="1.0" encoding="utf-8"?>
+<p:sld xmlns:a="http://schemas.openxmlformats.org/drawingml/2006/main" xmlns:r="http://schemas.openxmlformats.org/officeDocument/2006/relationships" xmlns:p="http://schemas.openxmlformats.org/presentationml/2006/main">
+  <p:cSld>
+    <p:spTree>
+      <p:nvGrpSpPr>
+        <p:cNvPr id="1" name=""/>
+        <p:cNvGrpSpPr/>
+        <p:nvPr/>
+      </p:nvGrpSpPr>
+      <p:grpSpPr>
+        <a:xfrm>
+          <a:off x="0" y="0"/>
+          <a:ext cx="0" cy="0"/>
+          <a:chOff x="0" y="0"/>
+          <a:chExt cx="0" cy="0"/>
+        </a:xfrm>
+      </p:grpSpPr>
+      <p:sp>
+        <p:nvSpPr>
+          <p:cNvPr id="2" name="Segnaposto testo 1"/>
+          <p:cNvSpPr>
+            <a:spLocks noGrp="1"/>
+          </p:cNvSpPr>
+          <p:nvPr>
+            <p:ph type="body" sz="quarter" idx="10"/>
+          </p:nvPr>
+        </p:nvSpPr>
+        <p:spPr/>
+        <p:txBody>
+          <a:bodyPr/>
+          <a:lstStyle/>
+          <a:p>
+            <a:r>
+              <a:rPr lang="it-IT" dirty="0"/>
+              <a:t>Loopshaping</a:t>
+            </a:r>
+          </a:p>
+        </p:txBody>
+      </p:sp>
+      <p:pic>
+        <p:nvPicPr>
+          <p:cNvPr id="3" name="Picture 2"/>
+          <p:cNvPicPr>
+            <a:picLocks noChangeAspect="1"/>
+          </p:cNvPicPr>
+          <p:nvPr/>
+        </p:nvPicPr>
+        <p:blipFill>
+          <a:blip r:embed="rId4">
+            <a:extLst>
+              <a:ext uri="{28A0092B-C50C-407E-A947-70E740481C1C}">
+                <a14:useLocalDpi xmlns:a14="http://schemas.microsoft.com/office/drawing/2010/main" val="0"/>
+              </a:ext>
+            </a:extLst>
+          </a:blip>
+          <a:stretch>
+            <a:fillRect/>
+          </a:stretch>
+        </p:blipFill>
+        <p:spPr>
+          <a:xfrm>
+            <a:off x="0" y="1205013"/>
+            <a:ext cx="6558064" cy="4918548"/>
+          </a:xfrm>
+          <a:prstGeom prst="rect">
+            <a:avLst/>
+          </a:prstGeom>
+        </p:spPr>
+      </p:pic>
+      <p:sp>
+        <p:nvSpPr>
+          <p:cNvPr id="5" name="Oval 4"/>
+          <p:cNvSpPr/>
+          <p:nvPr/>
+        </p:nvSpPr>
+        <p:spPr>
+          <a:xfrm>
+            <a:off x="2470825" y="1984443"/>
+            <a:ext cx="680936" cy="671208"/>
+          </a:xfrm>
+          <a:prstGeom prst="ellipse">
+            <a:avLst/>
+          </a:prstGeom>
+          <a:noFill/>
+          <a:ln>
+            <a:solidFill>
+              <a:srgbClr val="FF0000"/>
+            </a:solidFill>
+            <a:prstDash val="dash"/>
+          </a:ln>
+        </p:spPr>
+        <p:style>
+          <a:lnRef idx="2">
+            <a:schemeClr val="accent1">
+              <a:shade val="50000"/>
+            </a:schemeClr>
+          </a:lnRef>
+          <a:fillRef idx="1">
+            <a:schemeClr val="accent1"/>
+          </a:fillRef>
+          <a:effectRef idx="0">
+            <a:schemeClr val="accent1"/>
+          </a:effectRef>
+          <a:fontRef idx="minor">
+            <a:schemeClr val="lt1"/>
+          </a:fontRef>
+        </p:style>
+        <p:txBody>
+          <a:bodyPr rtlCol="0" anchor="ctr"/>
+          <a:lstStyle/>
+          <a:p>
+            <a:pPr algn="ctr"/>
+            <a:endParaRPr lang="it-IT"/>
+          </a:p>
+        </p:txBody>
+      </p:sp>
+      <p:cxnSp>
+        <p:nvCxnSpPr>
+          <p:cNvPr id="9" name="Straight Arrow Connector 8"/>
+          <p:cNvCxnSpPr/>
+          <p:nvPr/>
+        </p:nvCxnSpPr>
+        <p:spPr>
+          <a:xfrm>
+            <a:off x="3239313" y="2290863"/>
+            <a:ext cx="3190673" cy="0"/>
+          </a:xfrm>
+          <a:prstGeom prst="straightConnector1">
+            <a:avLst/>
+          </a:prstGeom>
+          <a:ln w="28575">
+            <a:solidFill>
+              <a:srgbClr val="FF0000"/>
+            </a:solidFill>
+            <a:tailEnd type="triangle"/>
+          </a:ln>
+        </p:spPr>
+        <p:style>
+          <a:lnRef idx="1">
+            <a:schemeClr val="accent1"/>
+          </a:lnRef>
+          <a:fillRef idx="0">
+            <a:schemeClr val="accent1"/>
+          </a:fillRef>
+          <a:effectRef idx="0">
+            <a:schemeClr val="accent1"/>
+          </a:effectRef>
+          <a:fontRef idx="minor">
+            <a:schemeClr val="tx1"/>
+          </a:fontRef>
+        </p:style>
+      </p:cxnSp>
+      <p:sp>
+        <p:nvSpPr>
+          <p:cNvPr id="11" name="TextBox 10"/>
+          <p:cNvSpPr txBox="1"/>
+          <p:nvPr/>
+        </p:nvSpPr>
+        <p:spPr>
+          <a:xfrm>
+            <a:off x="6439711" y="1984443"/>
+            <a:ext cx="2480553" cy="1477328"/>
+          </a:xfrm>
+          <a:prstGeom prst="rect">
+            <a:avLst/>
+          </a:prstGeom>
+          <a:noFill/>
+        </p:spPr>
+        <p:txBody>
+          <a:bodyPr wrap="square" rtlCol="0">
+            <a:spAutoFit/>
+          </a:bodyPr>
+          <a:lstStyle/>
+          <a:p>
+            <a:r>
+              <a:rPr lang="it-IT" dirty="0">
+                <a:solidFill>
+                  <a:schemeClr val="tx2"/>
+                </a:solidFill>
+                <a:latin typeface="+mn-lt"/>
+              </a:rPr>
+              <a:t>Poles coming from the cart dynamics.</a:t>
+            </a:r>
+          </a:p>
+          <a:p>
+            <a:endParaRPr lang="it-IT" dirty="0">
+              <a:solidFill>
+                <a:schemeClr val="tx2"/>
+              </a:solidFill>
+              <a:latin typeface="+mn-lt"/>
+            </a:endParaRPr>
+          </a:p>
+          <a:p>
+            <a:r>
+              <a:rPr lang="it-IT" dirty="0">
+                <a:solidFill>
+                  <a:schemeClr val="tx2"/>
+                </a:solidFill>
+                <a:latin typeface="+mn-lt"/>
+              </a:rPr>
+              <a:t>We would like to cancel this behavior.</a:t>
+            </a:r>
+          </a:p>
+        </p:txBody>
+      </p:sp>
+      <p:sp>
+        <p:nvSpPr>
+          <p:cNvPr id="12" name="TextBox 11"/>
+          <p:cNvSpPr txBox="1"/>
+          <p:nvPr/>
+        </p:nvSpPr>
+        <p:spPr>
+          <a:xfrm>
+            <a:off x="3151761" y="1877438"/>
+            <a:ext cx="758758" cy="369332"/>
+          </a:xfrm>
+          <a:prstGeom prst="rect">
+            <a:avLst/>
+          </a:prstGeom>
+          <a:noFill/>
+        </p:spPr>
+        <p:txBody>
+          <a:bodyPr wrap="square" rtlCol="0">
+            <a:spAutoFit/>
+          </a:bodyPr>
+          <a:lstStyle/>
+          <a:p>
+            <a:r>
+              <a:rPr lang="it-IT" dirty="0">
+                <a:solidFill>
+                  <a:srgbClr val="FF0000"/>
+                </a:solidFill>
+              </a:rPr>
+              <a:t>3Hz</a:t>
+            </a:r>
+          </a:p>
+        </p:txBody>
+      </p:sp>
+    </p:spTree>
+    <p:custDataLst>
+      <p:tags r:id="rId1"/>
+    </p:custDataLst>
+    <p:extLst>
+      <p:ext uri="{BB962C8B-B14F-4D97-AF65-F5344CB8AC3E}">
+        <p14:creationId xmlns:p14="http://schemas.microsoft.com/office/powerpoint/2010/main" val="3726194390"/>
+      </p:ext>
+    </p:extLst>
+  </p:cSld>
+  <p:clrMapOvr>
+    <a:masterClrMapping/>
+  </p:clrMapOvr>
+  <mc:AlternateContent xmlns:mc="http://schemas.openxmlformats.org/markup-compatibility/2006" xmlns:p14="http://schemas.microsoft.com/office/powerpoint/2010/main">
+    <mc:Choice Requires="p14">
+      <p:transition spd="slow" p14:dur="2000" advTm="147542"/>
+    </mc:Choice>
+    <mc:Fallback xmlns="">
+      <p:transition xmlns:p14="http://schemas.microsoft.com/office/powerpoint/2010/main" spd="slow" advTm="147542"/>
+    </mc:Fallback>
+  </mc:AlternateContent>
+</p:sld>
+</file>
+
+<file path=ppt/slides/slide20.xml><?xml version="1.0" encoding="utf-8"?>
 <p:sld xmlns:a="http://schemas.openxmlformats.org/drawingml/2006/main" xmlns:r="http://schemas.openxmlformats.org/officeDocument/2006/relationships" xmlns:p="http://schemas.openxmlformats.org/presentationml/2006/main">
   <p:cSld>
     <p:spTree>
@@ -7343,7 +8248,7 @@
 </p:sld>
 </file>
 
-<file path=ppt/slides/slide19.xml><?xml version="1.0" encoding="utf-8"?>
+<file path=ppt/slides/slide21.xml><?xml version="1.0" encoding="utf-8"?>
 <p:sld xmlns:a="http://schemas.openxmlformats.org/drawingml/2006/main" xmlns:r="http://schemas.openxmlformats.org/officeDocument/2006/relationships" xmlns:p="http://schemas.openxmlformats.org/presentationml/2006/main">
   <p:cSld>
     <p:spTree>
@@ -7543,269 +8448,7 @@
 </p:sld>
 </file>
 
-<file path=ppt/slides/slide2.xml><?xml version="1.0" encoding="utf-8"?>
-<p:sld xmlns:a="http://schemas.openxmlformats.org/drawingml/2006/main" xmlns:r="http://schemas.openxmlformats.org/officeDocument/2006/relationships" xmlns:p="http://schemas.openxmlformats.org/presentationml/2006/main">
-  <p:cSld>
-    <p:spTree>
-      <p:nvGrpSpPr>
-        <p:cNvPr id="1" name=""/>
-        <p:cNvGrpSpPr/>
-        <p:nvPr/>
-      </p:nvGrpSpPr>
-      <p:grpSpPr>
-        <a:xfrm>
-          <a:off x="0" y="0"/>
-          <a:ext cx="0" cy="0"/>
-          <a:chOff x="0" y="0"/>
-          <a:chExt cx="0" cy="0"/>
-        </a:xfrm>
-      </p:grpSpPr>
-      <p:sp>
-        <p:nvSpPr>
-          <p:cNvPr id="2" name="Segnaposto testo 1"/>
-          <p:cNvSpPr>
-            <a:spLocks noGrp="1"/>
-          </p:cNvSpPr>
-          <p:nvPr>
-            <p:ph type="body" sz="quarter" idx="10"/>
-          </p:nvPr>
-        </p:nvSpPr>
-        <p:spPr/>
-        <p:txBody>
-          <a:bodyPr/>
-          <a:lstStyle/>
-          <a:p>
-            <a:r>
-              <a:rPr lang="it-IT" dirty="0"/>
-              <a:t>Loopshaping</a:t>
-            </a:r>
-          </a:p>
-        </p:txBody>
-      </p:sp>
-      <p:pic>
-        <p:nvPicPr>
-          <p:cNvPr id="3" name="Picture 2"/>
-          <p:cNvPicPr>
-            <a:picLocks noChangeAspect="1"/>
-          </p:cNvPicPr>
-          <p:nvPr/>
-        </p:nvPicPr>
-        <p:blipFill>
-          <a:blip r:embed="rId4">
-            <a:extLst>
-              <a:ext uri="{28A0092B-C50C-407E-A947-70E740481C1C}">
-                <a14:useLocalDpi xmlns:a14="http://schemas.microsoft.com/office/drawing/2010/main" val="0"/>
-              </a:ext>
-            </a:extLst>
-          </a:blip>
-          <a:stretch>
-            <a:fillRect/>
-          </a:stretch>
-        </p:blipFill>
-        <p:spPr>
-          <a:xfrm>
-            <a:off x="0" y="1205013"/>
-            <a:ext cx="6558064" cy="4918548"/>
-          </a:xfrm>
-          <a:prstGeom prst="rect">
-            <a:avLst/>
-          </a:prstGeom>
-        </p:spPr>
-      </p:pic>
-      <p:sp>
-        <p:nvSpPr>
-          <p:cNvPr id="5" name="Oval 4"/>
-          <p:cNvSpPr/>
-          <p:nvPr/>
-        </p:nvSpPr>
-        <p:spPr>
-          <a:xfrm>
-            <a:off x="2470825" y="1984443"/>
-            <a:ext cx="680936" cy="671208"/>
-          </a:xfrm>
-          <a:prstGeom prst="ellipse">
-            <a:avLst/>
-          </a:prstGeom>
-          <a:noFill/>
-          <a:ln>
-            <a:solidFill>
-              <a:srgbClr val="FF0000"/>
-            </a:solidFill>
-            <a:prstDash val="dash"/>
-          </a:ln>
-        </p:spPr>
-        <p:style>
-          <a:lnRef idx="2">
-            <a:schemeClr val="accent1">
-              <a:shade val="50000"/>
-            </a:schemeClr>
-          </a:lnRef>
-          <a:fillRef idx="1">
-            <a:schemeClr val="accent1"/>
-          </a:fillRef>
-          <a:effectRef idx="0">
-            <a:schemeClr val="accent1"/>
-          </a:effectRef>
-          <a:fontRef idx="minor">
-            <a:schemeClr val="lt1"/>
-          </a:fontRef>
-        </p:style>
-        <p:txBody>
-          <a:bodyPr rtlCol="0" anchor="ctr"/>
-          <a:lstStyle/>
-          <a:p>
-            <a:pPr algn="ctr"/>
-            <a:endParaRPr lang="it-IT"/>
-          </a:p>
-        </p:txBody>
-      </p:sp>
-      <p:cxnSp>
-        <p:nvCxnSpPr>
-          <p:cNvPr id="9" name="Straight Arrow Connector 8"/>
-          <p:cNvCxnSpPr/>
-          <p:nvPr/>
-        </p:nvCxnSpPr>
-        <p:spPr>
-          <a:xfrm>
-            <a:off x="3239313" y="2290863"/>
-            <a:ext cx="3190673" cy="0"/>
-          </a:xfrm>
-          <a:prstGeom prst="straightConnector1">
-            <a:avLst/>
-          </a:prstGeom>
-          <a:ln w="28575">
-            <a:solidFill>
-              <a:srgbClr val="FF0000"/>
-            </a:solidFill>
-            <a:tailEnd type="triangle"/>
-          </a:ln>
-        </p:spPr>
-        <p:style>
-          <a:lnRef idx="1">
-            <a:schemeClr val="accent1"/>
-          </a:lnRef>
-          <a:fillRef idx="0">
-            <a:schemeClr val="accent1"/>
-          </a:fillRef>
-          <a:effectRef idx="0">
-            <a:schemeClr val="accent1"/>
-          </a:effectRef>
-          <a:fontRef idx="minor">
-            <a:schemeClr val="tx1"/>
-          </a:fontRef>
-        </p:style>
-      </p:cxnSp>
-      <p:sp>
-        <p:nvSpPr>
-          <p:cNvPr id="11" name="TextBox 10"/>
-          <p:cNvSpPr txBox="1"/>
-          <p:nvPr/>
-        </p:nvSpPr>
-        <p:spPr>
-          <a:xfrm>
-            <a:off x="6439711" y="1984443"/>
-            <a:ext cx="2480553" cy="1477328"/>
-          </a:xfrm>
-          <a:prstGeom prst="rect">
-            <a:avLst/>
-          </a:prstGeom>
-          <a:noFill/>
-        </p:spPr>
-        <p:txBody>
-          <a:bodyPr wrap="square" rtlCol="0">
-            <a:spAutoFit/>
-          </a:bodyPr>
-          <a:lstStyle/>
-          <a:p>
-            <a:r>
-              <a:rPr lang="it-IT" dirty="0">
-                <a:solidFill>
-                  <a:schemeClr val="tx2"/>
-                </a:solidFill>
-                <a:latin typeface="+mn-lt"/>
-              </a:rPr>
-              <a:t>Poles coming from the cart dynamics.</a:t>
-            </a:r>
-          </a:p>
-          <a:p>
-            <a:endParaRPr lang="it-IT" dirty="0">
-              <a:solidFill>
-                <a:schemeClr val="tx2"/>
-              </a:solidFill>
-              <a:latin typeface="+mn-lt"/>
-            </a:endParaRPr>
-          </a:p>
-          <a:p>
-            <a:r>
-              <a:rPr lang="it-IT" dirty="0">
-                <a:solidFill>
-                  <a:schemeClr val="tx2"/>
-                </a:solidFill>
-                <a:latin typeface="+mn-lt"/>
-              </a:rPr>
-              <a:t>We would like to cancel this behavior.</a:t>
-            </a:r>
-          </a:p>
-        </p:txBody>
-      </p:sp>
-      <p:sp>
-        <p:nvSpPr>
-          <p:cNvPr id="12" name="TextBox 11"/>
-          <p:cNvSpPr txBox="1"/>
-          <p:nvPr/>
-        </p:nvSpPr>
-        <p:spPr>
-          <a:xfrm>
-            <a:off x="3151761" y="1877438"/>
-            <a:ext cx="758758" cy="369332"/>
-          </a:xfrm>
-          <a:prstGeom prst="rect">
-            <a:avLst/>
-          </a:prstGeom>
-          <a:noFill/>
-        </p:spPr>
-        <p:txBody>
-          <a:bodyPr wrap="square" rtlCol="0">
-            <a:spAutoFit/>
-          </a:bodyPr>
-          <a:lstStyle/>
-          <a:p>
-            <a:r>
-              <a:rPr lang="it-IT" dirty="0">
-                <a:solidFill>
-                  <a:srgbClr val="FF0000"/>
-                </a:solidFill>
-              </a:rPr>
-              <a:t>3Hz</a:t>
-            </a:r>
-          </a:p>
-        </p:txBody>
-      </p:sp>
-    </p:spTree>
-    <p:custDataLst>
-      <p:tags r:id="rId1"/>
-    </p:custDataLst>
-    <p:extLst>
-      <p:ext uri="{BB962C8B-B14F-4D97-AF65-F5344CB8AC3E}">
-        <p14:creationId xmlns:p14="http://schemas.microsoft.com/office/powerpoint/2010/main" val="3726194390"/>
-      </p:ext>
-    </p:extLst>
-  </p:cSld>
-  <p:clrMapOvr>
-    <a:masterClrMapping/>
-  </p:clrMapOvr>
-  <mc:AlternateContent xmlns:mc="http://schemas.openxmlformats.org/markup-compatibility/2006" xmlns:p14="http://schemas.microsoft.com/office/powerpoint/2010/main">
-    <mc:Choice Requires="p14">
-      <p:transition spd="slow" p14:dur="2000" advTm="147542"/>
-    </mc:Choice>
-    <mc:Fallback xmlns="">
-      <p:transition xmlns:p14="http://schemas.microsoft.com/office/powerpoint/2010/main" spd="slow" advTm="147542"/>
-    </mc:Fallback>
-  </mc:AlternateContent>
-</p:sld>
-</file>
-
-<file path=ppt/slides/slide20.xml><?xml version="1.0" encoding="utf-8"?>
+<file path=ppt/slides/slide22.xml><?xml version="1.0" encoding="utf-8"?>
 <p:sld xmlns:a="http://schemas.openxmlformats.org/drawingml/2006/main" xmlns:r="http://schemas.openxmlformats.org/officeDocument/2006/relationships" xmlns:p="http://schemas.openxmlformats.org/presentationml/2006/main">
   <p:cSld>
     <p:spTree>
@@ -8024,7 +8667,7 @@
 </p:sld>
 </file>
 
-<file path=ppt/slides/slide21.xml><?xml version="1.0" encoding="utf-8"?>
+<file path=ppt/slides/slide23.xml><?xml version="1.0" encoding="utf-8"?>
 <p:sld xmlns:a="http://schemas.openxmlformats.org/drawingml/2006/main" xmlns:r="http://schemas.openxmlformats.org/officeDocument/2006/relationships" xmlns:p="http://schemas.openxmlformats.org/presentationml/2006/main">
   <p:cSld>
     <p:spTree>
@@ -8104,7 +8747,7 @@
 </p:sld>
 </file>
 
-<file path=ppt/slides/slide22.xml><?xml version="1.0" encoding="utf-8"?>
+<file path=ppt/slides/slide24.xml><?xml version="1.0" encoding="utf-8"?>
 <p:sld xmlns:a="http://schemas.openxmlformats.org/drawingml/2006/main" xmlns:r="http://schemas.openxmlformats.org/officeDocument/2006/relationships" xmlns:p="http://schemas.openxmlformats.org/presentationml/2006/main">
   <p:cSld>
     <p:spTree>
@@ -8415,7 +9058,7 @@
 </p:sld>
 </file>
 
-<file path=ppt/slides/slide23.xml><?xml version="1.0" encoding="utf-8"?>
+<file path=ppt/slides/slide25.xml><?xml version="1.0" encoding="utf-8"?>
 <p:sld xmlns:a="http://schemas.openxmlformats.org/drawingml/2006/main" xmlns:r="http://schemas.openxmlformats.org/officeDocument/2006/relationships" xmlns:p="http://schemas.openxmlformats.org/presentationml/2006/main">
   <p:cSld>
     <p:spTree>
@@ -8961,7 +9604,7 @@
 </p:sld>
 </file>
 
-<file path=ppt/slides/slide24.xml><?xml version="1.0" encoding="utf-8"?>
+<file path=ppt/slides/slide26.xml><?xml version="1.0" encoding="utf-8"?>
 <p:sld xmlns:a="http://schemas.openxmlformats.org/drawingml/2006/main" xmlns:r="http://schemas.openxmlformats.org/officeDocument/2006/relationships" xmlns:p="http://schemas.openxmlformats.org/presentationml/2006/main">
   <p:cSld>
     <p:spTree>
@@ -9111,7 +9754,7 @@
 </p:sld>
 </file>
 
-<file path=ppt/slides/slide25.xml><?xml version="1.0" encoding="utf-8"?>
+<file path=ppt/slides/slide27.xml><?xml version="1.0" encoding="utf-8"?>
 <p:sld xmlns:a="http://schemas.openxmlformats.org/drawingml/2006/main" xmlns:r="http://schemas.openxmlformats.org/officeDocument/2006/relationships" xmlns:p="http://schemas.openxmlformats.org/presentationml/2006/main">
   <p:cSld>
     <p:spTree>
@@ -10053,6 +10696,461 @@
           <a:p>
             <a:r>
               <a:rPr lang="it-IT" dirty="0"/>
+              <a:t>Positive zeros</a:t>
+            </a:r>
+          </a:p>
+        </p:txBody>
+      </p:sp>
+      <p:sp>
+        <p:nvSpPr>
+          <p:cNvPr id="5" name="TextBox 4"/>
+          <p:cNvSpPr txBox="1"/>
+          <p:nvPr/>
+        </p:nvSpPr>
+        <p:spPr>
+          <a:xfrm>
+            <a:off x="698500" y="901632"/>
+            <a:ext cx="7286625" cy="464871"/>
+          </a:xfrm>
+          <a:prstGeom prst="rect">
+            <a:avLst/>
+          </a:prstGeom>
+          <a:noFill/>
+        </p:spPr>
+        <p:txBody>
+          <a:bodyPr wrap="square" rtlCol="0">
+            <a:spAutoFit/>
+          </a:bodyPr>
+          <a:lstStyle/>
+          <a:p>
+            <a:pPr>
+              <a:lnSpc>
+                <a:spcPct val="150000"/>
+              </a:lnSpc>
+            </a:pPr>
+            <a:r>
+              <a:rPr lang="it-IT" dirty="0">
+                <a:solidFill>
+                  <a:schemeClr val="tx2"/>
+                </a:solidFill>
+                <a:latin typeface="+mn-lt"/>
+              </a:rPr>
+              <a:t>What if there is another helpful position for the zeros of the regulator?</a:t>
+            </a:r>
+          </a:p>
+        </p:txBody>
+      </p:sp>
+      <p:pic>
+        <p:nvPicPr>
+          <p:cNvPr id="3" name="Picture 2"/>
+          <p:cNvPicPr>
+            <a:picLocks noChangeAspect="1"/>
+          </p:cNvPicPr>
+          <p:nvPr/>
+        </p:nvPicPr>
+        <p:blipFill rotWithShape="1">
+          <a:blip r:embed="rId2" cstate="email">
+            <a:extLst>
+              <a:ext uri="{28A0092B-C50C-407E-A947-70E740481C1C}">
+                <a14:useLocalDpi xmlns:a14="http://schemas.microsoft.com/office/drawing/2010/main" val="0"/>
+              </a:ext>
+            </a:extLst>
+          </a:blip>
+          <a:srcRect l="851" t="12588" r="50106" b="4501"/>
+          <a:stretch/>
+        </p:blipFill>
+        <p:spPr>
+          <a:xfrm>
+            <a:off x="3159900" y="1591860"/>
+            <a:ext cx="5282120" cy="4759146"/>
+          </a:xfrm>
+          <a:prstGeom prst="rect">
+            <a:avLst/>
+          </a:prstGeom>
+        </p:spPr>
+      </p:pic>
+      <p:sp>
+        <p:nvSpPr>
+          <p:cNvPr id="6" name="Rounded Rectangle 5"/>
+          <p:cNvSpPr/>
+          <p:nvPr/>
+        </p:nvSpPr>
+        <p:spPr>
+          <a:xfrm>
+            <a:off x="552045" y="3073941"/>
+            <a:ext cx="2441643" cy="1001949"/>
+          </a:xfrm>
+          <a:prstGeom prst="roundRect">
+            <a:avLst/>
+          </a:prstGeom>
+        </p:spPr>
+        <p:style>
+          <a:lnRef idx="2">
+            <a:schemeClr val="accent1">
+              <a:shade val="50000"/>
+            </a:schemeClr>
+          </a:lnRef>
+          <a:fillRef idx="1">
+            <a:schemeClr val="accent1"/>
+          </a:fillRef>
+          <a:effectRef idx="0">
+            <a:schemeClr val="accent1"/>
+          </a:effectRef>
+          <a:fontRef idx="minor">
+            <a:schemeClr val="lt1"/>
+          </a:fontRef>
+        </p:style>
+        <p:txBody>
+          <a:bodyPr rtlCol="0" anchor="ctr"/>
+          <a:lstStyle/>
+          <a:p>
+            <a:pPr algn="ctr"/>
+            <a:r>
+              <a:rPr lang="it-IT" dirty="0"/>
+              <a:t>Admissible Area </a:t>
+            </a:r>
+            <a:br>
+              <a:rPr lang="it-IT" dirty="0"/>
+            </a:br>
+            <a:r>
+              <a:rPr lang="it-IT" dirty="0"/>
+              <a:t>wrt Performance</a:t>
+            </a:r>
+          </a:p>
+        </p:txBody>
+      </p:sp>
+      <p:sp>
+        <p:nvSpPr>
+          <p:cNvPr id="13" name="Rounded Rectangle 12"/>
+          <p:cNvSpPr/>
+          <p:nvPr/>
+        </p:nvSpPr>
+        <p:spPr>
+          <a:xfrm>
+            <a:off x="6284068" y="3073941"/>
+            <a:ext cx="1906621" cy="1001949"/>
+          </a:xfrm>
+          <a:prstGeom prst="roundRect">
+            <a:avLst/>
+          </a:prstGeom>
+        </p:spPr>
+        <p:style>
+          <a:lnRef idx="2">
+            <a:schemeClr val="accent1">
+              <a:shade val="50000"/>
+            </a:schemeClr>
+          </a:lnRef>
+          <a:fillRef idx="1">
+            <a:schemeClr val="accent1"/>
+          </a:fillRef>
+          <a:effectRef idx="0">
+            <a:schemeClr val="accent1"/>
+          </a:effectRef>
+          <a:fontRef idx="minor">
+            <a:schemeClr val="lt1"/>
+          </a:fontRef>
+        </p:style>
+        <p:txBody>
+          <a:bodyPr rtlCol="0" anchor="ctr"/>
+          <a:lstStyle/>
+          <a:p>
+            <a:pPr algn="ctr"/>
+            <a:r>
+              <a:rPr lang="it-IT" dirty="0"/>
+              <a:t>Cart Poles</a:t>
+            </a:r>
+          </a:p>
+        </p:txBody>
+      </p:sp>
+      <p:cxnSp>
+        <p:nvCxnSpPr>
+          <p:cNvPr id="15" name="Straight Arrow Connector 14"/>
+          <p:cNvCxnSpPr/>
+          <p:nvPr/>
+        </p:nvCxnSpPr>
+        <p:spPr>
+          <a:xfrm flipH="1" flipV="1">
+            <a:off x="5262664" y="2665379"/>
+            <a:ext cx="1021404" cy="885217"/>
+          </a:xfrm>
+          <a:prstGeom prst="straightConnector1">
+            <a:avLst/>
+          </a:prstGeom>
+          <a:ln w="28575">
+            <a:tailEnd type="triangle"/>
+          </a:ln>
+        </p:spPr>
+        <p:style>
+          <a:lnRef idx="1">
+            <a:schemeClr val="accent1"/>
+          </a:lnRef>
+          <a:fillRef idx="0">
+            <a:schemeClr val="accent1"/>
+          </a:fillRef>
+          <a:effectRef idx="0">
+            <a:schemeClr val="accent1"/>
+          </a:effectRef>
+          <a:fontRef idx="minor">
+            <a:schemeClr val="tx1"/>
+          </a:fontRef>
+        </p:style>
+      </p:cxnSp>
+      <p:cxnSp>
+        <p:nvCxnSpPr>
+          <p:cNvPr id="17" name="Straight Arrow Connector 16"/>
+          <p:cNvCxnSpPr/>
+          <p:nvPr/>
+        </p:nvCxnSpPr>
+        <p:spPr>
+          <a:xfrm flipH="1">
+            <a:off x="5262664" y="3550596"/>
+            <a:ext cx="1021404" cy="914400"/>
+          </a:xfrm>
+          <a:prstGeom prst="straightConnector1">
+            <a:avLst/>
+          </a:prstGeom>
+          <a:ln w="28575">
+            <a:tailEnd type="triangle"/>
+          </a:ln>
+        </p:spPr>
+        <p:style>
+          <a:lnRef idx="1">
+            <a:schemeClr val="accent1"/>
+          </a:lnRef>
+          <a:fillRef idx="0">
+            <a:schemeClr val="accent1"/>
+          </a:fillRef>
+          <a:effectRef idx="0">
+            <a:schemeClr val="accent1"/>
+          </a:effectRef>
+          <a:fontRef idx="minor">
+            <a:schemeClr val="tx1"/>
+          </a:fontRef>
+        </p:style>
+      </p:cxnSp>
+    </p:spTree>
+    <p:extLst>
+      <p:ext uri="{BB962C8B-B14F-4D97-AF65-F5344CB8AC3E}">
+        <p14:creationId xmlns:p14="http://schemas.microsoft.com/office/powerpoint/2010/main" val="3110898045"/>
+      </p:ext>
+    </p:extLst>
+  </p:cSld>
+  <p:clrMapOvr>
+    <a:masterClrMapping/>
+  </p:clrMapOvr>
+</p:sld>
+</file>
+
+<file path=ppt/slides/slide7.xml><?xml version="1.0" encoding="utf-8"?>
+<p:sld xmlns:a="http://schemas.openxmlformats.org/drawingml/2006/main" xmlns:r="http://schemas.openxmlformats.org/officeDocument/2006/relationships" xmlns:p="http://schemas.openxmlformats.org/presentationml/2006/main">
+  <p:cSld>
+    <p:spTree>
+      <p:nvGrpSpPr>
+        <p:cNvPr id="1" name=""/>
+        <p:cNvGrpSpPr/>
+        <p:nvPr/>
+      </p:nvGrpSpPr>
+      <p:grpSpPr>
+        <a:xfrm>
+          <a:off x="0" y="0"/>
+          <a:ext cx="0" cy="0"/>
+          <a:chOff x="0" y="0"/>
+          <a:chExt cx="0" cy="0"/>
+        </a:xfrm>
+      </p:grpSpPr>
+      <p:sp>
+        <p:nvSpPr>
+          <p:cNvPr id="2" name="Text Placeholder 1"/>
+          <p:cNvSpPr>
+            <a:spLocks noGrp="1"/>
+          </p:cNvSpPr>
+          <p:nvPr>
+            <p:ph type="body" sz="quarter" idx="10"/>
+          </p:nvPr>
+        </p:nvSpPr>
+        <p:spPr/>
+        <p:txBody>
+          <a:bodyPr/>
+          <a:lstStyle/>
+          <a:p>
+            <a:r>
+              <a:rPr lang="it-IT" dirty="0"/>
+              <a:t>Positive zeros</a:t>
+            </a:r>
+          </a:p>
+        </p:txBody>
+      </p:sp>
+      <p:pic>
+        <p:nvPicPr>
+          <p:cNvPr id="4" name="Picture 3"/>
+          <p:cNvPicPr>
+            <a:picLocks noChangeAspect="1"/>
+          </p:cNvPicPr>
+          <p:nvPr/>
+        </p:nvPicPr>
+        <p:blipFill>
+          <a:blip r:embed="rId2">
+            <a:extLst>
+              <a:ext uri="{28A0092B-C50C-407E-A947-70E740481C1C}">
+                <a14:useLocalDpi xmlns:a14="http://schemas.microsoft.com/office/drawing/2010/main" val="0"/>
+              </a:ext>
+            </a:extLst>
+          </a:blip>
+          <a:stretch>
+            <a:fillRect/>
+          </a:stretch>
+        </p:blipFill>
+        <p:spPr>
+          <a:xfrm>
+            <a:off x="839210" y="1011678"/>
+            <a:ext cx="7341138" cy="5505854"/>
+          </a:xfrm>
+          <a:prstGeom prst="rect">
+            <a:avLst/>
+          </a:prstGeom>
+        </p:spPr>
+      </p:pic>
+      <p:sp>
+        <p:nvSpPr>
+          <p:cNvPr id="9" name="Oval 8"/>
+          <p:cNvSpPr/>
+          <p:nvPr/>
+        </p:nvSpPr>
+        <p:spPr>
+          <a:xfrm>
+            <a:off x="5398849" y="2655651"/>
+            <a:ext cx="1138137" cy="1147864"/>
+          </a:xfrm>
+          <a:prstGeom prst="ellipse">
+            <a:avLst/>
+          </a:prstGeom>
+          <a:noFill/>
+          <a:ln>
+            <a:solidFill>
+              <a:srgbClr val="FF0000"/>
+            </a:solidFill>
+            <a:prstDash val="dash"/>
+          </a:ln>
+        </p:spPr>
+        <p:style>
+          <a:lnRef idx="2">
+            <a:schemeClr val="accent1">
+              <a:shade val="50000"/>
+            </a:schemeClr>
+          </a:lnRef>
+          <a:fillRef idx="1">
+            <a:schemeClr val="accent1"/>
+          </a:fillRef>
+          <a:effectRef idx="0">
+            <a:schemeClr val="accent1"/>
+          </a:effectRef>
+          <a:fontRef idx="minor">
+            <a:schemeClr val="lt1"/>
+          </a:fontRef>
+        </p:style>
+        <p:txBody>
+          <a:bodyPr rtlCol="0" anchor="ctr"/>
+          <a:lstStyle/>
+          <a:p>
+            <a:pPr algn="ctr"/>
+            <a:endParaRPr lang="it-IT"/>
+          </a:p>
+        </p:txBody>
+      </p:sp>
+      <p:sp>
+        <p:nvSpPr>
+          <p:cNvPr id="10" name="Oval 9"/>
+          <p:cNvSpPr/>
+          <p:nvPr/>
+        </p:nvSpPr>
+        <p:spPr>
+          <a:xfrm>
+            <a:off x="3206883" y="3955915"/>
+            <a:ext cx="1138137" cy="1147864"/>
+          </a:xfrm>
+          <a:prstGeom prst="ellipse">
+            <a:avLst/>
+          </a:prstGeom>
+          <a:noFill/>
+          <a:ln>
+            <a:solidFill>
+              <a:srgbClr val="FF0000"/>
+            </a:solidFill>
+            <a:prstDash val="dash"/>
+          </a:ln>
+        </p:spPr>
+        <p:style>
+          <a:lnRef idx="2">
+            <a:schemeClr val="accent1">
+              <a:shade val="50000"/>
+            </a:schemeClr>
+          </a:lnRef>
+          <a:fillRef idx="1">
+            <a:schemeClr val="accent1"/>
+          </a:fillRef>
+          <a:effectRef idx="0">
+            <a:schemeClr val="accent1"/>
+          </a:effectRef>
+          <a:fontRef idx="minor">
+            <a:schemeClr val="lt1"/>
+          </a:fontRef>
+        </p:style>
+        <p:txBody>
+          <a:bodyPr rtlCol="0" anchor="ctr"/>
+          <a:lstStyle/>
+          <a:p>
+            <a:pPr algn="ctr"/>
+            <a:endParaRPr lang="it-IT"/>
+          </a:p>
+        </p:txBody>
+      </p:sp>
+    </p:spTree>
+    <p:extLst>
+      <p:ext uri="{BB962C8B-B14F-4D97-AF65-F5344CB8AC3E}">
+        <p14:creationId xmlns:p14="http://schemas.microsoft.com/office/powerpoint/2010/main" val="2066622891"/>
+      </p:ext>
+    </p:extLst>
+  </p:cSld>
+  <p:clrMapOvr>
+    <a:masterClrMapping/>
+  </p:clrMapOvr>
+</p:sld>
+</file>
+
+<file path=ppt/slides/slide8.xml><?xml version="1.0" encoding="utf-8"?>
+<p:sld xmlns:a="http://schemas.openxmlformats.org/drawingml/2006/main" xmlns:r="http://schemas.openxmlformats.org/officeDocument/2006/relationships" xmlns:p="http://schemas.openxmlformats.org/presentationml/2006/main">
+  <p:cSld>
+    <p:spTree>
+      <p:nvGrpSpPr>
+        <p:cNvPr id="1" name=""/>
+        <p:cNvGrpSpPr/>
+        <p:nvPr/>
+      </p:nvGrpSpPr>
+      <p:grpSpPr>
+        <a:xfrm>
+          <a:off x="0" y="0"/>
+          <a:ext cx="0" cy="0"/>
+          <a:chOff x="0" y="0"/>
+          <a:chExt cx="0" cy="0"/>
+        </a:xfrm>
+      </p:grpSpPr>
+      <p:sp>
+        <p:nvSpPr>
+          <p:cNvPr id="2" name="Text Placeholder 1"/>
+          <p:cNvSpPr>
+            <a:spLocks noGrp="1"/>
+          </p:cNvSpPr>
+          <p:nvPr>
+            <p:ph type="body" sz="quarter" idx="10"/>
+          </p:nvPr>
+        </p:nvSpPr>
+        <p:spPr/>
+        <p:txBody>
+          <a:bodyPr/>
+          <a:lstStyle/>
+          <a:p>
+            <a:r>
+              <a:rPr lang="it-IT" dirty="0"/>
               <a:t>LQG</a:t>
             </a:r>
           </a:p>
@@ -10446,7 +11544,7 @@
 </p:sld>
 </file>
 
-<file path=ppt/slides/slide7.xml><?xml version="1.0" encoding="utf-8"?>
+<file path=ppt/slides/slide9.xml><?xml version="1.0" encoding="utf-8"?>
 <p:sld xmlns:a="http://schemas.openxmlformats.org/drawingml/2006/main" xmlns:r="http://schemas.openxmlformats.org/officeDocument/2006/relationships" xmlns:p="http://schemas.openxmlformats.org/presentationml/2006/main">
   <p:cSld>
     <p:spTree>
@@ -10686,168 +11784,6 @@
     <p:extLst>
       <p:ext uri="{BB962C8B-B14F-4D97-AF65-F5344CB8AC3E}">
         <p14:creationId xmlns:p14="http://schemas.microsoft.com/office/powerpoint/2010/main" val="16822294"/>
-      </p:ext>
-    </p:extLst>
-  </p:cSld>
-  <p:clrMapOvr>
-    <a:masterClrMapping/>
-  </p:clrMapOvr>
-</p:sld>
-</file>
-
-<file path=ppt/slides/slide8.xml><?xml version="1.0" encoding="utf-8"?>
-<p:sld xmlns:a="http://schemas.openxmlformats.org/drawingml/2006/main" xmlns:r="http://schemas.openxmlformats.org/officeDocument/2006/relationships" xmlns:p="http://schemas.openxmlformats.org/presentationml/2006/main">
-  <p:cSld>
-    <p:spTree>
-      <p:nvGrpSpPr>
-        <p:cNvPr id="1" name=""/>
-        <p:cNvGrpSpPr/>
-        <p:nvPr/>
-      </p:nvGrpSpPr>
-      <p:grpSpPr>
-        <a:xfrm>
-          <a:off x="0" y="0"/>
-          <a:ext cx="0" cy="0"/>
-          <a:chOff x="0" y="0"/>
-          <a:chExt cx="0" cy="0"/>
-        </a:xfrm>
-      </p:grpSpPr>
-      <p:sp>
-        <p:nvSpPr>
-          <p:cNvPr id="2" name="Text Placeholder 1"/>
-          <p:cNvSpPr>
-            <a:spLocks noGrp="1"/>
-          </p:cNvSpPr>
-          <p:nvPr>
-            <p:ph type="body" sz="quarter" idx="10"/>
-          </p:nvPr>
-        </p:nvSpPr>
-        <p:spPr/>
-        <p:txBody>
-          <a:bodyPr/>
-          <a:lstStyle/>
-          <a:p>
-            <a:r>
-              <a:rPr lang="it-IT" dirty="0"/>
-              <a:t>LQG 2dof</a:t>
-            </a:r>
-          </a:p>
-        </p:txBody>
-      </p:sp>
-      <p:pic>
-        <p:nvPicPr>
-          <p:cNvPr id="4" name="Picture 3"/>
-          <p:cNvPicPr>
-            <a:picLocks noChangeAspect="1"/>
-          </p:cNvPicPr>
-          <p:nvPr/>
-        </p:nvPicPr>
-        <p:blipFill rotWithShape="1">
-          <a:blip r:embed="rId3" cstate="email">
-            <a:extLst>
-              <a:ext uri="{28A0092B-C50C-407E-A947-70E740481C1C}">
-                <a14:useLocalDpi xmlns:a14="http://schemas.microsoft.com/office/drawing/2010/main" val="0"/>
-              </a:ext>
-            </a:extLst>
-          </a:blip>
-          <a:srcRect l="8511" t="3010" r="7872" b="2118"/>
-          <a:stretch/>
-        </p:blipFill>
-        <p:spPr>
-          <a:xfrm>
-            <a:off x="112794" y="1225685"/>
-            <a:ext cx="9031206" cy="4883285"/>
-          </a:xfrm>
-          <a:prstGeom prst="rect">
-            <a:avLst/>
-          </a:prstGeom>
-        </p:spPr>
-      </p:pic>
-    </p:spTree>
-    <p:extLst>
-      <p:ext uri="{BB962C8B-B14F-4D97-AF65-F5344CB8AC3E}">
-        <p14:creationId xmlns:p14="http://schemas.microsoft.com/office/powerpoint/2010/main" val="3406718157"/>
-      </p:ext>
-    </p:extLst>
-  </p:cSld>
-  <p:clrMapOvr>
-    <a:masterClrMapping/>
-  </p:clrMapOvr>
-</p:sld>
-</file>
-
-<file path=ppt/slides/slide9.xml><?xml version="1.0" encoding="utf-8"?>
-<p:sld xmlns:a="http://schemas.openxmlformats.org/drawingml/2006/main" xmlns:r="http://schemas.openxmlformats.org/officeDocument/2006/relationships" xmlns:p="http://schemas.openxmlformats.org/presentationml/2006/main">
-  <p:cSld>
-    <p:spTree>
-      <p:nvGrpSpPr>
-        <p:cNvPr id="1" name=""/>
-        <p:cNvGrpSpPr/>
-        <p:nvPr/>
-      </p:nvGrpSpPr>
-      <p:grpSpPr>
-        <a:xfrm>
-          <a:off x="0" y="0"/>
-          <a:ext cx="0" cy="0"/>
-          <a:chOff x="0" y="0"/>
-          <a:chExt cx="0" cy="0"/>
-        </a:xfrm>
-      </p:grpSpPr>
-      <p:sp>
-        <p:nvSpPr>
-          <p:cNvPr id="2" name="Text Placeholder 1"/>
-          <p:cNvSpPr>
-            <a:spLocks noGrp="1"/>
-          </p:cNvSpPr>
-          <p:nvPr>
-            <p:ph type="body" sz="quarter" idx="10"/>
-          </p:nvPr>
-        </p:nvSpPr>
-        <p:spPr/>
-        <p:txBody>
-          <a:bodyPr/>
-          <a:lstStyle/>
-          <a:p>
-            <a:r>
-              <a:rPr lang="it-IT" dirty="0"/>
-              <a:t>LQG 3dof</a:t>
-            </a:r>
-          </a:p>
-        </p:txBody>
-      </p:sp>
-      <p:pic>
-        <p:nvPicPr>
-          <p:cNvPr id="3" name="Picture 2"/>
-          <p:cNvPicPr>
-            <a:picLocks noChangeAspect="1"/>
-          </p:cNvPicPr>
-          <p:nvPr/>
-        </p:nvPicPr>
-        <p:blipFill rotWithShape="1">
-          <a:blip r:embed="rId3" cstate="email">
-            <a:extLst>
-              <a:ext uri="{28A0092B-C50C-407E-A947-70E740481C1C}">
-                <a14:useLocalDpi xmlns:a14="http://schemas.microsoft.com/office/drawing/2010/main" val="0"/>
-              </a:ext>
-            </a:extLst>
-          </a:blip>
-          <a:srcRect l="8405" t="2565" r="7978" b="2565"/>
-          <a:stretch/>
-        </p:blipFill>
-        <p:spPr>
-          <a:xfrm>
-            <a:off x="116730" y="1361871"/>
-            <a:ext cx="8900810" cy="4812779"/>
-          </a:xfrm>
-          <a:prstGeom prst="rect">
-            <a:avLst/>
-          </a:prstGeom>
-        </p:spPr>
-      </p:pic>
-    </p:spTree>
-    <p:extLst>
-      <p:ext uri="{BB962C8B-B14F-4D97-AF65-F5344CB8AC3E}">
-        <p14:creationId xmlns:p14="http://schemas.microsoft.com/office/powerpoint/2010/main" val="3467612219"/>
       </p:ext>
     </p:extLst>
   </p:cSld>
@@ -12824,4 +13760,299 @@
   </a:objectDefaults>
   <a:extraClrSchemeLst/>
 </a:theme>
+</file>
+
+<file path=ppt/theme/theme5.xml><?xml version="1.0" encoding="utf-8"?>
+<a:theme xmlns:a="http://schemas.openxmlformats.org/drawingml/2006/main" name="Office Theme">
+  <a:themeElements>
+    <a:clrScheme name="Office">
+      <a:dk1>
+        <a:sysClr val="windowText" lastClr="000000"/>
+      </a:dk1>
+      <a:lt1>
+        <a:sysClr val="window" lastClr="FFFFFF"/>
+      </a:lt1>
+      <a:dk2>
+        <a:srgbClr val="44546A"/>
+      </a:dk2>
+      <a:lt2>
+        <a:srgbClr val="E7E6E6"/>
+      </a:lt2>
+      <a:accent1>
+        <a:srgbClr val="5B9BD5"/>
+      </a:accent1>
+      <a:accent2>
+        <a:srgbClr val="ED7D31"/>
+      </a:accent2>
+      <a:accent3>
+        <a:srgbClr val="A5A5A5"/>
+      </a:accent3>
+      <a:accent4>
+        <a:srgbClr val="FFC000"/>
+      </a:accent4>
+      <a:accent5>
+        <a:srgbClr val="4472C4"/>
+      </a:accent5>
+      <a:accent6>
+        <a:srgbClr val="70AD47"/>
+      </a:accent6>
+      <a:hlink>
+        <a:srgbClr val="0563C1"/>
+      </a:hlink>
+      <a:folHlink>
+        <a:srgbClr val="954F72"/>
+      </a:folHlink>
+    </a:clrScheme>
+    <a:fontScheme name="Office">
+      <a:majorFont>
+        <a:latin typeface="Calibri Light" panose="020F0302020204030204"/>
+        <a:ea typeface=""/>
+        <a:cs typeface=""/>
+        <a:font script="Jpan" typeface="游ゴシック Light"/>
+        <a:font script="Hang" typeface="맑은 고딕"/>
+        <a:font script="Hans" typeface="等线 Light"/>
+        <a:font script="Hant" typeface="新細明體"/>
+        <a:font script="Arab" typeface="Times New Roman"/>
+        <a:font script="Hebr" typeface="Times New Roman"/>
+        <a:font script="Thai" typeface="Angsana New"/>
+        <a:font script="Ethi" typeface="Nyala"/>
+        <a:font script="Beng" typeface="Vrinda"/>
+        <a:font script="Gujr" typeface="Shruti"/>
+        <a:font script="Khmr" typeface="MoolBoran"/>
+        <a:font script="Knda" typeface="Tunga"/>
+        <a:font script="Guru" typeface="Raavi"/>
+        <a:font script="Cans" typeface="Euphemia"/>
+        <a:font script="Cher" typeface="Plantagenet Cherokee"/>
+        <a:font script="Yiii" typeface="Microsoft Yi Baiti"/>
+        <a:font script="Tibt" typeface="Microsoft Himalaya"/>
+        <a:font script="Thaa" typeface="MV Boli"/>
+        <a:font script="Deva" typeface="Mangal"/>
+        <a:font script="Telu" typeface="Gautami"/>
+        <a:font script="Taml" typeface="Latha"/>
+        <a:font script="Syrc" typeface="Estrangelo Edessa"/>
+        <a:font script="Orya" typeface="Kalinga"/>
+        <a:font script="Mlym" typeface="Kartika"/>
+        <a:font script="Laoo" typeface="DokChampa"/>
+        <a:font script="Sinh" typeface="Iskoola Pota"/>
+        <a:font script="Mong" typeface="Mongolian Baiti"/>
+        <a:font script="Viet" typeface="Times New Roman"/>
+        <a:font script="Uigh" typeface="Microsoft Uighur"/>
+        <a:font script="Geor" typeface="Sylfaen"/>
+        <a:font script="Armn" typeface="Arial"/>
+        <a:font script="Bugi" typeface="Leelawadee UI"/>
+        <a:font script="Bopo" typeface="Microsoft JhengHei"/>
+        <a:font script="Java" typeface="Javanese Text"/>
+        <a:font script="Lisu" typeface="Segoe UI"/>
+        <a:font script="Mymr" typeface="Myanmar Text"/>
+        <a:font script="Nkoo" typeface="Ebrima"/>
+        <a:font script="Olck" typeface="Nirmala UI"/>
+        <a:font script="Osma" typeface="Ebrima"/>
+        <a:font script="Phag" typeface="Phagspa"/>
+        <a:font script="Syrn" typeface="Estrangelo Edessa"/>
+        <a:font script="Syrj" typeface="Estrangelo Edessa"/>
+        <a:font script="Syre" typeface="Estrangelo Edessa"/>
+        <a:font script="Sora" typeface="Nirmala UI"/>
+        <a:font script="Tale" typeface="Microsoft Tai Le"/>
+        <a:font script="Talu" typeface="Microsoft New Tai Lue"/>
+        <a:font script="Tfng" typeface="Ebrima"/>
+      </a:majorFont>
+      <a:minorFont>
+        <a:latin typeface="Calibri" panose="020F0502020204030204"/>
+        <a:ea typeface=""/>
+        <a:cs typeface=""/>
+        <a:font script="Jpan" typeface="游ゴシック"/>
+        <a:font script="Hang" typeface="맑은 고딕"/>
+        <a:font script="Hans" typeface="等线"/>
+        <a:font script="Hant" typeface="新細明體"/>
+        <a:font script="Arab" typeface="Arial"/>
+        <a:font script="Hebr" typeface="Arial"/>
+        <a:font script="Thai" typeface="Cordia New"/>
+        <a:font script="Ethi" typeface="Nyala"/>
+        <a:font script="Beng" typeface="Vrinda"/>
+        <a:font script="Gujr" typeface="Shruti"/>
+        <a:font script="Khmr" typeface="DaunPenh"/>
+        <a:font script="Knda" typeface="Tunga"/>
+        <a:font script="Guru" typeface="Raavi"/>
+        <a:font script="Cans" typeface="Euphemia"/>
+        <a:font script="Cher" typeface="Plantagenet Cherokee"/>
+        <a:font script="Yiii" typeface="Microsoft Yi Baiti"/>
+        <a:font script="Tibt" typeface="Microsoft Himalaya"/>
+        <a:font script="Thaa" typeface="MV Boli"/>
+        <a:font script="Deva" typeface="Mangal"/>
+        <a:font script="Telu" typeface="Gautami"/>
+        <a:font script="Taml" typeface="Latha"/>
+        <a:font script="Syrc" typeface="Estrangelo Edessa"/>
+        <a:font script="Orya" typeface="Kalinga"/>
+        <a:font script="Mlym" typeface="Kartika"/>
+        <a:font script="Laoo" typeface="DokChampa"/>
+        <a:font script="Sinh" typeface="Iskoola Pota"/>
+        <a:font script="Mong" typeface="Mongolian Baiti"/>
+        <a:font script="Viet" typeface="Arial"/>
+        <a:font script="Uigh" typeface="Microsoft Uighur"/>
+        <a:font script="Geor" typeface="Sylfaen"/>
+        <a:font script="Armn" typeface="Arial"/>
+        <a:font script="Bugi" typeface="Leelawadee UI"/>
+        <a:font script="Bopo" typeface="Microsoft JhengHei"/>
+        <a:font script="Java" typeface="Javanese Text"/>
+        <a:font script="Lisu" typeface="Segoe UI"/>
+        <a:font script="Mymr" typeface="Myanmar Text"/>
+        <a:font script="Nkoo" typeface="Ebrima"/>
+        <a:font script="Olck" typeface="Nirmala UI"/>
+        <a:font script="Osma" typeface="Ebrima"/>
+        <a:font script="Phag" typeface="Phagspa"/>
+        <a:font script="Syrn" typeface="Estrangelo Edessa"/>
+        <a:font script="Syrj" typeface="Estrangelo Edessa"/>
+        <a:font script="Syre" typeface="Estrangelo Edessa"/>
+        <a:font script="Sora" typeface="Nirmala UI"/>
+        <a:font script="Tale" typeface="Microsoft Tai Le"/>
+        <a:font script="Talu" typeface="Microsoft New Tai Lue"/>
+        <a:font script="Tfng" typeface="Ebrima"/>
+      </a:minorFont>
+    </a:fontScheme>
+    <a:fmtScheme name="Office">
+      <a:fillStyleLst>
+        <a:solidFill>
+          <a:schemeClr val="phClr"/>
+        </a:solidFill>
+        <a:gradFill rotWithShape="1">
+          <a:gsLst>
+            <a:gs pos="0">
+              <a:schemeClr val="phClr">
+                <a:lumMod val="110000"/>
+                <a:satMod val="105000"/>
+                <a:tint val="67000"/>
+              </a:schemeClr>
+            </a:gs>
+            <a:gs pos="50000">
+              <a:schemeClr val="phClr">
+                <a:lumMod val="105000"/>
+                <a:satMod val="103000"/>
+                <a:tint val="73000"/>
+              </a:schemeClr>
+            </a:gs>
+            <a:gs pos="100000">
+              <a:schemeClr val="phClr">
+                <a:lumMod val="105000"/>
+                <a:satMod val="109000"/>
+                <a:tint val="81000"/>
+              </a:schemeClr>
+            </a:gs>
+          </a:gsLst>
+          <a:lin ang="5400000" scaled="0"/>
+        </a:gradFill>
+        <a:gradFill rotWithShape="1">
+          <a:gsLst>
+            <a:gs pos="0">
+              <a:schemeClr val="phClr">
+                <a:satMod val="103000"/>
+                <a:lumMod val="102000"/>
+                <a:tint val="94000"/>
+              </a:schemeClr>
+            </a:gs>
+            <a:gs pos="50000">
+              <a:schemeClr val="phClr">
+                <a:satMod val="110000"/>
+                <a:lumMod val="100000"/>
+                <a:shade val="100000"/>
+              </a:schemeClr>
+            </a:gs>
+            <a:gs pos="100000">
+              <a:schemeClr val="phClr">
+                <a:lumMod val="99000"/>
+                <a:satMod val="120000"/>
+                <a:shade val="78000"/>
+              </a:schemeClr>
+            </a:gs>
+          </a:gsLst>
+          <a:lin ang="5400000" scaled="0"/>
+        </a:gradFill>
+      </a:fillStyleLst>
+      <a:lnStyleLst>
+        <a:ln w="6350" cap="flat" cmpd="sng" algn="ctr">
+          <a:solidFill>
+            <a:schemeClr val="phClr"/>
+          </a:solidFill>
+          <a:prstDash val="solid"/>
+          <a:miter lim="800000"/>
+        </a:ln>
+        <a:ln w="12700" cap="flat" cmpd="sng" algn="ctr">
+          <a:solidFill>
+            <a:schemeClr val="phClr"/>
+          </a:solidFill>
+          <a:prstDash val="solid"/>
+          <a:miter lim="800000"/>
+        </a:ln>
+        <a:ln w="19050" cap="flat" cmpd="sng" algn="ctr">
+          <a:solidFill>
+            <a:schemeClr val="phClr"/>
+          </a:solidFill>
+          <a:prstDash val="solid"/>
+          <a:miter lim="800000"/>
+        </a:ln>
+      </a:lnStyleLst>
+      <a:effectStyleLst>
+        <a:effectStyle>
+          <a:effectLst/>
+        </a:effectStyle>
+        <a:effectStyle>
+          <a:effectLst/>
+        </a:effectStyle>
+        <a:effectStyle>
+          <a:effectLst>
+            <a:outerShdw blurRad="57150" dist="19050" dir="5400000" algn="ctr" rotWithShape="0">
+              <a:srgbClr val="000000">
+                <a:alpha val="63000"/>
+              </a:srgbClr>
+            </a:outerShdw>
+          </a:effectLst>
+        </a:effectStyle>
+      </a:effectStyleLst>
+      <a:bgFillStyleLst>
+        <a:solidFill>
+          <a:schemeClr val="phClr"/>
+        </a:solidFill>
+        <a:solidFill>
+          <a:schemeClr val="phClr">
+            <a:tint val="95000"/>
+            <a:satMod val="170000"/>
+          </a:schemeClr>
+        </a:solidFill>
+        <a:gradFill rotWithShape="1">
+          <a:gsLst>
+            <a:gs pos="0">
+              <a:schemeClr val="phClr">
+                <a:tint val="93000"/>
+                <a:satMod val="150000"/>
+                <a:shade val="98000"/>
+                <a:lumMod val="102000"/>
+              </a:schemeClr>
+            </a:gs>
+            <a:gs pos="50000">
+              <a:schemeClr val="phClr">
+                <a:tint val="98000"/>
+                <a:satMod val="130000"/>
+                <a:shade val="90000"/>
+                <a:lumMod val="103000"/>
+              </a:schemeClr>
+            </a:gs>
+            <a:gs pos="100000">
+              <a:schemeClr val="phClr">
+                <a:shade val="63000"/>
+                <a:satMod val="120000"/>
+              </a:schemeClr>
+            </a:gs>
+          </a:gsLst>
+          <a:lin ang="5400000" scaled="0"/>
+        </a:gradFill>
+      </a:bgFillStyleLst>
+    </a:fmtScheme>
+  </a:themeElements>
+  <a:objectDefaults/>
+  <a:extraClrSchemeLst/>
+  <a:extLst>
+    <a:ext uri="{05A4C25C-085E-4340-85A3-A5531E510DB2}">
+      <thm15:themeFamily xmlns:thm15="http://schemas.microsoft.com/office/thememl/2012/main" name="Office Theme" id="{62F939B6-93AF-4DB8-9C6B-D6C7DFDC589F}" vid="{4A3C46E8-61CC-4603-A589-7422A47A8E4A}"/>
+    </a:ext>
+  </a:extLst>
+</a:theme>
 </file>